--- a/PyETL/ppt/data_architect_assesment_v1_copy.pptx
+++ b/PyETL/ppt/data_architect_assesment_v1_copy.pptx
@@ -14,7 +14,7 @@
     <p:sldId id="261" r:id="rId5"/>
     <p:sldId id="264" r:id="rId6"/>
     <p:sldId id="262" r:id="rId7"/>
-    <p:sldId id="265" r:id="rId8"/>
+    <p:sldId id="268" r:id="rId8"/>
     <p:sldId id="266" r:id="rId9"/>
     <p:sldId id="267" r:id="rId10"/>
   </p:sldIdLst>
@@ -912,7 +912,7 @@
         <p:cNvPr id="1" name="">
           <a:extLst>
             <a:ext uri="{FF2B5EF4-FFF2-40B4-BE49-F238E27FC236}">
-              <a16:creationId xmlns:a16="http://schemas.microsoft.com/office/drawing/2014/main" id="{8D639D55-0BA4-E4A7-2405-2B05D8FF0972}"/>
+              <a16:creationId xmlns:a16="http://schemas.microsoft.com/office/drawing/2014/main" id="{0952882F-F85A-4CF3-8452-FA9A53C14C72}"/>
             </a:ext>
           </a:extLst>
         </p:cNvPr>
@@ -932,7 +932,7 @@
           <p:cNvPr id="2" name="Marcador de imagen de diapositiva 1">
             <a:extLst>
               <a:ext uri="{FF2B5EF4-FFF2-40B4-BE49-F238E27FC236}">
-                <a16:creationId xmlns:a16="http://schemas.microsoft.com/office/drawing/2014/main" id="{B51ECA19-5885-4F41-2B69-79159A0D7185}"/>
+                <a16:creationId xmlns:a16="http://schemas.microsoft.com/office/drawing/2014/main" id="{8132EF35-43BA-5BE0-FF32-7DEDE24034C1}"/>
               </a:ext>
             </a:extLst>
           </p:cNvPr>
@@ -950,7 +950,7 @@
           <p:cNvPr id="3" name="Marcador de notas 2">
             <a:extLst>
               <a:ext uri="{FF2B5EF4-FFF2-40B4-BE49-F238E27FC236}">
-                <a16:creationId xmlns:a16="http://schemas.microsoft.com/office/drawing/2014/main" id="{786A3971-A22F-2946-DFAD-1D6EBDE61BED}"/>
+                <a16:creationId xmlns:a16="http://schemas.microsoft.com/office/drawing/2014/main" id="{C3B5A6E1-10C2-E6A9-69A9-F0EFC92531DC}"/>
               </a:ext>
             </a:extLst>
           </p:cNvPr>
@@ -975,7 +975,7 @@
           <p:cNvPr id="4" name="Marcador de número de diapositiva 3">
             <a:extLst>
               <a:ext uri="{FF2B5EF4-FFF2-40B4-BE49-F238E27FC236}">
-                <a16:creationId xmlns:a16="http://schemas.microsoft.com/office/drawing/2014/main" id="{486FB3BF-C2A9-1E8C-0212-BF35713EC49C}"/>
+                <a16:creationId xmlns:a16="http://schemas.microsoft.com/office/drawing/2014/main" id="{C0569D45-517A-8538-4957-0862BFBB442E}"/>
               </a:ext>
             </a:extLst>
           </p:cNvPr>
@@ -1002,7 +1002,7 @@
     </p:spTree>
     <p:extLst>
       <p:ext uri="{BB962C8B-B14F-4D97-AF65-F5344CB8AC3E}">
-        <p14:creationId xmlns:p14="http://schemas.microsoft.com/office/powerpoint/2010/main" val="4089284134"/>
+        <p14:creationId xmlns:p14="http://schemas.microsoft.com/office/powerpoint/2010/main" val="622971044"/>
       </p:ext>
     </p:extLst>
   </p:cSld>
@@ -9732,7 +9732,7 @@
         <p:cNvPr id="1" name="">
           <a:extLst>
             <a:ext uri="{FF2B5EF4-FFF2-40B4-BE49-F238E27FC236}">
-              <a16:creationId xmlns:a16="http://schemas.microsoft.com/office/drawing/2014/main" id="{775A6292-8175-213D-5659-A7CD72538D61}"/>
+              <a16:creationId xmlns:a16="http://schemas.microsoft.com/office/drawing/2014/main" id="{CC275E7B-D182-3062-A34D-777169D53F68}"/>
             </a:ext>
           </a:extLst>
         </p:cNvPr>
@@ -9752,7 +9752,7 @@
           <p:cNvPr id="7" name="Título 6">
             <a:extLst>
               <a:ext uri="{FF2B5EF4-FFF2-40B4-BE49-F238E27FC236}">
-                <a16:creationId xmlns:a16="http://schemas.microsoft.com/office/drawing/2014/main" id="{320B147D-BD52-C0B1-4CD2-79D833DDE3B0}"/>
+                <a16:creationId xmlns:a16="http://schemas.microsoft.com/office/drawing/2014/main" id="{9ED2CF62-C27A-9A3D-AA5F-F5D5C50EDFA1}"/>
               </a:ext>
             </a:extLst>
           </p:cNvPr>
@@ -9790,7 +9790,7 @@
           <p:cNvPr id="63" name="CuadroTexto 62">
             <a:extLst>
               <a:ext uri="{FF2B5EF4-FFF2-40B4-BE49-F238E27FC236}">
-                <a16:creationId xmlns:a16="http://schemas.microsoft.com/office/drawing/2014/main" id="{B677C39E-B857-A16D-DFEC-19FB27531779}"/>
+                <a16:creationId xmlns:a16="http://schemas.microsoft.com/office/drawing/2014/main" id="{EA63C2DE-51FB-59BB-19B6-50545C1F585B}"/>
               </a:ext>
             </a:extLst>
           </p:cNvPr>
@@ -9829,7 +9829,7 @@
           <p:cNvPr id="105" name="Conector recto 104">
             <a:extLst>
               <a:ext uri="{FF2B5EF4-FFF2-40B4-BE49-F238E27FC236}">
-                <a16:creationId xmlns:a16="http://schemas.microsoft.com/office/drawing/2014/main" id="{74F65C92-8F22-B6B8-3377-114FFE7343EE}"/>
+                <a16:creationId xmlns:a16="http://schemas.microsoft.com/office/drawing/2014/main" id="{0C958031-24E1-D415-2B99-A354CA7C19C6}"/>
               </a:ext>
             </a:extLst>
           </p:cNvPr>
@@ -9867,7 +9867,7 @@
           <p:cNvPr id="4" name="Título 6">
             <a:extLst>
               <a:ext uri="{FF2B5EF4-FFF2-40B4-BE49-F238E27FC236}">
-                <a16:creationId xmlns:a16="http://schemas.microsoft.com/office/drawing/2014/main" id="{AAB10003-A043-B532-136A-1F02423FB49B}"/>
+                <a16:creationId xmlns:a16="http://schemas.microsoft.com/office/drawing/2014/main" id="{53F08B1D-1BD6-AFCC-9113-350F10C2D182}"/>
               </a:ext>
             </a:extLst>
           </p:cNvPr>
@@ -9933,10 +9933,10 @@
       </p:sp>
       <p:pic>
         <p:nvPicPr>
-          <p:cNvPr id="5" name="Imagen 4">
-            <a:extLst>
-              <a:ext uri="{FF2B5EF4-FFF2-40B4-BE49-F238E27FC236}">
-                <a16:creationId xmlns:a16="http://schemas.microsoft.com/office/drawing/2014/main" id="{799E4597-6D5F-5472-D418-11E2384F9340}"/>
+          <p:cNvPr id="6" name="Imagen 5">
+            <a:extLst>
+              <a:ext uri="{FF2B5EF4-FFF2-40B4-BE49-F238E27FC236}">
+                <a16:creationId xmlns:a16="http://schemas.microsoft.com/office/drawing/2014/main" id="{C3F0FBEE-7B12-0C36-25EC-B4C873E859F0}"/>
               </a:ext>
             </a:extLst>
           </p:cNvPr>
@@ -9953,18 +9953,384 @@
         </p:blipFill>
         <p:spPr>
           <a:xfrm>
-            <a:off x="1784930" y="2054665"/>
-            <a:ext cx="5396920" cy="4146110"/>
+            <a:off x="235668" y="1881002"/>
+            <a:ext cx="1023988" cy="3809234"/>
           </a:xfrm>
           <a:prstGeom prst="rect">
             <a:avLst/>
           </a:prstGeom>
         </p:spPr>
       </p:pic>
+      <p:cxnSp>
+        <p:nvCxnSpPr>
+          <p:cNvPr id="9" name="Conector recto de flecha 8">
+            <a:extLst>
+              <a:ext uri="{FF2B5EF4-FFF2-40B4-BE49-F238E27FC236}">
+                <a16:creationId xmlns:a16="http://schemas.microsoft.com/office/drawing/2014/main" id="{DF1BFF9B-81D3-59A5-0937-51D5F06D8201}"/>
+              </a:ext>
+            </a:extLst>
+          </p:cNvPr>
+          <p:cNvCxnSpPr>
+            <a:cxnSpLocks/>
+            <a:stCxn id="6" idx="3"/>
+          </p:cNvCxnSpPr>
+          <p:nvPr/>
+        </p:nvCxnSpPr>
+        <p:spPr>
+          <a:xfrm>
+            <a:off x="1259656" y="3785619"/>
+            <a:ext cx="578668" cy="0"/>
+          </a:xfrm>
+          <a:prstGeom prst="straightConnector1">
+            <a:avLst/>
+          </a:prstGeom>
+          <a:ln>
+            <a:tailEnd type="triangle"/>
+          </a:ln>
+        </p:spPr>
+        <p:style>
+          <a:lnRef idx="2">
+            <a:schemeClr val="accent1"/>
+          </a:lnRef>
+          <a:fillRef idx="0">
+            <a:schemeClr val="accent1"/>
+          </a:fillRef>
+          <a:effectRef idx="1">
+            <a:schemeClr val="accent1"/>
+          </a:effectRef>
+          <a:fontRef idx="minor">
+            <a:schemeClr val="tx1"/>
+          </a:fontRef>
+        </p:style>
+      </p:cxnSp>
+      <p:sp>
+        <p:nvSpPr>
+          <p:cNvPr id="10" name="Rectángulo 9">
+            <a:extLst>
+              <a:ext uri="{FF2B5EF4-FFF2-40B4-BE49-F238E27FC236}">
+                <a16:creationId xmlns:a16="http://schemas.microsoft.com/office/drawing/2014/main" id="{DB067F09-53B3-F1E5-3106-2CD709218BF1}"/>
+              </a:ext>
+            </a:extLst>
+          </p:cNvPr>
+          <p:cNvSpPr/>
+          <p:nvPr/>
+        </p:nvSpPr>
+        <p:spPr>
+          <a:xfrm>
+            <a:off x="1838324" y="3095625"/>
+            <a:ext cx="1866901" cy="895350"/>
+          </a:xfrm>
+          <a:prstGeom prst="rect">
+            <a:avLst/>
+          </a:prstGeom>
+          <a:solidFill>
+            <a:srgbClr val="F0EFD3"/>
+          </a:solidFill>
+        </p:spPr>
+        <p:style>
+          <a:lnRef idx="2">
+            <a:schemeClr val="accent1">
+              <a:shade val="15000"/>
+            </a:schemeClr>
+          </a:lnRef>
+          <a:fillRef idx="1">
+            <a:schemeClr val="accent1"/>
+          </a:fillRef>
+          <a:effectRef idx="0">
+            <a:schemeClr val="accent1"/>
+          </a:effectRef>
+          <a:fontRef idx="minor">
+            <a:schemeClr val="lt1"/>
+          </a:fontRef>
+        </p:style>
+        <p:txBody>
+          <a:bodyPr rtlCol="0" anchor="ctr"/>
+          <a:lstStyle/>
+          <a:p>
+            <a:pPr algn="ctr"/>
+            <a:endParaRPr lang="es-ES" dirty="0"/>
+          </a:p>
+        </p:txBody>
+      </p:sp>
+      <p:sp>
+        <p:nvSpPr>
+          <p:cNvPr id="11" name="CuadroTexto 10">
+            <a:extLst>
+              <a:ext uri="{FF2B5EF4-FFF2-40B4-BE49-F238E27FC236}">
+                <a16:creationId xmlns:a16="http://schemas.microsoft.com/office/drawing/2014/main" id="{0F605C72-1E09-A38F-0063-935BC192875C}"/>
+              </a:ext>
+            </a:extLst>
+          </p:cNvPr>
+          <p:cNvSpPr txBox="1"/>
+          <p:nvPr/>
+        </p:nvSpPr>
+        <p:spPr>
+          <a:xfrm>
+            <a:off x="1895475" y="3095625"/>
+            <a:ext cx="1752600" cy="1200329"/>
+          </a:xfrm>
+          <a:prstGeom prst="rect">
+            <a:avLst/>
+          </a:prstGeom>
+          <a:noFill/>
+        </p:spPr>
+        <p:txBody>
+          <a:bodyPr wrap="square" rtlCol="0">
+            <a:spAutoFit/>
+          </a:bodyPr>
+          <a:lstStyle/>
+          <a:p>
+            <a:pPr algn="ctr"/>
+            <a:r>
+              <a:rPr lang="es-ES" dirty="0" err="1"/>
+              <a:t>Ingestion</a:t>
+            </a:r>
+            <a:endParaRPr lang="es-ES" dirty="0"/>
+          </a:p>
+          <a:p>
+            <a:pPr algn="ctr"/>
+            <a:endParaRPr lang="es-ES" dirty="0"/>
+          </a:p>
+          <a:p>
+            <a:pPr algn="ctr"/>
+            <a:r>
+              <a:rPr lang="es-ES" dirty="0" err="1"/>
+              <a:t>AzCopy</a:t>
+            </a:r>
+            <a:r>
+              <a:rPr lang="es-ES" dirty="0"/>
+              <a:t>/</a:t>
+            </a:r>
+            <a:r>
+              <a:rPr lang="es-ES" dirty="0" err="1"/>
+              <a:t>OData</a:t>
+            </a:r>
+            <a:endParaRPr lang="es-ES" dirty="0"/>
+          </a:p>
+          <a:p>
+            <a:pPr algn="ctr"/>
+            <a:endParaRPr lang="es-ES" dirty="0"/>
+          </a:p>
+        </p:txBody>
+      </p:sp>
+      <p:pic>
+        <p:nvPicPr>
+          <p:cNvPr id="15" name="Imagen 14">
+            <a:extLst>
+              <a:ext uri="{FF2B5EF4-FFF2-40B4-BE49-F238E27FC236}">
+                <a16:creationId xmlns:a16="http://schemas.microsoft.com/office/drawing/2014/main" id="{8D64FB77-5E92-2C63-5F0F-21610B416048}"/>
+              </a:ext>
+            </a:extLst>
+          </p:cNvPr>
+          <p:cNvPicPr>
+            <a:picLocks noChangeAspect="1"/>
+          </p:cNvPicPr>
+          <p:nvPr/>
+        </p:nvPicPr>
+        <p:blipFill>
+          <a:blip r:embed="rId4"/>
+          <a:stretch>
+            <a:fillRect/>
+          </a:stretch>
+        </p:blipFill>
+        <p:spPr>
+          <a:xfrm>
+            <a:off x="3705225" y="4533900"/>
+            <a:ext cx="1060560" cy="1269684"/>
+          </a:xfrm>
+          <a:prstGeom prst="rect">
+            <a:avLst/>
+          </a:prstGeom>
+        </p:spPr>
+      </p:pic>
+      <p:cxnSp>
+        <p:nvCxnSpPr>
+          <p:cNvPr id="16" name="Conector recto de flecha 15">
+            <a:extLst>
+              <a:ext uri="{FF2B5EF4-FFF2-40B4-BE49-F238E27FC236}">
+                <a16:creationId xmlns:a16="http://schemas.microsoft.com/office/drawing/2014/main" id="{875668CC-0257-8AF8-378B-B96FB42BBC18}"/>
+              </a:ext>
+            </a:extLst>
+          </p:cNvPr>
+          <p:cNvCxnSpPr>
+            <a:cxnSpLocks/>
+          </p:cNvCxnSpPr>
+          <p:nvPr/>
+        </p:nvCxnSpPr>
+        <p:spPr>
+          <a:xfrm>
+            <a:off x="3705225" y="3543300"/>
+            <a:ext cx="714375" cy="990600"/>
+          </a:xfrm>
+          <a:prstGeom prst="straightConnector1">
+            <a:avLst/>
+          </a:prstGeom>
+          <a:ln>
+            <a:tailEnd type="triangle"/>
+          </a:ln>
+        </p:spPr>
+        <p:style>
+          <a:lnRef idx="2">
+            <a:schemeClr val="accent1"/>
+          </a:lnRef>
+          <a:fillRef idx="0">
+            <a:schemeClr val="accent1"/>
+          </a:fillRef>
+          <a:effectRef idx="1">
+            <a:schemeClr val="accent1"/>
+          </a:effectRef>
+          <a:fontRef idx="minor">
+            <a:schemeClr val="tx1"/>
+          </a:fontRef>
+        </p:style>
+      </p:cxnSp>
+      <p:cxnSp>
+        <p:nvCxnSpPr>
+          <p:cNvPr id="19" name="Conector recto de flecha 18">
+            <a:extLst>
+              <a:ext uri="{FF2B5EF4-FFF2-40B4-BE49-F238E27FC236}">
+                <a16:creationId xmlns:a16="http://schemas.microsoft.com/office/drawing/2014/main" id="{550216DE-C2D8-B66E-656C-2DF29CFA5B53}"/>
+              </a:ext>
+            </a:extLst>
+          </p:cNvPr>
+          <p:cNvCxnSpPr>
+            <a:cxnSpLocks/>
+            <a:stCxn id="15" idx="3"/>
+          </p:cNvCxnSpPr>
+          <p:nvPr/>
+        </p:nvCxnSpPr>
+        <p:spPr>
+          <a:xfrm flipV="1">
+            <a:off x="4765785" y="3951848"/>
+            <a:ext cx="615840" cy="1216894"/>
+          </a:xfrm>
+          <a:prstGeom prst="straightConnector1">
+            <a:avLst/>
+          </a:prstGeom>
+          <a:ln>
+            <a:tailEnd type="triangle"/>
+          </a:ln>
+        </p:spPr>
+        <p:style>
+          <a:lnRef idx="2">
+            <a:schemeClr val="accent1"/>
+          </a:lnRef>
+          <a:fillRef idx="0">
+            <a:schemeClr val="accent1"/>
+          </a:fillRef>
+          <a:effectRef idx="1">
+            <a:schemeClr val="accent1"/>
+          </a:effectRef>
+          <a:fontRef idx="minor">
+            <a:schemeClr val="tx1"/>
+          </a:fontRef>
+        </p:style>
+      </p:cxnSp>
+      <p:pic>
+        <p:nvPicPr>
+          <p:cNvPr id="25" name="Imagen 24">
+            <a:extLst>
+              <a:ext uri="{FF2B5EF4-FFF2-40B4-BE49-F238E27FC236}">
+                <a16:creationId xmlns:a16="http://schemas.microsoft.com/office/drawing/2014/main" id="{C48E0E2D-9DD7-D017-C0A9-D9A967AB0E02}"/>
+              </a:ext>
+            </a:extLst>
+          </p:cNvPr>
+          <p:cNvPicPr>
+            <a:picLocks noChangeAspect="1"/>
+          </p:cNvPicPr>
+          <p:nvPr/>
+        </p:nvPicPr>
+        <p:blipFill>
+          <a:blip r:embed="rId5"/>
+          <a:stretch>
+            <a:fillRect/>
+          </a:stretch>
+        </p:blipFill>
+        <p:spPr>
+          <a:xfrm>
+            <a:off x="5426793" y="3238531"/>
+            <a:ext cx="724001" cy="1057423"/>
+          </a:xfrm>
+          <a:prstGeom prst="rect">
+            <a:avLst/>
+          </a:prstGeom>
+        </p:spPr>
+      </p:pic>
+      <p:pic>
+        <p:nvPicPr>
+          <p:cNvPr id="27" name="Imagen 26">
+            <a:extLst>
+              <a:ext uri="{FF2B5EF4-FFF2-40B4-BE49-F238E27FC236}">
+                <a16:creationId xmlns:a16="http://schemas.microsoft.com/office/drawing/2014/main" id="{B292DB4C-5B72-1AA5-D78B-57EB66ABA809}"/>
+              </a:ext>
+            </a:extLst>
+          </p:cNvPr>
+          <p:cNvPicPr>
+            <a:picLocks noChangeAspect="1"/>
+          </p:cNvPicPr>
+          <p:nvPr/>
+        </p:nvPicPr>
+        <p:blipFill>
+          <a:blip r:embed="rId6"/>
+          <a:stretch>
+            <a:fillRect/>
+          </a:stretch>
+        </p:blipFill>
+        <p:spPr>
+          <a:xfrm>
+            <a:off x="7053224" y="3309302"/>
+            <a:ext cx="676369" cy="952633"/>
+          </a:xfrm>
+          <a:prstGeom prst="rect">
+            <a:avLst/>
+          </a:prstGeom>
+        </p:spPr>
+      </p:pic>
+      <p:cxnSp>
+        <p:nvCxnSpPr>
+          <p:cNvPr id="29" name="Conector recto de flecha 28">
+            <a:extLst>
+              <a:ext uri="{FF2B5EF4-FFF2-40B4-BE49-F238E27FC236}">
+                <a16:creationId xmlns:a16="http://schemas.microsoft.com/office/drawing/2014/main" id="{71953F37-F2F7-D921-30E3-ED7E8EFF6C3D}"/>
+              </a:ext>
+            </a:extLst>
+          </p:cNvPr>
+          <p:cNvCxnSpPr>
+            <a:stCxn id="25" idx="3"/>
+          </p:cNvCxnSpPr>
+          <p:nvPr/>
+        </p:nvCxnSpPr>
+        <p:spPr>
+          <a:xfrm flipV="1">
+            <a:off x="6150794" y="3767242"/>
+            <a:ext cx="850081" cy="1"/>
+          </a:xfrm>
+          <a:prstGeom prst="straightConnector1">
+            <a:avLst/>
+          </a:prstGeom>
+          <a:ln>
+            <a:tailEnd type="triangle"/>
+          </a:ln>
+        </p:spPr>
+        <p:style>
+          <a:lnRef idx="2">
+            <a:schemeClr val="accent1"/>
+          </a:lnRef>
+          <a:fillRef idx="0">
+            <a:schemeClr val="accent1"/>
+          </a:fillRef>
+          <a:effectRef idx="1">
+            <a:schemeClr val="accent1"/>
+          </a:effectRef>
+          <a:fontRef idx="minor">
+            <a:schemeClr val="tx1"/>
+          </a:fontRef>
+        </p:style>
+      </p:cxnSp>
     </p:spTree>
     <p:extLst>
       <p:ext uri="{BB962C8B-B14F-4D97-AF65-F5344CB8AC3E}">
-        <p14:creationId xmlns:p14="http://schemas.microsoft.com/office/powerpoint/2010/main" val="3458914436"/>
+        <p14:creationId xmlns:p14="http://schemas.microsoft.com/office/powerpoint/2010/main" val="3448496138"/>
       </p:ext>
     </p:extLst>
   </p:cSld>

--- a/PyETL/ppt/data_architect_assesment_v1_copy.pptx
+++ b/PyETL/ppt/data_architect_assesment_v1_copy.pptx
@@ -5719,7 +5719,7 @@
         </p:nvSpPr>
         <p:spPr>
           <a:xfrm>
-            <a:off x="4696070" y="3264408"/>
+            <a:off x="4579212" y="2614841"/>
             <a:ext cx="2407515" cy="2404516"/>
           </a:xfrm>
           <a:prstGeom prst="flowChartConnector">
@@ -5866,7 +5866,7 @@
         </p:blipFill>
         <p:spPr>
           <a:xfrm>
-            <a:off x="5347626" y="3951245"/>
+            <a:off x="5230768" y="3301678"/>
             <a:ext cx="1080169" cy="918442"/>
           </a:xfrm>
           <a:prstGeom prst="rect">
@@ -5888,7 +5888,7 @@
         </p:nvSpPr>
         <p:spPr>
           <a:xfrm>
-            <a:off x="5083014" y="3591155"/>
+            <a:off x="4966156" y="2941588"/>
             <a:ext cx="1633626" cy="1706211"/>
           </a:xfrm>
           <a:prstGeom prst="flowChartConnector">
@@ -6443,7 +6443,7 @@
         </p:nvGrpSpPr>
         <p:grpSpPr>
           <a:xfrm>
-            <a:off x="4342751" y="5174634"/>
+            <a:off x="4225893" y="4525067"/>
             <a:ext cx="795013" cy="841063"/>
             <a:chOff x="5393421" y="1995665"/>
             <a:chExt cx="795013" cy="841063"/>
@@ -6615,7 +6615,7 @@
         </p:nvGrpSpPr>
         <p:grpSpPr>
           <a:xfrm>
-            <a:off x="4950121" y="5187747"/>
+            <a:off x="4833263" y="4538180"/>
             <a:ext cx="397505" cy="369332"/>
             <a:chOff x="5083014" y="2610325"/>
             <a:chExt cx="569641" cy="568151"/>
@@ -6742,7 +6742,7 @@
         </p:nvSpPr>
         <p:spPr>
           <a:xfrm>
-            <a:off x="6593877" y="5187747"/>
+            <a:off x="6477019" y="4538180"/>
             <a:ext cx="795013" cy="841063"/>
           </a:xfrm>
           <a:prstGeom prst="flowChartConnector">
@@ -6863,7 +6863,7 @@
         </p:nvGrpSpPr>
         <p:grpSpPr>
           <a:xfrm>
-            <a:off x="6502926" y="5198632"/>
+            <a:off x="6386068" y="4549065"/>
             <a:ext cx="397505" cy="369332"/>
             <a:chOff x="6496241" y="2414090"/>
             <a:chExt cx="397505" cy="369332"/>
@@ -7004,7 +7004,7 @@
         </p:blipFill>
         <p:spPr>
           <a:xfrm>
-            <a:off x="6669650" y="2995505"/>
+            <a:off x="6552792" y="2345938"/>
             <a:ext cx="643468" cy="617381"/>
           </a:xfrm>
           <a:prstGeom prst="rect">
@@ -7026,7 +7026,7 @@
         </p:nvGrpSpPr>
         <p:grpSpPr>
           <a:xfrm>
-            <a:off x="4282321" y="2947499"/>
+            <a:off x="4165463" y="2297932"/>
             <a:ext cx="800693" cy="841063"/>
             <a:chOff x="4217956" y="2751699"/>
             <a:chExt cx="800693" cy="841063"/>
@@ -7198,7 +7198,7 @@
         </p:nvSpPr>
         <p:spPr>
           <a:xfrm>
-            <a:off x="6593877" y="2892552"/>
+            <a:off x="6477019" y="2242985"/>
             <a:ext cx="795013" cy="841063"/>
           </a:xfrm>
           <a:prstGeom prst="flowChartConnector">
@@ -7319,7 +7319,7 @@
         </p:nvGrpSpPr>
         <p:grpSpPr>
           <a:xfrm>
-            <a:off x="4764391" y="3419230"/>
+            <a:off x="4647533" y="2769663"/>
             <a:ext cx="397505" cy="369332"/>
             <a:chOff x="5083014" y="2610325"/>
             <a:chExt cx="569641" cy="568151"/>
@@ -7446,7 +7446,7 @@
         </p:nvGrpSpPr>
         <p:grpSpPr>
           <a:xfrm>
-            <a:off x="6512607" y="3439105"/>
+            <a:off x="6395749" y="2789538"/>
             <a:ext cx="397505" cy="369332"/>
             <a:chOff x="5083014" y="2610325"/>
             <a:chExt cx="569641" cy="568151"/>
@@ -7627,7 +7627,7 @@
         </p:nvSpPr>
         <p:spPr>
           <a:xfrm>
-            <a:off x="6973663" y="3972065"/>
+            <a:off x="6856805" y="3322498"/>
             <a:ext cx="68069" cy="60905"/>
           </a:xfrm>
           <a:prstGeom prst="flowChartConnector">
@@ -7681,7 +7681,7 @@
         </p:nvSpPr>
         <p:spPr>
           <a:xfrm>
-            <a:off x="6090919" y="5602397"/>
+            <a:off x="5974061" y="4952830"/>
             <a:ext cx="68069" cy="60905"/>
           </a:xfrm>
           <a:prstGeom prst="flowChartConnector">
@@ -7738,7 +7738,7 @@
         </p:nvSpPr>
         <p:spPr>
           <a:xfrm>
-            <a:off x="5389911" y="3303391"/>
+            <a:off x="5273053" y="2653824"/>
             <a:ext cx="68069" cy="60905"/>
           </a:xfrm>
           <a:prstGeom prst="flowChartConnector">
@@ -7985,7 +7985,7 @@
         </p:blipFill>
         <p:spPr>
           <a:xfrm>
-            <a:off x="6802014" y="5533248"/>
+            <a:off x="6685156" y="4883681"/>
             <a:ext cx="446073" cy="374126"/>
           </a:xfrm>
           <a:prstGeom prst="rect">
@@ -9453,7 +9453,7 @@
         <p:spPr>
           <a:xfrm>
             <a:off x="568750" y="2055224"/>
-            <a:ext cx="3602889" cy="1200329"/>
+            <a:ext cx="3602889" cy="1569660"/>
           </a:xfrm>
           <a:prstGeom prst="rect">
             <a:avLst/>
@@ -9506,6 +9506,27 @@
               <a:buFont typeface="Wingdings" panose="05000000000000000000" pitchFamily="2" charset="2"/>
               <a:buChar char="§"/>
             </a:pPr>
+            <a:r>
+              <a:rPr lang="en-US" sz="1200" dirty="0"/>
+              <a:t>Jira for backlog &amp; sprint management</a:t>
+            </a:r>
+          </a:p>
+          <a:p>
+            <a:pPr marL="285750" indent="-285750">
+              <a:buFont typeface="Wingdings" panose="05000000000000000000" pitchFamily="2" charset="2"/>
+              <a:buChar char="§"/>
+            </a:pPr>
+            <a:r>
+              <a:rPr lang="en-US" sz="1200" dirty="0"/>
+              <a:t>Confluence for project documentation</a:t>
+            </a:r>
+            <a:endParaRPr lang="es-ES" sz="1200" dirty="0"/>
+          </a:p>
+          <a:p>
+            <a:pPr marL="285750" indent="-285750">
+              <a:buFont typeface="Wingdings" panose="05000000000000000000" pitchFamily="2" charset="2"/>
+              <a:buChar char="§"/>
+            </a:pPr>
             <a:endParaRPr lang="es-ES" sz="1200" dirty="0"/>
           </a:p>
           <a:p>
@@ -9539,7 +9560,7 @@
         </p:nvCxnSpPr>
         <p:spPr>
           <a:xfrm>
-            <a:off x="568750" y="2572751"/>
+            <a:off x="526197" y="2934701"/>
             <a:ext cx="3602889" cy="0"/>
           </a:xfrm>
           <a:prstGeom prst="line">

--- a/PyETL/ppt/data_architect_assesment_v1_copy.pptx
+++ b/PyETL/ppt/data_architect_assesment_v1_copy.pptx
@@ -11,7 +11,7 @@
     <p:sldId id="256" r:id="rId2"/>
     <p:sldId id="257" r:id="rId3"/>
     <p:sldId id="260" r:id="rId4"/>
-    <p:sldId id="261" r:id="rId5"/>
+    <p:sldId id="269" r:id="rId5"/>
     <p:sldId id="264" r:id="rId6"/>
     <p:sldId id="262" r:id="rId7"/>
     <p:sldId id="268" r:id="rId8"/>
@@ -205,7 +205,7 @@
           <a:p>
             <a:fld id="{EDCBA2F0-E10E-47B0-BDF6-38280A387AD4}" type="datetimeFigureOut">
               <a:rPr lang="es-ES" smtClean="0"/>
-              <a:t>11/06/2025</a:t>
+              <a:t>12/06/2025</a:t>
             </a:fld>
             <a:endParaRPr lang="es-ES"/>
           </a:p>
@@ -588,7 +588,7 @@
         <p:cNvPr id="1" name="">
           <a:extLst>
             <a:ext uri="{FF2B5EF4-FFF2-40B4-BE49-F238E27FC236}">
-              <a16:creationId xmlns:a16="http://schemas.microsoft.com/office/drawing/2014/main" id="{429717FE-4B66-210C-F798-3F52CAFD5551}"/>
+              <a16:creationId xmlns:a16="http://schemas.microsoft.com/office/drawing/2014/main" id="{4A6C5B01-3A3A-B954-A7BE-4C81C1819409}"/>
             </a:ext>
           </a:extLst>
         </p:cNvPr>
@@ -608,7 +608,7 @@
           <p:cNvPr id="2" name="Marcador de imagen de diapositiva 1">
             <a:extLst>
               <a:ext uri="{FF2B5EF4-FFF2-40B4-BE49-F238E27FC236}">
-                <a16:creationId xmlns:a16="http://schemas.microsoft.com/office/drawing/2014/main" id="{0DADFDE3-B56E-101E-18BB-C849FB527F0F}"/>
+                <a16:creationId xmlns:a16="http://schemas.microsoft.com/office/drawing/2014/main" id="{69CB6322-385E-8ECF-5F1D-D15A290F789B}"/>
               </a:ext>
             </a:extLst>
           </p:cNvPr>
@@ -626,7 +626,7 @@
           <p:cNvPr id="3" name="Marcador de notas 2">
             <a:extLst>
               <a:ext uri="{FF2B5EF4-FFF2-40B4-BE49-F238E27FC236}">
-                <a16:creationId xmlns:a16="http://schemas.microsoft.com/office/drawing/2014/main" id="{C6A769D7-1A74-C64A-8E90-4F223BD88B38}"/>
+                <a16:creationId xmlns:a16="http://schemas.microsoft.com/office/drawing/2014/main" id="{DBB7A349-8D5F-C023-108D-ED1DA7444FB1}"/>
               </a:ext>
             </a:extLst>
           </p:cNvPr>
@@ -651,7 +651,7 @@
           <p:cNvPr id="4" name="Marcador de número de diapositiva 3">
             <a:extLst>
               <a:ext uri="{FF2B5EF4-FFF2-40B4-BE49-F238E27FC236}">
-                <a16:creationId xmlns:a16="http://schemas.microsoft.com/office/drawing/2014/main" id="{41193577-EC5A-B172-56E1-8FD1EA885177}"/>
+                <a16:creationId xmlns:a16="http://schemas.microsoft.com/office/drawing/2014/main" id="{46CBC435-1E6A-54C6-142E-A4B8A3A37421}"/>
               </a:ext>
             </a:extLst>
           </p:cNvPr>
@@ -678,7 +678,7 @@
     </p:spTree>
     <p:extLst>
       <p:ext uri="{BB962C8B-B14F-4D97-AF65-F5344CB8AC3E}">
-        <p14:creationId xmlns:p14="http://schemas.microsoft.com/office/powerpoint/2010/main" val="2502816369"/>
+        <p14:creationId xmlns:p14="http://schemas.microsoft.com/office/powerpoint/2010/main" val="630706421"/>
       </p:ext>
     </p:extLst>
   </p:cSld>
@@ -1375,7 +1375,7 @@
           <a:p>
             <a:fld id="{7F7C870E-C982-4C2B-923F-19C955A8CC80}" type="datetimeFigureOut">
               <a:rPr lang="es-ES" smtClean="0"/>
-              <a:t>11/06/2025</a:t>
+              <a:t>12/06/2025</a:t>
             </a:fld>
             <a:endParaRPr lang="es-ES"/>
           </a:p>
@@ -1573,7 +1573,7 @@
           <a:p>
             <a:fld id="{7F7C870E-C982-4C2B-923F-19C955A8CC80}" type="datetimeFigureOut">
               <a:rPr lang="es-ES" smtClean="0"/>
-              <a:t>11/06/2025</a:t>
+              <a:t>12/06/2025</a:t>
             </a:fld>
             <a:endParaRPr lang="es-ES"/>
           </a:p>
@@ -1781,7 +1781,7 @@
           <a:p>
             <a:fld id="{7F7C870E-C982-4C2B-923F-19C955A8CC80}" type="datetimeFigureOut">
               <a:rPr lang="es-ES" smtClean="0"/>
-              <a:t>11/06/2025</a:t>
+              <a:t>12/06/2025</a:t>
             </a:fld>
             <a:endParaRPr lang="es-ES"/>
           </a:p>
@@ -1979,7 +1979,7 @@
           <a:p>
             <a:fld id="{7F7C870E-C982-4C2B-923F-19C955A8CC80}" type="datetimeFigureOut">
               <a:rPr lang="es-ES" smtClean="0"/>
-              <a:t>11/06/2025</a:t>
+              <a:t>12/06/2025</a:t>
             </a:fld>
             <a:endParaRPr lang="es-ES"/>
           </a:p>
@@ -2254,7 +2254,7 @@
           <a:p>
             <a:fld id="{7F7C870E-C982-4C2B-923F-19C955A8CC80}" type="datetimeFigureOut">
               <a:rPr lang="es-ES" smtClean="0"/>
-              <a:t>11/06/2025</a:t>
+              <a:t>12/06/2025</a:t>
             </a:fld>
             <a:endParaRPr lang="es-ES"/>
           </a:p>
@@ -2519,7 +2519,7 @@
           <a:p>
             <a:fld id="{7F7C870E-C982-4C2B-923F-19C955A8CC80}" type="datetimeFigureOut">
               <a:rPr lang="es-ES" smtClean="0"/>
-              <a:t>11/06/2025</a:t>
+              <a:t>12/06/2025</a:t>
             </a:fld>
             <a:endParaRPr lang="es-ES"/>
           </a:p>
@@ -2931,7 +2931,7 @@
           <a:p>
             <a:fld id="{7F7C870E-C982-4C2B-923F-19C955A8CC80}" type="datetimeFigureOut">
               <a:rPr lang="es-ES" smtClean="0"/>
-              <a:t>11/06/2025</a:t>
+              <a:t>12/06/2025</a:t>
             </a:fld>
             <a:endParaRPr lang="es-ES"/>
           </a:p>
@@ -3072,7 +3072,7 @@
           <a:p>
             <a:fld id="{7F7C870E-C982-4C2B-923F-19C955A8CC80}" type="datetimeFigureOut">
               <a:rPr lang="es-ES" smtClean="0"/>
-              <a:t>11/06/2025</a:t>
+              <a:t>12/06/2025</a:t>
             </a:fld>
             <a:endParaRPr lang="es-ES"/>
           </a:p>
@@ -3185,7 +3185,7 @@
           <a:p>
             <a:fld id="{7F7C870E-C982-4C2B-923F-19C955A8CC80}" type="datetimeFigureOut">
               <a:rPr lang="es-ES" smtClean="0"/>
-              <a:t>11/06/2025</a:t>
+              <a:t>12/06/2025</a:t>
             </a:fld>
             <a:endParaRPr lang="es-ES"/>
           </a:p>
@@ -3496,7 +3496,7 @@
           <a:p>
             <a:fld id="{7F7C870E-C982-4C2B-923F-19C955A8CC80}" type="datetimeFigureOut">
               <a:rPr lang="es-ES" smtClean="0"/>
-              <a:t>11/06/2025</a:t>
+              <a:t>12/06/2025</a:t>
             </a:fld>
             <a:endParaRPr lang="es-ES"/>
           </a:p>
@@ -3784,7 +3784,7 @@
           <a:p>
             <a:fld id="{7F7C870E-C982-4C2B-923F-19C955A8CC80}" type="datetimeFigureOut">
               <a:rPr lang="es-ES" smtClean="0"/>
-              <a:t>11/06/2025</a:t>
+              <a:t>12/06/2025</a:t>
             </a:fld>
             <a:endParaRPr lang="es-ES"/>
           </a:p>
@@ -4025,7 +4025,7 @@
           <a:p>
             <a:fld id="{7F7C870E-C982-4C2B-923F-19C955A8CC80}" type="datetimeFigureOut">
               <a:rPr lang="es-ES" smtClean="0"/>
-              <a:t>11/06/2025</a:t>
+              <a:t>12/06/2025</a:t>
             </a:fld>
             <a:endParaRPr lang="es-ES"/>
           </a:p>
@@ -8014,7 +8014,7 @@
         <p:cNvPr id="1" name="">
           <a:extLst>
             <a:ext uri="{FF2B5EF4-FFF2-40B4-BE49-F238E27FC236}">
-              <a16:creationId xmlns:a16="http://schemas.microsoft.com/office/drawing/2014/main" id="{5CFC54FE-A281-047E-B5AA-3B6BFB225610}"/>
+              <a16:creationId xmlns:a16="http://schemas.microsoft.com/office/drawing/2014/main" id="{B87E5D27-9D37-FF5B-2F5F-71173A129C21}"/>
             </a:ext>
           </a:extLst>
         </p:cNvPr>
@@ -8034,7 +8034,7 @@
           <p:cNvPr id="7" name="Título 6">
             <a:extLst>
               <a:ext uri="{FF2B5EF4-FFF2-40B4-BE49-F238E27FC236}">
-                <a16:creationId xmlns:a16="http://schemas.microsoft.com/office/drawing/2014/main" id="{B00A168A-532C-1451-1165-40202CC316C0}"/>
+                <a16:creationId xmlns:a16="http://schemas.microsoft.com/office/drawing/2014/main" id="{E8EF45EC-994A-94A2-9DC0-1BB05577A3EF}"/>
               </a:ext>
             </a:extLst>
           </p:cNvPr>
@@ -8072,7 +8072,7 @@
           <p:cNvPr id="63" name="CuadroTexto 62">
             <a:extLst>
               <a:ext uri="{FF2B5EF4-FFF2-40B4-BE49-F238E27FC236}">
-                <a16:creationId xmlns:a16="http://schemas.microsoft.com/office/drawing/2014/main" id="{D2010B8B-9D31-2CC8-7087-B825F691063E}"/>
+                <a16:creationId xmlns:a16="http://schemas.microsoft.com/office/drawing/2014/main" id="{5681857D-8EB6-0EE9-2CC7-3DAB79A8B34B}"/>
               </a:ext>
             </a:extLst>
           </p:cNvPr>
@@ -8111,7 +8111,7 @@
           <p:cNvPr id="99" name="Diagrama de flujo: conector 98">
             <a:extLst>
               <a:ext uri="{FF2B5EF4-FFF2-40B4-BE49-F238E27FC236}">
-                <a16:creationId xmlns:a16="http://schemas.microsoft.com/office/drawing/2014/main" id="{783FCC63-5A10-C744-22B2-99C31535327F}"/>
+                <a16:creationId xmlns:a16="http://schemas.microsoft.com/office/drawing/2014/main" id="{7ED2E27C-4C84-385B-5FD8-C27832190C1B}"/>
               </a:ext>
             </a:extLst>
           </p:cNvPr>
@@ -8171,7 +8171,7 @@
           <p:cNvPr id="102" name="Diagrama de flujo: conector 101">
             <a:extLst>
               <a:ext uri="{FF2B5EF4-FFF2-40B4-BE49-F238E27FC236}">
-                <a16:creationId xmlns:a16="http://schemas.microsoft.com/office/drawing/2014/main" id="{B6F884C9-1107-82F0-C591-0A6E3E380F48}"/>
+                <a16:creationId xmlns:a16="http://schemas.microsoft.com/office/drawing/2014/main" id="{A06E7975-6B25-B6A9-049C-780B2AA8492C}"/>
               </a:ext>
             </a:extLst>
           </p:cNvPr>
@@ -8228,7 +8228,7 @@
           <p:cNvPr id="105" name="Conector recto 104">
             <a:extLst>
               <a:ext uri="{FF2B5EF4-FFF2-40B4-BE49-F238E27FC236}">
-                <a16:creationId xmlns:a16="http://schemas.microsoft.com/office/drawing/2014/main" id="{21CBDE50-97C7-212F-F899-106EB7462F15}"/>
+                <a16:creationId xmlns:a16="http://schemas.microsoft.com/office/drawing/2014/main" id="{EE8490F3-96FF-4647-400B-F52F8DD0805D}"/>
               </a:ext>
             </a:extLst>
           </p:cNvPr>
@@ -8266,7 +8266,7 @@
           <p:cNvPr id="4" name="Título 6">
             <a:extLst>
               <a:ext uri="{FF2B5EF4-FFF2-40B4-BE49-F238E27FC236}">
-                <a16:creationId xmlns:a16="http://schemas.microsoft.com/office/drawing/2014/main" id="{BCEDE26B-4A58-F81F-2ECC-04663924AD47}"/>
+                <a16:creationId xmlns:a16="http://schemas.microsoft.com/office/drawing/2014/main" id="{8F6B70BF-7B36-3782-A1A7-AB1AE335F035}"/>
               </a:ext>
             </a:extLst>
           </p:cNvPr>
@@ -8324,17 +8324,17 @@
                   <a:schemeClr val="tx2"/>
                 </a:solidFill>
               </a:rPr>
-              <a:t>Logical Architecture</a:t>
+              <a:t>Logical Architecture based on Azure</a:t>
             </a:r>
           </a:p>
         </p:txBody>
       </p:sp>
       <p:pic>
         <p:nvPicPr>
-          <p:cNvPr id="10" name="Imagen 9">
-            <a:extLst>
-              <a:ext uri="{FF2B5EF4-FFF2-40B4-BE49-F238E27FC236}">
-                <a16:creationId xmlns:a16="http://schemas.microsoft.com/office/drawing/2014/main" id="{3D1B365B-31A4-9B41-CDA1-E65E467ED362}"/>
+          <p:cNvPr id="11" name="Imagen 10">
+            <a:extLst>
+              <a:ext uri="{FF2B5EF4-FFF2-40B4-BE49-F238E27FC236}">
+                <a16:creationId xmlns:a16="http://schemas.microsoft.com/office/drawing/2014/main" id="{B8A0E221-7C7E-FABC-06B4-8A2090E47D07}"/>
               </a:ext>
             </a:extLst>
           </p:cNvPr>
@@ -8351,8 +8351,8 @@
         </p:blipFill>
         <p:spPr>
           <a:xfrm>
-            <a:off x="2170959" y="2322056"/>
-            <a:ext cx="7087341" cy="3798153"/>
+            <a:off x="1824453" y="1680425"/>
+            <a:ext cx="7502201" cy="5177575"/>
           </a:xfrm>
           <a:prstGeom prst="rect">
             <a:avLst/>
@@ -8362,7 +8362,7 @@
     </p:spTree>
     <p:extLst>
       <p:ext uri="{BB962C8B-B14F-4D97-AF65-F5344CB8AC3E}">
-        <p14:creationId xmlns:p14="http://schemas.microsoft.com/office/powerpoint/2010/main" val="907257753"/>
+        <p14:creationId xmlns:p14="http://schemas.microsoft.com/office/powerpoint/2010/main" val="12020240"/>
       </p:ext>
     </p:extLst>
   </p:cSld>
@@ -8685,20 +8685,12 @@
               <a:rPr lang="es-ES" dirty="0"/>
             </a:br>
             <a:r>
-              <a:rPr lang="es-ES" sz="4200" dirty="0" err="1">
-                <a:solidFill>
-                  <a:schemeClr val="tx2"/>
-                </a:solidFill>
-              </a:rPr>
-              <a:t>Layers</a:t>
-            </a:r>
-            <a:r>
               <a:rPr lang="es-ES" sz="4200" dirty="0">
                 <a:solidFill>
                   <a:schemeClr val="tx2"/>
                 </a:solidFill>
               </a:rPr>
-              <a:t> &amp; Technical Design</a:t>
+              <a:t>Layers &amp; Technical Design</a:t>
             </a:r>
           </a:p>
         </p:txBody>
@@ -10590,8 +10582,8 @@
         </p:blipFill>
         <p:spPr>
           <a:xfrm>
-            <a:off x="2704494" y="2003425"/>
-            <a:ext cx="5067906" cy="3912068"/>
+            <a:off x="2704493" y="1672557"/>
+            <a:ext cx="5496531" cy="4242936"/>
           </a:xfrm>
           <a:prstGeom prst="rect">
             <a:avLst/>

--- a/PyETL/ppt/data_architect_assesment_v1_copy.pptx
+++ b/PyETL/ppt/data_architect_assesment_v1_copy.pptx
@@ -5,18 +5,20 @@
     <p:sldMasterId id="2147483648" r:id="rId1"/>
   </p:sldMasterIdLst>
   <p:notesMasterIdLst>
-    <p:notesMasterId r:id="rId11"/>
+    <p:notesMasterId r:id="rId13"/>
   </p:notesMasterIdLst>
   <p:sldIdLst>
     <p:sldId id="256" r:id="rId2"/>
     <p:sldId id="257" r:id="rId3"/>
     <p:sldId id="260" r:id="rId4"/>
-    <p:sldId id="269" r:id="rId5"/>
-    <p:sldId id="264" r:id="rId6"/>
-    <p:sldId id="262" r:id="rId7"/>
-    <p:sldId id="268" r:id="rId8"/>
-    <p:sldId id="266" r:id="rId9"/>
-    <p:sldId id="267" r:id="rId10"/>
+    <p:sldId id="270" r:id="rId5"/>
+    <p:sldId id="269" r:id="rId6"/>
+    <p:sldId id="264" r:id="rId7"/>
+    <p:sldId id="262" r:id="rId8"/>
+    <p:sldId id="271" r:id="rId9"/>
+    <p:sldId id="268" r:id="rId10"/>
+    <p:sldId id="266" r:id="rId11"/>
+    <p:sldId id="267" r:id="rId12"/>
   </p:sldIdLst>
   <p:sldSz cx="12192000" cy="6858000"/>
   <p:notesSz cx="6858000" cy="9144000"/>
@@ -205,7 +207,7 @@
           <a:p>
             <a:fld id="{EDCBA2F0-E10E-47B0-BDF6-38280A387AD4}" type="datetimeFigureOut">
               <a:rPr lang="es-ES" smtClean="0"/>
-              <a:t>12/06/2025</a:t>
+              <a:t>13/06/2025</a:t>
             </a:fld>
             <a:endParaRPr lang="es-ES"/>
           </a:p>
@@ -669,7 +671,7 @@
           <a:p>
             <a:fld id="{C24C5340-06D8-4A25-9EDA-B034A8F57382}" type="slidenum">
               <a:rPr lang="es-ES" smtClean="0"/>
-              <a:t>4</a:t>
+              <a:t>5</a:t>
             </a:fld>
             <a:endParaRPr lang="es-ES"/>
           </a:p>
@@ -777,7 +779,7 @@
           <a:p>
             <a:fld id="{C24C5340-06D8-4A25-9EDA-B034A8F57382}" type="slidenum">
               <a:rPr lang="es-ES" smtClean="0"/>
-              <a:t>5</a:t>
+              <a:t>6</a:t>
             </a:fld>
             <a:endParaRPr lang="es-ES"/>
           </a:p>
@@ -885,7 +887,7 @@
           <a:p>
             <a:fld id="{C24C5340-06D8-4A25-9EDA-B034A8F57382}" type="slidenum">
               <a:rPr lang="es-ES" smtClean="0"/>
-              <a:t>6</a:t>
+              <a:t>7</a:t>
             </a:fld>
             <a:endParaRPr lang="es-ES"/>
           </a:p>
@@ -993,7 +995,7 @@
           <a:p>
             <a:fld id="{C24C5340-06D8-4A25-9EDA-B034A8F57382}" type="slidenum">
               <a:rPr lang="es-ES" smtClean="0"/>
-              <a:t>7</a:t>
+              <a:t>9</a:t>
             </a:fld>
             <a:endParaRPr lang="es-ES"/>
           </a:p>
@@ -1101,7 +1103,7 @@
           <a:p>
             <a:fld id="{C24C5340-06D8-4A25-9EDA-B034A8F57382}" type="slidenum">
               <a:rPr lang="es-ES" smtClean="0"/>
-              <a:t>8</a:t>
+              <a:t>10</a:t>
             </a:fld>
             <a:endParaRPr lang="es-ES"/>
           </a:p>
@@ -1209,7 +1211,7 @@
           <a:p>
             <a:fld id="{C24C5340-06D8-4A25-9EDA-B034A8F57382}" type="slidenum">
               <a:rPr lang="es-ES" smtClean="0"/>
-              <a:t>9</a:t>
+              <a:t>11</a:t>
             </a:fld>
             <a:endParaRPr lang="es-ES"/>
           </a:p>
@@ -1375,7 +1377,7 @@
           <a:p>
             <a:fld id="{7F7C870E-C982-4C2B-923F-19C955A8CC80}" type="datetimeFigureOut">
               <a:rPr lang="es-ES" smtClean="0"/>
-              <a:t>12/06/2025</a:t>
+              <a:t>13/06/2025</a:t>
             </a:fld>
             <a:endParaRPr lang="es-ES"/>
           </a:p>
@@ -1573,7 +1575,7 @@
           <a:p>
             <a:fld id="{7F7C870E-C982-4C2B-923F-19C955A8CC80}" type="datetimeFigureOut">
               <a:rPr lang="es-ES" smtClean="0"/>
-              <a:t>12/06/2025</a:t>
+              <a:t>13/06/2025</a:t>
             </a:fld>
             <a:endParaRPr lang="es-ES"/>
           </a:p>
@@ -1781,7 +1783,7 @@
           <a:p>
             <a:fld id="{7F7C870E-C982-4C2B-923F-19C955A8CC80}" type="datetimeFigureOut">
               <a:rPr lang="es-ES" smtClean="0"/>
-              <a:t>12/06/2025</a:t>
+              <a:t>13/06/2025</a:t>
             </a:fld>
             <a:endParaRPr lang="es-ES"/>
           </a:p>
@@ -1979,7 +1981,7 @@
           <a:p>
             <a:fld id="{7F7C870E-C982-4C2B-923F-19C955A8CC80}" type="datetimeFigureOut">
               <a:rPr lang="es-ES" smtClean="0"/>
-              <a:t>12/06/2025</a:t>
+              <a:t>13/06/2025</a:t>
             </a:fld>
             <a:endParaRPr lang="es-ES"/>
           </a:p>
@@ -2254,7 +2256,7 @@
           <a:p>
             <a:fld id="{7F7C870E-C982-4C2B-923F-19C955A8CC80}" type="datetimeFigureOut">
               <a:rPr lang="es-ES" smtClean="0"/>
-              <a:t>12/06/2025</a:t>
+              <a:t>13/06/2025</a:t>
             </a:fld>
             <a:endParaRPr lang="es-ES"/>
           </a:p>
@@ -2519,7 +2521,7 @@
           <a:p>
             <a:fld id="{7F7C870E-C982-4C2B-923F-19C955A8CC80}" type="datetimeFigureOut">
               <a:rPr lang="es-ES" smtClean="0"/>
-              <a:t>12/06/2025</a:t>
+              <a:t>13/06/2025</a:t>
             </a:fld>
             <a:endParaRPr lang="es-ES"/>
           </a:p>
@@ -2931,7 +2933,7 @@
           <a:p>
             <a:fld id="{7F7C870E-C982-4C2B-923F-19C955A8CC80}" type="datetimeFigureOut">
               <a:rPr lang="es-ES" smtClean="0"/>
-              <a:t>12/06/2025</a:t>
+              <a:t>13/06/2025</a:t>
             </a:fld>
             <a:endParaRPr lang="es-ES"/>
           </a:p>
@@ -3072,7 +3074,7 @@
           <a:p>
             <a:fld id="{7F7C870E-C982-4C2B-923F-19C955A8CC80}" type="datetimeFigureOut">
               <a:rPr lang="es-ES" smtClean="0"/>
-              <a:t>12/06/2025</a:t>
+              <a:t>13/06/2025</a:t>
             </a:fld>
             <a:endParaRPr lang="es-ES"/>
           </a:p>
@@ -3185,7 +3187,7 @@
           <a:p>
             <a:fld id="{7F7C870E-C982-4C2B-923F-19C955A8CC80}" type="datetimeFigureOut">
               <a:rPr lang="es-ES" smtClean="0"/>
-              <a:t>12/06/2025</a:t>
+              <a:t>13/06/2025</a:t>
             </a:fld>
             <a:endParaRPr lang="es-ES"/>
           </a:p>
@@ -3496,7 +3498,7 @@
           <a:p>
             <a:fld id="{7F7C870E-C982-4C2B-923F-19C955A8CC80}" type="datetimeFigureOut">
               <a:rPr lang="es-ES" smtClean="0"/>
-              <a:t>12/06/2025</a:t>
+              <a:t>13/06/2025</a:t>
             </a:fld>
             <a:endParaRPr lang="es-ES"/>
           </a:p>
@@ -3784,7 +3786,7 @@
           <a:p>
             <a:fld id="{7F7C870E-C982-4C2B-923F-19C955A8CC80}" type="datetimeFigureOut">
               <a:rPr lang="es-ES" smtClean="0"/>
-              <a:t>12/06/2025</a:t>
+              <a:t>13/06/2025</a:t>
             </a:fld>
             <a:endParaRPr lang="es-ES"/>
           </a:p>
@@ -4025,7 +4027,7 @@
           <a:p>
             <a:fld id="{7F7C870E-C982-4C2B-923F-19C955A8CC80}" type="datetimeFigureOut">
               <a:rPr lang="es-ES" smtClean="0"/>
-              <a:t>12/06/2025</a:t>
+              <a:t>13/06/2025</a:t>
             </a:fld>
             <a:endParaRPr lang="es-ES"/>
           </a:p>
@@ -5308,6 +5310,1733 @@
 </p:sld>
 </file>
 
+<file path=ppt/slides/slide10.xml><?xml version="1.0" encoding="utf-8"?>
+<p:sld xmlns:a="http://schemas.openxmlformats.org/drawingml/2006/main" xmlns:r="http://schemas.openxmlformats.org/officeDocument/2006/relationships" xmlns:p="http://schemas.openxmlformats.org/presentationml/2006/main">
+  <p:cSld>
+    <p:spTree>
+      <p:nvGrpSpPr>
+        <p:cNvPr id="1" name="">
+          <a:extLst>
+            <a:ext uri="{FF2B5EF4-FFF2-40B4-BE49-F238E27FC236}">
+              <a16:creationId xmlns:a16="http://schemas.microsoft.com/office/drawing/2014/main" id="{F8E153D2-FFDA-494A-1A41-15E42690C724}"/>
+            </a:ext>
+          </a:extLst>
+        </p:cNvPr>
+        <p:cNvGrpSpPr/>
+        <p:nvPr/>
+      </p:nvGrpSpPr>
+      <p:grpSpPr>
+        <a:xfrm>
+          <a:off x="0" y="0"/>
+          <a:ext cx="0" cy="0"/>
+          <a:chOff x="0" y="0"/>
+          <a:chExt cx="0" cy="0"/>
+        </a:xfrm>
+      </p:grpSpPr>
+      <p:sp>
+        <p:nvSpPr>
+          <p:cNvPr id="7" name="Título 6">
+            <a:extLst>
+              <a:ext uri="{FF2B5EF4-FFF2-40B4-BE49-F238E27FC236}">
+                <a16:creationId xmlns:a16="http://schemas.microsoft.com/office/drawing/2014/main" id="{8181B772-55E5-54EC-D562-CD013BE69B59}"/>
+              </a:ext>
+            </a:extLst>
+          </p:cNvPr>
+          <p:cNvSpPr>
+            <a:spLocks noGrp="1"/>
+          </p:cNvSpPr>
+          <p:nvPr>
+            <p:ph type="title"/>
+          </p:nvPr>
+        </p:nvSpPr>
+        <p:spPr>
+          <a:xfrm>
+            <a:off x="388149" y="321272"/>
+            <a:ext cx="11407302" cy="1171473"/>
+          </a:xfrm>
+        </p:spPr>
+        <p:txBody>
+          <a:bodyPr>
+            <a:normAutofit fontScale="90000"/>
+          </a:bodyPr>
+          <a:lstStyle/>
+          <a:p>
+            <a:br>
+              <a:rPr lang="es-ES" dirty="0"/>
+            </a:br>
+            <a:br>
+              <a:rPr lang="es-ES" dirty="0"/>
+            </a:br>
+            <a:endParaRPr lang="es-ES" dirty="0"/>
+          </a:p>
+        </p:txBody>
+      </p:sp>
+      <p:sp>
+        <p:nvSpPr>
+          <p:cNvPr id="63" name="CuadroTexto 62">
+            <a:extLst>
+              <a:ext uri="{FF2B5EF4-FFF2-40B4-BE49-F238E27FC236}">
+                <a16:creationId xmlns:a16="http://schemas.microsoft.com/office/drawing/2014/main" id="{48D46F92-55D9-1739-A191-0E0B743613F1}"/>
+              </a:ext>
+            </a:extLst>
+          </p:cNvPr>
+          <p:cNvSpPr txBox="1"/>
+          <p:nvPr/>
+        </p:nvSpPr>
+        <p:spPr>
+          <a:xfrm>
+            <a:off x="9381745" y="6611779"/>
+            <a:ext cx="3054096" cy="246221"/>
+          </a:xfrm>
+          <a:prstGeom prst="rect">
+            <a:avLst/>
+          </a:prstGeom>
+          <a:noFill/>
+        </p:spPr>
+        <p:txBody>
+          <a:bodyPr wrap="square" rtlCol="0">
+            <a:spAutoFit/>
+          </a:bodyPr>
+          <a:lstStyle/>
+          <a:p>
+            <a:r>
+              <a:rPr lang="es-ES" sz="1000" dirty="0"/>
+              <a:t>Data Architect Assesment - </a:t>
+            </a:r>
+            <a:r>
+              <a:rPr lang="es-ES" sz="800" dirty="0"/>
+              <a:t>Rosa Mestres | June 2025</a:t>
+            </a:r>
+          </a:p>
+        </p:txBody>
+      </p:sp>
+      <p:cxnSp>
+        <p:nvCxnSpPr>
+          <p:cNvPr id="105" name="Conector recto 104">
+            <a:extLst>
+              <a:ext uri="{FF2B5EF4-FFF2-40B4-BE49-F238E27FC236}">
+                <a16:creationId xmlns:a16="http://schemas.microsoft.com/office/drawing/2014/main" id="{1D3A9979-3FED-5BEB-BD19-0E01EC12F993}"/>
+              </a:ext>
+            </a:extLst>
+          </p:cNvPr>
+          <p:cNvCxnSpPr>
+            <a:cxnSpLocks/>
+          </p:cNvCxnSpPr>
+          <p:nvPr/>
+        </p:nvCxnSpPr>
+        <p:spPr>
+          <a:xfrm>
+            <a:off x="388149" y="447963"/>
+            <a:ext cx="0" cy="891310"/>
+          </a:xfrm>
+          <a:prstGeom prst="line">
+            <a:avLst/>
+          </a:prstGeom>
+        </p:spPr>
+        <p:style>
+          <a:lnRef idx="2">
+            <a:schemeClr val="accent1"/>
+          </a:lnRef>
+          <a:fillRef idx="0">
+            <a:schemeClr val="accent1"/>
+          </a:fillRef>
+          <a:effectRef idx="1">
+            <a:schemeClr val="accent1"/>
+          </a:effectRef>
+          <a:fontRef idx="minor">
+            <a:schemeClr val="tx1"/>
+          </a:fontRef>
+        </p:style>
+      </p:cxnSp>
+      <p:sp>
+        <p:nvSpPr>
+          <p:cNvPr id="4" name="Título 6">
+            <a:extLst>
+              <a:ext uri="{FF2B5EF4-FFF2-40B4-BE49-F238E27FC236}">
+                <a16:creationId xmlns:a16="http://schemas.microsoft.com/office/drawing/2014/main" id="{579016BB-10C7-CCB6-03E6-F233D52E9A2C}"/>
+              </a:ext>
+            </a:extLst>
+          </p:cNvPr>
+          <p:cNvSpPr txBox="1">
+            <a:spLocks/>
+          </p:cNvSpPr>
+          <p:nvPr/>
+        </p:nvSpPr>
+        <p:spPr>
+          <a:xfrm>
+            <a:off x="455337" y="304455"/>
+            <a:ext cx="11407302" cy="1171473"/>
+          </a:xfrm>
+          <a:prstGeom prst="rect">
+            <a:avLst/>
+          </a:prstGeom>
+        </p:spPr>
+        <p:txBody>
+          <a:bodyPr vert="horz" lIns="91440" tIns="45720" rIns="91440" bIns="45720" rtlCol="0" anchor="ctr">
+            <a:normAutofit fontScale="60000" lnSpcReduction="20000"/>
+          </a:bodyPr>
+          <a:lstStyle>
+            <a:lvl1pPr algn="l" defTabSz="914400" rtl="0" eaLnBrk="1" latinLnBrk="0" hangingPunct="1">
+              <a:lnSpc>
+                <a:spcPct val="90000"/>
+              </a:lnSpc>
+              <a:spcBef>
+                <a:spcPct val="0"/>
+              </a:spcBef>
+              <a:buNone/>
+              <a:defRPr sz="4400" kern="1200">
+                <a:solidFill>
+                  <a:schemeClr val="tx1"/>
+                </a:solidFill>
+                <a:latin typeface="+mj-lt"/>
+                <a:ea typeface="+mj-ea"/>
+                <a:cs typeface="+mj-cs"/>
+              </a:defRPr>
+            </a:lvl1pPr>
+          </a:lstStyle>
+          <a:p>
+            <a:br>
+              <a:rPr lang="es-ES" dirty="0"/>
+            </a:br>
+            <a:r>
+              <a:rPr lang="es-ES" sz="7200" dirty="0"/>
+              <a:t>E2E Sales Dashboard Design</a:t>
+            </a:r>
+            <a:br>
+              <a:rPr lang="es-ES" dirty="0"/>
+            </a:br>
+            <a:r>
+              <a:rPr lang="es-ES" sz="4000" dirty="0">
+                <a:solidFill>
+                  <a:schemeClr val="bg1">
+                    <a:lumMod val="50000"/>
+                  </a:schemeClr>
+                </a:solidFill>
+              </a:rPr>
+              <a:t>Sales Policy Data Model</a:t>
+            </a:r>
+            <a:endParaRPr lang="es-ES" sz="4200" dirty="0">
+              <a:solidFill>
+                <a:schemeClr val="bg1">
+                  <a:lumMod val="50000"/>
+                </a:schemeClr>
+              </a:solidFill>
+            </a:endParaRPr>
+          </a:p>
+        </p:txBody>
+      </p:sp>
+      <p:pic>
+        <p:nvPicPr>
+          <p:cNvPr id="3" name="Imagen 2">
+            <a:extLst>
+              <a:ext uri="{FF2B5EF4-FFF2-40B4-BE49-F238E27FC236}">
+                <a16:creationId xmlns:a16="http://schemas.microsoft.com/office/drawing/2014/main" id="{14D88842-2FBA-DF73-E9FD-7B914A253F06}"/>
+              </a:ext>
+            </a:extLst>
+          </p:cNvPr>
+          <p:cNvPicPr>
+            <a:picLocks noChangeAspect="1"/>
+          </p:cNvPicPr>
+          <p:nvPr/>
+        </p:nvPicPr>
+        <p:blipFill>
+          <a:blip r:embed="rId3"/>
+          <a:stretch>
+            <a:fillRect/>
+          </a:stretch>
+        </p:blipFill>
+        <p:spPr>
+          <a:xfrm>
+            <a:off x="1747231" y="1627828"/>
+            <a:ext cx="7140738" cy="4606675"/>
+          </a:xfrm>
+          <a:prstGeom prst="rect">
+            <a:avLst/>
+          </a:prstGeom>
+        </p:spPr>
+      </p:pic>
+    </p:spTree>
+    <p:extLst>
+      <p:ext uri="{BB962C8B-B14F-4D97-AF65-F5344CB8AC3E}">
+        <p14:creationId xmlns:p14="http://schemas.microsoft.com/office/powerpoint/2010/main" val="3345739370"/>
+      </p:ext>
+    </p:extLst>
+  </p:cSld>
+  <p:clrMapOvr>
+    <a:masterClrMapping/>
+  </p:clrMapOvr>
+</p:sld>
+</file>
+
+<file path=ppt/slides/slide11.xml><?xml version="1.0" encoding="utf-8"?>
+<p:sld xmlns:a="http://schemas.openxmlformats.org/drawingml/2006/main" xmlns:r="http://schemas.openxmlformats.org/officeDocument/2006/relationships" xmlns:p="http://schemas.openxmlformats.org/presentationml/2006/main">
+  <p:cSld>
+    <p:spTree>
+      <p:nvGrpSpPr>
+        <p:cNvPr id="1" name="">
+          <a:extLst>
+            <a:ext uri="{FF2B5EF4-FFF2-40B4-BE49-F238E27FC236}">
+              <a16:creationId xmlns:a16="http://schemas.microsoft.com/office/drawing/2014/main" id="{B3A1E9DA-530E-2B5A-8F9D-50520E97A255}"/>
+            </a:ext>
+          </a:extLst>
+        </p:cNvPr>
+        <p:cNvGrpSpPr/>
+        <p:nvPr/>
+      </p:nvGrpSpPr>
+      <p:grpSpPr>
+        <a:xfrm>
+          <a:off x="0" y="0"/>
+          <a:ext cx="0" cy="0"/>
+          <a:chOff x="0" y="0"/>
+          <a:chExt cx="0" cy="0"/>
+        </a:xfrm>
+      </p:grpSpPr>
+      <p:sp>
+        <p:nvSpPr>
+          <p:cNvPr id="7" name="Título 6">
+            <a:extLst>
+              <a:ext uri="{FF2B5EF4-FFF2-40B4-BE49-F238E27FC236}">
+                <a16:creationId xmlns:a16="http://schemas.microsoft.com/office/drawing/2014/main" id="{9AA95B97-29B1-5EE7-D5E4-BBBC56E2BF2A}"/>
+              </a:ext>
+            </a:extLst>
+          </p:cNvPr>
+          <p:cNvSpPr>
+            <a:spLocks noGrp="1"/>
+          </p:cNvSpPr>
+          <p:nvPr>
+            <p:ph type="title"/>
+          </p:nvPr>
+        </p:nvSpPr>
+        <p:spPr>
+          <a:xfrm>
+            <a:off x="388149" y="321272"/>
+            <a:ext cx="11407302" cy="1171473"/>
+          </a:xfrm>
+        </p:spPr>
+        <p:txBody>
+          <a:bodyPr>
+            <a:normAutofit fontScale="90000"/>
+          </a:bodyPr>
+          <a:lstStyle/>
+          <a:p>
+            <a:br>
+              <a:rPr lang="es-ES" dirty="0"/>
+            </a:br>
+            <a:br>
+              <a:rPr lang="es-ES" dirty="0"/>
+            </a:br>
+            <a:endParaRPr lang="es-ES" dirty="0"/>
+          </a:p>
+        </p:txBody>
+      </p:sp>
+      <p:sp>
+        <p:nvSpPr>
+          <p:cNvPr id="63" name="CuadroTexto 62">
+            <a:extLst>
+              <a:ext uri="{FF2B5EF4-FFF2-40B4-BE49-F238E27FC236}">
+                <a16:creationId xmlns:a16="http://schemas.microsoft.com/office/drawing/2014/main" id="{6F803BB9-0731-E3CB-92F6-EB2A55CB8A65}"/>
+              </a:ext>
+            </a:extLst>
+          </p:cNvPr>
+          <p:cNvSpPr txBox="1"/>
+          <p:nvPr/>
+        </p:nvSpPr>
+        <p:spPr>
+          <a:xfrm>
+            <a:off x="9381745" y="6611779"/>
+            <a:ext cx="3054096" cy="246221"/>
+          </a:xfrm>
+          <a:prstGeom prst="rect">
+            <a:avLst/>
+          </a:prstGeom>
+          <a:noFill/>
+        </p:spPr>
+        <p:txBody>
+          <a:bodyPr wrap="square" rtlCol="0">
+            <a:spAutoFit/>
+          </a:bodyPr>
+          <a:lstStyle/>
+          <a:p>
+            <a:r>
+              <a:rPr lang="es-ES" sz="1000" dirty="0"/>
+              <a:t>Data Architect Assesment - </a:t>
+            </a:r>
+            <a:r>
+              <a:rPr lang="es-ES" sz="800" dirty="0"/>
+              <a:t>Rosa Mestres | June 2025</a:t>
+            </a:r>
+          </a:p>
+        </p:txBody>
+      </p:sp>
+      <p:cxnSp>
+        <p:nvCxnSpPr>
+          <p:cNvPr id="105" name="Conector recto 104">
+            <a:extLst>
+              <a:ext uri="{FF2B5EF4-FFF2-40B4-BE49-F238E27FC236}">
+                <a16:creationId xmlns:a16="http://schemas.microsoft.com/office/drawing/2014/main" id="{AF4BBB5F-C4E3-6010-2213-7BE8E625FEF1}"/>
+              </a:ext>
+            </a:extLst>
+          </p:cNvPr>
+          <p:cNvCxnSpPr>
+            <a:cxnSpLocks/>
+          </p:cNvCxnSpPr>
+          <p:nvPr/>
+        </p:nvCxnSpPr>
+        <p:spPr>
+          <a:xfrm>
+            <a:off x="388149" y="447963"/>
+            <a:ext cx="0" cy="891310"/>
+          </a:xfrm>
+          <a:prstGeom prst="line">
+            <a:avLst/>
+          </a:prstGeom>
+        </p:spPr>
+        <p:style>
+          <a:lnRef idx="2">
+            <a:schemeClr val="accent1"/>
+          </a:lnRef>
+          <a:fillRef idx="0">
+            <a:schemeClr val="accent1"/>
+          </a:fillRef>
+          <a:effectRef idx="1">
+            <a:schemeClr val="accent1"/>
+          </a:effectRef>
+          <a:fontRef idx="minor">
+            <a:schemeClr val="tx1"/>
+          </a:fontRef>
+        </p:style>
+      </p:cxnSp>
+      <p:sp>
+        <p:nvSpPr>
+          <p:cNvPr id="4" name="Título 6">
+            <a:extLst>
+              <a:ext uri="{FF2B5EF4-FFF2-40B4-BE49-F238E27FC236}">
+                <a16:creationId xmlns:a16="http://schemas.microsoft.com/office/drawing/2014/main" id="{5EAD74DF-82CA-657C-F45A-722D47307185}"/>
+              </a:ext>
+            </a:extLst>
+          </p:cNvPr>
+          <p:cNvSpPr txBox="1">
+            <a:spLocks/>
+          </p:cNvSpPr>
+          <p:nvPr/>
+        </p:nvSpPr>
+        <p:spPr>
+          <a:xfrm>
+            <a:off x="455337" y="304455"/>
+            <a:ext cx="11407302" cy="1171473"/>
+          </a:xfrm>
+          <a:prstGeom prst="rect">
+            <a:avLst/>
+          </a:prstGeom>
+        </p:spPr>
+        <p:txBody>
+          <a:bodyPr vert="horz" lIns="91440" tIns="45720" rIns="91440" bIns="45720" rtlCol="0" anchor="ctr">
+            <a:normAutofit fontScale="60000" lnSpcReduction="20000"/>
+          </a:bodyPr>
+          <a:lstStyle>
+            <a:lvl1pPr algn="l" defTabSz="914400" rtl="0" eaLnBrk="1" latinLnBrk="0" hangingPunct="1">
+              <a:lnSpc>
+                <a:spcPct val="90000"/>
+              </a:lnSpc>
+              <a:spcBef>
+                <a:spcPct val="0"/>
+              </a:spcBef>
+              <a:buNone/>
+              <a:defRPr sz="4400" kern="1200">
+                <a:solidFill>
+                  <a:schemeClr val="tx1"/>
+                </a:solidFill>
+                <a:latin typeface="+mj-lt"/>
+                <a:ea typeface="+mj-ea"/>
+                <a:cs typeface="+mj-cs"/>
+              </a:defRPr>
+            </a:lvl1pPr>
+          </a:lstStyle>
+          <a:p>
+            <a:br>
+              <a:rPr lang="es-ES" dirty="0"/>
+            </a:br>
+            <a:r>
+              <a:rPr lang="es-ES" sz="7200" dirty="0"/>
+              <a:t>E2E Sales Dashboard Design</a:t>
+            </a:r>
+            <a:br>
+              <a:rPr lang="es-ES" dirty="0"/>
+            </a:br>
+            <a:r>
+              <a:rPr lang="es-ES" sz="4000" dirty="0">
+                <a:solidFill>
+                  <a:schemeClr val="bg1">
+                    <a:lumMod val="50000"/>
+                  </a:schemeClr>
+                </a:solidFill>
+              </a:rPr>
+              <a:t>Dashboard KPIs and Features</a:t>
+            </a:r>
+            <a:endParaRPr lang="es-ES" sz="4200" dirty="0">
+              <a:solidFill>
+                <a:schemeClr val="bg1">
+                  <a:lumMod val="50000"/>
+                </a:schemeClr>
+              </a:solidFill>
+            </a:endParaRPr>
+          </a:p>
+        </p:txBody>
+      </p:sp>
+      <p:grpSp>
+        <p:nvGrpSpPr>
+          <p:cNvPr id="23" name="Grupo 22">
+            <a:extLst>
+              <a:ext uri="{FF2B5EF4-FFF2-40B4-BE49-F238E27FC236}">
+                <a16:creationId xmlns:a16="http://schemas.microsoft.com/office/drawing/2014/main" id="{4D0C482F-0BD0-FA2C-BCC5-33FD275AB6AF}"/>
+              </a:ext>
+            </a:extLst>
+          </p:cNvPr>
+          <p:cNvGrpSpPr/>
+          <p:nvPr/>
+        </p:nvGrpSpPr>
+        <p:grpSpPr>
+          <a:xfrm>
+            <a:off x="8466591" y="1939894"/>
+            <a:ext cx="2144683" cy="1013520"/>
+            <a:chOff x="7875499" y="1441661"/>
+            <a:chExt cx="3273690" cy="1479795"/>
+          </a:xfrm>
+        </p:grpSpPr>
+        <p:sp>
+          <p:nvSpPr>
+            <p:cNvPr id="10" name="Rectángulo: esquinas redondeadas 9">
+              <a:extLst>
+                <a:ext uri="{FF2B5EF4-FFF2-40B4-BE49-F238E27FC236}">
+                  <a16:creationId xmlns:a16="http://schemas.microsoft.com/office/drawing/2014/main" id="{17DCA53D-93BB-D711-4DED-D86ABA3BCC52}"/>
+                </a:ext>
+              </a:extLst>
+            </p:cNvPr>
+            <p:cNvSpPr/>
+            <p:nvPr/>
+          </p:nvSpPr>
+          <p:spPr>
+            <a:xfrm>
+              <a:off x="7875499" y="1441661"/>
+              <a:ext cx="3273690" cy="1479795"/>
+            </a:xfrm>
+            <a:prstGeom prst="roundRect">
+              <a:avLst/>
+            </a:prstGeom>
+            <a:solidFill>
+              <a:schemeClr val="bg1"/>
+            </a:solidFill>
+          </p:spPr>
+          <p:style>
+            <a:lnRef idx="2">
+              <a:schemeClr val="accent1">
+                <a:shade val="15000"/>
+              </a:schemeClr>
+            </a:lnRef>
+            <a:fillRef idx="1">
+              <a:schemeClr val="accent1"/>
+            </a:fillRef>
+            <a:effectRef idx="0">
+              <a:schemeClr val="accent1"/>
+            </a:effectRef>
+            <a:fontRef idx="minor">
+              <a:schemeClr val="lt1"/>
+            </a:fontRef>
+          </p:style>
+          <p:txBody>
+            <a:bodyPr rtlCol="0" anchor="ctr"/>
+            <a:lstStyle/>
+            <a:p>
+              <a:pPr algn="ctr"/>
+              <a:endParaRPr lang="es-ES" dirty="0"/>
+            </a:p>
+          </p:txBody>
+        </p:sp>
+        <p:sp>
+          <p:nvSpPr>
+            <p:cNvPr id="13" name="CuadroTexto 12">
+              <a:extLst>
+                <a:ext uri="{FF2B5EF4-FFF2-40B4-BE49-F238E27FC236}">
+                  <a16:creationId xmlns:a16="http://schemas.microsoft.com/office/drawing/2014/main" id="{CF113209-62F9-CA84-65AB-1A5068AEA7E8}"/>
+                </a:ext>
+              </a:extLst>
+            </p:cNvPr>
+            <p:cNvSpPr txBox="1"/>
+            <p:nvPr/>
+          </p:nvSpPr>
+          <p:spPr>
+            <a:xfrm>
+              <a:off x="8330194" y="1541643"/>
+              <a:ext cx="2818994" cy="1023580"/>
+            </a:xfrm>
+            <a:prstGeom prst="rect">
+              <a:avLst/>
+            </a:prstGeom>
+            <a:noFill/>
+          </p:spPr>
+          <p:txBody>
+            <a:bodyPr wrap="square" rtlCol="0">
+              <a:spAutoFit/>
+            </a:bodyPr>
+            <a:lstStyle/>
+            <a:p>
+              <a:r>
+                <a:rPr lang="es-ES" dirty="0">
+                  <a:solidFill>
+                    <a:schemeClr val="accent1"/>
+                  </a:solidFill>
+                </a:rPr>
+                <a:t>Monthly Sales Forecast (AI)</a:t>
+              </a:r>
+            </a:p>
+            <a:p>
+              <a:endParaRPr lang="es-ES" dirty="0">
+                <a:solidFill>
+                  <a:schemeClr val="accent1"/>
+                </a:solidFill>
+              </a:endParaRPr>
+            </a:p>
+          </p:txBody>
+        </p:sp>
+      </p:grpSp>
+      <p:grpSp>
+        <p:nvGrpSpPr>
+          <p:cNvPr id="22" name="Grupo 21">
+            <a:extLst>
+              <a:ext uri="{FF2B5EF4-FFF2-40B4-BE49-F238E27FC236}">
+                <a16:creationId xmlns:a16="http://schemas.microsoft.com/office/drawing/2014/main" id="{EACB47C1-2873-CDEA-D141-0A37381D9B3B}"/>
+              </a:ext>
+            </a:extLst>
+          </p:cNvPr>
+          <p:cNvGrpSpPr/>
+          <p:nvPr/>
+        </p:nvGrpSpPr>
+        <p:grpSpPr>
+          <a:xfrm>
+            <a:off x="5855876" y="1939893"/>
+            <a:ext cx="2424049" cy="1036763"/>
+            <a:chOff x="10629920" y="1652450"/>
+            <a:chExt cx="3305175" cy="1438276"/>
+          </a:xfrm>
+          <a:solidFill>
+            <a:schemeClr val="bg1"/>
+          </a:solidFill>
+        </p:grpSpPr>
+        <p:sp>
+          <p:nvSpPr>
+            <p:cNvPr id="11" name="Rectángulo: esquinas redondeadas 10">
+              <a:extLst>
+                <a:ext uri="{FF2B5EF4-FFF2-40B4-BE49-F238E27FC236}">
+                  <a16:creationId xmlns:a16="http://schemas.microsoft.com/office/drawing/2014/main" id="{31D65043-9207-AC74-7A63-60CF72AD4121}"/>
+                </a:ext>
+              </a:extLst>
+            </p:cNvPr>
+            <p:cNvSpPr/>
+            <p:nvPr/>
+          </p:nvSpPr>
+          <p:spPr>
+            <a:xfrm>
+              <a:off x="10629920" y="1652450"/>
+              <a:ext cx="3305175" cy="1438276"/>
+            </a:xfrm>
+            <a:prstGeom prst="roundRect">
+              <a:avLst/>
+            </a:prstGeom>
+            <a:grpFill/>
+          </p:spPr>
+          <p:style>
+            <a:lnRef idx="2">
+              <a:schemeClr val="accent1">
+                <a:shade val="15000"/>
+              </a:schemeClr>
+            </a:lnRef>
+            <a:fillRef idx="1">
+              <a:schemeClr val="accent1"/>
+            </a:fillRef>
+            <a:effectRef idx="0">
+              <a:schemeClr val="accent1"/>
+            </a:effectRef>
+            <a:fontRef idx="minor">
+              <a:schemeClr val="lt1"/>
+            </a:fontRef>
+          </p:style>
+          <p:txBody>
+            <a:bodyPr rtlCol="0" anchor="ctr"/>
+            <a:lstStyle/>
+            <a:p>
+              <a:pPr algn="ctr"/>
+              <a:endParaRPr lang="es-ES" dirty="0"/>
+            </a:p>
+          </p:txBody>
+        </p:sp>
+        <p:sp>
+          <p:nvSpPr>
+            <p:cNvPr id="15" name="CuadroTexto 14">
+              <a:extLst>
+                <a:ext uri="{FF2B5EF4-FFF2-40B4-BE49-F238E27FC236}">
+                  <a16:creationId xmlns:a16="http://schemas.microsoft.com/office/drawing/2014/main" id="{D240D9FA-1758-EC82-B1B6-EB3B56F68F3B}"/>
+                </a:ext>
+              </a:extLst>
+            </p:cNvPr>
+            <p:cNvSpPr txBox="1"/>
+            <p:nvPr/>
+          </p:nvSpPr>
+          <p:spPr>
+            <a:xfrm>
+              <a:off x="10823321" y="1749627"/>
+              <a:ext cx="2990850" cy="696403"/>
+            </a:xfrm>
+            <a:prstGeom prst="rect">
+              <a:avLst/>
+            </a:prstGeom>
+            <a:grpFill/>
+          </p:spPr>
+          <p:txBody>
+            <a:bodyPr wrap="square">
+              <a:spAutoFit/>
+            </a:bodyPr>
+            <a:lstStyle/>
+            <a:p>
+              <a:pPr algn="ctr"/>
+              <a:r>
+                <a:rPr lang="es-ES" dirty="0">
+                  <a:solidFill>
+                    <a:schemeClr val="accent1"/>
+                  </a:solidFill>
+                </a:rPr>
+                <a:t>Conversion Rate by Channel</a:t>
+              </a:r>
+            </a:p>
+          </p:txBody>
+        </p:sp>
+      </p:grpSp>
+      <p:grpSp>
+        <p:nvGrpSpPr>
+          <p:cNvPr id="21" name="Grupo 20">
+            <a:extLst>
+              <a:ext uri="{FF2B5EF4-FFF2-40B4-BE49-F238E27FC236}">
+                <a16:creationId xmlns:a16="http://schemas.microsoft.com/office/drawing/2014/main" id="{B5743681-42E3-4741-ED3E-579C2BF7CC31}"/>
+              </a:ext>
+            </a:extLst>
+          </p:cNvPr>
+          <p:cNvGrpSpPr/>
+          <p:nvPr/>
+        </p:nvGrpSpPr>
+        <p:grpSpPr>
+          <a:xfrm>
+            <a:off x="3247487" y="1939894"/>
+            <a:ext cx="2424049" cy="1013519"/>
+            <a:chOff x="3829049" y="1645481"/>
+            <a:chExt cx="3305175" cy="1438276"/>
+          </a:xfrm>
+          <a:solidFill>
+            <a:schemeClr val="bg1"/>
+          </a:solidFill>
+        </p:grpSpPr>
+        <p:sp>
+          <p:nvSpPr>
+            <p:cNvPr id="8" name="Rectángulo: esquinas redondeadas 7">
+              <a:extLst>
+                <a:ext uri="{FF2B5EF4-FFF2-40B4-BE49-F238E27FC236}">
+                  <a16:creationId xmlns:a16="http://schemas.microsoft.com/office/drawing/2014/main" id="{45ECB54C-C87D-9B4D-3CAB-3AA4478F6100}"/>
+                </a:ext>
+              </a:extLst>
+            </p:cNvPr>
+            <p:cNvSpPr/>
+            <p:nvPr/>
+          </p:nvSpPr>
+          <p:spPr>
+            <a:xfrm>
+              <a:off x="3829049" y="1645481"/>
+              <a:ext cx="3305175" cy="1438276"/>
+            </a:xfrm>
+            <a:prstGeom prst="roundRect">
+              <a:avLst/>
+            </a:prstGeom>
+            <a:grpFill/>
+          </p:spPr>
+          <p:style>
+            <a:lnRef idx="2">
+              <a:schemeClr val="accent1">
+                <a:shade val="15000"/>
+              </a:schemeClr>
+            </a:lnRef>
+            <a:fillRef idx="1">
+              <a:schemeClr val="accent1"/>
+            </a:fillRef>
+            <a:effectRef idx="0">
+              <a:schemeClr val="accent1"/>
+            </a:effectRef>
+            <a:fontRef idx="minor">
+              <a:schemeClr val="lt1"/>
+            </a:fontRef>
+          </p:style>
+          <p:txBody>
+            <a:bodyPr rtlCol="0" anchor="ctr"/>
+            <a:lstStyle/>
+            <a:p>
+              <a:pPr algn="ctr"/>
+              <a:endParaRPr lang="es-ES" dirty="0"/>
+            </a:p>
+          </p:txBody>
+        </p:sp>
+        <p:sp>
+          <p:nvSpPr>
+            <p:cNvPr id="17" name="CuadroTexto 16">
+              <a:extLst>
+                <a:ext uri="{FF2B5EF4-FFF2-40B4-BE49-F238E27FC236}">
+                  <a16:creationId xmlns:a16="http://schemas.microsoft.com/office/drawing/2014/main" id="{B0DBE83A-1C0E-EDE3-05FD-270AF9F90DC0}"/>
+                </a:ext>
+              </a:extLst>
+            </p:cNvPr>
+            <p:cNvSpPr txBox="1"/>
+            <p:nvPr/>
+          </p:nvSpPr>
+          <p:spPr>
+            <a:xfrm>
+              <a:off x="3953915" y="1742661"/>
+              <a:ext cx="3081336" cy="695891"/>
+            </a:xfrm>
+            <a:prstGeom prst="rect">
+              <a:avLst/>
+            </a:prstGeom>
+            <a:grpFill/>
+          </p:spPr>
+          <p:txBody>
+            <a:bodyPr wrap="square">
+              <a:spAutoFit/>
+            </a:bodyPr>
+            <a:lstStyle/>
+            <a:p>
+              <a:pPr algn="ctr"/>
+              <a:r>
+                <a:rPr lang="es-ES" dirty="0">
+                  <a:solidFill>
+                    <a:schemeClr val="accent1"/>
+                  </a:solidFill>
+                </a:rPr>
+                <a:t>Revenue by Region &amp; Channel</a:t>
+              </a:r>
+            </a:p>
+          </p:txBody>
+        </p:sp>
+      </p:grpSp>
+      <p:grpSp>
+        <p:nvGrpSpPr>
+          <p:cNvPr id="20" name="Grupo 19">
+            <a:extLst>
+              <a:ext uri="{FF2B5EF4-FFF2-40B4-BE49-F238E27FC236}">
+                <a16:creationId xmlns:a16="http://schemas.microsoft.com/office/drawing/2014/main" id="{49C84172-2FF9-061D-FC95-63D64C65E36D}"/>
+              </a:ext>
+            </a:extLst>
+          </p:cNvPr>
+          <p:cNvGrpSpPr/>
+          <p:nvPr/>
+        </p:nvGrpSpPr>
+        <p:grpSpPr>
+          <a:xfrm>
+            <a:off x="521829" y="1939894"/>
+            <a:ext cx="2424049" cy="1013519"/>
+            <a:chOff x="455337" y="1645481"/>
+            <a:chExt cx="3305175" cy="1438276"/>
+          </a:xfrm>
+          <a:solidFill>
+            <a:schemeClr val="bg1"/>
+          </a:solidFill>
+        </p:grpSpPr>
+        <p:sp>
+          <p:nvSpPr>
+            <p:cNvPr id="9" name="Rectángulo: esquinas redondeadas 8">
+              <a:extLst>
+                <a:ext uri="{FF2B5EF4-FFF2-40B4-BE49-F238E27FC236}">
+                  <a16:creationId xmlns:a16="http://schemas.microsoft.com/office/drawing/2014/main" id="{AD875114-D673-1D5A-63E2-757DB74080F9}"/>
+                </a:ext>
+              </a:extLst>
+            </p:cNvPr>
+            <p:cNvSpPr/>
+            <p:nvPr/>
+          </p:nvSpPr>
+          <p:spPr>
+            <a:xfrm>
+              <a:off x="455337" y="1645481"/>
+              <a:ext cx="3305175" cy="1438276"/>
+            </a:xfrm>
+            <a:prstGeom prst="roundRect">
+              <a:avLst/>
+            </a:prstGeom>
+            <a:grpFill/>
+          </p:spPr>
+          <p:style>
+            <a:lnRef idx="2">
+              <a:schemeClr val="accent1">
+                <a:shade val="15000"/>
+              </a:schemeClr>
+            </a:lnRef>
+            <a:fillRef idx="1">
+              <a:schemeClr val="accent1"/>
+            </a:fillRef>
+            <a:effectRef idx="0">
+              <a:schemeClr val="accent1"/>
+            </a:effectRef>
+            <a:fontRef idx="minor">
+              <a:schemeClr val="lt1"/>
+            </a:fontRef>
+          </p:style>
+          <p:txBody>
+            <a:bodyPr rtlCol="0" anchor="ctr"/>
+            <a:lstStyle/>
+            <a:p>
+              <a:pPr algn="ctr"/>
+              <a:endParaRPr lang="es-ES" dirty="0"/>
+            </a:p>
+          </p:txBody>
+        </p:sp>
+        <p:sp>
+          <p:nvSpPr>
+            <p:cNvPr id="19" name="CuadroTexto 18">
+              <a:extLst>
+                <a:ext uri="{FF2B5EF4-FFF2-40B4-BE49-F238E27FC236}">
+                  <a16:creationId xmlns:a16="http://schemas.microsoft.com/office/drawing/2014/main" id="{AD003C14-8C4C-59EE-0472-F6EBB8DC59DF}"/>
+                </a:ext>
+              </a:extLst>
+            </p:cNvPr>
+            <p:cNvSpPr txBox="1"/>
+            <p:nvPr/>
+          </p:nvSpPr>
+          <p:spPr>
+            <a:xfrm>
+              <a:off x="455337" y="1718288"/>
+              <a:ext cx="3252790" cy="397652"/>
+            </a:xfrm>
+            <a:prstGeom prst="rect">
+              <a:avLst/>
+            </a:prstGeom>
+            <a:grpFill/>
+          </p:spPr>
+          <p:txBody>
+            <a:bodyPr wrap="square">
+              <a:spAutoFit/>
+            </a:bodyPr>
+            <a:lstStyle/>
+            <a:p>
+              <a:pPr algn="ctr"/>
+              <a:r>
+                <a:rPr lang="es-ES" dirty="0">
+                  <a:solidFill>
+                    <a:schemeClr val="accent1"/>
+                  </a:solidFill>
+                </a:rPr>
+                <a:t>Total Policies Sold</a:t>
+              </a:r>
+            </a:p>
+          </p:txBody>
+        </p:sp>
+      </p:grpSp>
+      <p:sp>
+        <p:nvSpPr>
+          <p:cNvPr id="24" name="CuadroTexto 23">
+            <a:extLst>
+              <a:ext uri="{FF2B5EF4-FFF2-40B4-BE49-F238E27FC236}">
+                <a16:creationId xmlns:a16="http://schemas.microsoft.com/office/drawing/2014/main" id="{13BE9705-862A-C48E-785C-ACD345729751}"/>
+              </a:ext>
+            </a:extLst>
+          </p:cNvPr>
+          <p:cNvSpPr txBox="1"/>
+          <p:nvPr/>
+        </p:nvSpPr>
+        <p:spPr>
+          <a:xfrm>
+            <a:off x="1217903" y="2576096"/>
+            <a:ext cx="1108953" cy="369332"/>
+          </a:xfrm>
+          <a:prstGeom prst="rect">
+            <a:avLst/>
+          </a:prstGeom>
+          <a:noFill/>
+        </p:spPr>
+        <p:txBody>
+          <a:bodyPr wrap="square" rtlCol="0">
+            <a:spAutoFit/>
+          </a:bodyPr>
+          <a:lstStyle/>
+          <a:p>
+            <a:r>
+              <a:rPr lang="es-ES" dirty="0"/>
+              <a:t>1,800</a:t>
+            </a:r>
+          </a:p>
+        </p:txBody>
+      </p:sp>
+      <p:sp>
+        <p:nvSpPr>
+          <p:cNvPr id="25" name="CuadroTexto 24">
+            <a:extLst>
+              <a:ext uri="{FF2B5EF4-FFF2-40B4-BE49-F238E27FC236}">
+                <a16:creationId xmlns:a16="http://schemas.microsoft.com/office/drawing/2014/main" id="{B27326E2-5207-92E4-D1A4-6B8F0298F1DF}"/>
+              </a:ext>
+            </a:extLst>
+          </p:cNvPr>
+          <p:cNvSpPr txBox="1"/>
+          <p:nvPr/>
+        </p:nvSpPr>
+        <p:spPr>
+          <a:xfrm>
+            <a:off x="3949336" y="2599225"/>
+            <a:ext cx="1108953" cy="369332"/>
+          </a:xfrm>
+          <a:prstGeom prst="rect">
+            <a:avLst/>
+          </a:prstGeom>
+          <a:noFill/>
+        </p:spPr>
+        <p:txBody>
+          <a:bodyPr wrap="square" rtlCol="0">
+            <a:spAutoFit/>
+          </a:bodyPr>
+          <a:lstStyle/>
+          <a:p>
+            <a:r>
+              <a:rPr lang="es-ES" dirty="0"/>
+              <a:t>1,800</a:t>
+            </a:r>
+          </a:p>
+        </p:txBody>
+      </p:sp>
+      <p:sp>
+        <p:nvSpPr>
+          <p:cNvPr id="26" name="CuadroTexto 25">
+            <a:extLst>
+              <a:ext uri="{FF2B5EF4-FFF2-40B4-BE49-F238E27FC236}">
+                <a16:creationId xmlns:a16="http://schemas.microsoft.com/office/drawing/2014/main" id="{04294DD4-14B3-1B9E-AA68-8586564972B5}"/>
+              </a:ext>
+            </a:extLst>
+          </p:cNvPr>
+          <p:cNvSpPr txBox="1"/>
+          <p:nvPr/>
+        </p:nvSpPr>
+        <p:spPr>
+          <a:xfrm>
+            <a:off x="6543696" y="2623790"/>
+            <a:ext cx="1108953" cy="369332"/>
+          </a:xfrm>
+          <a:prstGeom prst="rect">
+            <a:avLst/>
+          </a:prstGeom>
+          <a:noFill/>
+        </p:spPr>
+        <p:txBody>
+          <a:bodyPr wrap="square" rtlCol="0">
+            <a:spAutoFit/>
+          </a:bodyPr>
+          <a:lstStyle/>
+          <a:p>
+            <a:r>
+              <a:rPr lang="es-ES" dirty="0"/>
+              <a:t>1,800</a:t>
+            </a:r>
+          </a:p>
+        </p:txBody>
+      </p:sp>
+      <p:sp>
+        <p:nvSpPr>
+          <p:cNvPr id="27" name="CuadroTexto 26">
+            <a:extLst>
+              <a:ext uri="{FF2B5EF4-FFF2-40B4-BE49-F238E27FC236}">
+                <a16:creationId xmlns:a16="http://schemas.microsoft.com/office/drawing/2014/main" id="{995E6E17-228B-BD46-3DF8-59D24732162F}"/>
+              </a:ext>
+            </a:extLst>
+          </p:cNvPr>
+          <p:cNvSpPr txBox="1"/>
+          <p:nvPr/>
+        </p:nvSpPr>
+        <p:spPr>
+          <a:xfrm>
+            <a:off x="9022872" y="2594336"/>
+            <a:ext cx="1108953" cy="369332"/>
+          </a:xfrm>
+          <a:prstGeom prst="rect">
+            <a:avLst/>
+          </a:prstGeom>
+          <a:noFill/>
+        </p:spPr>
+        <p:txBody>
+          <a:bodyPr wrap="square" rtlCol="0">
+            <a:spAutoFit/>
+          </a:bodyPr>
+          <a:lstStyle/>
+          <a:p>
+            <a:r>
+              <a:rPr lang="es-ES" dirty="0"/>
+              <a:t>1,800</a:t>
+            </a:r>
+          </a:p>
+        </p:txBody>
+      </p:sp>
+      <p:sp>
+        <p:nvSpPr>
+          <p:cNvPr id="28" name="Rectángulo 27">
+            <a:extLst>
+              <a:ext uri="{FF2B5EF4-FFF2-40B4-BE49-F238E27FC236}">
+                <a16:creationId xmlns:a16="http://schemas.microsoft.com/office/drawing/2014/main" id="{D1EE47B2-3E6E-B4F7-982B-DEAC6511C311}"/>
+              </a:ext>
+            </a:extLst>
+          </p:cNvPr>
+          <p:cNvSpPr/>
+          <p:nvPr/>
+        </p:nvSpPr>
+        <p:spPr>
+          <a:xfrm>
+            <a:off x="10672372" y="632298"/>
+            <a:ext cx="1420961" cy="5904430"/>
+          </a:xfrm>
+          <a:prstGeom prst="rect">
+            <a:avLst/>
+          </a:prstGeom>
+          <a:solidFill>
+            <a:schemeClr val="bg1"/>
+          </a:solidFill>
+        </p:spPr>
+        <p:style>
+          <a:lnRef idx="2">
+            <a:schemeClr val="accent1">
+              <a:shade val="15000"/>
+            </a:schemeClr>
+          </a:lnRef>
+          <a:fillRef idx="1">
+            <a:schemeClr val="accent1"/>
+          </a:fillRef>
+          <a:effectRef idx="0">
+            <a:schemeClr val="accent1"/>
+          </a:effectRef>
+          <a:fontRef idx="minor">
+            <a:schemeClr val="lt1"/>
+          </a:fontRef>
+        </p:style>
+        <p:txBody>
+          <a:bodyPr rtlCol="0" anchor="ctr"/>
+          <a:lstStyle/>
+          <a:p>
+            <a:pPr algn="ctr"/>
+            <a:endParaRPr lang="es-ES"/>
+          </a:p>
+        </p:txBody>
+      </p:sp>
+      <p:sp>
+        <p:nvSpPr>
+          <p:cNvPr id="29" name="CuadroTexto 28">
+            <a:extLst>
+              <a:ext uri="{FF2B5EF4-FFF2-40B4-BE49-F238E27FC236}">
+                <a16:creationId xmlns:a16="http://schemas.microsoft.com/office/drawing/2014/main" id="{5E202253-3334-A842-1BBF-1F8BAED1C7B5}"/>
+              </a:ext>
+            </a:extLst>
+          </p:cNvPr>
+          <p:cNvSpPr txBox="1"/>
+          <p:nvPr/>
+        </p:nvSpPr>
+        <p:spPr>
+          <a:xfrm>
+            <a:off x="10836614" y="797668"/>
+            <a:ext cx="900050" cy="369332"/>
+          </a:xfrm>
+          <a:prstGeom prst="rect">
+            <a:avLst/>
+          </a:prstGeom>
+          <a:noFill/>
+        </p:spPr>
+        <p:txBody>
+          <a:bodyPr wrap="square" rtlCol="0">
+            <a:spAutoFit/>
+          </a:bodyPr>
+          <a:lstStyle/>
+          <a:p>
+            <a:r>
+              <a:rPr lang="es-ES" dirty="0" err="1"/>
+              <a:t>Filters</a:t>
+            </a:r>
+            <a:endParaRPr lang="es-ES" dirty="0"/>
+          </a:p>
+        </p:txBody>
+      </p:sp>
+      <p:sp>
+        <p:nvSpPr>
+          <p:cNvPr id="30" name="Rectángulo: esquinas redondeadas 29">
+            <a:extLst>
+              <a:ext uri="{FF2B5EF4-FFF2-40B4-BE49-F238E27FC236}">
+                <a16:creationId xmlns:a16="http://schemas.microsoft.com/office/drawing/2014/main" id="{D09F1FB3-A5DF-041E-A747-C511D2E9E4B3}"/>
+              </a:ext>
+            </a:extLst>
+          </p:cNvPr>
+          <p:cNvSpPr/>
+          <p:nvPr/>
+        </p:nvSpPr>
+        <p:spPr>
+          <a:xfrm>
+            <a:off x="10738842" y="1339273"/>
+            <a:ext cx="245018" cy="170289"/>
+          </a:xfrm>
+          <a:prstGeom prst="roundRect">
+            <a:avLst/>
+          </a:prstGeom>
+          <a:solidFill>
+            <a:schemeClr val="bg1"/>
+          </a:solidFill>
+        </p:spPr>
+        <p:style>
+          <a:lnRef idx="2">
+            <a:schemeClr val="accent1">
+              <a:shade val="15000"/>
+            </a:schemeClr>
+          </a:lnRef>
+          <a:fillRef idx="1">
+            <a:schemeClr val="accent1"/>
+          </a:fillRef>
+          <a:effectRef idx="0">
+            <a:schemeClr val="accent1"/>
+          </a:effectRef>
+          <a:fontRef idx="minor">
+            <a:schemeClr val="lt1"/>
+          </a:fontRef>
+        </p:style>
+        <p:txBody>
+          <a:bodyPr rtlCol="0" anchor="ctr"/>
+          <a:lstStyle/>
+          <a:p>
+            <a:pPr algn="ctr"/>
+            <a:endParaRPr lang="es-ES"/>
+          </a:p>
+        </p:txBody>
+      </p:sp>
+      <p:sp>
+        <p:nvSpPr>
+          <p:cNvPr id="31" name="CuadroTexto 30">
+            <a:extLst>
+              <a:ext uri="{FF2B5EF4-FFF2-40B4-BE49-F238E27FC236}">
+                <a16:creationId xmlns:a16="http://schemas.microsoft.com/office/drawing/2014/main" id="{361D4BCC-F71F-18D3-61EA-6598DA47FE52}"/>
+              </a:ext>
+            </a:extLst>
+          </p:cNvPr>
+          <p:cNvSpPr txBox="1"/>
+          <p:nvPr/>
+        </p:nvSpPr>
+        <p:spPr>
+          <a:xfrm>
+            <a:off x="10983860" y="1201937"/>
+            <a:ext cx="878779" cy="461665"/>
+          </a:xfrm>
+          <a:prstGeom prst="rect">
+            <a:avLst/>
+          </a:prstGeom>
+          <a:noFill/>
+        </p:spPr>
+        <p:txBody>
+          <a:bodyPr wrap="square" rtlCol="0">
+            <a:spAutoFit/>
+          </a:bodyPr>
+          <a:lstStyle/>
+          <a:p>
+            <a:r>
+              <a:rPr lang="es-ES" sz="1200" dirty="0"/>
+              <a:t>Data </a:t>
+            </a:r>
+            <a:r>
+              <a:rPr lang="es-ES" sz="1200" dirty="0" err="1"/>
+              <a:t>Range</a:t>
+            </a:r>
+            <a:endParaRPr lang="es-ES" sz="1200" dirty="0"/>
+          </a:p>
+        </p:txBody>
+      </p:sp>
+      <p:sp>
+        <p:nvSpPr>
+          <p:cNvPr id="32" name="Rectángulo: esquinas redondeadas 31">
+            <a:extLst>
+              <a:ext uri="{FF2B5EF4-FFF2-40B4-BE49-F238E27FC236}">
+                <a16:creationId xmlns:a16="http://schemas.microsoft.com/office/drawing/2014/main" id="{E1C61E34-B02B-E0CA-AFBF-235CD5B51F46}"/>
+              </a:ext>
+            </a:extLst>
+          </p:cNvPr>
+          <p:cNvSpPr/>
+          <p:nvPr/>
+        </p:nvSpPr>
+        <p:spPr>
+          <a:xfrm>
+            <a:off x="10738842" y="2329758"/>
+            <a:ext cx="235402" cy="170289"/>
+          </a:xfrm>
+          <a:prstGeom prst="roundRect">
+            <a:avLst/>
+          </a:prstGeom>
+          <a:solidFill>
+            <a:schemeClr val="bg1"/>
+          </a:solidFill>
+        </p:spPr>
+        <p:style>
+          <a:lnRef idx="2">
+            <a:schemeClr val="accent1">
+              <a:shade val="15000"/>
+            </a:schemeClr>
+          </a:lnRef>
+          <a:fillRef idx="1">
+            <a:schemeClr val="accent1"/>
+          </a:fillRef>
+          <a:effectRef idx="0">
+            <a:schemeClr val="accent1"/>
+          </a:effectRef>
+          <a:fontRef idx="minor">
+            <a:schemeClr val="lt1"/>
+          </a:fontRef>
+        </p:style>
+        <p:txBody>
+          <a:bodyPr rtlCol="0" anchor="ctr"/>
+          <a:lstStyle/>
+          <a:p>
+            <a:pPr algn="ctr"/>
+            <a:endParaRPr lang="es-ES"/>
+          </a:p>
+        </p:txBody>
+      </p:sp>
+      <p:sp>
+        <p:nvSpPr>
+          <p:cNvPr id="33" name="CuadroTexto 32">
+            <a:extLst>
+              <a:ext uri="{FF2B5EF4-FFF2-40B4-BE49-F238E27FC236}">
+                <a16:creationId xmlns:a16="http://schemas.microsoft.com/office/drawing/2014/main" id="{9F2DA6AE-D363-ACD1-E28B-4A6A5E098C35}"/>
+              </a:ext>
+            </a:extLst>
+          </p:cNvPr>
+          <p:cNvSpPr txBox="1"/>
+          <p:nvPr/>
+        </p:nvSpPr>
+        <p:spPr>
+          <a:xfrm>
+            <a:off x="10983860" y="2191379"/>
+            <a:ext cx="878779" cy="461665"/>
+          </a:xfrm>
+          <a:prstGeom prst="rect">
+            <a:avLst/>
+          </a:prstGeom>
+          <a:noFill/>
+        </p:spPr>
+        <p:txBody>
+          <a:bodyPr wrap="square" rtlCol="0">
+            <a:spAutoFit/>
+          </a:bodyPr>
+          <a:lstStyle/>
+          <a:p>
+            <a:r>
+              <a:rPr lang="es-ES" sz="1200" dirty="0"/>
+              <a:t>Sales Channel</a:t>
+            </a:r>
+          </a:p>
+        </p:txBody>
+      </p:sp>
+      <p:sp>
+        <p:nvSpPr>
+          <p:cNvPr id="37" name="Rectángulo: esquinas redondeadas 36">
+            <a:extLst>
+              <a:ext uri="{FF2B5EF4-FFF2-40B4-BE49-F238E27FC236}">
+                <a16:creationId xmlns:a16="http://schemas.microsoft.com/office/drawing/2014/main" id="{6248F1BF-31C9-38A7-D9B9-E3EF79375C64}"/>
+              </a:ext>
+            </a:extLst>
+          </p:cNvPr>
+          <p:cNvSpPr/>
+          <p:nvPr/>
+        </p:nvSpPr>
+        <p:spPr>
+          <a:xfrm>
+            <a:off x="10768574" y="3180821"/>
+            <a:ext cx="235402" cy="170289"/>
+          </a:xfrm>
+          <a:prstGeom prst="roundRect">
+            <a:avLst/>
+          </a:prstGeom>
+          <a:solidFill>
+            <a:schemeClr val="bg1"/>
+          </a:solidFill>
+        </p:spPr>
+        <p:style>
+          <a:lnRef idx="2">
+            <a:schemeClr val="accent1">
+              <a:shade val="15000"/>
+            </a:schemeClr>
+          </a:lnRef>
+          <a:fillRef idx="1">
+            <a:schemeClr val="accent1"/>
+          </a:fillRef>
+          <a:effectRef idx="0">
+            <a:schemeClr val="accent1"/>
+          </a:effectRef>
+          <a:fontRef idx="minor">
+            <a:schemeClr val="lt1"/>
+          </a:fontRef>
+        </p:style>
+        <p:txBody>
+          <a:bodyPr rtlCol="0" anchor="ctr"/>
+          <a:lstStyle/>
+          <a:p>
+            <a:pPr algn="ctr"/>
+            <a:endParaRPr lang="es-ES"/>
+          </a:p>
+        </p:txBody>
+      </p:sp>
+      <p:sp>
+        <p:nvSpPr>
+          <p:cNvPr id="38" name="CuadroTexto 37">
+            <a:extLst>
+              <a:ext uri="{FF2B5EF4-FFF2-40B4-BE49-F238E27FC236}">
+                <a16:creationId xmlns:a16="http://schemas.microsoft.com/office/drawing/2014/main" id="{8F31CC31-B82D-0071-94A4-9AA8E8769C1E}"/>
+              </a:ext>
+            </a:extLst>
+          </p:cNvPr>
+          <p:cNvSpPr txBox="1"/>
+          <p:nvPr/>
+        </p:nvSpPr>
+        <p:spPr>
+          <a:xfrm>
+            <a:off x="11003976" y="3035132"/>
+            <a:ext cx="1019411" cy="276999"/>
+          </a:xfrm>
+          <a:prstGeom prst="rect">
+            <a:avLst/>
+          </a:prstGeom>
+          <a:noFill/>
+        </p:spPr>
+        <p:txBody>
+          <a:bodyPr wrap="square" rtlCol="0">
+            <a:spAutoFit/>
+          </a:bodyPr>
+          <a:lstStyle/>
+          <a:p>
+            <a:r>
+              <a:rPr lang="es-ES" sz="1200" dirty="0" err="1"/>
+              <a:t>Geography</a:t>
+            </a:r>
+            <a:endParaRPr lang="es-ES" sz="1200" dirty="0"/>
+          </a:p>
+        </p:txBody>
+      </p:sp>
+      <p:sp>
+        <p:nvSpPr>
+          <p:cNvPr id="39" name="Rectángulo: esquinas redondeadas 38">
+            <a:extLst>
+              <a:ext uri="{FF2B5EF4-FFF2-40B4-BE49-F238E27FC236}">
+                <a16:creationId xmlns:a16="http://schemas.microsoft.com/office/drawing/2014/main" id="{32A4333D-1181-090B-3852-A246831BD1BB}"/>
+              </a:ext>
+            </a:extLst>
+          </p:cNvPr>
+          <p:cNvSpPr/>
+          <p:nvPr/>
+        </p:nvSpPr>
+        <p:spPr>
+          <a:xfrm>
+            <a:off x="10797757" y="4002436"/>
+            <a:ext cx="235402" cy="170289"/>
+          </a:xfrm>
+          <a:prstGeom prst="roundRect">
+            <a:avLst/>
+          </a:prstGeom>
+          <a:solidFill>
+            <a:schemeClr val="bg1"/>
+          </a:solidFill>
+        </p:spPr>
+        <p:style>
+          <a:lnRef idx="2">
+            <a:schemeClr val="accent1">
+              <a:shade val="15000"/>
+            </a:schemeClr>
+          </a:lnRef>
+          <a:fillRef idx="1">
+            <a:schemeClr val="accent1"/>
+          </a:fillRef>
+          <a:effectRef idx="0">
+            <a:schemeClr val="accent1"/>
+          </a:effectRef>
+          <a:fontRef idx="minor">
+            <a:schemeClr val="lt1"/>
+          </a:fontRef>
+        </p:style>
+        <p:txBody>
+          <a:bodyPr rtlCol="0" anchor="ctr"/>
+          <a:lstStyle/>
+          <a:p>
+            <a:pPr algn="ctr"/>
+            <a:endParaRPr lang="es-ES"/>
+          </a:p>
+        </p:txBody>
+      </p:sp>
+      <p:sp>
+        <p:nvSpPr>
+          <p:cNvPr id="40" name="CuadroTexto 39">
+            <a:extLst>
+              <a:ext uri="{FF2B5EF4-FFF2-40B4-BE49-F238E27FC236}">
+                <a16:creationId xmlns:a16="http://schemas.microsoft.com/office/drawing/2014/main" id="{DF83C537-A84D-5692-A4AD-110ABC679150}"/>
+              </a:ext>
+            </a:extLst>
+          </p:cNvPr>
+          <p:cNvSpPr txBox="1"/>
+          <p:nvPr/>
+        </p:nvSpPr>
+        <p:spPr>
+          <a:xfrm>
+            <a:off x="11033159" y="3856747"/>
+            <a:ext cx="1019411" cy="646331"/>
+          </a:xfrm>
+          <a:prstGeom prst="rect">
+            <a:avLst/>
+          </a:prstGeom>
+          <a:noFill/>
+        </p:spPr>
+        <p:txBody>
+          <a:bodyPr wrap="square" rtlCol="0">
+            <a:spAutoFit/>
+          </a:bodyPr>
+          <a:lstStyle/>
+          <a:p>
+            <a:r>
+              <a:rPr lang="es-ES" sz="1200" dirty="0" err="1"/>
+              <a:t>Product</a:t>
+            </a:r>
+            <a:r>
+              <a:rPr lang="es-ES" sz="1200" dirty="0"/>
+              <a:t>/</a:t>
+            </a:r>
+          </a:p>
+          <a:p>
+            <a:r>
+              <a:rPr lang="es-ES" sz="1200" dirty="0" err="1"/>
+              <a:t>Insurance</a:t>
+            </a:r>
+            <a:r>
+              <a:rPr lang="es-ES" sz="1200" dirty="0"/>
+              <a:t> </a:t>
+            </a:r>
+            <a:r>
+              <a:rPr lang="es-ES" sz="1200" dirty="0" err="1"/>
+              <a:t>Type</a:t>
+            </a:r>
+            <a:endParaRPr lang="es-ES" sz="1200" dirty="0"/>
+          </a:p>
+        </p:txBody>
+      </p:sp>
+      <p:grpSp>
+        <p:nvGrpSpPr>
+          <p:cNvPr id="6" name="Grupo 5">
+            <a:extLst>
+              <a:ext uri="{FF2B5EF4-FFF2-40B4-BE49-F238E27FC236}">
+                <a16:creationId xmlns:a16="http://schemas.microsoft.com/office/drawing/2014/main" id="{549FEA3A-5E1C-01C6-732C-3E65213BC2D3}"/>
+              </a:ext>
+            </a:extLst>
+          </p:cNvPr>
+          <p:cNvGrpSpPr/>
+          <p:nvPr/>
+        </p:nvGrpSpPr>
+        <p:grpSpPr>
+          <a:xfrm>
+            <a:off x="8666616" y="3692925"/>
+            <a:ext cx="1952625" cy="594511"/>
+            <a:chOff x="7304991" y="6052446"/>
+            <a:chExt cx="1952625" cy="594511"/>
+          </a:xfrm>
+        </p:grpSpPr>
+        <p:sp>
+          <p:nvSpPr>
+            <p:cNvPr id="5" name="Rectángulo: esquinas redondeadas 4">
+              <a:extLst>
+                <a:ext uri="{FF2B5EF4-FFF2-40B4-BE49-F238E27FC236}">
+                  <a16:creationId xmlns:a16="http://schemas.microsoft.com/office/drawing/2014/main" id="{8F140000-34A5-CF26-FEF9-951FDBAD0903}"/>
+                </a:ext>
+              </a:extLst>
+            </p:cNvPr>
+            <p:cNvSpPr/>
+            <p:nvPr/>
+          </p:nvSpPr>
+          <p:spPr>
+            <a:xfrm>
+              <a:off x="7304991" y="6052446"/>
+              <a:ext cx="1952625" cy="594511"/>
+            </a:xfrm>
+            <a:prstGeom prst="roundRect">
+              <a:avLst/>
+            </a:prstGeom>
+            <a:solidFill>
+              <a:schemeClr val="bg1"/>
+            </a:solidFill>
+          </p:spPr>
+          <p:style>
+            <a:lnRef idx="2">
+              <a:schemeClr val="accent1">
+                <a:shade val="15000"/>
+              </a:schemeClr>
+            </a:lnRef>
+            <a:fillRef idx="1">
+              <a:schemeClr val="accent1"/>
+            </a:fillRef>
+            <a:effectRef idx="0">
+              <a:schemeClr val="accent1"/>
+            </a:effectRef>
+            <a:fontRef idx="minor">
+              <a:schemeClr val="lt1"/>
+            </a:fontRef>
+          </p:style>
+          <p:txBody>
+            <a:bodyPr rtlCol="0" anchor="ctr"/>
+            <a:lstStyle/>
+            <a:p>
+              <a:pPr algn="ctr"/>
+              <a:endParaRPr lang="es-ES"/>
+            </a:p>
+          </p:txBody>
+        </p:sp>
+        <p:sp>
+          <p:nvSpPr>
+            <p:cNvPr id="43" name="CuadroTexto 42">
+              <a:extLst>
+                <a:ext uri="{FF2B5EF4-FFF2-40B4-BE49-F238E27FC236}">
+                  <a16:creationId xmlns:a16="http://schemas.microsoft.com/office/drawing/2014/main" id="{4FA1723C-E8B2-14C0-B45D-D9795D056376}"/>
+                </a:ext>
+              </a:extLst>
+            </p:cNvPr>
+            <p:cNvSpPr txBox="1"/>
+            <p:nvPr/>
+          </p:nvSpPr>
+          <p:spPr>
+            <a:xfrm>
+              <a:off x="7663649" y="6165035"/>
+              <a:ext cx="1288915" cy="369332"/>
+            </a:xfrm>
+            <a:prstGeom prst="rect">
+              <a:avLst/>
+            </a:prstGeom>
+            <a:noFill/>
+          </p:spPr>
+          <p:txBody>
+            <a:bodyPr wrap="square">
+              <a:spAutoFit/>
+            </a:bodyPr>
+            <a:lstStyle/>
+            <a:p>
+              <a:r>
+                <a:rPr lang="es-ES" dirty="0"/>
+                <a:t>AI </a:t>
+              </a:r>
+              <a:r>
+                <a:rPr lang="es-ES" dirty="0" err="1"/>
+                <a:t>Insights</a:t>
+              </a:r>
+              <a:endParaRPr lang="es-ES" dirty="0"/>
+            </a:p>
+          </p:txBody>
+        </p:sp>
+      </p:grpSp>
+      <p:pic>
+        <p:nvPicPr>
+          <p:cNvPr id="46" name="Imagen 45">
+            <a:extLst>
+              <a:ext uri="{FF2B5EF4-FFF2-40B4-BE49-F238E27FC236}">
+                <a16:creationId xmlns:a16="http://schemas.microsoft.com/office/drawing/2014/main" id="{C8A3FF33-882E-3F8F-B23F-86DB86552256}"/>
+              </a:ext>
+            </a:extLst>
+          </p:cNvPr>
+          <p:cNvPicPr>
+            <a:picLocks noChangeAspect="1"/>
+          </p:cNvPicPr>
+          <p:nvPr/>
+        </p:nvPicPr>
+        <p:blipFill>
+          <a:blip r:embed="rId3"/>
+          <a:stretch>
+            <a:fillRect/>
+          </a:stretch>
+        </p:blipFill>
+        <p:spPr>
+          <a:xfrm>
+            <a:off x="682114" y="3035132"/>
+            <a:ext cx="3488418" cy="2939754"/>
+          </a:xfrm>
+          <a:prstGeom prst="rect">
+            <a:avLst/>
+          </a:prstGeom>
+        </p:spPr>
+      </p:pic>
+      <p:pic>
+        <p:nvPicPr>
+          <p:cNvPr id="48" name="Imagen 47">
+            <a:extLst>
+              <a:ext uri="{FF2B5EF4-FFF2-40B4-BE49-F238E27FC236}">
+                <a16:creationId xmlns:a16="http://schemas.microsoft.com/office/drawing/2014/main" id="{3D2469C5-6084-F8B1-0303-715CBA325187}"/>
+              </a:ext>
+            </a:extLst>
+          </p:cNvPr>
+          <p:cNvPicPr>
+            <a:picLocks noChangeAspect="1"/>
+          </p:cNvPicPr>
+          <p:nvPr/>
+        </p:nvPicPr>
+        <p:blipFill>
+          <a:blip r:embed="rId4"/>
+          <a:stretch>
+            <a:fillRect/>
+          </a:stretch>
+        </p:blipFill>
+        <p:spPr>
+          <a:xfrm>
+            <a:off x="4081301" y="3586128"/>
+            <a:ext cx="3592360" cy="3025651"/>
+          </a:xfrm>
+          <a:prstGeom prst="rect">
+            <a:avLst/>
+          </a:prstGeom>
+        </p:spPr>
+      </p:pic>
+      <p:pic>
+        <p:nvPicPr>
+          <p:cNvPr id="3" name="Imagen 2" descr="Logotipo&#10;&#10;El contenido generado por IA puede ser incorrecto.">
+            <a:extLst>
+              <a:ext uri="{FF2B5EF4-FFF2-40B4-BE49-F238E27FC236}">
+                <a16:creationId xmlns:a16="http://schemas.microsoft.com/office/drawing/2014/main" id="{C9D30D60-3F75-3510-9ABB-0BFD03F13F1E}"/>
+              </a:ext>
+            </a:extLst>
+          </p:cNvPr>
+          <p:cNvPicPr>
+            <a:picLocks noChangeAspect="1"/>
+          </p:cNvPicPr>
+          <p:nvPr/>
+        </p:nvPicPr>
+        <p:blipFill>
+          <a:blip r:embed="rId5">
+            <a:extLst>
+              <a:ext uri="{28A0092B-C50C-407E-A947-70E740481C1C}">
+                <a14:useLocalDpi xmlns:a14="http://schemas.microsoft.com/office/drawing/2010/main" val="0"/>
+              </a:ext>
+            </a:extLst>
+          </a:blip>
+          <a:stretch>
+            <a:fillRect/>
+          </a:stretch>
+        </p:blipFill>
+        <p:spPr>
+          <a:xfrm>
+            <a:off x="8446650" y="1294336"/>
+            <a:ext cx="2046111" cy="527730"/>
+          </a:xfrm>
+          <a:prstGeom prst="rect">
+            <a:avLst/>
+          </a:prstGeom>
+        </p:spPr>
+      </p:pic>
+    </p:spTree>
+    <p:extLst>
+      <p:ext uri="{BB962C8B-B14F-4D97-AF65-F5344CB8AC3E}">
+        <p14:creationId xmlns:p14="http://schemas.microsoft.com/office/powerpoint/2010/main" val="3694793121"/>
+      </p:ext>
+    </p:extLst>
+  </p:cSld>
+  <p:clrMapOvr>
+    <a:masterClrMapping/>
+  </p:clrMapOvr>
+</p:sld>
+</file>
+
 <file path=ppt/slides/slide2.xml><?xml version="1.0" encoding="utf-8"?>
 <p:sld xmlns:a="http://schemas.openxmlformats.org/drawingml/2006/main" xmlns:r="http://schemas.openxmlformats.org/officeDocument/2006/relationships" xmlns:p="http://schemas.openxmlformats.org/presentationml/2006/main">
   <p:cSld>
@@ -5380,16 +7109,8 @@
               <a:buNone/>
             </a:pPr>
             <a:r>
-              <a:rPr lang="es-ES" sz="2400" dirty="0"/>
-              <a:t>Enterprise Data Platform: Driving AI-</a:t>
-            </a:r>
-            <a:r>
-              <a:rPr lang="es-ES" sz="2400" dirty="0" err="1"/>
-              <a:t>Enhanced</a:t>
-            </a:r>
-            <a:r>
-              <a:rPr lang="es-ES" sz="2400" dirty="0"/>
-              <a:t> Sales Intelligence</a:t>
+              <a:rPr lang="en-US" sz="2400" dirty="0"/>
+              <a:t>Data-Driven Platform to Accelerate AI-Powered Sales Intelligence</a:t>
             </a:r>
           </a:p>
           <a:p>
@@ -5404,7 +7125,7 @@
             </a:pPr>
             <a:r>
               <a:rPr lang="es-ES" sz="2400" dirty="0"/>
-              <a:t>Enterprise Data Warehouse Architecture</a:t>
+              <a:t>EDW Architecture</a:t>
             </a:r>
           </a:p>
           <a:p>
@@ -5669,6 +7390,78 @@
           </a:p>
         </p:txBody>
       </p:sp>
+      <p:cxnSp>
+        <p:nvCxnSpPr>
+          <p:cNvPr id="9" name="Conector recto 8">
+            <a:extLst>
+              <a:ext uri="{FF2B5EF4-FFF2-40B4-BE49-F238E27FC236}">
+                <a16:creationId xmlns:a16="http://schemas.microsoft.com/office/drawing/2014/main" id="{6B3031F6-26EE-F2C3-1EF2-C5BB43A0A5C8}"/>
+              </a:ext>
+            </a:extLst>
+          </p:cNvPr>
+          <p:cNvCxnSpPr/>
+          <p:nvPr/>
+        </p:nvCxnSpPr>
+        <p:spPr>
+          <a:xfrm>
+            <a:off x="856064" y="1825625"/>
+            <a:ext cx="8543968" cy="0"/>
+          </a:xfrm>
+          <a:prstGeom prst="line">
+            <a:avLst/>
+          </a:prstGeom>
+        </p:spPr>
+        <p:style>
+          <a:lnRef idx="2">
+            <a:schemeClr val="accent1"/>
+          </a:lnRef>
+          <a:fillRef idx="0">
+            <a:schemeClr val="accent1"/>
+          </a:fillRef>
+          <a:effectRef idx="1">
+            <a:schemeClr val="accent1"/>
+          </a:effectRef>
+          <a:fontRef idx="minor">
+            <a:schemeClr val="tx1"/>
+          </a:fontRef>
+        </p:style>
+      </p:cxnSp>
+      <p:cxnSp>
+        <p:nvCxnSpPr>
+          <p:cNvPr id="10" name="Conector recto 9">
+            <a:extLst>
+              <a:ext uri="{FF2B5EF4-FFF2-40B4-BE49-F238E27FC236}">
+                <a16:creationId xmlns:a16="http://schemas.microsoft.com/office/drawing/2014/main" id="{262EDF68-A04F-ADB1-AEE8-9EC390485D5D}"/>
+              </a:ext>
+            </a:extLst>
+          </p:cNvPr>
+          <p:cNvCxnSpPr/>
+          <p:nvPr/>
+        </p:nvCxnSpPr>
+        <p:spPr>
+          <a:xfrm>
+            <a:off x="856064" y="2252345"/>
+            <a:ext cx="8543968" cy="0"/>
+          </a:xfrm>
+          <a:prstGeom prst="line">
+            <a:avLst/>
+          </a:prstGeom>
+        </p:spPr>
+        <p:style>
+          <a:lnRef idx="2">
+            <a:schemeClr val="accent1"/>
+          </a:lnRef>
+          <a:fillRef idx="0">
+            <a:schemeClr val="accent1"/>
+          </a:fillRef>
+          <a:effectRef idx="1">
+            <a:schemeClr val="accent1"/>
+          </a:effectRef>
+          <a:fontRef idx="minor">
+            <a:schemeClr val="tx1"/>
+          </a:fontRef>
+        </p:style>
+      </p:cxnSp>
     </p:spTree>
     <p:extLst>
       <p:ext uri="{BB962C8B-B14F-4D97-AF65-F5344CB8AC3E}">
@@ -6192,7 +7985,7 @@
         <p:spPr>
           <a:xfrm>
             <a:off x="7497885" y="2369537"/>
-            <a:ext cx="3602889" cy="1200329"/>
+            <a:ext cx="3602889" cy="1754326"/>
           </a:xfrm>
           <a:prstGeom prst="rect">
             <a:avLst/>
@@ -6226,14 +8019,9 @@
               <a:buChar char="§"/>
             </a:pPr>
             <a:r>
-              <a:rPr lang="es-ES" sz="1200" dirty="0"/>
-              <a:t>+ </a:t>
-            </a:r>
-            <a:r>
               <a:rPr lang="en-US" sz="1200" dirty="0"/>
-              <a:t>20% efficiency in strategic reporting</a:t>
-            </a:r>
-            <a:endParaRPr lang="es-ES" sz="1200" dirty="0"/>
+              <a:t>Enablement of AI models for sales and churn prediction</a:t>
+            </a:r>
           </a:p>
           <a:p>
             <a:pPr marL="285750" indent="-285750">
@@ -6241,10 +8029,43 @@
               <a:buChar char="§"/>
             </a:pPr>
             <a:r>
+              <a:rPr lang="es-ES" sz="1200" dirty="0"/>
+              <a:t>Increase </a:t>
+            </a:r>
+            <a:r>
+              <a:rPr lang="en-US" sz="1200" dirty="0"/>
+              <a:t>20% efficiency in strategic reporting</a:t>
+            </a:r>
+            <a:endParaRPr lang="es-ES" sz="1200" dirty="0"/>
+          </a:p>
+          <a:p>
+            <a:pPr marL="285750" indent="-285750">
+              <a:buFont typeface="Wingdings" panose="05000000000000000000" pitchFamily="2" charset="2"/>
+              <a:buChar char="§"/>
+            </a:pPr>
+            <a:r>
               <a:rPr lang="en-US" sz="1200" dirty="0"/>
               <a:t>30% reduction in data operation costs</a:t>
             </a:r>
             <a:endParaRPr lang="es-ES" sz="1200" dirty="0"/>
+          </a:p>
+          <a:p>
+            <a:pPr marL="285750" indent="-285750">
+              <a:buFont typeface="Wingdings" panose="05000000000000000000" pitchFamily="2" charset="2"/>
+              <a:buChar char="§"/>
+            </a:pPr>
+            <a:r>
+              <a:rPr lang="en-US" sz="1200" dirty="0"/>
+              <a:t>Global revenues increased by 5%</a:t>
+            </a:r>
+            <a:r>
+              <a:rPr lang="en-US" sz="1200" dirty="0">
+                <a:solidFill>
+                  <a:schemeClr val="tx1"/>
+                </a:solidFill>
+              </a:rPr>
+              <a:t> </a:t>
+            </a:r>
           </a:p>
           <a:p>
             <a:pPr marL="285750" indent="-285750">
@@ -6259,6 +8080,12 @@
               </a:rPr>
               <a:t>Time-to-insight reduced</a:t>
             </a:r>
+          </a:p>
+          <a:p>
+            <a:pPr marL="285750" indent="-285750">
+              <a:buFont typeface="Wingdings" panose="05000000000000000000" pitchFamily="2" charset="2"/>
+              <a:buChar char="§"/>
+            </a:pPr>
             <a:endParaRPr lang="es-ES" sz="1200" dirty="0">
               <a:solidFill>
                 <a:schemeClr val="tx1"/>
@@ -6270,10 +8097,6 @@
               <a:buFont typeface="Wingdings" panose="05000000000000000000" pitchFamily="2" charset="2"/>
               <a:buChar char="§"/>
             </a:pPr>
-            <a:r>
-              <a:rPr lang="en-US" sz="1200" dirty="0"/>
-              <a:t>Enablement of AI models for sales and churn prediction</a:t>
-            </a:r>
             <a:endParaRPr lang="es-ES" sz="1200" dirty="0"/>
           </a:p>
           <a:p>
@@ -8014,6 +9837,450 @@
         <p:cNvPr id="1" name="">
           <a:extLst>
             <a:ext uri="{FF2B5EF4-FFF2-40B4-BE49-F238E27FC236}">
+              <a16:creationId xmlns:a16="http://schemas.microsoft.com/office/drawing/2014/main" id="{E18CFD74-BE70-770E-7192-996ABF2C0AA6}"/>
+            </a:ext>
+          </a:extLst>
+        </p:cNvPr>
+        <p:cNvGrpSpPr/>
+        <p:nvPr/>
+      </p:nvGrpSpPr>
+      <p:grpSpPr>
+        <a:xfrm>
+          <a:off x="0" y="0"/>
+          <a:ext cx="0" cy="0"/>
+          <a:chOff x="0" y="0"/>
+          <a:chExt cx="0" cy="0"/>
+        </a:xfrm>
+      </p:grpSpPr>
+      <p:sp>
+        <p:nvSpPr>
+          <p:cNvPr id="2" name="Título 1">
+            <a:extLst>
+              <a:ext uri="{FF2B5EF4-FFF2-40B4-BE49-F238E27FC236}">
+                <a16:creationId xmlns:a16="http://schemas.microsoft.com/office/drawing/2014/main" id="{3E672F24-57DD-3827-89EA-4F4EE19332DD}"/>
+              </a:ext>
+            </a:extLst>
+          </p:cNvPr>
+          <p:cNvSpPr>
+            <a:spLocks noGrp="1"/>
+          </p:cNvSpPr>
+          <p:nvPr>
+            <p:ph type="title"/>
+          </p:nvPr>
+        </p:nvSpPr>
+        <p:spPr/>
+        <p:txBody>
+          <a:bodyPr/>
+          <a:lstStyle/>
+          <a:p>
+            <a:r>
+              <a:rPr lang="es-ES" dirty="0"/>
+              <a:t>Content</a:t>
+            </a:r>
+          </a:p>
+        </p:txBody>
+      </p:sp>
+      <p:sp>
+        <p:nvSpPr>
+          <p:cNvPr id="3" name="Marcador de contenido 2">
+            <a:extLst>
+              <a:ext uri="{FF2B5EF4-FFF2-40B4-BE49-F238E27FC236}">
+                <a16:creationId xmlns:a16="http://schemas.microsoft.com/office/drawing/2014/main" id="{3A675FDB-010C-A9D4-48B6-F9C58FE68E8B}"/>
+              </a:ext>
+            </a:extLst>
+          </p:cNvPr>
+          <p:cNvSpPr>
+            <a:spLocks noGrp="1"/>
+          </p:cNvSpPr>
+          <p:nvPr>
+            <p:ph idx="1"/>
+          </p:nvPr>
+        </p:nvSpPr>
+        <p:spPr/>
+        <p:txBody>
+          <a:bodyPr>
+            <a:normAutofit/>
+          </a:bodyPr>
+          <a:lstStyle/>
+          <a:p>
+            <a:pPr marL="0" indent="0">
+              <a:buNone/>
+            </a:pPr>
+            <a:r>
+              <a:rPr lang="en-US" sz="2400" dirty="0"/>
+              <a:t>Data-Driven Platform to Accelerate AI-Powered Sales Intelligence</a:t>
+            </a:r>
+          </a:p>
+          <a:p>
+            <a:pPr marL="0" indent="0">
+              <a:buNone/>
+            </a:pPr>
+            <a:endParaRPr lang="es-ES" sz="2400" dirty="0"/>
+          </a:p>
+          <a:p>
+            <a:pPr marL="0" indent="0">
+              <a:buNone/>
+            </a:pPr>
+            <a:r>
+              <a:rPr lang="es-ES" sz="2400" dirty="0"/>
+              <a:t>EDW Architecture</a:t>
+            </a:r>
+          </a:p>
+          <a:p>
+            <a:pPr marL="0" indent="0">
+              <a:buNone/>
+            </a:pPr>
+            <a:endParaRPr lang="es-ES" sz="2000" dirty="0"/>
+          </a:p>
+          <a:p>
+            <a:pPr marL="0" indent="0">
+              <a:buNone/>
+            </a:pPr>
+            <a:r>
+              <a:rPr lang="es-ES" sz="2400" dirty="0"/>
+              <a:t>E2E Sales Dashboard Design</a:t>
+            </a:r>
+          </a:p>
+        </p:txBody>
+      </p:sp>
+      <p:cxnSp>
+        <p:nvCxnSpPr>
+          <p:cNvPr id="5" name="Connettore 1 5">
+            <a:extLst>
+              <a:ext uri="{FF2B5EF4-FFF2-40B4-BE49-F238E27FC236}">
+                <a16:creationId xmlns:a16="http://schemas.microsoft.com/office/drawing/2014/main" id="{C6F9E801-9385-6014-D809-E380952131D6}"/>
+              </a:ext>
+            </a:extLst>
+          </p:cNvPr>
+          <p:cNvCxnSpPr/>
+          <p:nvPr/>
+        </p:nvCxnSpPr>
+        <p:spPr>
+          <a:xfrm>
+            <a:off x="732239" y="1571947"/>
+            <a:ext cx="1" cy="4649466"/>
+          </a:xfrm>
+          <a:prstGeom prst="line">
+            <a:avLst/>
+          </a:prstGeom>
+          <a:ln w="12700">
+            <a:solidFill>
+              <a:srgbClr val="0071AA"/>
+            </a:solidFill>
+            <a:prstDash val="sysDot"/>
+          </a:ln>
+        </p:spPr>
+        <p:style>
+          <a:lnRef idx="1">
+            <a:schemeClr val="accent1"/>
+          </a:lnRef>
+          <a:fillRef idx="0">
+            <a:schemeClr val="accent1"/>
+          </a:fillRef>
+          <a:effectRef idx="0">
+            <a:schemeClr val="accent1"/>
+          </a:effectRef>
+          <a:fontRef idx="minor">
+            <a:schemeClr val="tx1"/>
+          </a:fontRef>
+        </p:style>
+      </p:cxnSp>
+      <p:sp>
+        <p:nvSpPr>
+          <p:cNvPr id="6" name="Ovale 10">
+            <a:extLst>
+              <a:ext uri="{FF2B5EF4-FFF2-40B4-BE49-F238E27FC236}">
+                <a16:creationId xmlns:a16="http://schemas.microsoft.com/office/drawing/2014/main" id="{20B657A4-C16B-C521-7CC6-AA40E708E9CF}"/>
+              </a:ext>
+            </a:extLst>
+          </p:cNvPr>
+          <p:cNvSpPr/>
+          <p:nvPr/>
+        </p:nvSpPr>
+        <p:spPr>
+          <a:xfrm>
+            <a:off x="644140" y="1929058"/>
+            <a:ext cx="211924" cy="211924"/>
+          </a:xfrm>
+          <a:prstGeom prst="ellipse">
+            <a:avLst/>
+          </a:prstGeom>
+          <a:solidFill>
+            <a:srgbClr val="0071AA"/>
+          </a:solidFill>
+          <a:ln>
+            <a:noFill/>
+          </a:ln>
+        </p:spPr>
+        <p:style>
+          <a:lnRef idx="2">
+            <a:schemeClr val="accent1">
+              <a:shade val="50000"/>
+            </a:schemeClr>
+          </a:lnRef>
+          <a:fillRef idx="1">
+            <a:schemeClr val="accent1"/>
+          </a:fillRef>
+          <a:effectRef idx="0">
+            <a:schemeClr val="accent1"/>
+          </a:effectRef>
+          <a:fontRef idx="minor">
+            <a:schemeClr val="lt1"/>
+          </a:fontRef>
+        </p:style>
+        <p:txBody>
+          <a:bodyPr rtlCol="0" anchor="ctr"/>
+          <a:lstStyle/>
+          <a:p>
+            <a:pPr algn="ctr"/>
+            <a:endParaRPr lang="en-GB" dirty="0">
+              <a:latin typeface="Verdana" panose="020B0604030504040204" pitchFamily="34" charset="0"/>
+              <a:ea typeface="Verdana" panose="020B0604030504040204" pitchFamily="34" charset="0"/>
+              <a:cs typeface="Verdana" panose="020B0604030504040204" pitchFamily="34" charset="0"/>
+            </a:endParaRPr>
+          </a:p>
+        </p:txBody>
+      </p:sp>
+      <p:sp>
+        <p:nvSpPr>
+          <p:cNvPr id="7" name="Ovale 11">
+            <a:extLst>
+              <a:ext uri="{FF2B5EF4-FFF2-40B4-BE49-F238E27FC236}">
+                <a16:creationId xmlns:a16="http://schemas.microsoft.com/office/drawing/2014/main" id="{F2EFC55D-D415-DB65-B844-173EC999FF63}"/>
+              </a:ext>
+            </a:extLst>
+          </p:cNvPr>
+          <p:cNvSpPr/>
+          <p:nvPr/>
+        </p:nvSpPr>
+        <p:spPr>
+          <a:xfrm>
+            <a:off x="626276" y="2826597"/>
+            <a:ext cx="211924" cy="211924"/>
+          </a:xfrm>
+          <a:prstGeom prst="ellipse">
+            <a:avLst/>
+          </a:prstGeom>
+          <a:solidFill>
+            <a:srgbClr val="0071AA"/>
+          </a:solidFill>
+          <a:ln>
+            <a:noFill/>
+          </a:ln>
+        </p:spPr>
+        <p:style>
+          <a:lnRef idx="2">
+            <a:schemeClr val="accent1">
+              <a:shade val="50000"/>
+            </a:schemeClr>
+          </a:lnRef>
+          <a:fillRef idx="1">
+            <a:schemeClr val="accent1"/>
+          </a:fillRef>
+          <a:effectRef idx="0">
+            <a:schemeClr val="accent1"/>
+          </a:effectRef>
+          <a:fontRef idx="minor">
+            <a:schemeClr val="lt1"/>
+          </a:fontRef>
+        </p:style>
+        <p:txBody>
+          <a:bodyPr rtlCol="0" anchor="ctr"/>
+          <a:lstStyle/>
+          <a:p>
+            <a:pPr algn="ctr"/>
+            <a:endParaRPr lang="en-GB" dirty="0">
+              <a:latin typeface="Verdana" panose="020B0604030504040204" pitchFamily="34" charset="0"/>
+              <a:ea typeface="Verdana" panose="020B0604030504040204" pitchFamily="34" charset="0"/>
+              <a:cs typeface="Verdana" panose="020B0604030504040204" pitchFamily="34" charset="0"/>
+            </a:endParaRPr>
+          </a:p>
+        </p:txBody>
+      </p:sp>
+      <p:sp>
+        <p:nvSpPr>
+          <p:cNvPr id="11" name="Ovale 11">
+            <a:extLst>
+              <a:ext uri="{FF2B5EF4-FFF2-40B4-BE49-F238E27FC236}">
+                <a16:creationId xmlns:a16="http://schemas.microsoft.com/office/drawing/2014/main" id="{63CB521E-F57C-3A53-D291-BF70BC3BAF51}"/>
+              </a:ext>
+            </a:extLst>
+          </p:cNvPr>
+          <p:cNvSpPr/>
+          <p:nvPr/>
+        </p:nvSpPr>
+        <p:spPr>
+          <a:xfrm>
+            <a:off x="633429" y="3724136"/>
+            <a:ext cx="211924" cy="211924"/>
+          </a:xfrm>
+          <a:prstGeom prst="ellipse">
+            <a:avLst/>
+          </a:prstGeom>
+          <a:solidFill>
+            <a:srgbClr val="0071AA"/>
+          </a:solidFill>
+          <a:ln>
+            <a:noFill/>
+          </a:ln>
+        </p:spPr>
+        <p:style>
+          <a:lnRef idx="2">
+            <a:schemeClr val="accent1">
+              <a:shade val="50000"/>
+            </a:schemeClr>
+          </a:lnRef>
+          <a:fillRef idx="1">
+            <a:schemeClr val="accent1"/>
+          </a:fillRef>
+          <a:effectRef idx="0">
+            <a:schemeClr val="accent1"/>
+          </a:effectRef>
+          <a:fontRef idx="minor">
+            <a:schemeClr val="lt1"/>
+          </a:fontRef>
+        </p:style>
+        <p:txBody>
+          <a:bodyPr rtlCol="0" anchor="ctr"/>
+          <a:lstStyle/>
+          <a:p>
+            <a:pPr algn="ctr"/>
+            <a:endParaRPr lang="en-GB" dirty="0">
+              <a:latin typeface="Verdana" panose="020B0604030504040204" pitchFamily="34" charset="0"/>
+              <a:ea typeface="Verdana" panose="020B0604030504040204" pitchFamily="34" charset="0"/>
+              <a:cs typeface="Verdana" panose="020B0604030504040204" pitchFamily="34" charset="0"/>
+            </a:endParaRPr>
+          </a:p>
+        </p:txBody>
+      </p:sp>
+      <p:sp>
+        <p:nvSpPr>
+          <p:cNvPr id="4" name="CuadroTexto 3">
+            <a:extLst>
+              <a:ext uri="{FF2B5EF4-FFF2-40B4-BE49-F238E27FC236}">
+                <a16:creationId xmlns:a16="http://schemas.microsoft.com/office/drawing/2014/main" id="{90471DDB-A1F3-2BBF-F49F-E75A79DA1667}"/>
+              </a:ext>
+            </a:extLst>
+          </p:cNvPr>
+          <p:cNvSpPr txBox="1"/>
+          <p:nvPr/>
+        </p:nvSpPr>
+        <p:spPr>
+          <a:xfrm>
+            <a:off x="9667495" y="6642556"/>
+            <a:ext cx="2610230" cy="215444"/>
+          </a:xfrm>
+          <a:prstGeom prst="rect">
+            <a:avLst/>
+          </a:prstGeom>
+          <a:noFill/>
+        </p:spPr>
+        <p:txBody>
+          <a:bodyPr wrap="square" rtlCol="0">
+            <a:spAutoFit/>
+          </a:bodyPr>
+          <a:lstStyle/>
+          <a:p>
+            <a:r>
+              <a:rPr lang="es-ES" sz="800" dirty="0"/>
+              <a:t>Data Architect Assesment - Rosa Mestres | June 2025</a:t>
+            </a:r>
+          </a:p>
+        </p:txBody>
+      </p:sp>
+      <p:cxnSp>
+        <p:nvCxnSpPr>
+          <p:cNvPr id="9" name="Conector recto 8">
+            <a:extLst>
+              <a:ext uri="{FF2B5EF4-FFF2-40B4-BE49-F238E27FC236}">
+                <a16:creationId xmlns:a16="http://schemas.microsoft.com/office/drawing/2014/main" id="{A4A1C669-2055-46B4-C64C-7590008859EC}"/>
+              </a:ext>
+            </a:extLst>
+          </p:cNvPr>
+          <p:cNvCxnSpPr/>
+          <p:nvPr/>
+        </p:nvCxnSpPr>
+        <p:spPr>
+          <a:xfrm>
+            <a:off x="856064" y="3160649"/>
+            <a:ext cx="8543968" cy="0"/>
+          </a:xfrm>
+          <a:prstGeom prst="line">
+            <a:avLst/>
+          </a:prstGeom>
+        </p:spPr>
+        <p:style>
+          <a:lnRef idx="2">
+            <a:schemeClr val="accent1"/>
+          </a:lnRef>
+          <a:fillRef idx="0">
+            <a:schemeClr val="accent1"/>
+          </a:fillRef>
+          <a:effectRef idx="1">
+            <a:schemeClr val="accent1"/>
+          </a:effectRef>
+          <a:fontRef idx="minor">
+            <a:schemeClr val="tx1"/>
+          </a:fontRef>
+        </p:style>
+      </p:cxnSp>
+      <p:cxnSp>
+        <p:nvCxnSpPr>
+          <p:cNvPr id="8" name="Conector recto 7">
+            <a:extLst>
+              <a:ext uri="{FF2B5EF4-FFF2-40B4-BE49-F238E27FC236}">
+                <a16:creationId xmlns:a16="http://schemas.microsoft.com/office/drawing/2014/main" id="{5C512524-5BBE-916B-3295-B8C672A09A84}"/>
+              </a:ext>
+            </a:extLst>
+          </p:cNvPr>
+          <p:cNvCxnSpPr/>
+          <p:nvPr/>
+        </p:nvCxnSpPr>
+        <p:spPr>
+          <a:xfrm>
+            <a:off x="856064" y="2746121"/>
+            <a:ext cx="8543968" cy="0"/>
+          </a:xfrm>
+          <a:prstGeom prst="line">
+            <a:avLst/>
+          </a:prstGeom>
+        </p:spPr>
+        <p:style>
+          <a:lnRef idx="2">
+            <a:schemeClr val="accent1"/>
+          </a:lnRef>
+          <a:fillRef idx="0">
+            <a:schemeClr val="accent1"/>
+          </a:fillRef>
+          <a:effectRef idx="1">
+            <a:schemeClr val="accent1"/>
+          </a:effectRef>
+          <a:fontRef idx="minor">
+            <a:schemeClr val="tx1"/>
+          </a:fontRef>
+        </p:style>
+      </p:cxnSp>
+    </p:spTree>
+    <p:extLst>
+      <p:ext uri="{BB962C8B-B14F-4D97-AF65-F5344CB8AC3E}">
+        <p14:creationId xmlns:p14="http://schemas.microsoft.com/office/powerpoint/2010/main" val="2120861030"/>
+      </p:ext>
+    </p:extLst>
+  </p:cSld>
+  <p:clrMapOvr>
+    <a:masterClrMapping/>
+  </p:clrMapOvr>
+</p:sld>
+</file>
+
+<file path=ppt/slides/slide5.xml><?xml version="1.0" encoding="utf-8"?>
+<p:sld xmlns:a="http://schemas.openxmlformats.org/drawingml/2006/main" xmlns:r="http://schemas.openxmlformats.org/officeDocument/2006/relationships" xmlns:p="http://schemas.openxmlformats.org/presentationml/2006/main">
+  <p:cSld>
+    <p:spTree>
+      <p:nvGrpSpPr>
+        <p:cNvPr id="1" name="">
+          <a:extLst>
+            <a:ext uri="{FF2B5EF4-FFF2-40B4-BE49-F238E27FC236}">
               <a16:creationId xmlns:a16="http://schemas.microsoft.com/office/drawing/2014/main" id="{B87E5D27-9D37-FF5B-2F5F-71173A129C21}"/>
             </a:ext>
           </a:extLst>
@@ -8313,7 +10580,7 @@
             </a:br>
             <a:r>
               <a:rPr lang="en-US" sz="6700" dirty="0"/>
-              <a:t>Enterprise Data Warehouse Architecture</a:t>
+              <a:t>EDW Architecture</a:t>
             </a:r>
             <a:br>
               <a:rPr lang="es-ES" dirty="0"/>
@@ -8321,7 +10588,9 @@
             <a:r>
               <a:rPr lang="es-ES" sz="4200" dirty="0">
                 <a:solidFill>
-                  <a:schemeClr val="tx2"/>
+                  <a:schemeClr val="bg1">
+                    <a:lumMod val="50000"/>
+                  </a:schemeClr>
                 </a:solidFill>
               </a:rPr>
               <a:t>Logical Architecture based on Azure</a:t>
@@ -8351,7 +10620,7 @@
         </p:blipFill>
         <p:spPr>
           <a:xfrm>
-            <a:off x="1824453" y="1680425"/>
+            <a:off x="1824453" y="1480400"/>
             <a:ext cx="7502201" cy="5177575"/>
           </a:xfrm>
           <a:prstGeom prst="rect">
@@ -8372,7 +10641,7 @@
 </p:sld>
 </file>
 
-<file path=ppt/slides/slide5.xml><?xml version="1.0" encoding="utf-8"?>
+<file path=ppt/slides/slide6.xml><?xml version="1.0" encoding="utf-8"?>
 <p:sld xmlns:a="http://schemas.openxmlformats.org/drawingml/2006/main" xmlns:r="http://schemas.openxmlformats.org/officeDocument/2006/relationships" xmlns:p="http://schemas.openxmlformats.org/presentationml/2006/main">
   <p:cSld>
     <p:spTree>
@@ -8679,7 +10948,7 @@
             </a:br>
             <a:r>
               <a:rPr lang="en-US" sz="6700" dirty="0"/>
-              <a:t>Enterprise Data Warehouse Architecture</a:t>
+              <a:t>EDW Architecture</a:t>
             </a:r>
             <a:br>
               <a:rPr lang="es-ES" dirty="0"/>
@@ -8687,7 +10956,9 @@
             <a:r>
               <a:rPr lang="es-ES" sz="4200" dirty="0">
                 <a:solidFill>
-                  <a:schemeClr val="tx2"/>
+                  <a:schemeClr val="bg1">
+                    <a:lumMod val="50000"/>
+                  </a:schemeClr>
                 </a:solidFill>
               </a:rPr>
               <a:t>Layers &amp; Technical Design</a:t>
@@ -8697,10 +10968,10 @@
       </p:sp>
       <p:pic>
         <p:nvPicPr>
-          <p:cNvPr id="3" name="Imagen 2">
-            <a:extLst>
-              <a:ext uri="{FF2B5EF4-FFF2-40B4-BE49-F238E27FC236}">
-                <a16:creationId xmlns:a16="http://schemas.microsoft.com/office/drawing/2014/main" id="{62009F1B-78CB-6094-2AED-B3B40EAD81B4}"/>
+          <p:cNvPr id="8" name="Imagen 7">
+            <a:extLst>
+              <a:ext uri="{FF2B5EF4-FFF2-40B4-BE49-F238E27FC236}">
+                <a16:creationId xmlns:a16="http://schemas.microsoft.com/office/drawing/2014/main" id="{201C268F-807D-F3B2-7ABF-69BFDC1A710D}"/>
               </a:ext>
             </a:extLst>
           </p:cNvPr>
@@ -8717,8 +10988,8 @@
         </p:blipFill>
         <p:spPr>
           <a:xfrm>
-            <a:off x="2871369" y="1642100"/>
-            <a:ext cx="5992061" cy="4820323"/>
+            <a:off x="1769246" y="1400117"/>
+            <a:ext cx="8097130" cy="5153428"/>
           </a:xfrm>
           <a:prstGeom prst="rect">
             <a:avLst/>
@@ -8738,7 +11009,7 @@
 </p:sld>
 </file>
 
-<file path=ppt/slides/slide6.xml><?xml version="1.0" encoding="utf-8"?>
+<file path=ppt/slides/slide7.xml><?xml version="1.0" encoding="utf-8"?>
 <p:sld xmlns:a="http://schemas.openxmlformats.org/drawingml/2006/main" xmlns:r="http://schemas.openxmlformats.org/officeDocument/2006/relationships" xmlns:p="http://schemas.openxmlformats.org/presentationml/2006/main">
   <p:cSld>
     <p:spTree>
@@ -8928,13 +11199,19 @@
             </a:br>
             <a:r>
               <a:rPr lang="en-US" sz="6700" dirty="0"/>
-              <a:t>Enterprise Data Warehouse Architecture</a:t>
+              <a:t>EDW Architecture</a:t>
             </a:r>
             <a:br>
               <a:rPr lang="es-ES" dirty="0"/>
             </a:br>
             <a:r>
-              <a:rPr lang="es-ES" sz="4000" dirty="0"/>
+              <a:rPr lang="es-ES" sz="4000" dirty="0">
+                <a:solidFill>
+                  <a:schemeClr val="bg1">
+                    <a:lumMod val="50000"/>
+                  </a:schemeClr>
+                </a:solidFill>
+              </a:rPr>
               <a:t>DataOps Efficiency &amp; Control</a:t>
             </a:r>
           </a:p>
@@ -8954,7 +11231,7 @@
         </p:nvSpPr>
         <p:spPr>
           <a:xfrm>
-            <a:off x="4395788" y="3824643"/>
+            <a:off x="4607161" y="3452662"/>
             <a:ext cx="3200401" cy="369332"/>
           </a:xfrm>
           <a:prstGeom prst="rect">
@@ -9708,6 +11985,178 @@
               </a:schemeClr>
             </a:solidFill>
           </a:ln>
+        </p:spPr>
+        <p:style>
+          <a:lnRef idx="2">
+            <a:schemeClr val="accent1"/>
+          </a:lnRef>
+          <a:fillRef idx="0">
+            <a:schemeClr val="accent1"/>
+          </a:fillRef>
+          <a:effectRef idx="1">
+            <a:schemeClr val="accent1"/>
+          </a:effectRef>
+          <a:fontRef idx="minor">
+            <a:schemeClr val="tx1"/>
+          </a:fontRef>
+        </p:style>
+      </p:cxnSp>
+      <p:sp>
+        <p:nvSpPr>
+          <p:cNvPr id="2" name="TextBox 38">
+            <a:extLst>
+              <a:ext uri="{FF2B5EF4-FFF2-40B4-BE49-F238E27FC236}">
+                <a16:creationId xmlns:a16="http://schemas.microsoft.com/office/drawing/2014/main" id="{CEB4BFFB-EA9C-9305-8786-FB9198ECC9C9}"/>
+              </a:ext>
+            </a:extLst>
+          </p:cNvPr>
+          <p:cNvSpPr txBox="1"/>
+          <p:nvPr/>
+        </p:nvSpPr>
+        <p:spPr>
+          <a:xfrm>
+            <a:off x="4649116" y="4541785"/>
+            <a:ext cx="2885366" cy="461665"/>
+          </a:xfrm>
+          <a:prstGeom prst="rect">
+            <a:avLst/>
+          </a:prstGeom>
+          <a:noFill/>
+        </p:spPr>
+        <p:txBody>
+          <a:bodyPr wrap="square" rtlCol="0">
+            <a:spAutoFit/>
+          </a:bodyPr>
+          <a:lstStyle/>
+          <a:p>
+            <a:r>
+              <a:rPr lang="es-ES" sz="2400" b="1" dirty="0">
+                <a:solidFill>
+                  <a:schemeClr val="accent1"/>
+                </a:solidFill>
+              </a:rPr>
+              <a:t>Reusable Artifacts</a:t>
+            </a:r>
+            <a:endParaRPr lang="en-US" sz="2400" b="1" dirty="0">
+              <a:solidFill>
+                <a:schemeClr val="accent1"/>
+              </a:solidFill>
+              <a:latin typeface="Proxima Nova Semibold" charset="0"/>
+              <a:ea typeface="Proxima Nova Semibold" charset="0"/>
+              <a:cs typeface="Proxima Nova Semibold" charset="0"/>
+            </a:endParaRPr>
+          </a:p>
+        </p:txBody>
+      </p:sp>
+      <p:sp>
+        <p:nvSpPr>
+          <p:cNvPr id="6" name="TextBox 38">
+            <a:extLst>
+              <a:ext uri="{FF2B5EF4-FFF2-40B4-BE49-F238E27FC236}">
+                <a16:creationId xmlns:a16="http://schemas.microsoft.com/office/drawing/2014/main" id="{ABE77905-C9E0-4924-72B6-F1B0666D2F3C}"/>
+              </a:ext>
+            </a:extLst>
+          </p:cNvPr>
+          <p:cNvSpPr txBox="1"/>
+          <p:nvPr/>
+        </p:nvSpPr>
+        <p:spPr>
+          <a:xfrm>
+            <a:off x="4460027" y="5003450"/>
+            <a:ext cx="3602889" cy="1384995"/>
+          </a:xfrm>
+          <a:prstGeom prst="rect">
+            <a:avLst/>
+          </a:prstGeom>
+          <a:solidFill>
+            <a:schemeClr val="bg1"/>
+          </a:solidFill>
+        </p:spPr>
+        <p:txBody>
+          <a:bodyPr wrap="square" rtlCol="0">
+            <a:spAutoFit/>
+          </a:bodyPr>
+          <a:lstStyle>
+            <a:defPPr>
+              <a:defRPr lang="en-US"/>
+            </a:defPPr>
+            <a:lvl1pPr marL="75544" defTabSz="976313" eaLnBrk="0" hangingPunct="0">
+              <a:defRPr sz="2400" i="1">
+                <a:solidFill>
+                  <a:prstClr val="black"/>
+                </a:solidFill>
+                <a:latin typeface="Proxima Nova Light" charset="0"/>
+                <a:ea typeface="Proxima Nova Light" charset="0"/>
+                <a:cs typeface="Proxima Nova Light" charset="0"/>
+              </a:defRPr>
+            </a:lvl1pPr>
+          </a:lstStyle>
+          <a:p>
+            <a:pPr marL="285750" indent="-285750">
+              <a:buFont typeface="Wingdings" panose="05000000000000000000" pitchFamily="2" charset="2"/>
+              <a:buChar char="§"/>
+            </a:pPr>
+            <a:r>
+              <a:rPr lang="en-US" sz="1200" dirty="0"/>
+              <a:t>Pipelines, notebooks, models &amp; datasets as modular building blocks , linked services, </a:t>
+            </a:r>
+            <a:r>
+              <a:rPr lang="en-US" sz="1200" dirty="0" err="1"/>
+              <a:t>db</a:t>
+            </a:r>
+            <a:r>
+              <a:rPr lang="en-US" sz="1200" dirty="0"/>
+              <a:t> objects, scripts SQL if required, ML models</a:t>
+            </a:r>
+          </a:p>
+          <a:p>
+            <a:pPr marL="285750" indent="-285750">
+              <a:buFont typeface="Wingdings" panose="05000000000000000000" pitchFamily="2" charset="2"/>
+              <a:buChar char="§"/>
+            </a:pPr>
+            <a:endParaRPr lang="en-US" sz="1200" dirty="0"/>
+          </a:p>
+          <a:p>
+            <a:pPr marL="285750" indent="-285750">
+              <a:buFont typeface="Wingdings" panose="05000000000000000000" pitchFamily="2" charset="2"/>
+              <a:buChar char="§"/>
+            </a:pPr>
+            <a:endParaRPr lang="es-ES" sz="1200" dirty="0"/>
+          </a:p>
+          <a:p>
+            <a:pPr marL="285750" indent="-285750">
+              <a:buFont typeface="Wingdings" panose="05000000000000000000" pitchFamily="2" charset="2"/>
+              <a:buChar char="§"/>
+            </a:pPr>
+            <a:r>
+              <a:rPr lang="en-US" sz="1200" dirty="0"/>
+              <a:t>Promotes modularity, accelerates delivery, and reduces maintenance efforts.</a:t>
+            </a:r>
+          </a:p>
+        </p:txBody>
+      </p:sp>
+      <p:cxnSp>
+        <p:nvCxnSpPr>
+          <p:cNvPr id="9" name="Conector recto 8">
+            <a:extLst>
+              <a:ext uri="{FF2B5EF4-FFF2-40B4-BE49-F238E27FC236}">
+                <a16:creationId xmlns:a16="http://schemas.microsoft.com/office/drawing/2014/main" id="{E8FCC8AF-7AAD-4F12-F885-A5901CCFCE59}"/>
+              </a:ext>
+            </a:extLst>
+          </p:cNvPr>
+          <p:cNvCxnSpPr>
+            <a:cxnSpLocks/>
+          </p:cNvCxnSpPr>
+          <p:nvPr/>
+        </p:nvCxnSpPr>
+        <p:spPr>
+          <a:xfrm>
+            <a:off x="4607161" y="5697298"/>
+            <a:ext cx="3455755" cy="9528"/>
+          </a:xfrm>
+          <a:prstGeom prst="line">
+            <a:avLst/>
+          </a:prstGeom>
         </p:spPr>
         <p:style>
           <a:lnRef idx="2">
@@ -9737,7 +12186,451 @@
 </p:sld>
 </file>
 
-<file path=ppt/slides/slide7.xml><?xml version="1.0" encoding="utf-8"?>
+<file path=ppt/slides/slide8.xml><?xml version="1.0" encoding="utf-8"?>
+<p:sld xmlns:a="http://schemas.openxmlformats.org/drawingml/2006/main" xmlns:r="http://schemas.openxmlformats.org/officeDocument/2006/relationships" xmlns:p="http://schemas.openxmlformats.org/presentationml/2006/main">
+  <p:cSld>
+    <p:spTree>
+      <p:nvGrpSpPr>
+        <p:cNvPr id="1" name="">
+          <a:extLst>
+            <a:ext uri="{FF2B5EF4-FFF2-40B4-BE49-F238E27FC236}">
+              <a16:creationId xmlns:a16="http://schemas.microsoft.com/office/drawing/2014/main" id="{7F126013-61C7-45DC-163F-D199A9F35C20}"/>
+            </a:ext>
+          </a:extLst>
+        </p:cNvPr>
+        <p:cNvGrpSpPr/>
+        <p:nvPr/>
+      </p:nvGrpSpPr>
+      <p:grpSpPr>
+        <a:xfrm>
+          <a:off x="0" y="0"/>
+          <a:ext cx="0" cy="0"/>
+          <a:chOff x="0" y="0"/>
+          <a:chExt cx="0" cy="0"/>
+        </a:xfrm>
+      </p:grpSpPr>
+      <p:sp>
+        <p:nvSpPr>
+          <p:cNvPr id="2" name="Título 1">
+            <a:extLst>
+              <a:ext uri="{FF2B5EF4-FFF2-40B4-BE49-F238E27FC236}">
+                <a16:creationId xmlns:a16="http://schemas.microsoft.com/office/drawing/2014/main" id="{623A5083-BD95-FEB8-FD24-83CB73C14CB7}"/>
+              </a:ext>
+            </a:extLst>
+          </p:cNvPr>
+          <p:cNvSpPr>
+            <a:spLocks noGrp="1"/>
+          </p:cNvSpPr>
+          <p:nvPr>
+            <p:ph type="title"/>
+          </p:nvPr>
+        </p:nvSpPr>
+        <p:spPr/>
+        <p:txBody>
+          <a:bodyPr/>
+          <a:lstStyle/>
+          <a:p>
+            <a:r>
+              <a:rPr lang="es-ES" dirty="0"/>
+              <a:t>Content</a:t>
+            </a:r>
+          </a:p>
+        </p:txBody>
+      </p:sp>
+      <p:sp>
+        <p:nvSpPr>
+          <p:cNvPr id="3" name="Marcador de contenido 2">
+            <a:extLst>
+              <a:ext uri="{FF2B5EF4-FFF2-40B4-BE49-F238E27FC236}">
+                <a16:creationId xmlns:a16="http://schemas.microsoft.com/office/drawing/2014/main" id="{60F668D3-2EED-4933-0DD6-F4A74497405B}"/>
+              </a:ext>
+            </a:extLst>
+          </p:cNvPr>
+          <p:cNvSpPr>
+            <a:spLocks noGrp="1"/>
+          </p:cNvSpPr>
+          <p:nvPr>
+            <p:ph idx="1"/>
+          </p:nvPr>
+        </p:nvSpPr>
+        <p:spPr/>
+        <p:txBody>
+          <a:bodyPr>
+            <a:normAutofit/>
+          </a:bodyPr>
+          <a:lstStyle/>
+          <a:p>
+            <a:pPr marL="0" indent="0">
+              <a:buNone/>
+            </a:pPr>
+            <a:r>
+              <a:rPr lang="en-US" sz="2400" dirty="0"/>
+              <a:t>Data-Driven Platform to Accelerate AI-Powered Sales Intelligence</a:t>
+            </a:r>
+          </a:p>
+          <a:p>
+            <a:pPr marL="0" indent="0">
+              <a:buNone/>
+            </a:pPr>
+            <a:endParaRPr lang="es-ES" sz="2400" dirty="0"/>
+          </a:p>
+          <a:p>
+            <a:pPr marL="0" indent="0">
+              <a:buNone/>
+            </a:pPr>
+            <a:r>
+              <a:rPr lang="es-ES" sz="2400" dirty="0"/>
+              <a:t>EDW Architecture</a:t>
+            </a:r>
+          </a:p>
+          <a:p>
+            <a:pPr marL="0" indent="0">
+              <a:buNone/>
+            </a:pPr>
+            <a:endParaRPr lang="es-ES" sz="2000" dirty="0"/>
+          </a:p>
+          <a:p>
+            <a:pPr marL="0" indent="0">
+              <a:buNone/>
+            </a:pPr>
+            <a:r>
+              <a:rPr lang="es-ES" sz="2400" dirty="0"/>
+              <a:t>E2E Sales Dashboard Design</a:t>
+            </a:r>
+          </a:p>
+        </p:txBody>
+      </p:sp>
+      <p:cxnSp>
+        <p:nvCxnSpPr>
+          <p:cNvPr id="5" name="Connettore 1 5">
+            <a:extLst>
+              <a:ext uri="{FF2B5EF4-FFF2-40B4-BE49-F238E27FC236}">
+                <a16:creationId xmlns:a16="http://schemas.microsoft.com/office/drawing/2014/main" id="{DFB65652-1168-1BD8-29FF-B295B48DDF5D}"/>
+              </a:ext>
+            </a:extLst>
+          </p:cNvPr>
+          <p:cNvCxnSpPr/>
+          <p:nvPr/>
+        </p:nvCxnSpPr>
+        <p:spPr>
+          <a:xfrm>
+            <a:off x="732239" y="1571947"/>
+            <a:ext cx="1" cy="4649466"/>
+          </a:xfrm>
+          <a:prstGeom prst="line">
+            <a:avLst/>
+          </a:prstGeom>
+          <a:ln w="12700">
+            <a:solidFill>
+              <a:srgbClr val="0071AA"/>
+            </a:solidFill>
+            <a:prstDash val="sysDot"/>
+          </a:ln>
+        </p:spPr>
+        <p:style>
+          <a:lnRef idx="1">
+            <a:schemeClr val="accent1"/>
+          </a:lnRef>
+          <a:fillRef idx="0">
+            <a:schemeClr val="accent1"/>
+          </a:fillRef>
+          <a:effectRef idx="0">
+            <a:schemeClr val="accent1"/>
+          </a:effectRef>
+          <a:fontRef idx="minor">
+            <a:schemeClr val="tx1"/>
+          </a:fontRef>
+        </p:style>
+      </p:cxnSp>
+      <p:sp>
+        <p:nvSpPr>
+          <p:cNvPr id="6" name="Ovale 10">
+            <a:extLst>
+              <a:ext uri="{FF2B5EF4-FFF2-40B4-BE49-F238E27FC236}">
+                <a16:creationId xmlns:a16="http://schemas.microsoft.com/office/drawing/2014/main" id="{1BB44837-D3D7-C1B3-B135-3A0921AD7869}"/>
+              </a:ext>
+            </a:extLst>
+          </p:cNvPr>
+          <p:cNvSpPr/>
+          <p:nvPr/>
+        </p:nvSpPr>
+        <p:spPr>
+          <a:xfrm>
+            <a:off x="644140" y="1929058"/>
+            <a:ext cx="211924" cy="211924"/>
+          </a:xfrm>
+          <a:prstGeom prst="ellipse">
+            <a:avLst/>
+          </a:prstGeom>
+          <a:solidFill>
+            <a:srgbClr val="0071AA"/>
+          </a:solidFill>
+          <a:ln>
+            <a:noFill/>
+          </a:ln>
+        </p:spPr>
+        <p:style>
+          <a:lnRef idx="2">
+            <a:schemeClr val="accent1">
+              <a:shade val="50000"/>
+            </a:schemeClr>
+          </a:lnRef>
+          <a:fillRef idx="1">
+            <a:schemeClr val="accent1"/>
+          </a:fillRef>
+          <a:effectRef idx="0">
+            <a:schemeClr val="accent1"/>
+          </a:effectRef>
+          <a:fontRef idx="minor">
+            <a:schemeClr val="lt1"/>
+          </a:fontRef>
+        </p:style>
+        <p:txBody>
+          <a:bodyPr rtlCol="0" anchor="ctr"/>
+          <a:lstStyle/>
+          <a:p>
+            <a:pPr algn="ctr"/>
+            <a:endParaRPr lang="en-GB" dirty="0">
+              <a:latin typeface="Verdana" panose="020B0604030504040204" pitchFamily="34" charset="0"/>
+              <a:ea typeface="Verdana" panose="020B0604030504040204" pitchFamily="34" charset="0"/>
+              <a:cs typeface="Verdana" panose="020B0604030504040204" pitchFamily="34" charset="0"/>
+            </a:endParaRPr>
+          </a:p>
+        </p:txBody>
+      </p:sp>
+      <p:sp>
+        <p:nvSpPr>
+          <p:cNvPr id="7" name="Ovale 11">
+            <a:extLst>
+              <a:ext uri="{FF2B5EF4-FFF2-40B4-BE49-F238E27FC236}">
+                <a16:creationId xmlns:a16="http://schemas.microsoft.com/office/drawing/2014/main" id="{4E46172E-65D0-16B6-E266-5AB9DA70523A}"/>
+              </a:ext>
+            </a:extLst>
+          </p:cNvPr>
+          <p:cNvSpPr/>
+          <p:nvPr/>
+        </p:nvSpPr>
+        <p:spPr>
+          <a:xfrm>
+            <a:off x="626276" y="2826597"/>
+            <a:ext cx="211924" cy="211924"/>
+          </a:xfrm>
+          <a:prstGeom prst="ellipse">
+            <a:avLst/>
+          </a:prstGeom>
+          <a:solidFill>
+            <a:srgbClr val="0071AA"/>
+          </a:solidFill>
+          <a:ln>
+            <a:noFill/>
+          </a:ln>
+        </p:spPr>
+        <p:style>
+          <a:lnRef idx="2">
+            <a:schemeClr val="accent1">
+              <a:shade val="50000"/>
+            </a:schemeClr>
+          </a:lnRef>
+          <a:fillRef idx="1">
+            <a:schemeClr val="accent1"/>
+          </a:fillRef>
+          <a:effectRef idx="0">
+            <a:schemeClr val="accent1"/>
+          </a:effectRef>
+          <a:fontRef idx="minor">
+            <a:schemeClr val="lt1"/>
+          </a:fontRef>
+        </p:style>
+        <p:txBody>
+          <a:bodyPr rtlCol="0" anchor="ctr"/>
+          <a:lstStyle/>
+          <a:p>
+            <a:pPr algn="ctr"/>
+            <a:endParaRPr lang="en-GB" dirty="0">
+              <a:latin typeface="Verdana" panose="020B0604030504040204" pitchFamily="34" charset="0"/>
+              <a:ea typeface="Verdana" panose="020B0604030504040204" pitchFamily="34" charset="0"/>
+              <a:cs typeface="Verdana" panose="020B0604030504040204" pitchFamily="34" charset="0"/>
+            </a:endParaRPr>
+          </a:p>
+        </p:txBody>
+      </p:sp>
+      <p:sp>
+        <p:nvSpPr>
+          <p:cNvPr id="11" name="Ovale 11">
+            <a:extLst>
+              <a:ext uri="{FF2B5EF4-FFF2-40B4-BE49-F238E27FC236}">
+                <a16:creationId xmlns:a16="http://schemas.microsoft.com/office/drawing/2014/main" id="{3CB2DF14-B093-2D6A-9B1E-4D9E5B0C1D67}"/>
+              </a:ext>
+            </a:extLst>
+          </p:cNvPr>
+          <p:cNvSpPr/>
+          <p:nvPr/>
+        </p:nvSpPr>
+        <p:spPr>
+          <a:xfrm>
+            <a:off x="633429" y="3724136"/>
+            <a:ext cx="211924" cy="211924"/>
+          </a:xfrm>
+          <a:prstGeom prst="ellipse">
+            <a:avLst/>
+          </a:prstGeom>
+          <a:solidFill>
+            <a:srgbClr val="0071AA"/>
+          </a:solidFill>
+          <a:ln>
+            <a:noFill/>
+          </a:ln>
+        </p:spPr>
+        <p:style>
+          <a:lnRef idx="2">
+            <a:schemeClr val="accent1">
+              <a:shade val="50000"/>
+            </a:schemeClr>
+          </a:lnRef>
+          <a:fillRef idx="1">
+            <a:schemeClr val="accent1"/>
+          </a:fillRef>
+          <a:effectRef idx="0">
+            <a:schemeClr val="accent1"/>
+          </a:effectRef>
+          <a:fontRef idx="minor">
+            <a:schemeClr val="lt1"/>
+          </a:fontRef>
+        </p:style>
+        <p:txBody>
+          <a:bodyPr rtlCol="0" anchor="ctr"/>
+          <a:lstStyle/>
+          <a:p>
+            <a:pPr algn="ctr"/>
+            <a:endParaRPr lang="en-GB" dirty="0">
+              <a:latin typeface="Verdana" panose="020B0604030504040204" pitchFamily="34" charset="0"/>
+              <a:ea typeface="Verdana" panose="020B0604030504040204" pitchFamily="34" charset="0"/>
+              <a:cs typeface="Verdana" panose="020B0604030504040204" pitchFamily="34" charset="0"/>
+            </a:endParaRPr>
+          </a:p>
+        </p:txBody>
+      </p:sp>
+      <p:sp>
+        <p:nvSpPr>
+          <p:cNvPr id="4" name="CuadroTexto 3">
+            <a:extLst>
+              <a:ext uri="{FF2B5EF4-FFF2-40B4-BE49-F238E27FC236}">
+                <a16:creationId xmlns:a16="http://schemas.microsoft.com/office/drawing/2014/main" id="{6CB9A615-1500-AC0D-73A7-36A963C768A1}"/>
+              </a:ext>
+            </a:extLst>
+          </p:cNvPr>
+          <p:cNvSpPr txBox="1"/>
+          <p:nvPr/>
+        </p:nvSpPr>
+        <p:spPr>
+          <a:xfrm>
+            <a:off x="9667495" y="6642556"/>
+            <a:ext cx="2610230" cy="215444"/>
+          </a:xfrm>
+          <a:prstGeom prst="rect">
+            <a:avLst/>
+          </a:prstGeom>
+          <a:noFill/>
+        </p:spPr>
+        <p:txBody>
+          <a:bodyPr wrap="square" rtlCol="0">
+            <a:spAutoFit/>
+          </a:bodyPr>
+          <a:lstStyle/>
+          <a:p>
+            <a:r>
+              <a:rPr lang="es-ES" sz="800" dirty="0"/>
+              <a:t>Data Architect Assesment - Rosa Mestres | June 2025</a:t>
+            </a:r>
+          </a:p>
+        </p:txBody>
+      </p:sp>
+      <p:cxnSp>
+        <p:nvCxnSpPr>
+          <p:cNvPr id="9" name="Conector recto 8">
+            <a:extLst>
+              <a:ext uri="{FF2B5EF4-FFF2-40B4-BE49-F238E27FC236}">
+                <a16:creationId xmlns:a16="http://schemas.microsoft.com/office/drawing/2014/main" id="{D4685B6A-3C07-F732-D826-1DD5E9B28EC9}"/>
+              </a:ext>
+            </a:extLst>
+          </p:cNvPr>
+          <p:cNvCxnSpPr/>
+          <p:nvPr/>
+        </p:nvCxnSpPr>
+        <p:spPr>
+          <a:xfrm>
+            <a:off x="872785" y="4047617"/>
+            <a:ext cx="8543968" cy="0"/>
+          </a:xfrm>
+          <a:prstGeom prst="line">
+            <a:avLst/>
+          </a:prstGeom>
+        </p:spPr>
+        <p:style>
+          <a:lnRef idx="2">
+            <a:schemeClr val="accent1"/>
+          </a:lnRef>
+          <a:fillRef idx="0">
+            <a:schemeClr val="accent1"/>
+          </a:fillRef>
+          <a:effectRef idx="1">
+            <a:schemeClr val="accent1"/>
+          </a:effectRef>
+          <a:fontRef idx="minor">
+            <a:schemeClr val="tx1"/>
+          </a:fontRef>
+        </p:style>
+      </p:cxnSp>
+      <p:cxnSp>
+        <p:nvCxnSpPr>
+          <p:cNvPr id="8" name="Conector recto 7">
+            <a:extLst>
+              <a:ext uri="{FF2B5EF4-FFF2-40B4-BE49-F238E27FC236}">
+                <a16:creationId xmlns:a16="http://schemas.microsoft.com/office/drawing/2014/main" id="{AD11835F-EFF0-D9E9-135B-B80A9F862DAA}"/>
+              </a:ext>
+            </a:extLst>
+          </p:cNvPr>
+          <p:cNvCxnSpPr/>
+          <p:nvPr/>
+        </p:nvCxnSpPr>
+        <p:spPr>
+          <a:xfrm>
+            <a:off x="856064" y="3578225"/>
+            <a:ext cx="8543968" cy="0"/>
+          </a:xfrm>
+          <a:prstGeom prst="line">
+            <a:avLst/>
+          </a:prstGeom>
+        </p:spPr>
+        <p:style>
+          <a:lnRef idx="2">
+            <a:schemeClr val="accent1"/>
+          </a:lnRef>
+          <a:fillRef idx="0">
+            <a:schemeClr val="accent1"/>
+          </a:fillRef>
+          <a:effectRef idx="1">
+            <a:schemeClr val="accent1"/>
+          </a:effectRef>
+          <a:fontRef idx="minor">
+            <a:schemeClr val="tx1"/>
+          </a:fontRef>
+        </p:style>
+      </p:cxnSp>
+    </p:spTree>
+    <p:extLst>
+      <p:ext uri="{BB962C8B-B14F-4D97-AF65-F5344CB8AC3E}">
+        <p14:creationId xmlns:p14="http://schemas.microsoft.com/office/powerpoint/2010/main" val="56542962"/>
+      </p:ext>
+    </p:extLst>
+  </p:cSld>
+  <p:clrMapOvr>
+    <a:masterClrMapping/>
+  </p:clrMapOvr>
+</p:sld>
+</file>
+
+<file path=ppt/slides/slide9.xml><?xml version="1.0" encoding="utf-8"?>
 <p:sld xmlns:a="http://schemas.openxmlformats.org/drawingml/2006/main" xmlns:r="http://schemas.openxmlformats.org/officeDocument/2006/relationships" xmlns:p="http://schemas.openxmlformats.org/presentationml/2006/main">
   <p:cSld>
     <p:spTree>
@@ -9933,12 +12826,20 @@
               <a:rPr lang="es-ES" dirty="0"/>
             </a:br>
             <a:r>
-              <a:rPr lang="es-ES" sz="4000" dirty="0"/>
+              <a:rPr lang="es-ES" sz="4000" dirty="0">
+                <a:solidFill>
+                  <a:schemeClr val="bg1">
+                    <a:lumMod val="50000"/>
+                  </a:schemeClr>
+                </a:solidFill>
+              </a:rPr>
               <a:t>Technical Pipeline Architecture</a:t>
             </a:r>
             <a:endParaRPr lang="es-ES" sz="4200" dirty="0">
               <a:solidFill>
-                <a:schemeClr val="tx2"/>
+                <a:schemeClr val="bg1">
+                  <a:lumMod val="50000"/>
+                </a:schemeClr>
               </a:solidFill>
             </a:endParaRPr>
           </a:p>
@@ -9946,10 +12847,10 @@
       </p:sp>
       <p:pic>
         <p:nvPicPr>
-          <p:cNvPr id="6" name="Imagen 5">
-            <a:extLst>
-              <a:ext uri="{FF2B5EF4-FFF2-40B4-BE49-F238E27FC236}">
-                <a16:creationId xmlns:a16="http://schemas.microsoft.com/office/drawing/2014/main" id="{C3F0FBEE-7B12-0C36-25EC-B4C873E859F0}"/>
+          <p:cNvPr id="8" name="Imagen 7">
+            <a:extLst>
+              <a:ext uri="{FF2B5EF4-FFF2-40B4-BE49-F238E27FC236}">
+                <a16:creationId xmlns:a16="http://schemas.microsoft.com/office/drawing/2014/main" id="{60DB2EDB-91EA-2760-D283-542435EB8A4F}"/>
               </a:ext>
             </a:extLst>
           </p:cNvPr>
@@ -9966,2095 +12867,18 @@
         </p:blipFill>
         <p:spPr>
           <a:xfrm>
-            <a:off x="235668" y="1881002"/>
-            <a:ext cx="1023988" cy="3809234"/>
+            <a:off x="430140" y="1821660"/>
+            <a:ext cx="11323320" cy="3679864"/>
           </a:xfrm>
           <a:prstGeom prst="rect">
             <a:avLst/>
           </a:prstGeom>
         </p:spPr>
       </p:pic>
-      <p:cxnSp>
-        <p:nvCxnSpPr>
-          <p:cNvPr id="9" name="Conector recto de flecha 8">
-            <a:extLst>
-              <a:ext uri="{FF2B5EF4-FFF2-40B4-BE49-F238E27FC236}">
-                <a16:creationId xmlns:a16="http://schemas.microsoft.com/office/drawing/2014/main" id="{DF1BFF9B-81D3-59A5-0937-51D5F06D8201}"/>
-              </a:ext>
-            </a:extLst>
-          </p:cNvPr>
-          <p:cNvCxnSpPr>
-            <a:cxnSpLocks/>
-            <a:stCxn id="6" idx="3"/>
-          </p:cNvCxnSpPr>
-          <p:nvPr/>
-        </p:nvCxnSpPr>
-        <p:spPr>
-          <a:xfrm>
-            <a:off x="1259656" y="3785619"/>
-            <a:ext cx="578668" cy="0"/>
-          </a:xfrm>
-          <a:prstGeom prst="straightConnector1">
-            <a:avLst/>
-          </a:prstGeom>
-          <a:ln>
-            <a:tailEnd type="triangle"/>
-          </a:ln>
-        </p:spPr>
-        <p:style>
-          <a:lnRef idx="2">
-            <a:schemeClr val="accent1"/>
-          </a:lnRef>
-          <a:fillRef idx="0">
-            <a:schemeClr val="accent1"/>
-          </a:fillRef>
-          <a:effectRef idx="1">
-            <a:schemeClr val="accent1"/>
-          </a:effectRef>
-          <a:fontRef idx="minor">
-            <a:schemeClr val="tx1"/>
-          </a:fontRef>
-        </p:style>
-      </p:cxnSp>
-      <p:sp>
-        <p:nvSpPr>
-          <p:cNvPr id="10" name="Rectángulo 9">
-            <a:extLst>
-              <a:ext uri="{FF2B5EF4-FFF2-40B4-BE49-F238E27FC236}">
-                <a16:creationId xmlns:a16="http://schemas.microsoft.com/office/drawing/2014/main" id="{DB067F09-53B3-F1E5-3106-2CD709218BF1}"/>
-              </a:ext>
-            </a:extLst>
-          </p:cNvPr>
-          <p:cNvSpPr/>
-          <p:nvPr/>
-        </p:nvSpPr>
-        <p:spPr>
-          <a:xfrm>
-            <a:off x="1838324" y="3095625"/>
-            <a:ext cx="1866901" cy="895350"/>
-          </a:xfrm>
-          <a:prstGeom prst="rect">
-            <a:avLst/>
-          </a:prstGeom>
-          <a:solidFill>
-            <a:srgbClr val="F0EFD3"/>
-          </a:solidFill>
-        </p:spPr>
-        <p:style>
-          <a:lnRef idx="2">
-            <a:schemeClr val="accent1">
-              <a:shade val="15000"/>
-            </a:schemeClr>
-          </a:lnRef>
-          <a:fillRef idx="1">
-            <a:schemeClr val="accent1"/>
-          </a:fillRef>
-          <a:effectRef idx="0">
-            <a:schemeClr val="accent1"/>
-          </a:effectRef>
-          <a:fontRef idx="minor">
-            <a:schemeClr val="lt1"/>
-          </a:fontRef>
-        </p:style>
-        <p:txBody>
-          <a:bodyPr rtlCol="0" anchor="ctr"/>
-          <a:lstStyle/>
-          <a:p>
-            <a:pPr algn="ctr"/>
-            <a:endParaRPr lang="es-ES" dirty="0"/>
-          </a:p>
-        </p:txBody>
-      </p:sp>
-      <p:sp>
-        <p:nvSpPr>
-          <p:cNvPr id="11" name="CuadroTexto 10">
-            <a:extLst>
-              <a:ext uri="{FF2B5EF4-FFF2-40B4-BE49-F238E27FC236}">
-                <a16:creationId xmlns:a16="http://schemas.microsoft.com/office/drawing/2014/main" id="{0F605C72-1E09-A38F-0063-935BC192875C}"/>
-              </a:ext>
-            </a:extLst>
-          </p:cNvPr>
-          <p:cNvSpPr txBox="1"/>
-          <p:nvPr/>
-        </p:nvSpPr>
-        <p:spPr>
-          <a:xfrm>
-            <a:off x="1895475" y="3095625"/>
-            <a:ext cx="1752600" cy="1200329"/>
-          </a:xfrm>
-          <a:prstGeom prst="rect">
-            <a:avLst/>
-          </a:prstGeom>
-          <a:noFill/>
-        </p:spPr>
-        <p:txBody>
-          <a:bodyPr wrap="square" rtlCol="0">
-            <a:spAutoFit/>
-          </a:bodyPr>
-          <a:lstStyle/>
-          <a:p>
-            <a:pPr algn="ctr"/>
-            <a:r>
-              <a:rPr lang="es-ES" dirty="0" err="1"/>
-              <a:t>Ingestion</a:t>
-            </a:r>
-            <a:endParaRPr lang="es-ES" dirty="0"/>
-          </a:p>
-          <a:p>
-            <a:pPr algn="ctr"/>
-            <a:endParaRPr lang="es-ES" dirty="0"/>
-          </a:p>
-          <a:p>
-            <a:pPr algn="ctr"/>
-            <a:r>
-              <a:rPr lang="es-ES" dirty="0" err="1"/>
-              <a:t>AzCopy</a:t>
-            </a:r>
-            <a:r>
-              <a:rPr lang="es-ES" dirty="0"/>
-              <a:t>/</a:t>
-            </a:r>
-            <a:r>
-              <a:rPr lang="es-ES" dirty="0" err="1"/>
-              <a:t>OData</a:t>
-            </a:r>
-            <a:endParaRPr lang="es-ES" dirty="0"/>
-          </a:p>
-          <a:p>
-            <a:pPr algn="ctr"/>
-            <a:endParaRPr lang="es-ES" dirty="0"/>
-          </a:p>
-        </p:txBody>
-      </p:sp>
-      <p:pic>
-        <p:nvPicPr>
-          <p:cNvPr id="15" name="Imagen 14">
-            <a:extLst>
-              <a:ext uri="{FF2B5EF4-FFF2-40B4-BE49-F238E27FC236}">
-                <a16:creationId xmlns:a16="http://schemas.microsoft.com/office/drawing/2014/main" id="{8D64FB77-5E92-2C63-5F0F-21610B416048}"/>
-              </a:ext>
-            </a:extLst>
-          </p:cNvPr>
-          <p:cNvPicPr>
-            <a:picLocks noChangeAspect="1"/>
-          </p:cNvPicPr>
-          <p:nvPr/>
-        </p:nvPicPr>
-        <p:blipFill>
-          <a:blip r:embed="rId4"/>
-          <a:stretch>
-            <a:fillRect/>
-          </a:stretch>
-        </p:blipFill>
-        <p:spPr>
-          <a:xfrm>
-            <a:off x="3705225" y="4533900"/>
-            <a:ext cx="1060560" cy="1269684"/>
-          </a:xfrm>
-          <a:prstGeom prst="rect">
-            <a:avLst/>
-          </a:prstGeom>
-        </p:spPr>
-      </p:pic>
-      <p:cxnSp>
-        <p:nvCxnSpPr>
-          <p:cNvPr id="16" name="Conector recto de flecha 15">
-            <a:extLst>
-              <a:ext uri="{FF2B5EF4-FFF2-40B4-BE49-F238E27FC236}">
-                <a16:creationId xmlns:a16="http://schemas.microsoft.com/office/drawing/2014/main" id="{875668CC-0257-8AF8-378B-B96FB42BBC18}"/>
-              </a:ext>
-            </a:extLst>
-          </p:cNvPr>
-          <p:cNvCxnSpPr>
-            <a:cxnSpLocks/>
-          </p:cNvCxnSpPr>
-          <p:nvPr/>
-        </p:nvCxnSpPr>
-        <p:spPr>
-          <a:xfrm>
-            <a:off x="3705225" y="3543300"/>
-            <a:ext cx="714375" cy="990600"/>
-          </a:xfrm>
-          <a:prstGeom prst="straightConnector1">
-            <a:avLst/>
-          </a:prstGeom>
-          <a:ln>
-            <a:tailEnd type="triangle"/>
-          </a:ln>
-        </p:spPr>
-        <p:style>
-          <a:lnRef idx="2">
-            <a:schemeClr val="accent1"/>
-          </a:lnRef>
-          <a:fillRef idx="0">
-            <a:schemeClr val="accent1"/>
-          </a:fillRef>
-          <a:effectRef idx="1">
-            <a:schemeClr val="accent1"/>
-          </a:effectRef>
-          <a:fontRef idx="minor">
-            <a:schemeClr val="tx1"/>
-          </a:fontRef>
-        </p:style>
-      </p:cxnSp>
-      <p:cxnSp>
-        <p:nvCxnSpPr>
-          <p:cNvPr id="19" name="Conector recto de flecha 18">
-            <a:extLst>
-              <a:ext uri="{FF2B5EF4-FFF2-40B4-BE49-F238E27FC236}">
-                <a16:creationId xmlns:a16="http://schemas.microsoft.com/office/drawing/2014/main" id="{550216DE-C2D8-B66E-656C-2DF29CFA5B53}"/>
-              </a:ext>
-            </a:extLst>
-          </p:cNvPr>
-          <p:cNvCxnSpPr>
-            <a:cxnSpLocks/>
-            <a:stCxn id="15" idx="3"/>
-          </p:cNvCxnSpPr>
-          <p:nvPr/>
-        </p:nvCxnSpPr>
-        <p:spPr>
-          <a:xfrm flipV="1">
-            <a:off x="4765785" y="3951848"/>
-            <a:ext cx="615840" cy="1216894"/>
-          </a:xfrm>
-          <a:prstGeom prst="straightConnector1">
-            <a:avLst/>
-          </a:prstGeom>
-          <a:ln>
-            <a:tailEnd type="triangle"/>
-          </a:ln>
-        </p:spPr>
-        <p:style>
-          <a:lnRef idx="2">
-            <a:schemeClr val="accent1"/>
-          </a:lnRef>
-          <a:fillRef idx="0">
-            <a:schemeClr val="accent1"/>
-          </a:fillRef>
-          <a:effectRef idx="1">
-            <a:schemeClr val="accent1"/>
-          </a:effectRef>
-          <a:fontRef idx="minor">
-            <a:schemeClr val="tx1"/>
-          </a:fontRef>
-        </p:style>
-      </p:cxnSp>
-      <p:pic>
-        <p:nvPicPr>
-          <p:cNvPr id="25" name="Imagen 24">
-            <a:extLst>
-              <a:ext uri="{FF2B5EF4-FFF2-40B4-BE49-F238E27FC236}">
-                <a16:creationId xmlns:a16="http://schemas.microsoft.com/office/drawing/2014/main" id="{C48E0E2D-9DD7-D017-C0A9-D9A967AB0E02}"/>
-              </a:ext>
-            </a:extLst>
-          </p:cNvPr>
-          <p:cNvPicPr>
-            <a:picLocks noChangeAspect="1"/>
-          </p:cNvPicPr>
-          <p:nvPr/>
-        </p:nvPicPr>
-        <p:blipFill>
-          <a:blip r:embed="rId5"/>
-          <a:stretch>
-            <a:fillRect/>
-          </a:stretch>
-        </p:blipFill>
-        <p:spPr>
-          <a:xfrm>
-            <a:off x="5426793" y="3238531"/>
-            <a:ext cx="724001" cy="1057423"/>
-          </a:xfrm>
-          <a:prstGeom prst="rect">
-            <a:avLst/>
-          </a:prstGeom>
-        </p:spPr>
-      </p:pic>
-      <p:pic>
-        <p:nvPicPr>
-          <p:cNvPr id="27" name="Imagen 26">
-            <a:extLst>
-              <a:ext uri="{FF2B5EF4-FFF2-40B4-BE49-F238E27FC236}">
-                <a16:creationId xmlns:a16="http://schemas.microsoft.com/office/drawing/2014/main" id="{B292DB4C-5B72-1AA5-D78B-57EB66ABA809}"/>
-              </a:ext>
-            </a:extLst>
-          </p:cNvPr>
-          <p:cNvPicPr>
-            <a:picLocks noChangeAspect="1"/>
-          </p:cNvPicPr>
-          <p:nvPr/>
-        </p:nvPicPr>
-        <p:blipFill>
-          <a:blip r:embed="rId6"/>
-          <a:stretch>
-            <a:fillRect/>
-          </a:stretch>
-        </p:blipFill>
-        <p:spPr>
-          <a:xfrm>
-            <a:off x="7053224" y="3309302"/>
-            <a:ext cx="676369" cy="952633"/>
-          </a:xfrm>
-          <a:prstGeom prst="rect">
-            <a:avLst/>
-          </a:prstGeom>
-        </p:spPr>
-      </p:pic>
-      <p:cxnSp>
-        <p:nvCxnSpPr>
-          <p:cNvPr id="29" name="Conector recto de flecha 28">
-            <a:extLst>
-              <a:ext uri="{FF2B5EF4-FFF2-40B4-BE49-F238E27FC236}">
-                <a16:creationId xmlns:a16="http://schemas.microsoft.com/office/drawing/2014/main" id="{71953F37-F2F7-D921-30E3-ED7E8EFF6C3D}"/>
-              </a:ext>
-            </a:extLst>
-          </p:cNvPr>
-          <p:cNvCxnSpPr>
-            <a:stCxn id="25" idx="3"/>
-          </p:cNvCxnSpPr>
-          <p:nvPr/>
-        </p:nvCxnSpPr>
-        <p:spPr>
-          <a:xfrm flipV="1">
-            <a:off x="6150794" y="3767242"/>
-            <a:ext cx="850081" cy="1"/>
-          </a:xfrm>
-          <a:prstGeom prst="straightConnector1">
-            <a:avLst/>
-          </a:prstGeom>
-          <a:ln>
-            <a:tailEnd type="triangle"/>
-          </a:ln>
-        </p:spPr>
-        <p:style>
-          <a:lnRef idx="2">
-            <a:schemeClr val="accent1"/>
-          </a:lnRef>
-          <a:fillRef idx="0">
-            <a:schemeClr val="accent1"/>
-          </a:fillRef>
-          <a:effectRef idx="1">
-            <a:schemeClr val="accent1"/>
-          </a:effectRef>
-          <a:fontRef idx="minor">
-            <a:schemeClr val="tx1"/>
-          </a:fontRef>
-        </p:style>
-      </p:cxnSp>
     </p:spTree>
     <p:extLst>
       <p:ext uri="{BB962C8B-B14F-4D97-AF65-F5344CB8AC3E}">
         <p14:creationId xmlns:p14="http://schemas.microsoft.com/office/powerpoint/2010/main" val="3448496138"/>
-      </p:ext>
-    </p:extLst>
-  </p:cSld>
-  <p:clrMapOvr>
-    <a:masterClrMapping/>
-  </p:clrMapOvr>
-</p:sld>
-</file>
-
-<file path=ppt/slides/slide8.xml><?xml version="1.0" encoding="utf-8"?>
-<p:sld xmlns:a="http://schemas.openxmlformats.org/drawingml/2006/main" xmlns:r="http://schemas.openxmlformats.org/officeDocument/2006/relationships" xmlns:p="http://schemas.openxmlformats.org/presentationml/2006/main">
-  <p:cSld>
-    <p:spTree>
-      <p:nvGrpSpPr>
-        <p:cNvPr id="1" name="">
-          <a:extLst>
-            <a:ext uri="{FF2B5EF4-FFF2-40B4-BE49-F238E27FC236}">
-              <a16:creationId xmlns:a16="http://schemas.microsoft.com/office/drawing/2014/main" id="{F8E153D2-FFDA-494A-1A41-15E42690C724}"/>
-            </a:ext>
-          </a:extLst>
-        </p:cNvPr>
-        <p:cNvGrpSpPr/>
-        <p:nvPr/>
-      </p:nvGrpSpPr>
-      <p:grpSpPr>
-        <a:xfrm>
-          <a:off x="0" y="0"/>
-          <a:ext cx="0" cy="0"/>
-          <a:chOff x="0" y="0"/>
-          <a:chExt cx="0" cy="0"/>
-        </a:xfrm>
-      </p:grpSpPr>
-      <p:sp>
-        <p:nvSpPr>
-          <p:cNvPr id="7" name="Título 6">
-            <a:extLst>
-              <a:ext uri="{FF2B5EF4-FFF2-40B4-BE49-F238E27FC236}">
-                <a16:creationId xmlns:a16="http://schemas.microsoft.com/office/drawing/2014/main" id="{8181B772-55E5-54EC-D562-CD013BE69B59}"/>
-              </a:ext>
-            </a:extLst>
-          </p:cNvPr>
-          <p:cNvSpPr>
-            <a:spLocks noGrp="1"/>
-          </p:cNvSpPr>
-          <p:nvPr>
-            <p:ph type="title"/>
-          </p:nvPr>
-        </p:nvSpPr>
-        <p:spPr>
-          <a:xfrm>
-            <a:off x="388149" y="321272"/>
-            <a:ext cx="11407302" cy="1171473"/>
-          </a:xfrm>
-        </p:spPr>
-        <p:txBody>
-          <a:bodyPr>
-            <a:normAutofit fontScale="90000"/>
-          </a:bodyPr>
-          <a:lstStyle/>
-          <a:p>
-            <a:br>
-              <a:rPr lang="es-ES" dirty="0"/>
-            </a:br>
-            <a:br>
-              <a:rPr lang="es-ES" dirty="0"/>
-            </a:br>
-            <a:endParaRPr lang="es-ES" dirty="0"/>
-          </a:p>
-        </p:txBody>
-      </p:sp>
-      <p:sp>
-        <p:nvSpPr>
-          <p:cNvPr id="63" name="CuadroTexto 62">
-            <a:extLst>
-              <a:ext uri="{FF2B5EF4-FFF2-40B4-BE49-F238E27FC236}">
-                <a16:creationId xmlns:a16="http://schemas.microsoft.com/office/drawing/2014/main" id="{48D46F92-55D9-1739-A191-0E0B743613F1}"/>
-              </a:ext>
-            </a:extLst>
-          </p:cNvPr>
-          <p:cNvSpPr txBox="1"/>
-          <p:nvPr/>
-        </p:nvSpPr>
-        <p:spPr>
-          <a:xfrm>
-            <a:off x="9381745" y="6611779"/>
-            <a:ext cx="3054096" cy="246221"/>
-          </a:xfrm>
-          <a:prstGeom prst="rect">
-            <a:avLst/>
-          </a:prstGeom>
-          <a:noFill/>
-        </p:spPr>
-        <p:txBody>
-          <a:bodyPr wrap="square" rtlCol="0">
-            <a:spAutoFit/>
-          </a:bodyPr>
-          <a:lstStyle/>
-          <a:p>
-            <a:r>
-              <a:rPr lang="es-ES" sz="1000" dirty="0"/>
-              <a:t>Data Architect Assesment - </a:t>
-            </a:r>
-            <a:r>
-              <a:rPr lang="es-ES" sz="800" dirty="0"/>
-              <a:t>Rosa Mestres | June 2025</a:t>
-            </a:r>
-          </a:p>
-        </p:txBody>
-      </p:sp>
-      <p:cxnSp>
-        <p:nvCxnSpPr>
-          <p:cNvPr id="105" name="Conector recto 104">
-            <a:extLst>
-              <a:ext uri="{FF2B5EF4-FFF2-40B4-BE49-F238E27FC236}">
-                <a16:creationId xmlns:a16="http://schemas.microsoft.com/office/drawing/2014/main" id="{1D3A9979-3FED-5BEB-BD19-0E01EC12F993}"/>
-              </a:ext>
-            </a:extLst>
-          </p:cNvPr>
-          <p:cNvCxnSpPr>
-            <a:cxnSpLocks/>
-          </p:cNvCxnSpPr>
-          <p:nvPr/>
-        </p:nvCxnSpPr>
-        <p:spPr>
-          <a:xfrm>
-            <a:off x="388149" y="447963"/>
-            <a:ext cx="0" cy="891310"/>
-          </a:xfrm>
-          <a:prstGeom prst="line">
-            <a:avLst/>
-          </a:prstGeom>
-        </p:spPr>
-        <p:style>
-          <a:lnRef idx="2">
-            <a:schemeClr val="accent1"/>
-          </a:lnRef>
-          <a:fillRef idx="0">
-            <a:schemeClr val="accent1"/>
-          </a:fillRef>
-          <a:effectRef idx="1">
-            <a:schemeClr val="accent1"/>
-          </a:effectRef>
-          <a:fontRef idx="minor">
-            <a:schemeClr val="tx1"/>
-          </a:fontRef>
-        </p:style>
-      </p:cxnSp>
-      <p:sp>
-        <p:nvSpPr>
-          <p:cNvPr id="4" name="Título 6">
-            <a:extLst>
-              <a:ext uri="{FF2B5EF4-FFF2-40B4-BE49-F238E27FC236}">
-                <a16:creationId xmlns:a16="http://schemas.microsoft.com/office/drawing/2014/main" id="{579016BB-10C7-CCB6-03E6-F233D52E9A2C}"/>
-              </a:ext>
-            </a:extLst>
-          </p:cNvPr>
-          <p:cNvSpPr txBox="1">
-            <a:spLocks/>
-          </p:cNvSpPr>
-          <p:nvPr/>
-        </p:nvSpPr>
-        <p:spPr>
-          <a:xfrm>
-            <a:off x="455337" y="304455"/>
-            <a:ext cx="11407302" cy="1171473"/>
-          </a:xfrm>
-          <a:prstGeom prst="rect">
-            <a:avLst/>
-          </a:prstGeom>
-        </p:spPr>
-        <p:txBody>
-          <a:bodyPr vert="horz" lIns="91440" tIns="45720" rIns="91440" bIns="45720" rtlCol="0" anchor="ctr">
-            <a:normAutofit fontScale="60000" lnSpcReduction="20000"/>
-          </a:bodyPr>
-          <a:lstStyle>
-            <a:lvl1pPr algn="l" defTabSz="914400" rtl="0" eaLnBrk="1" latinLnBrk="0" hangingPunct="1">
-              <a:lnSpc>
-                <a:spcPct val="90000"/>
-              </a:lnSpc>
-              <a:spcBef>
-                <a:spcPct val="0"/>
-              </a:spcBef>
-              <a:buNone/>
-              <a:defRPr sz="4400" kern="1200">
-                <a:solidFill>
-                  <a:schemeClr val="tx1"/>
-                </a:solidFill>
-                <a:latin typeface="+mj-lt"/>
-                <a:ea typeface="+mj-ea"/>
-                <a:cs typeface="+mj-cs"/>
-              </a:defRPr>
-            </a:lvl1pPr>
-          </a:lstStyle>
-          <a:p>
-            <a:br>
-              <a:rPr lang="es-ES" dirty="0"/>
-            </a:br>
-            <a:r>
-              <a:rPr lang="es-ES" sz="7200" dirty="0"/>
-              <a:t>E2E Sales Dashboard Design</a:t>
-            </a:r>
-            <a:br>
-              <a:rPr lang="es-ES" dirty="0"/>
-            </a:br>
-            <a:r>
-              <a:rPr lang="es-ES" sz="4000" dirty="0"/>
-              <a:t>Sales Policy Data Model</a:t>
-            </a:r>
-            <a:endParaRPr lang="es-ES" sz="4200" dirty="0">
-              <a:solidFill>
-                <a:schemeClr val="tx2"/>
-              </a:solidFill>
-            </a:endParaRPr>
-          </a:p>
-        </p:txBody>
-      </p:sp>
-      <p:pic>
-        <p:nvPicPr>
-          <p:cNvPr id="3" name="Imagen 2">
-            <a:extLst>
-              <a:ext uri="{FF2B5EF4-FFF2-40B4-BE49-F238E27FC236}">
-                <a16:creationId xmlns:a16="http://schemas.microsoft.com/office/drawing/2014/main" id="{DDEB59CB-E401-7B01-D05B-C0AD4348A007}"/>
-              </a:ext>
-            </a:extLst>
-          </p:cNvPr>
-          <p:cNvPicPr>
-            <a:picLocks noChangeAspect="1"/>
-          </p:cNvPicPr>
-          <p:nvPr/>
-        </p:nvPicPr>
-        <p:blipFill>
-          <a:blip r:embed="rId3"/>
-          <a:stretch>
-            <a:fillRect/>
-          </a:stretch>
-        </p:blipFill>
-        <p:spPr>
-          <a:xfrm>
-            <a:off x="2704493" y="1672557"/>
-            <a:ext cx="5496531" cy="4242936"/>
-          </a:xfrm>
-          <a:prstGeom prst="rect">
-            <a:avLst/>
-          </a:prstGeom>
-        </p:spPr>
-      </p:pic>
-    </p:spTree>
-    <p:extLst>
-      <p:ext uri="{BB962C8B-B14F-4D97-AF65-F5344CB8AC3E}">
-        <p14:creationId xmlns:p14="http://schemas.microsoft.com/office/powerpoint/2010/main" val="3345739370"/>
-      </p:ext>
-    </p:extLst>
-  </p:cSld>
-  <p:clrMapOvr>
-    <a:masterClrMapping/>
-  </p:clrMapOvr>
-</p:sld>
-</file>
-
-<file path=ppt/slides/slide9.xml><?xml version="1.0" encoding="utf-8"?>
-<p:sld xmlns:a="http://schemas.openxmlformats.org/drawingml/2006/main" xmlns:r="http://schemas.openxmlformats.org/officeDocument/2006/relationships" xmlns:p="http://schemas.openxmlformats.org/presentationml/2006/main">
-  <p:cSld>
-    <p:spTree>
-      <p:nvGrpSpPr>
-        <p:cNvPr id="1" name="">
-          <a:extLst>
-            <a:ext uri="{FF2B5EF4-FFF2-40B4-BE49-F238E27FC236}">
-              <a16:creationId xmlns:a16="http://schemas.microsoft.com/office/drawing/2014/main" id="{B3A1E9DA-530E-2B5A-8F9D-50520E97A255}"/>
-            </a:ext>
-          </a:extLst>
-        </p:cNvPr>
-        <p:cNvGrpSpPr/>
-        <p:nvPr/>
-      </p:nvGrpSpPr>
-      <p:grpSpPr>
-        <a:xfrm>
-          <a:off x="0" y="0"/>
-          <a:ext cx="0" cy="0"/>
-          <a:chOff x="0" y="0"/>
-          <a:chExt cx="0" cy="0"/>
-        </a:xfrm>
-      </p:grpSpPr>
-      <p:sp>
-        <p:nvSpPr>
-          <p:cNvPr id="7" name="Título 6">
-            <a:extLst>
-              <a:ext uri="{FF2B5EF4-FFF2-40B4-BE49-F238E27FC236}">
-                <a16:creationId xmlns:a16="http://schemas.microsoft.com/office/drawing/2014/main" id="{9AA95B97-29B1-5EE7-D5E4-BBBC56E2BF2A}"/>
-              </a:ext>
-            </a:extLst>
-          </p:cNvPr>
-          <p:cNvSpPr>
-            <a:spLocks noGrp="1"/>
-          </p:cNvSpPr>
-          <p:nvPr>
-            <p:ph type="title"/>
-          </p:nvPr>
-        </p:nvSpPr>
-        <p:spPr>
-          <a:xfrm>
-            <a:off x="388149" y="321272"/>
-            <a:ext cx="11407302" cy="1171473"/>
-          </a:xfrm>
-        </p:spPr>
-        <p:txBody>
-          <a:bodyPr>
-            <a:normAutofit fontScale="90000"/>
-          </a:bodyPr>
-          <a:lstStyle/>
-          <a:p>
-            <a:br>
-              <a:rPr lang="es-ES" dirty="0"/>
-            </a:br>
-            <a:br>
-              <a:rPr lang="es-ES" dirty="0"/>
-            </a:br>
-            <a:endParaRPr lang="es-ES" dirty="0"/>
-          </a:p>
-        </p:txBody>
-      </p:sp>
-      <p:sp>
-        <p:nvSpPr>
-          <p:cNvPr id="63" name="CuadroTexto 62">
-            <a:extLst>
-              <a:ext uri="{FF2B5EF4-FFF2-40B4-BE49-F238E27FC236}">
-                <a16:creationId xmlns:a16="http://schemas.microsoft.com/office/drawing/2014/main" id="{6F803BB9-0731-E3CB-92F6-EB2A55CB8A65}"/>
-              </a:ext>
-            </a:extLst>
-          </p:cNvPr>
-          <p:cNvSpPr txBox="1"/>
-          <p:nvPr/>
-        </p:nvSpPr>
-        <p:spPr>
-          <a:xfrm>
-            <a:off x="9381745" y="6611779"/>
-            <a:ext cx="3054096" cy="246221"/>
-          </a:xfrm>
-          <a:prstGeom prst="rect">
-            <a:avLst/>
-          </a:prstGeom>
-          <a:noFill/>
-        </p:spPr>
-        <p:txBody>
-          <a:bodyPr wrap="square" rtlCol="0">
-            <a:spAutoFit/>
-          </a:bodyPr>
-          <a:lstStyle/>
-          <a:p>
-            <a:r>
-              <a:rPr lang="es-ES" sz="1000" dirty="0"/>
-              <a:t>Data Architect Assesment - </a:t>
-            </a:r>
-            <a:r>
-              <a:rPr lang="es-ES" sz="800" dirty="0"/>
-              <a:t>Rosa Mestres | June 2025</a:t>
-            </a:r>
-          </a:p>
-        </p:txBody>
-      </p:sp>
-      <p:cxnSp>
-        <p:nvCxnSpPr>
-          <p:cNvPr id="105" name="Conector recto 104">
-            <a:extLst>
-              <a:ext uri="{FF2B5EF4-FFF2-40B4-BE49-F238E27FC236}">
-                <a16:creationId xmlns:a16="http://schemas.microsoft.com/office/drawing/2014/main" id="{AF4BBB5F-C4E3-6010-2213-7BE8E625FEF1}"/>
-              </a:ext>
-            </a:extLst>
-          </p:cNvPr>
-          <p:cNvCxnSpPr>
-            <a:cxnSpLocks/>
-          </p:cNvCxnSpPr>
-          <p:nvPr/>
-        </p:nvCxnSpPr>
-        <p:spPr>
-          <a:xfrm>
-            <a:off x="388149" y="447963"/>
-            <a:ext cx="0" cy="891310"/>
-          </a:xfrm>
-          <a:prstGeom prst="line">
-            <a:avLst/>
-          </a:prstGeom>
-        </p:spPr>
-        <p:style>
-          <a:lnRef idx="2">
-            <a:schemeClr val="accent1"/>
-          </a:lnRef>
-          <a:fillRef idx="0">
-            <a:schemeClr val="accent1"/>
-          </a:fillRef>
-          <a:effectRef idx="1">
-            <a:schemeClr val="accent1"/>
-          </a:effectRef>
-          <a:fontRef idx="minor">
-            <a:schemeClr val="tx1"/>
-          </a:fontRef>
-        </p:style>
-      </p:cxnSp>
-      <p:sp>
-        <p:nvSpPr>
-          <p:cNvPr id="4" name="Título 6">
-            <a:extLst>
-              <a:ext uri="{FF2B5EF4-FFF2-40B4-BE49-F238E27FC236}">
-                <a16:creationId xmlns:a16="http://schemas.microsoft.com/office/drawing/2014/main" id="{5EAD74DF-82CA-657C-F45A-722D47307185}"/>
-              </a:ext>
-            </a:extLst>
-          </p:cNvPr>
-          <p:cNvSpPr txBox="1">
-            <a:spLocks/>
-          </p:cNvSpPr>
-          <p:nvPr/>
-        </p:nvSpPr>
-        <p:spPr>
-          <a:xfrm>
-            <a:off x="455337" y="304455"/>
-            <a:ext cx="11407302" cy="1171473"/>
-          </a:xfrm>
-          <a:prstGeom prst="rect">
-            <a:avLst/>
-          </a:prstGeom>
-        </p:spPr>
-        <p:txBody>
-          <a:bodyPr vert="horz" lIns="91440" tIns="45720" rIns="91440" bIns="45720" rtlCol="0" anchor="ctr">
-            <a:normAutofit fontScale="60000" lnSpcReduction="20000"/>
-          </a:bodyPr>
-          <a:lstStyle>
-            <a:lvl1pPr algn="l" defTabSz="914400" rtl="0" eaLnBrk="1" latinLnBrk="0" hangingPunct="1">
-              <a:lnSpc>
-                <a:spcPct val="90000"/>
-              </a:lnSpc>
-              <a:spcBef>
-                <a:spcPct val="0"/>
-              </a:spcBef>
-              <a:buNone/>
-              <a:defRPr sz="4400" kern="1200">
-                <a:solidFill>
-                  <a:schemeClr val="tx1"/>
-                </a:solidFill>
-                <a:latin typeface="+mj-lt"/>
-                <a:ea typeface="+mj-ea"/>
-                <a:cs typeface="+mj-cs"/>
-              </a:defRPr>
-            </a:lvl1pPr>
-          </a:lstStyle>
-          <a:p>
-            <a:br>
-              <a:rPr lang="es-ES" dirty="0"/>
-            </a:br>
-            <a:r>
-              <a:rPr lang="es-ES" sz="7200" dirty="0"/>
-              <a:t>E2E Sales Dashboard Design</a:t>
-            </a:r>
-            <a:br>
-              <a:rPr lang="es-ES" dirty="0"/>
-            </a:br>
-            <a:r>
-              <a:rPr lang="es-ES" sz="4000" dirty="0"/>
-              <a:t>Dashboard KPIs and Features</a:t>
-            </a:r>
-            <a:endParaRPr lang="es-ES" sz="4200" dirty="0">
-              <a:solidFill>
-                <a:schemeClr val="tx2"/>
-              </a:solidFill>
-            </a:endParaRPr>
-          </a:p>
-        </p:txBody>
-      </p:sp>
-      <p:grpSp>
-        <p:nvGrpSpPr>
-          <p:cNvPr id="23" name="Grupo 22">
-            <a:extLst>
-              <a:ext uri="{FF2B5EF4-FFF2-40B4-BE49-F238E27FC236}">
-                <a16:creationId xmlns:a16="http://schemas.microsoft.com/office/drawing/2014/main" id="{4D0C482F-0BD0-FA2C-BCC5-33FD275AB6AF}"/>
-              </a:ext>
-            </a:extLst>
-          </p:cNvPr>
-          <p:cNvGrpSpPr/>
-          <p:nvPr/>
-        </p:nvGrpSpPr>
-        <p:grpSpPr>
-          <a:xfrm>
-            <a:off x="8466591" y="1939894"/>
-            <a:ext cx="2144683" cy="1013520"/>
-            <a:chOff x="7875499" y="1441661"/>
-            <a:chExt cx="3273690" cy="1479795"/>
-          </a:xfrm>
-        </p:grpSpPr>
-        <p:sp>
-          <p:nvSpPr>
-            <p:cNvPr id="10" name="Rectángulo: esquinas redondeadas 9">
-              <a:extLst>
-                <a:ext uri="{FF2B5EF4-FFF2-40B4-BE49-F238E27FC236}">
-                  <a16:creationId xmlns:a16="http://schemas.microsoft.com/office/drawing/2014/main" id="{17DCA53D-93BB-D711-4DED-D86ABA3BCC52}"/>
-                </a:ext>
-              </a:extLst>
-            </p:cNvPr>
-            <p:cNvSpPr/>
-            <p:nvPr/>
-          </p:nvSpPr>
-          <p:spPr>
-            <a:xfrm>
-              <a:off x="7875499" y="1441661"/>
-              <a:ext cx="3273690" cy="1479795"/>
-            </a:xfrm>
-            <a:prstGeom prst="roundRect">
-              <a:avLst/>
-            </a:prstGeom>
-            <a:solidFill>
-              <a:schemeClr val="bg1"/>
-            </a:solidFill>
-          </p:spPr>
-          <p:style>
-            <a:lnRef idx="2">
-              <a:schemeClr val="accent1">
-                <a:shade val="15000"/>
-              </a:schemeClr>
-            </a:lnRef>
-            <a:fillRef idx="1">
-              <a:schemeClr val="accent1"/>
-            </a:fillRef>
-            <a:effectRef idx="0">
-              <a:schemeClr val="accent1"/>
-            </a:effectRef>
-            <a:fontRef idx="minor">
-              <a:schemeClr val="lt1"/>
-            </a:fontRef>
-          </p:style>
-          <p:txBody>
-            <a:bodyPr rtlCol="0" anchor="ctr"/>
-            <a:lstStyle/>
-            <a:p>
-              <a:pPr algn="ctr"/>
-              <a:endParaRPr lang="es-ES" dirty="0"/>
-            </a:p>
-          </p:txBody>
-        </p:sp>
-        <p:sp>
-          <p:nvSpPr>
-            <p:cNvPr id="13" name="CuadroTexto 12">
-              <a:extLst>
-                <a:ext uri="{FF2B5EF4-FFF2-40B4-BE49-F238E27FC236}">
-                  <a16:creationId xmlns:a16="http://schemas.microsoft.com/office/drawing/2014/main" id="{CF113209-62F9-CA84-65AB-1A5068AEA7E8}"/>
-                </a:ext>
-              </a:extLst>
-            </p:cNvPr>
-            <p:cNvSpPr txBox="1"/>
-            <p:nvPr/>
-          </p:nvSpPr>
-          <p:spPr>
-            <a:xfrm>
-              <a:off x="8330194" y="1541643"/>
-              <a:ext cx="2818994" cy="1023580"/>
-            </a:xfrm>
-            <a:prstGeom prst="rect">
-              <a:avLst/>
-            </a:prstGeom>
-            <a:noFill/>
-          </p:spPr>
-          <p:txBody>
-            <a:bodyPr wrap="square" rtlCol="0">
-              <a:spAutoFit/>
-            </a:bodyPr>
-            <a:lstStyle/>
-            <a:p>
-              <a:r>
-                <a:rPr lang="es-ES" dirty="0">
-                  <a:solidFill>
-                    <a:schemeClr val="accent1"/>
-                  </a:solidFill>
-                </a:rPr>
-                <a:t>Monthly Sales Forecast (AI)</a:t>
-              </a:r>
-            </a:p>
-            <a:p>
-              <a:endParaRPr lang="es-ES" dirty="0">
-                <a:solidFill>
-                  <a:schemeClr val="accent1"/>
-                </a:solidFill>
-              </a:endParaRPr>
-            </a:p>
-          </p:txBody>
-        </p:sp>
-      </p:grpSp>
-      <p:grpSp>
-        <p:nvGrpSpPr>
-          <p:cNvPr id="22" name="Grupo 21">
-            <a:extLst>
-              <a:ext uri="{FF2B5EF4-FFF2-40B4-BE49-F238E27FC236}">
-                <a16:creationId xmlns:a16="http://schemas.microsoft.com/office/drawing/2014/main" id="{EACB47C1-2873-CDEA-D141-0A37381D9B3B}"/>
-              </a:ext>
-            </a:extLst>
-          </p:cNvPr>
-          <p:cNvGrpSpPr/>
-          <p:nvPr/>
-        </p:nvGrpSpPr>
-        <p:grpSpPr>
-          <a:xfrm>
-            <a:off x="5855876" y="1939893"/>
-            <a:ext cx="2424049" cy="1036763"/>
-            <a:chOff x="10629920" y="1652450"/>
-            <a:chExt cx="3305175" cy="1438276"/>
-          </a:xfrm>
-          <a:solidFill>
-            <a:schemeClr val="bg1"/>
-          </a:solidFill>
-        </p:grpSpPr>
-        <p:sp>
-          <p:nvSpPr>
-            <p:cNvPr id="11" name="Rectángulo: esquinas redondeadas 10">
-              <a:extLst>
-                <a:ext uri="{FF2B5EF4-FFF2-40B4-BE49-F238E27FC236}">
-                  <a16:creationId xmlns:a16="http://schemas.microsoft.com/office/drawing/2014/main" id="{31D65043-9207-AC74-7A63-60CF72AD4121}"/>
-                </a:ext>
-              </a:extLst>
-            </p:cNvPr>
-            <p:cNvSpPr/>
-            <p:nvPr/>
-          </p:nvSpPr>
-          <p:spPr>
-            <a:xfrm>
-              <a:off x="10629920" y="1652450"/>
-              <a:ext cx="3305175" cy="1438276"/>
-            </a:xfrm>
-            <a:prstGeom prst="roundRect">
-              <a:avLst/>
-            </a:prstGeom>
-            <a:grpFill/>
-          </p:spPr>
-          <p:style>
-            <a:lnRef idx="2">
-              <a:schemeClr val="accent1">
-                <a:shade val="15000"/>
-              </a:schemeClr>
-            </a:lnRef>
-            <a:fillRef idx="1">
-              <a:schemeClr val="accent1"/>
-            </a:fillRef>
-            <a:effectRef idx="0">
-              <a:schemeClr val="accent1"/>
-            </a:effectRef>
-            <a:fontRef idx="minor">
-              <a:schemeClr val="lt1"/>
-            </a:fontRef>
-          </p:style>
-          <p:txBody>
-            <a:bodyPr rtlCol="0" anchor="ctr"/>
-            <a:lstStyle/>
-            <a:p>
-              <a:pPr algn="ctr"/>
-              <a:endParaRPr lang="es-ES" dirty="0"/>
-            </a:p>
-          </p:txBody>
-        </p:sp>
-        <p:sp>
-          <p:nvSpPr>
-            <p:cNvPr id="15" name="CuadroTexto 14">
-              <a:extLst>
-                <a:ext uri="{FF2B5EF4-FFF2-40B4-BE49-F238E27FC236}">
-                  <a16:creationId xmlns:a16="http://schemas.microsoft.com/office/drawing/2014/main" id="{D240D9FA-1758-EC82-B1B6-EB3B56F68F3B}"/>
-                </a:ext>
-              </a:extLst>
-            </p:cNvPr>
-            <p:cNvSpPr txBox="1"/>
-            <p:nvPr/>
-          </p:nvSpPr>
-          <p:spPr>
-            <a:xfrm>
-              <a:off x="10823321" y="1749627"/>
-              <a:ext cx="2990850" cy="696403"/>
-            </a:xfrm>
-            <a:prstGeom prst="rect">
-              <a:avLst/>
-            </a:prstGeom>
-            <a:grpFill/>
-          </p:spPr>
-          <p:txBody>
-            <a:bodyPr wrap="square">
-              <a:spAutoFit/>
-            </a:bodyPr>
-            <a:lstStyle/>
-            <a:p>
-              <a:pPr algn="ctr"/>
-              <a:r>
-                <a:rPr lang="es-ES" dirty="0">
-                  <a:solidFill>
-                    <a:schemeClr val="accent1"/>
-                  </a:solidFill>
-                </a:rPr>
-                <a:t>Conversion Rate by Channel</a:t>
-              </a:r>
-            </a:p>
-          </p:txBody>
-        </p:sp>
-      </p:grpSp>
-      <p:grpSp>
-        <p:nvGrpSpPr>
-          <p:cNvPr id="21" name="Grupo 20">
-            <a:extLst>
-              <a:ext uri="{FF2B5EF4-FFF2-40B4-BE49-F238E27FC236}">
-                <a16:creationId xmlns:a16="http://schemas.microsoft.com/office/drawing/2014/main" id="{B5743681-42E3-4741-ED3E-579C2BF7CC31}"/>
-              </a:ext>
-            </a:extLst>
-          </p:cNvPr>
-          <p:cNvGrpSpPr/>
-          <p:nvPr/>
-        </p:nvGrpSpPr>
-        <p:grpSpPr>
-          <a:xfrm>
-            <a:off x="3247487" y="1939894"/>
-            <a:ext cx="2424049" cy="1013519"/>
-            <a:chOff x="3829049" y="1645481"/>
-            <a:chExt cx="3305175" cy="1438276"/>
-          </a:xfrm>
-          <a:solidFill>
-            <a:schemeClr val="bg1"/>
-          </a:solidFill>
-        </p:grpSpPr>
-        <p:sp>
-          <p:nvSpPr>
-            <p:cNvPr id="8" name="Rectángulo: esquinas redondeadas 7">
-              <a:extLst>
-                <a:ext uri="{FF2B5EF4-FFF2-40B4-BE49-F238E27FC236}">
-                  <a16:creationId xmlns:a16="http://schemas.microsoft.com/office/drawing/2014/main" id="{45ECB54C-C87D-9B4D-3CAB-3AA4478F6100}"/>
-                </a:ext>
-              </a:extLst>
-            </p:cNvPr>
-            <p:cNvSpPr/>
-            <p:nvPr/>
-          </p:nvSpPr>
-          <p:spPr>
-            <a:xfrm>
-              <a:off x="3829049" y="1645481"/>
-              <a:ext cx="3305175" cy="1438276"/>
-            </a:xfrm>
-            <a:prstGeom prst="roundRect">
-              <a:avLst/>
-            </a:prstGeom>
-            <a:grpFill/>
-          </p:spPr>
-          <p:style>
-            <a:lnRef idx="2">
-              <a:schemeClr val="accent1">
-                <a:shade val="15000"/>
-              </a:schemeClr>
-            </a:lnRef>
-            <a:fillRef idx="1">
-              <a:schemeClr val="accent1"/>
-            </a:fillRef>
-            <a:effectRef idx="0">
-              <a:schemeClr val="accent1"/>
-            </a:effectRef>
-            <a:fontRef idx="minor">
-              <a:schemeClr val="lt1"/>
-            </a:fontRef>
-          </p:style>
-          <p:txBody>
-            <a:bodyPr rtlCol="0" anchor="ctr"/>
-            <a:lstStyle/>
-            <a:p>
-              <a:pPr algn="ctr"/>
-              <a:endParaRPr lang="es-ES" dirty="0"/>
-            </a:p>
-          </p:txBody>
-        </p:sp>
-        <p:sp>
-          <p:nvSpPr>
-            <p:cNvPr id="17" name="CuadroTexto 16">
-              <a:extLst>
-                <a:ext uri="{FF2B5EF4-FFF2-40B4-BE49-F238E27FC236}">
-                  <a16:creationId xmlns:a16="http://schemas.microsoft.com/office/drawing/2014/main" id="{B0DBE83A-1C0E-EDE3-05FD-270AF9F90DC0}"/>
-                </a:ext>
-              </a:extLst>
-            </p:cNvPr>
-            <p:cNvSpPr txBox="1"/>
-            <p:nvPr/>
-          </p:nvSpPr>
-          <p:spPr>
-            <a:xfrm>
-              <a:off x="3953915" y="1742661"/>
-              <a:ext cx="3081336" cy="695891"/>
-            </a:xfrm>
-            <a:prstGeom prst="rect">
-              <a:avLst/>
-            </a:prstGeom>
-            <a:grpFill/>
-          </p:spPr>
-          <p:txBody>
-            <a:bodyPr wrap="square">
-              <a:spAutoFit/>
-            </a:bodyPr>
-            <a:lstStyle/>
-            <a:p>
-              <a:pPr algn="ctr"/>
-              <a:r>
-                <a:rPr lang="es-ES" dirty="0">
-                  <a:solidFill>
-                    <a:schemeClr val="accent1"/>
-                  </a:solidFill>
-                </a:rPr>
-                <a:t>Revenue by Region &amp; Channel</a:t>
-              </a:r>
-            </a:p>
-          </p:txBody>
-        </p:sp>
-      </p:grpSp>
-      <p:grpSp>
-        <p:nvGrpSpPr>
-          <p:cNvPr id="20" name="Grupo 19">
-            <a:extLst>
-              <a:ext uri="{FF2B5EF4-FFF2-40B4-BE49-F238E27FC236}">
-                <a16:creationId xmlns:a16="http://schemas.microsoft.com/office/drawing/2014/main" id="{49C84172-2FF9-061D-FC95-63D64C65E36D}"/>
-              </a:ext>
-            </a:extLst>
-          </p:cNvPr>
-          <p:cNvGrpSpPr/>
-          <p:nvPr/>
-        </p:nvGrpSpPr>
-        <p:grpSpPr>
-          <a:xfrm>
-            <a:off x="521829" y="1939894"/>
-            <a:ext cx="2424049" cy="1013519"/>
-            <a:chOff x="455337" y="1645481"/>
-            <a:chExt cx="3305175" cy="1438276"/>
-          </a:xfrm>
-          <a:solidFill>
-            <a:schemeClr val="bg1"/>
-          </a:solidFill>
-        </p:grpSpPr>
-        <p:sp>
-          <p:nvSpPr>
-            <p:cNvPr id="9" name="Rectángulo: esquinas redondeadas 8">
-              <a:extLst>
-                <a:ext uri="{FF2B5EF4-FFF2-40B4-BE49-F238E27FC236}">
-                  <a16:creationId xmlns:a16="http://schemas.microsoft.com/office/drawing/2014/main" id="{AD875114-D673-1D5A-63E2-757DB74080F9}"/>
-                </a:ext>
-              </a:extLst>
-            </p:cNvPr>
-            <p:cNvSpPr/>
-            <p:nvPr/>
-          </p:nvSpPr>
-          <p:spPr>
-            <a:xfrm>
-              <a:off x="455337" y="1645481"/>
-              <a:ext cx="3305175" cy="1438276"/>
-            </a:xfrm>
-            <a:prstGeom prst="roundRect">
-              <a:avLst/>
-            </a:prstGeom>
-            <a:grpFill/>
-          </p:spPr>
-          <p:style>
-            <a:lnRef idx="2">
-              <a:schemeClr val="accent1">
-                <a:shade val="15000"/>
-              </a:schemeClr>
-            </a:lnRef>
-            <a:fillRef idx="1">
-              <a:schemeClr val="accent1"/>
-            </a:fillRef>
-            <a:effectRef idx="0">
-              <a:schemeClr val="accent1"/>
-            </a:effectRef>
-            <a:fontRef idx="minor">
-              <a:schemeClr val="lt1"/>
-            </a:fontRef>
-          </p:style>
-          <p:txBody>
-            <a:bodyPr rtlCol="0" anchor="ctr"/>
-            <a:lstStyle/>
-            <a:p>
-              <a:pPr algn="ctr"/>
-              <a:endParaRPr lang="es-ES" dirty="0"/>
-            </a:p>
-          </p:txBody>
-        </p:sp>
-        <p:sp>
-          <p:nvSpPr>
-            <p:cNvPr id="19" name="CuadroTexto 18">
-              <a:extLst>
-                <a:ext uri="{FF2B5EF4-FFF2-40B4-BE49-F238E27FC236}">
-                  <a16:creationId xmlns:a16="http://schemas.microsoft.com/office/drawing/2014/main" id="{AD003C14-8C4C-59EE-0472-F6EBB8DC59DF}"/>
-                </a:ext>
-              </a:extLst>
-            </p:cNvPr>
-            <p:cNvSpPr txBox="1"/>
-            <p:nvPr/>
-          </p:nvSpPr>
-          <p:spPr>
-            <a:xfrm>
-              <a:off x="455337" y="1718288"/>
-              <a:ext cx="3252790" cy="397652"/>
-            </a:xfrm>
-            <a:prstGeom prst="rect">
-              <a:avLst/>
-            </a:prstGeom>
-            <a:grpFill/>
-          </p:spPr>
-          <p:txBody>
-            <a:bodyPr wrap="square">
-              <a:spAutoFit/>
-            </a:bodyPr>
-            <a:lstStyle/>
-            <a:p>
-              <a:pPr algn="ctr"/>
-              <a:r>
-                <a:rPr lang="es-ES" dirty="0">
-                  <a:solidFill>
-                    <a:schemeClr val="accent1"/>
-                  </a:solidFill>
-                </a:rPr>
-                <a:t>Total Policies Sold</a:t>
-              </a:r>
-            </a:p>
-          </p:txBody>
-        </p:sp>
-      </p:grpSp>
-      <p:sp>
-        <p:nvSpPr>
-          <p:cNvPr id="24" name="CuadroTexto 23">
-            <a:extLst>
-              <a:ext uri="{FF2B5EF4-FFF2-40B4-BE49-F238E27FC236}">
-                <a16:creationId xmlns:a16="http://schemas.microsoft.com/office/drawing/2014/main" id="{13BE9705-862A-C48E-785C-ACD345729751}"/>
-              </a:ext>
-            </a:extLst>
-          </p:cNvPr>
-          <p:cNvSpPr txBox="1"/>
-          <p:nvPr/>
-        </p:nvSpPr>
-        <p:spPr>
-          <a:xfrm>
-            <a:off x="1217903" y="2576096"/>
-            <a:ext cx="1108953" cy="369332"/>
-          </a:xfrm>
-          <a:prstGeom prst="rect">
-            <a:avLst/>
-          </a:prstGeom>
-          <a:noFill/>
-        </p:spPr>
-        <p:txBody>
-          <a:bodyPr wrap="square" rtlCol="0">
-            <a:spAutoFit/>
-          </a:bodyPr>
-          <a:lstStyle/>
-          <a:p>
-            <a:r>
-              <a:rPr lang="es-ES" dirty="0"/>
-              <a:t>1,800</a:t>
-            </a:r>
-          </a:p>
-        </p:txBody>
-      </p:sp>
-      <p:sp>
-        <p:nvSpPr>
-          <p:cNvPr id="25" name="CuadroTexto 24">
-            <a:extLst>
-              <a:ext uri="{FF2B5EF4-FFF2-40B4-BE49-F238E27FC236}">
-                <a16:creationId xmlns:a16="http://schemas.microsoft.com/office/drawing/2014/main" id="{B27326E2-5207-92E4-D1A4-6B8F0298F1DF}"/>
-              </a:ext>
-            </a:extLst>
-          </p:cNvPr>
-          <p:cNvSpPr txBox="1"/>
-          <p:nvPr/>
-        </p:nvSpPr>
-        <p:spPr>
-          <a:xfrm>
-            <a:off x="3949336" y="2599225"/>
-            <a:ext cx="1108953" cy="369332"/>
-          </a:xfrm>
-          <a:prstGeom prst="rect">
-            <a:avLst/>
-          </a:prstGeom>
-          <a:noFill/>
-        </p:spPr>
-        <p:txBody>
-          <a:bodyPr wrap="square" rtlCol="0">
-            <a:spAutoFit/>
-          </a:bodyPr>
-          <a:lstStyle/>
-          <a:p>
-            <a:r>
-              <a:rPr lang="es-ES" dirty="0"/>
-              <a:t>1,800</a:t>
-            </a:r>
-          </a:p>
-        </p:txBody>
-      </p:sp>
-      <p:sp>
-        <p:nvSpPr>
-          <p:cNvPr id="26" name="CuadroTexto 25">
-            <a:extLst>
-              <a:ext uri="{FF2B5EF4-FFF2-40B4-BE49-F238E27FC236}">
-                <a16:creationId xmlns:a16="http://schemas.microsoft.com/office/drawing/2014/main" id="{04294DD4-14B3-1B9E-AA68-8586564972B5}"/>
-              </a:ext>
-            </a:extLst>
-          </p:cNvPr>
-          <p:cNvSpPr txBox="1"/>
-          <p:nvPr/>
-        </p:nvSpPr>
-        <p:spPr>
-          <a:xfrm>
-            <a:off x="6543696" y="2623790"/>
-            <a:ext cx="1108953" cy="369332"/>
-          </a:xfrm>
-          <a:prstGeom prst="rect">
-            <a:avLst/>
-          </a:prstGeom>
-          <a:noFill/>
-        </p:spPr>
-        <p:txBody>
-          <a:bodyPr wrap="square" rtlCol="0">
-            <a:spAutoFit/>
-          </a:bodyPr>
-          <a:lstStyle/>
-          <a:p>
-            <a:r>
-              <a:rPr lang="es-ES" dirty="0"/>
-              <a:t>1,800</a:t>
-            </a:r>
-          </a:p>
-        </p:txBody>
-      </p:sp>
-      <p:sp>
-        <p:nvSpPr>
-          <p:cNvPr id="27" name="CuadroTexto 26">
-            <a:extLst>
-              <a:ext uri="{FF2B5EF4-FFF2-40B4-BE49-F238E27FC236}">
-                <a16:creationId xmlns:a16="http://schemas.microsoft.com/office/drawing/2014/main" id="{995E6E17-228B-BD46-3DF8-59D24732162F}"/>
-              </a:ext>
-            </a:extLst>
-          </p:cNvPr>
-          <p:cNvSpPr txBox="1"/>
-          <p:nvPr/>
-        </p:nvSpPr>
-        <p:spPr>
-          <a:xfrm>
-            <a:off x="9022872" y="2594336"/>
-            <a:ext cx="1108953" cy="369332"/>
-          </a:xfrm>
-          <a:prstGeom prst="rect">
-            <a:avLst/>
-          </a:prstGeom>
-          <a:noFill/>
-        </p:spPr>
-        <p:txBody>
-          <a:bodyPr wrap="square" rtlCol="0">
-            <a:spAutoFit/>
-          </a:bodyPr>
-          <a:lstStyle/>
-          <a:p>
-            <a:r>
-              <a:rPr lang="es-ES" dirty="0"/>
-              <a:t>1,800</a:t>
-            </a:r>
-          </a:p>
-        </p:txBody>
-      </p:sp>
-      <p:sp>
-        <p:nvSpPr>
-          <p:cNvPr id="28" name="Rectángulo 27">
-            <a:extLst>
-              <a:ext uri="{FF2B5EF4-FFF2-40B4-BE49-F238E27FC236}">
-                <a16:creationId xmlns:a16="http://schemas.microsoft.com/office/drawing/2014/main" id="{D1EE47B2-3E6E-B4F7-982B-DEAC6511C311}"/>
-              </a:ext>
-            </a:extLst>
-          </p:cNvPr>
-          <p:cNvSpPr/>
-          <p:nvPr/>
-        </p:nvSpPr>
-        <p:spPr>
-          <a:xfrm>
-            <a:off x="10672372" y="632298"/>
-            <a:ext cx="1420961" cy="5904430"/>
-          </a:xfrm>
-          <a:prstGeom prst="rect">
-            <a:avLst/>
-          </a:prstGeom>
-          <a:solidFill>
-            <a:schemeClr val="bg1"/>
-          </a:solidFill>
-        </p:spPr>
-        <p:style>
-          <a:lnRef idx="2">
-            <a:schemeClr val="accent1">
-              <a:shade val="15000"/>
-            </a:schemeClr>
-          </a:lnRef>
-          <a:fillRef idx="1">
-            <a:schemeClr val="accent1"/>
-          </a:fillRef>
-          <a:effectRef idx="0">
-            <a:schemeClr val="accent1"/>
-          </a:effectRef>
-          <a:fontRef idx="minor">
-            <a:schemeClr val="lt1"/>
-          </a:fontRef>
-        </p:style>
-        <p:txBody>
-          <a:bodyPr rtlCol="0" anchor="ctr"/>
-          <a:lstStyle/>
-          <a:p>
-            <a:pPr algn="ctr"/>
-            <a:endParaRPr lang="es-ES"/>
-          </a:p>
-        </p:txBody>
-      </p:sp>
-      <p:sp>
-        <p:nvSpPr>
-          <p:cNvPr id="29" name="CuadroTexto 28">
-            <a:extLst>
-              <a:ext uri="{FF2B5EF4-FFF2-40B4-BE49-F238E27FC236}">
-                <a16:creationId xmlns:a16="http://schemas.microsoft.com/office/drawing/2014/main" id="{5E202253-3334-A842-1BBF-1F8BAED1C7B5}"/>
-              </a:ext>
-            </a:extLst>
-          </p:cNvPr>
-          <p:cNvSpPr txBox="1"/>
-          <p:nvPr/>
-        </p:nvSpPr>
-        <p:spPr>
-          <a:xfrm>
-            <a:off x="10836614" y="797668"/>
-            <a:ext cx="900050" cy="369332"/>
-          </a:xfrm>
-          <a:prstGeom prst="rect">
-            <a:avLst/>
-          </a:prstGeom>
-          <a:noFill/>
-        </p:spPr>
-        <p:txBody>
-          <a:bodyPr wrap="square" rtlCol="0">
-            <a:spAutoFit/>
-          </a:bodyPr>
-          <a:lstStyle/>
-          <a:p>
-            <a:r>
-              <a:rPr lang="es-ES" dirty="0" err="1"/>
-              <a:t>Filters</a:t>
-            </a:r>
-            <a:endParaRPr lang="es-ES" dirty="0"/>
-          </a:p>
-        </p:txBody>
-      </p:sp>
-      <p:sp>
-        <p:nvSpPr>
-          <p:cNvPr id="30" name="Rectángulo: esquinas redondeadas 29">
-            <a:extLst>
-              <a:ext uri="{FF2B5EF4-FFF2-40B4-BE49-F238E27FC236}">
-                <a16:creationId xmlns:a16="http://schemas.microsoft.com/office/drawing/2014/main" id="{D09F1FB3-A5DF-041E-A747-C511D2E9E4B3}"/>
-              </a:ext>
-            </a:extLst>
-          </p:cNvPr>
-          <p:cNvSpPr/>
-          <p:nvPr/>
-        </p:nvSpPr>
-        <p:spPr>
-          <a:xfrm>
-            <a:off x="10738842" y="1339273"/>
-            <a:ext cx="245018" cy="170289"/>
-          </a:xfrm>
-          <a:prstGeom prst="roundRect">
-            <a:avLst/>
-          </a:prstGeom>
-          <a:solidFill>
-            <a:schemeClr val="bg1"/>
-          </a:solidFill>
-        </p:spPr>
-        <p:style>
-          <a:lnRef idx="2">
-            <a:schemeClr val="accent1">
-              <a:shade val="15000"/>
-            </a:schemeClr>
-          </a:lnRef>
-          <a:fillRef idx="1">
-            <a:schemeClr val="accent1"/>
-          </a:fillRef>
-          <a:effectRef idx="0">
-            <a:schemeClr val="accent1"/>
-          </a:effectRef>
-          <a:fontRef idx="minor">
-            <a:schemeClr val="lt1"/>
-          </a:fontRef>
-        </p:style>
-        <p:txBody>
-          <a:bodyPr rtlCol="0" anchor="ctr"/>
-          <a:lstStyle/>
-          <a:p>
-            <a:pPr algn="ctr"/>
-            <a:endParaRPr lang="es-ES"/>
-          </a:p>
-        </p:txBody>
-      </p:sp>
-      <p:sp>
-        <p:nvSpPr>
-          <p:cNvPr id="31" name="CuadroTexto 30">
-            <a:extLst>
-              <a:ext uri="{FF2B5EF4-FFF2-40B4-BE49-F238E27FC236}">
-                <a16:creationId xmlns:a16="http://schemas.microsoft.com/office/drawing/2014/main" id="{361D4BCC-F71F-18D3-61EA-6598DA47FE52}"/>
-              </a:ext>
-            </a:extLst>
-          </p:cNvPr>
-          <p:cNvSpPr txBox="1"/>
-          <p:nvPr/>
-        </p:nvSpPr>
-        <p:spPr>
-          <a:xfrm>
-            <a:off x="10983860" y="1201937"/>
-            <a:ext cx="878779" cy="461665"/>
-          </a:xfrm>
-          <a:prstGeom prst="rect">
-            <a:avLst/>
-          </a:prstGeom>
-          <a:noFill/>
-        </p:spPr>
-        <p:txBody>
-          <a:bodyPr wrap="square" rtlCol="0">
-            <a:spAutoFit/>
-          </a:bodyPr>
-          <a:lstStyle/>
-          <a:p>
-            <a:r>
-              <a:rPr lang="es-ES" sz="1200" dirty="0"/>
-              <a:t>Data </a:t>
-            </a:r>
-            <a:r>
-              <a:rPr lang="es-ES" sz="1200" dirty="0" err="1"/>
-              <a:t>Range</a:t>
-            </a:r>
-            <a:endParaRPr lang="es-ES" sz="1200" dirty="0"/>
-          </a:p>
-        </p:txBody>
-      </p:sp>
-      <p:sp>
-        <p:nvSpPr>
-          <p:cNvPr id="32" name="Rectángulo: esquinas redondeadas 31">
-            <a:extLst>
-              <a:ext uri="{FF2B5EF4-FFF2-40B4-BE49-F238E27FC236}">
-                <a16:creationId xmlns:a16="http://schemas.microsoft.com/office/drawing/2014/main" id="{E1C61E34-B02B-E0CA-AFBF-235CD5B51F46}"/>
-              </a:ext>
-            </a:extLst>
-          </p:cNvPr>
-          <p:cNvSpPr/>
-          <p:nvPr/>
-        </p:nvSpPr>
-        <p:spPr>
-          <a:xfrm>
-            <a:off x="10738842" y="2329758"/>
-            <a:ext cx="235402" cy="170289"/>
-          </a:xfrm>
-          <a:prstGeom prst="roundRect">
-            <a:avLst/>
-          </a:prstGeom>
-          <a:solidFill>
-            <a:schemeClr val="bg1"/>
-          </a:solidFill>
-        </p:spPr>
-        <p:style>
-          <a:lnRef idx="2">
-            <a:schemeClr val="accent1">
-              <a:shade val="15000"/>
-            </a:schemeClr>
-          </a:lnRef>
-          <a:fillRef idx="1">
-            <a:schemeClr val="accent1"/>
-          </a:fillRef>
-          <a:effectRef idx="0">
-            <a:schemeClr val="accent1"/>
-          </a:effectRef>
-          <a:fontRef idx="minor">
-            <a:schemeClr val="lt1"/>
-          </a:fontRef>
-        </p:style>
-        <p:txBody>
-          <a:bodyPr rtlCol="0" anchor="ctr"/>
-          <a:lstStyle/>
-          <a:p>
-            <a:pPr algn="ctr"/>
-            <a:endParaRPr lang="es-ES"/>
-          </a:p>
-        </p:txBody>
-      </p:sp>
-      <p:sp>
-        <p:nvSpPr>
-          <p:cNvPr id="33" name="CuadroTexto 32">
-            <a:extLst>
-              <a:ext uri="{FF2B5EF4-FFF2-40B4-BE49-F238E27FC236}">
-                <a16:creationId xmlns:a16="http://schemas.microsoft.com/office/drawing/2014/main" id="{9F2DA6AE-D363-ACD1-E28B-4A6A5E098C35}"/>
-              </a:ext>
-            </a:extLst>
-          </p:cNvPr>
-          <p:cNvSpPr txBox="1"/>
-          <p:nvPr/>
-        </p:nvSpPr>
-        <p:spPr>
-          <a:xfrm>
-            <a:off x="10983860" y="2191379"/>
-            <a:ext cx="878779" cy="461665"/>
-          </a:xfrm>
-          <a:prstGeom prst="rect">
-            <a:avLst/>
-          </a:prstGeom>
-          <a:noFill/>
-        </p:spPr>
-        <p:txBody>
-          <a:bodyPr wrap="square" rtlCol="0">
-            <a:spAutoFit/>
-          </a:bodyPr>
-          <a:lstStyle/>
-          <a:p>
-            <a:r>
-              <a:rPr lang="es-ES" sz="1200" dirty="0"/>
-              <a:t>Sales Channel</a:t>
-            </a:r>
-          </a:p>
-        </p:txBody>
-      </p:sp>
-      <p:sp>
-        <p:nvSpPr>
-          <p:cNvPr id="37" name="Rectángulo: esquinas redondeadas 36">
-            <a:extLst>
-              <a:ext uri="{FF2B5EF4-FFF2-40B4-BE49-F238E27FC236}">
-                <a16:creationId xmlns:a16="http://schemas.microsoft.com/office/drawing/2014/main" id="{6248F1BF-31C9-38A7-D9B9-E3EF79375C64}"/>
-              </a:ext>
-            </a:extLst>
-          </p:cNvPr>
-          <p:cNvSpPr/>
-          <p:nvPr/>
-        </p:nvSpPr>
-        <p:spPr>
-          <a:xfrm>
-            <a:off x="10768574" y="3180821"/>
-            <a:ext cx="235402" cy="170289"/>
-          </a:xfrm>
-          <a:prstGeom prst="roundRect">
-            <a:avLst/>
-          </a:prstGeom>
-          <a:solidFill>
-            <a:schemeClr val="bg1"/>
-          </a:solidFill>
-        </p:spPr>
-        <p:style>
-          <a:lnRef idx="2">
-            <a:schemeClr val="accent1">
-              <a:shade val="15000"/>
-            </a:schemeClr>
-          </a:lnRef>
-          <a:fillRef idx="1">
-            <a:schemeClr val="accent1"/>
-          </a:fillRef>
-          <a:effectRef idx="0">
-            <a:schemeClr val="accent1"/>
-          </a:effectRef>
-          <a:fontRef idx="minor">
-            <a:schemeClr val="lt1"/>
-          </a:fontRef>
-        </p:style>
-        <p:txBody>
-          <a:bodyPr rtlCol="0" anchor="ctr"/>
-          <a:lstStyle/>
-          <a:p>
-            <a:pPr algn="ctr"/>
-            <a:endParaRPr lang="es-ES"/>
-          </a:p>
-        </p:txBody>
-      </p:sp>
-      <p:sp>
-        <p:nvSpPr>
-          <p:cNvPr id="38" name="CuadroTexto 37">
-            <a:extLst>
-              <a:ext uri="{FF2B5EF4-FFF2-40B4-BE49-F238E27FC236}">
-                <a16:creationId xmlns:a16="http://schemas.microsoft.com/office/drawing/2014/main" id="{8F31CC31-B82D-0071-94A4-9AA8E8769C1E}"/>
-              </a:ext>
-            </a:extLst>
-          </p:cNvPr>
-          <p:cNvSpPr txBox="1"/>
-          <p:nvPr/>
-        </p:nvSpPr>
-        <p:spPr>
-          <a:xfrm>
-            <a:off x="11003976" y="3035132"/>
-            <a:ext cx="1019411" cy="276999"/>
-          </a:xfrm>
-          <a:prstGeom prst="rect">
-            <a:avLst/>
-          </a:prstGeom>
-          <a:noFill/>
-        </p:spPr>
-        <p:txBody>
-          <a:bodyPr wrap="square" rtlCol="0">
-            <a:spAutoFit/>
-          </a:bodyPr>
-          <a:lstStyle/>
-          <a:p>
-            <a:r>
-              <a:rPr lang="es-ES" sz="1200" dirty="0" err="1"/>
-              <a:t>Geography</a:t>
-            </a:r>
-            <a:endParaRPr lang="es-ES" sz="1200" dirty="0"/>
-          </a:p>
-        </p:txBody>
-      </p:sp>
-      <p:sp>
-        <p:nvSpPr>
-          <p:cNvPr id="39" name="Rectángulo: esquinas redondeadas 38">
-            <a:extLst>
-              <a:ext uri="{FF2B5EF4-FFF2-40B4-BE49-F238E27FC236}">
-                <a16:creationId xmlns:a16="http://schemas.microsoft.com/office/drawing/2014/main" id="{32A4333D-1181-090B-3852-A246831BD1BB}"/>
-              </a:ext>
-            </a:extLst>
-          </p:cNvPr>
-          <p:cNvSpPr/>
-          <p:nvPr/>
-        </p:nvSpPr>
-        <p:spPr>
-          <a:xfrm>
-            <a:off x="10797757" y="4002436"/>
-            <a:ext cx="235402" cy="170289"/>
-          </a:xfrm>
-          <a:prstGeom prst="roundRect">
-            <a:avLst/>
-          </a:prstGeom>
-          <a:solidFill>
-            <a:schemeClr val="bg1"/>
-          </a:solidFill>
-        </p:spPr>
-        <p:style>
-          <a:lnRef idx="2">
-            <a:schemeClr val="accent1">
-              <a:shade val="15000"/>
-            </a:schemeClr>
-          </a:lnRef>
-          <a:fillRef idx="1">
-            <a:schemeClr val="accent1"/>
-          </a:fillRef>
-          <a:effectRef idx="0">
-            <a:schemeClr val="accent1"/>
-          </a:effectRef>
-          <a:fontRef idx="minor">
-            <a:schemeClr val="lt1"/>
-          </a:fontRef>
-        </p:style>
-        <p:txBody>
-          <a:bodyPr rtlCol="0" anchor="ctr"/>
-          <a:lstStyle/>
-          <a:p>
-            <a:pPr algn="ctr"/>
-            <a:endParaRPr lang="es-ES"/>
-          </a:p>
-        </p:txBody>
-      </p:sp>
-      <p:sp>
-        <p:nvSpPr>
-          <p:cNvPr id="40" name="CuadroTexto 39">
-            <a:extLst>
-              <a:ext uri="{FF2B5EF4-FFF2-40B4-BE49-F238E27FC236}">
-                <a16:creationId xmlns:a16="http://schemas.microsoft.com/office/drawing/2014/main" id="{DF83C537-A84D-5692-A4AD-110ABC679150}"/>
-              </a:ext>
-            </a:extLst>
-          </p:cNvPr>
-          <p:cNvSpPr txBox="1"/>
-          <p:nvPr/>
-        </p:nvSpPr>
-        <p:spPr>
-          <a:xfrm>
-            <a:off x="11033159" y="3856747"/>
-            <a:ext cx="1019411" cy="646331"/>
-          </a:xfrm>
-          <a:prstGeom prst="rect">
-            <a:avLst/>
-          </a:prstGeom>
-          <a:noFill/>
-        </p:spPr>
-        <p:txBody>
-          <a:bodyPr wrap="square" rtlCol="0">
-            <a:spAutoFit/>
-          </a:bodyPr>
-          <a:lstStyle/>
-          <a:p>
-            <a:r>
-              <a:rPr lang="es-ES" sz="1200" dirty="0" err="1"/>
-              <a:t>Product</a:t>
-            </a:r>
-            <a:r>
-              <a:rPr lang="es-ES" sz="1200" dirty="0"/>
-              <a:t>/</a:t>
-            </a:r>
-          </a:p>
-          <a:p>
-            <a:r>
-              <a:rPr lang="es-ES" sz="1200" dirty="0" err="1"/>
-              <a:t>Insurance</a:t>
-            </a:r>
-            <a:r>
-              <a:rPr lang="es-ES" sz="1200" dirty="0"/>
-              <a:t> </a:t>
-            </a:r>
-            <a:r>
-              <a:rPr lang="es-ES" sz="1200" dirty="0" err="1"/>
-              <a:t>Type</a:t>
-            </a:r>
-            <a:endParaRPr lang="es-ES" sz="1200" dirty="0"/>
-          </a:p>
-        </p:txBody>
-      </p:sp>
-      <p:grpSp>
-        <p:nvGrpSpPr>
-          <p:cNvPr id="6" name="Grupo 5">
-            <a:extLst>
-              <a:ext uri="{FF2B5EF4-FFF2-40B4-BE49-F238E27FC236}">
-                <a16:creationId xmlns:a16="http://schemas.microsoft.com/office/drawing/2014/main" id="{549FEA3A-5E1C-01C6-732C-3E65213BC2D3}"/>
-              </a:ext>
-            </a:extLst>
-          </p:cNvPr>
-          <p:cNvGrpSpPr/>
-          <p:nvPr/>
-        </p:nvGrpSpPr>
-        <p:grpSpPr>
-          <a:xfrm>
-            <a:off x="8666616" y="3692925"/>
-            <a:ext cx="1952625" cy="594511"/>
-            <a:chOff x="7304991" y="6052446"/>
-            <a:chExt cx="1952625" cy="594511"/>
-          </a:xfrm>
-        </p:grpSpPr>
-        <p:sp>
-          <p:nvSpPr>
-            <p:cNvPr id="5" name="Rectángulo: esquinas redondeadas 4">
-              <a:extLst>
-                <a:ext uri="{FF2B5EF4-FFF2-40B4-BE49-F238E27FC236}">
-                  <a16:creationId xmlns:a16="http://schemas.microsoft.com/office/drawing/2014/main" id="{8F140000-34A5-CF26-FEF9-951FDBAD0903}"/>
-                </a:ext>
-              </a:extLst>
-            </p:cNvPr>
-            <p:cNvSpPr/>
-            <p:nvPr/>
-          </p:nvSpPr>
-          <p:spPr>
-            <a:xfrm>
-              <a:off x="7304991" y="6052446"/>
-              <a:ext cx="1952625" cy="594511"/>
-            </a:xfrm>
-            <a:prstGeom prst="roundRect">
-              <a:avLst/>
-            </a:prstGeom>
-            <a:solidFill>
-              <a:schemeClr val="bg1"/>
-            </a:solidFill>
-          </p:spPr>
-          <p:style>
-            <a:lnRef idx="2">
-              <a:schemeClr val="accent1">
-                <a:shade val="15000"/>
-              </a:schemeClr>
-            </a:lnRef>
-            <a:fillRef idx="1">
-              <a:schemeClr val="accent1"/>
-            </a:fillRef>
-            <a:effectRef idx="0">
-              <a:schemeClr val="accent1"/>
-            </a:effectRef>
-            <a:fontRef idx="minor">
-              <a:schemeClr val="lt1"/>
-            </a:fontRef>
-          </p:style>
-          <p:txBody>
-            <a:bodyPr rtlCol="0" anchor="ctr"/>
-            <a:lstStyle/>
-            <a:p>
-              <a:pPr algn="ctr"/>
-              <a:endParaRPr lang="es-ES"/>
-            </a:p>
-          </p:txBody>
-        </p:sp>
-        <p:sp>
-          <p:nvSpPr>
-            <p:cNvPr id="43" name="CuadroTexto 42">
-              <a:extLst>
-                <a:ext uri="{FF2B5EF4-FFF2-40B4-BE49-F238E27FC236}">
-                  <a16:creationId xmlns:a16="http://schemas.microsoft.com/office/drawing/2014/main" id="{4FA1723C-E8B2-14C0-B45D-D9795D056376}"/>
-                </a:ext>
-              </a:extLst>
-            </p:cNvPr>
-            <p:cNvSpPr txBox="1"/>
-            <p:nvPr/>
-          </p:nvSpPr>
-          <p:spPr>
-            <a:xfrm>
-              <a:off x="7663649" y="6165035"/>
-              <a:ext cx="1288915" cy="369332"/>
-            </a:xfrm>
-            <a:prstGeom prst="rect">
-              <a:avLst/>
-            </a:prstGeom>
-            <a:noFill/>
-          </p:spPr>
-          <p:txBody>
-            <a:bodyPr wrap="square">
-              <a:spAutoFit/>
-            </a:bodyPr>
-            <a:lstStyle/>
-            <a:p>
-              <a:r>
-                <a:rPr lang="es-ES" dirty="0"/>
-                <a:t>AI </a:t>
-              </a:r>
-              <a:r>
-                <a:rPr lang="es-ES" dirty="0" err="1"/>
-                <a:t>Insights</a:t>
-              </a:r>
-              <a:endParaRPr lang="es-ES" dirty="0"/>
-            </a:p>
-          </p:txBody>
-        </p:sp>
-      </p:grpSp>
-      <p:pic>
-        <p:nvPicPr>
-          <p:cNvPr id="46" name="Imagen 45">
-            <a:extLst>
-              <a:ext uri="{FF2B5EF4-FFF2-40B4-BE49-F238E27FC236}">
-                <a16:creationId xmlns:a16="http://schemas.microsoft.com/office/drawing/2014/main" id="{C8A3FF33-882E-3F8F-B23F-86DB86552256}"/>
-              </a:ext>
-            </a:extLst>
-          </p:cNvPr>
-          <p:cNvPicPr>
-            <a:picLocks noChangeAspect="1"/>
-          </p:cNvPicPr>
-          <p:nvPr/>
-        </p:nvPicPr>
-        <p:blipFill>
-          <a:blip r:embed="rId3"/>
-          <a:stretch>
-            <a:fillRect/>
-          </a:stretch>
-        </p:blipFill>
-        <p:spPr>
-          <a:xfrm>
-            <a:off x="682114" y="3035132"/>
-            <a:ext cx="3488418" cy="2939754"/>
-          </a:xfrm>
-          <a:prstGeom prst="rect">
-            <a:avLst/>
-          </a:prstGeom>
-        </p:spPr>
-      </p:pic>
-      <p:pic>
-        <p:nvPicPr>
-          <p:cNvPr id="48" name="Imagen 47">
-            <a:extLst>
-              <a:ext uri="{FF2B5EF4-FFF2-40B4-BE49-F238E27FC236}">
-                <a16:creationId xmlns:a16="http://schemas.microsoft.com/office/drawing/2014/main" id="{3D2469C5-6084-F8B1-0303-715CBA325187}"/>
-              </a:ext>
-            </a:extLst>
-          </p:cNvPr>
-          <p:cNvPicPr>
-            <a:picLocks noChangeAspect="1"/>
-          </p:cNvPicPr>
-          <p:nvPr/>
-        </p:nvPicPr>
-        <p:blipFill>
-          <a:blip r:embed="rId4"/>
-          <a:stretch>
-            <a:fillRect/>
-          </a:stretch>
-        </p:blipFill>
-        <p:spPr>
-          <a:xfrm>
-            <a:off x="4081301" y="3586128"/>
-            <a:ext cx="3592360" cy="3025651"/>
-          </a:xfrm>
-          <a:prstGeom prst="rect">
-            <a:avLst/>
-          </a:prstGeom>
-        </p:spPr>
-      </p:pic>
-      <p:pic>
-        <p:nvPicPr>
-          <p:cNvPr id="3" name="Imagen 2" descr="Logotipo&#10;&#10;El contenido generado por IA puede ser incorrecto.">
-            <a:extLst>
-              <a:ext uri="{FF2B5EF4-FFF2-40B4-BE49-F238E27FC236}">
-                <a16:creationId xmlns:a16="http://schemas.microsoft.com/office/drawing/2014/main" id="{C9D30D60-3F75-3510-9ABB-0BFD03F13F1E}"/>
-              </a:ext>
-            </a:extLst>
-          </p:cNvPr>
-          <p:cNvPicPr>
-            <a:picLocks noChangeAspect="1"/>
-          </p:cNvPicPr>
-          <p:nvPr/>
-        </p:nvPicPr>
-        <p:blipFill>
-          <a:blip r:embed="rId5">
-            <a:extLst>
-              <a:ext uri="{28A0092B-C50C-407E-A947-70E740481C1C}">
-                <a14:useLocalDpi xmlns:a14="http://schemas.microsoft.com/office/drawing/2010/main" val="0"/>
-              </a:ext>
-            </a:extLst>
-          </a:blip>
-          <a:stretch>
-            <a:fillRect/>
-          </a:stretch>
-        </p:blipFill>
-        <p:spPr>
-          <a:xfrm>
-            <a:off x="8446650" y="1294336"/>
-            <a:ext cx="2046111" cy="527730"/>
-          </a:xfrm>
-          <a:prstGeom prst="rect">
-            <a:avLst/>
-          </a:prstGeom>
-        </p:spPr>
-      </p:pic>
-    </p:spTree>
-    <p:extLst>
-      <p:ext uri="{BB962C8B-B14F-4D97-AF65-F5344CB8AC3E}">
-        <p14:creationId xmlns:p14="http://schemas.microsoft.com/office/powerpoint/2010/main" val="3694793121"/>
       </p:ext>
     </p:extLst>
   </p:cSld>

--- a/PyETL/ppt/data_architect_assesment_v1_copy.pptx
+++ b/PyETL/ppt/data_architect_assesment_v1_copy.pptx
@@ -5,20 +5,21 @@
     <p:sldMasterId id="2147483648" r:id="rId1"/>
   </p:sldMasterIdLst>
   <p:notesMasterIdLst>
-    <p:notesMasterId r:id="rId13"/>
+    <p:notesMasterId r:id="rId14"/>
   </p:notesMasterIdLst>
   <p:sldIdLst>
     <p:sldId id="256" r:id="rId2"/>
-    <p:sldId id="257" r:id="rId3"/>
-    <p:sldId id="260" r:id="rId4"/>
-    <p:sldId id="270" r:id="rId5"/>
-    <p:sldId id="269" r:id="rId6"/>
-    <p:sldId id="264" r:id="rId7"/>
-    <p:sldId id="262" r:id="rId8"/>
-    <p:sldId id="271" r:id="rId9"/>
-    <p:sldId id="268" r:id="rId10"/>
-    <p:sldId id="266" r:id="rId11"/>
-    <p:sldId id="267" r:id="rId12"/>
+    <p:sldId id="272" r:id="rId3"/>
+    <p:sldId id="274" r:id="rId4"/>
+    <p:sldId id="260" r:id="rId5"/>
+    <p:sldId id="257" r:id="rId6"/>
+    <p:sldId id="269" r:id="rId7"/>
+    <p:sldId id="264" r:id="rId8"/>
+    <p:sldId id="275" r:id="rId9"/>
+    <p:sldId id="273" r:id="rId10"/>
+    <p:sldId id="268" r:id="rId11"/>
+    <p:sldId id="266" r:id="rId12"/>
+    <p:sldId id="267" r:id="rId13"/>
   </p:sldIdLst>
   <p:sldSz cx="12192000" cy="6858000"/>
   <p:notesSz cx="6858000" cy="9144000"/>
@@ -207,7 +208,7 @@
           <a:p>
             <a:fld id="{EDCBA2F0-E10E-47B0-BDF6-38280A387AD4}" type="datetimeFigureOut">
               <a:rPr lang="es-ES" smtClean="0"/>
-              <a:t>13/06/2025</a:t>
+              <a:t>16/06/2025</a:t>
             </a:fld>
             <a:endParaRPr lang="es-ES"/>
           </a:p>
@@ -536,6 +537,443 @@
           <a:bodyPr/>
           <a:lstStyle/>
           <a:p>
+            <a:r>
+              <a:rPr lang="en-US" dirty="0"/>
+              <a:t>Good afternoon everyone, and thank you for attend this meeting.</a:t>
+            </a:r>
+          </a:p>
+          <a:p>
+            <a:endParaRPr lang="en-US" dirty="0"/>
+          </a:p>
+          <a:p>
+            <a:r>
+              <a:rPr lang="en-US" dirty="0"/>
+              <a:t>Today, we are gathered to present the project we are about to implement, as part of Allianz’s transformation into a data-driven company.</a:t>
+            </a:r>
+          </a:p>
+          <a:p>
+            <a:endParaRPr lang="en-US" dirty="0"/>
+          </a:p>
+          <a:p>
+            <a:r>
+              <a:rPr lang="en-US" dirty="0"/>
+              <a:t>The goal of this presentation is to walk you through the proposed solution, its architecture, sales implementation, the key design decisions we've made, </a:t>
+            </a:r>
+          </a:p>
+          <a:p>
+            <a:r>
+              <a:rPr lang="en-US" dirty="0"/>
+              <a:t>and the value it will bring to the business.</a:t>
+            </a:r>
+          </a:p>
+          <a:p>
+            <a:endParaRPr lang="en-US" dirty="0"/>
+          </a:p>
+          <a:p>
+            <a:r>
+              <a:rPr lang="en-US" dirty="0"/>
+              <a:t>first of all, let me introduce you the concept of data driven company.</a:t>
+            </a:r>
+          </a:p>
+          <a:p>
+            <a:endParaRPr lang="en-US" dirty="0"/>
+          </a:p>
+          <a:p>
+            <a:r>
+              <a:rPr lang="en-US" dirty="0"/>
+              <a:t>what it means data driven company?</a:t>
+            </a:r>
+          </a:p>
+          <a:p>
+            <a:endParaRPr lang="en-US" dirty="0"/>
+          </a:p>
+          <a:p>
+            <a:r>
+              <a:rPr lang="en-US" dirty="0"/>
+              <a:t>it means empowering business to make smarter, faster and more confident decisions, decisions not based on intuition, but on trusted, </a:t>
+            </a:r>
+            <a:r>
+              <a:rPr lang="en-US" dirty="0" err="1"/>
+              <a:t>anaylzed</a:t>
+            </a:r>
+            <a:r>
+              <a:rPr lang="en-US" dirty="0"/>
+              <a:t> and timely data.</a:t>
+            </a:r>
+          </a:p>
+          <a:p>
+            <a:endParaRPr lang="en-US" dirty="0"/>
+          </a:p>
+          <a:p>
+            <a:r>
+              <a:rPr lang="en-US" dirty="0"/>
+              <a:t>to achieve this, Allianz needs a modern cloud based analytics architecture, secure and scalable, </a:t>
+            </a:r>
+            <a:r>
+              <a:rPr lang="en-US" dirty="0" err="1"/>
+              <a:t>buit</a:t>
+            </a:r>
+            <a:r>
+              <a:rPr lang="en-US" dirty="0"/>
+              <a:t> for supporting advanced analytics and automation at scale.</a:t>
+            </a:r>
+          </a:p>
+          <a:p>
+            <a:endParaRPr lang="en-US" dirty="0"/>
+          </a:p>
+          <a:p>
+            <a:endParaRPr lang="en-US" dirty="0"/>
+          </a:p>
+          <a:p>
+            <a:r>
+              <a:rPr lang="en-US" dirty="0"/>
+              <a:t>first of all, let's to review which are the targets of the company wants to accomplish </a:t>
+            </a:r>
+            <a:r>
+              <a:rPr lang="en-US" dirty="0" err="1"/>
+              <a:t>throughy</a:t>
+            </a:r>
+            <a:r>
+              <a:rPr lang="en-US" dirty="0"/>
+              <a:t> this </a:t>
+            </a:r>
+            <a:r>
+              <a:rPr lang="en-US" dirty="0" err="1"/>
+              <a:t>transformacion</a:t>
+            </a:r>
+            <a:r>
+              <a:rPr lang="en-US" dirty="0"/>
+              <a:t>?</a:t>
+            </a:r>
+          </a:p>
+          <a:p>
+            <a:endParaRPr lang="en-US" dirty="0"/>
+          </a:p>
+          <a:p>
+            <a:r>
+              <a:rPr lang="en-US" dirty="0"/>
+              <a:t>our first point to review is Strategic business impact</a:t>
+            </a:r>
+          </a:p>
+          <a:p>
+            <a:r>
+              <a:rPr lang="en-US" dirty="0"/>
+              <a:t>first grow the top line above market: how ?</a:t>
+            </a:r>
+          </a:p>
+          <a:p>
+            <a:r>
+              <a:rPr lang="en-US" dirty="0"/>
+              <a:t>→ by identifying new revenue opportunities through customer and market insights</a:t>
+            </a:r>
+          </a:p>
+          <a:p>
+            <a:r>
+              <a:rPr lang="en-US" dirty="0"/>
+              <a:t>					</a:t>
+            </a:r>
+          </a:p>
+          <a:p>
+            <a:r>
+              <a:rPr lang="en-US" dirty="0"/>
+              <a:t>					</a:t>
+            </a:r>
+          </a:p>
+          <a:p>
+            <a:r>
+              <a:rPr lang="en-US" dirty="0"/>
+              <a:t>second achieve technical excellence to increase business margin: </a:t>
+            </a:r>
+          </a:p>
+          <a:p>
+            <a:r>
+              <a:rPr lang="en-US" dirty="0"/>
+              <a:t>→ by optimizing operations and reducing </a:t>
+            </a:r>
+            <a:r>
+              <a:rPr lang="en-US" dirty="0" err="1"/>
+              <a:t>innefiencies</a:t>
+            </a:r>
+            <a:r>
+              <a:rPr lang="en-US" dirty="0"/>
+              <a:t>.</a:t>
+            </a:r>
+          </a:p>
+          <a:p>
+            <a:r>
+              <a:rPr lang="en-US" dirty="0"/>
+              <a:t>					</a:t>
+            </a:r>
+          </a:p>
+          <a:p>
+            <a:r>
+              <a:rPr lang="en-US" dirty="0"/>
+              <a:t>					</a:t>
+            </a:r>
+          </a:p>
+          <a:p>
+            <a:r>
+              <a:rPr lang="en-US" dirty="0"/>
+              <a:t>third deliver best class in service levels: </a:t>
+            </a:r>
+          </a:p>
+          <a:p>
+            <a:r>
+              <a:rPr lang="en-US" dirty="0"/>
+              <a:t>→ by ensuring data quality and availability to support real time customer interaction</a:t>
+            </a:r>
+          </a:p>
+          <a:p>
+            <a:r>
+              <a:rPr lang="en-US" dirty="0"/>
+              <a:t>					</a:t>
+            </a:r>
+          </a:p>
+          <a:p>
+            <a:r>
+              <a:rPr lang="en-US" dirty="0"/>
+              <a:t>					</a:t>
+            </a:r>
+          </a:p>
+          <a:p>
+            <a:r>
+              <a:rPr lang="en-US" dirty="0"/>
+              <a:t> last, but not least is Apply process automation</a:t>
+            </a:r>
+          </a:p>
+          <a:p>
+            <a:r>
+              <a:rPr lang="en-US" dirty="0"/>
+              <a:t>→ by creating the right conditions for AI to help automate repetitive and manual work.</a:t>
+            </a:r>
+          </a:p>
+          <a:p>
+            <a:r>
+              <a:rPr lang="en-US" dirty="0"/>
+              <a:t>					</a:t>
+            </a:r>
+          </a:p>
+          <a:p>
+            <a:r>
+              <a:rPr lang="en-US" dirty="0"/>
+              <a:t>					</a:t>
+            </a:r>
+          </a:p>
+          <a:p>
+            <a:r>
+              <a:rPr lang="en-US" dirty="0"/>
+              <a:t>					</a:t>
+            </a:r>
+          </a:p>
+          <a:p>
+            <a:r>
+              <a:rPr lang="en-US" dirty="0"/>
+              <a:t>once we have seen the targets, let's to know about the expected impact if we successfully meet these targets</a:t>
+            </a:r>
+          </a:p>
+          <a:p>
+            <a:endParaRPr lang="en-US" dirty="0"/>
+          </a:p>
+          <a:p>
+            <a:r>
+              <a:rPr lang="en-US" dirty="0"/>
+              <a:t>First Deployment of AI models for sales forecasting and churn prediction</a:t>
+            </a:r>
+          </a:p>
+          <a:p>
+            <a:r>
+              <a:rPr lang="en-US" dirty="0"/>
+              <a:t>→ Allowing teams to focus on value-added analysis rather than manual reporting.</a:t>
+            </a:r>
+          </a:p>
+          <a:p>
+            <a:endParaRPr lang="en-US" dirty="0"/>
+          </a:p>
+          <a:p>
+            <a:r>
+              <a:rPr lang="en-US" dirty="0"/>
+              <a:t>Second 20% increase in efficiency in strategic reporting is another impact in business</a:t>
+            </a:r>
+          </a:p>
+          <a:p>
+            <a:r>
+              <a:rPr lang="en-US" dirty="0"/>
+              <a:t>→ By streamlining data infrastructure and removing process redundancies.</a:t>
+            </a:r>
+          </a:p>
+          <a:p>
+            <a:endParaRPr lang="en-US" dirty="0"/>
+          </a:p>
+          <a:p>
+            <a:r>
+              <a:rPr lang="en-US" dirty="0"/>
+              <a:t>Third 30% reduction in data operations costs</a:t>
+            </a:r>
+          </a:p>
+          <a:p>
+            <a:r>
+              <a:rPr lang="en-US" dirty="0"/>
+              <a:t>→ Through automation of data workflows, improved governance, and cloud optimization.</a:t>
+            </a:r>
+          </a:p>
+          <a:p>
+            <a:endParaRPr lang="en-US" dirty="0"/>
+          </a:p>
+          <a:p>
+            <a:r>
+              <a:rPr lang="en-US" dirty="0"/>
+              <a:t>Four 5% increase in global revenues</a:t>
+            </a:r>
+          </a:p>
+          <a:p>
+            <a:r>
+              <a:rPr lang="en-US" dirty="0"/>
+              <a:t>→ Enabled by data-driven decision making and faster go-to-market strategies.</a:t>
+            </a:r>
+          </a:p>
+          <a:p>
+            <a:endParaRPr lang="en-US" dirty="0"/>
+          </a:p>
+          <a:p>
+            <a:r>
+              <a:rPr lang="en-US"/>
+              <a:t>Firve time-to-insight </a:t>
+            </a:r>
+            <a:r>
+              <a:rPr lang="en-US" dirty="0"/>
+              <a:t>reduced</a:t>
+            </a:r>
+          </a:p>
+          <a:p>
+            <a:r>
+              <a:rPr lang="en-US" dirty="0"/>
+              <a:t>→ Thanks to a modernized data pipeline and the adoption of self-service analytics tools.</a:t>
+            </a:r>
+          </a:p>
+          <a:p>
+            <a:r>
+              <a:rPr lang="en-US" dirty="0"/>
+              <a:t>					</a:t>
+            </a:r>
+          </a:p>
+          <a:p>
+            <a:r>
+              <a:rPr lang="en-US" dirty="0"/>
+              <a:t>The third point Estimated investment and time</a:t>
+            </a:r>
+          </a:p>
+          <a:p>
+            <a:r>
+              <a:rPr lang="en-US" dirty="0"/>
+              <a:t>============================					</a:t>
+            </a:r>
+          </a:p>
+          <a:p>
+            <a:endParaRPr lang="en-US" dirty="0"/>
+          </a:p>
+          <a:p>
+            <a:r>
+              <a:rPr lang="en-US" dirty="0"/>
+              <a:t>We have already discussed the business targets and the expected impact of this initiative. </a:t>
+            </a:r>
+          </a:p>
+          <a:p>
+            <a:r>
+              <a:rPr lang="en-US" dirty="0"/>
+              <a:t>But to actually deliver this impact, we need to ensure the right level of investment is in place."</a:t>
+            </a:r>
+          </a:p>
+          <a:p>
+            <a:endParaRPr lang="en-US" dirty="0"/>
+          </a:p>
+          <a:p>
+            <a:r>
+              <a:rPr lang="en-US" dirty="0"/>
+              <a:t>"This project is planned over a 3-year timeline. The total investment required is 3 million euros: 1 million allocated to maintaining the Azure platform </a:t>
+            </a:r>
+          </a:p>
+          <a:p>
+            <a:r>
+              <a:rPr lang="en-US" dirty="0"/>
+              <a:t>and covering pay-as-you-go cloud usage, and 2 million dedicated to external development and consultancy services."</a:t>
+            </a:r>
+          </a:p>
+          <a:p>
+            <a:endParaRPr lang="en-US" dirty="0"/>
+          </a:p>
+          <a:p>
+            <a:r>
+              <a:rPr lang="en-US" dirty="0"/>
+              <a:t>"This investment will allow us to keep the platform operational and scalable, bring in the expertise we need, </a:t>
+            </a:r>
+          </a:p>
+          <a:p>
+            <a:r>
+              <a:rPr lang="en-US" dirty="0"/>
+              <a:t>and accelerate delivery while managing risk.“</a:t>
+            </a:r>
+          </a:p>
+          <a:p>
+            <a:endParaRPr lang="en-US" dirty="0"/>
+          </a:p>
+          <a:p>
+            <a:pPr marL="0" marR="0" lvl="0" indent="0" algn="l" defTabSz="914400" rtl="0" eaLnBrk="1" fontAlgn="auto" latinLnBrk="0" hangingPunct="1">
+              <a:lnSpc>
+                <a:spcPct val="100000"/>
+              </a:lnSpc>
+              <a:spcBef>
+                <a:spcPts val="0"/>
+              </a:spcBef>
+              <a:spcAft>
+                <a:spcPts val="0"/>
+              </a:spcAft>
+              <a:buClrTx/>
+              <a:buSzTx/>
+              <a:buFontTx/>
+              <a:buNone/>
+              <a:tabLst/>
+              <a:defRPr/>
+            </a:pPr>
+            <a:r>
+              <a:rPr lang="en-US" sz="1200" b="0" dirty="0">
+                <a:solidFill>
+                  <a:srgbClr val="0057A6"/>
+                </a:solidFill>
+                <a:latin typeface="Proxima Nova Semibold" charset="0"/>
+                <a:ea typeface="Proxima Nova Semibold" charset="0"/>
+                <a:cs typeface="Proxima Nova Semibold" charset="0"/>
+              </a:rPr>
+              <a:t>Our four point is about Core Team Structure</a:t>
+            </a:r>
+          </a:p>
+          <a:p>
+            <a:r>
+              <a:rPr lang="en-US" dirty="0"/>
+              <a:t>============================	</a:t>
+            </a:r>
+          </a:p>
+          <a:p>
+            <a:endParaRPr lang="en-US" dirty="0"/>
+          </a:p>
+          <a:p>
+            <a:r>
+              <a:rPr lang="en-US" dirty="0"/>
+              <a:t>"Finally, we have a solid core team in place: 3 senior data architects with deep expertise in Azure, and 3 data engineers with intermediate-level skills on the platform. </a:t>
+            </a:r>
+          </a:p>
+          <a:p>
+            <a:r>
+              <a:rPr lang="en-US" dirty="0"/>
+              <a:t>This internal team will be key to driving the project forward, ensuring knowledge retention, and collaborating effectively with external partners."</a:t>
+            </a:r>
+          </a:p>
+          <a:p>
+            <a:endParaRPr lang="en-US" dirty="0"/>
+          </a:p>
+          <a:p>
+            <a:endParaRPr lang="en-US" dirty="0"/>
+          </a:p>
+          <a:p>
             <a:endParaRPr lang="es-ES" dirty="0"/>
           </a:p>
         </p:txBody>
@@ -563,7 +1001,7 @@
           <a:p>
             <a:fld id="{C24C5340-06D8-4A25-9EDA-B034A8F57382}" type="slidenum">
               <a:rPr lang="es-ES" smtClean="0"/>
-              <a:t>3</a:t>
+              <a:t>4</a:t>
             </a:fld>
             <a:endParaRPr lang="es-ES"/>
           </a:p>
@@ -644,6 +1082,505 @@
           <a:bodyPr/>
           <a:lstStyle/>
           <a:p>
+            <a:r>
+              <a:rPr lang="en-US" dirty="0"/>
+              <a:t>===============</a:t>
+            </a:r>
+          </a:p>
+          <a:p>
+            <a:r>
+              <a:rPr lang="en-US" dirty="0"/>
+              <a:t>==slide 2==</a:t>
+            </a:r>
+          </a:p>
+          <a:p>
+            <a:r>
+              <a:rPr lang="en-US" dirty="0"/>
+              <a:t>================</a:t>
+            </a:r>
+          </a:p>
+          <a:p>
+            <a:r>
+              <a:rPr lang="en-US" dirty="0"/>
+              <a:t>🔹 [Opening – Overview]</a:t>
+            </a:r>
+          </a:p>
+          <a:p>
+            <a:endParaRPr lang="en-US" dirty="0"/>
+          </a:p>
+          <a:p>
+            <a:r>
+              <a:rPr lang="en-US" dirty="0"/>
+              <a:t>“This slide represents the logical architecture of our end-to-end data platform built on Microsoft Azure. It’s designed to support ingestion, storage, processing, analytics,</a:t>
+            </a:r>
+          </a:p>
+          <a:p>
+            <a:r>
+              <a:rPr lang="en-US" dirty="0"/>
+              <a:t> machine learning, and data consumption in a scalable, secure, and modular way.”</a:t>
+            </a:r>
+          </a:p>
+          <a:p>
+            <a:endParaRPr lang="en-US" dirty="0"/>
+          </a:p>
+          <a:p>
+            <a:r>
+              <a:rPr lang="en-US" dirty="0"/>
+              <a:t>🔹 [1. Data Sources]</a:t>
+            </a:r>
+          </a:p>
+          <a:p>
+            <a:endParaRPr lang="en-US" dirty="0"/>
+          </a:p>
+          <a:p>
+            <a:r>
+              <a:rPr lang="en-US" dirty="0"/>
+              <a:t>“Starting on the left, we ingest data from a wide range of sources:</a:t>
+            </a:r>
+          </a:p>
+          <a:p>
+            <a:endParaRPr lang="en-US" dirty="0"/>
+          </a:p>
+          <a:p>
+            <a:r>
+              <a:rPr lang="en-US" dirty="0"/>
+              <a:t>    Real-time streams via Event Hub for telemetry, or logs.</a:t>
+            </a:r>
+          </a:p>
+          <a:p>
+            <a:endParaRPr lang="en-US" dirty="0"/>
+          </a:p>
+          <a:p>
+            <a:r>
+              <a:rPr lang="en-US" dirty="0"/>
+              <a:t>    Semi-structured data like CSV, JSON, XML, or system logs.</a:t>
+            </a:r>
+          </a:p>
+          <a:p>
+            <a:endParaRPr lang="en-US" dirty="0"/>
+          </a:p>
+          <a:p>
+            <a:r>
+              <a:rPr lang="en-US" dirty="0"/>
+              <a:t>    Structured relational databases cloud-hosted.</a:t>
+            </a:r>
+          </a:p>
+          <a:p>
+            <a:endParaRPr lang="en-US" dirty="0"/>
+          </a:p>
+          <a:p>
+            <a:r>
+              <a:rPr lang="en-US" dirty="0"/>
+              <a:t>    Azure-native sources like Cosmos DB for globally distributed NoSQL data.</a:t>
+            </a:r>
+          </a:p>
+          <a:p>
+            <a:endParaRPr lang="en-US" dirty="0"/>
+          </a:p>
+          <a:p>
+            <a:r>
+              <a:rPr lang="en-US" dirty="0"/>
+              <a:t>This hybrid ingestion approach allows us to cover both batch and streaming use cases.”</a:t>
+            </a:r>
+          </a:p>
+          <a:p>
+            <a:endParaRPr lang="en-US" dirty="0"/>
+          </a:p>
+          <a:p>
+            <a:endParaRPr lang="en-US" dirty="0"/>
+          </a:p>
+          <a:p>
+            <a:endParaRPr lang="en-US" dirty="0"/>
+          </a:p>
+          <a:p>
+            <a:r>
+              <a:rPr lang="en-US" dirty="0"/>
+              <a:t>data is ingested in azure,🔹 [2. Ingestion Layer]</a:t>
+            </a:r>
+          </a:p>
+          <a:p>
+            <a:endParaRPr lang="en-US" dirty="0"/>
+          </a:p>
+          <a:p>
+            <a:r>
+              <a:rPr lang="en-US" dirty="0"/>
+              <a:t>“For ingestion, we leverage several Azure services:</a:t>
+            </a:r>
+          </a:p>
+          <a:p>
+            <a:endParaRPr lang="en-US" dirty="0"/>
+          </a:p>
+          <a:p>
+            <a:r>
+              <a:rPr lang="en-US" dirty="0"/>
+              <a:t>    Event Hub for high-throughput streaming.</a:t>
+            </a:r>
+          </a:p>
+          <a:p>
+            <a:endParaRPr lang="en-US" dirty="0"/>
+          </a:p>
+          <a:p>
+            <a:r>
+              <a:rPr lang="en-US" dirty="0"/>
+              <a:t>    Azure Functions and the EBS Connector for real-time transformation and lightweight orchestration.</a:t>
+            </a:r>
+          </a:p>
+          <a:p>
+            <a:endParaRPr lang="en-US" dirty="0"/>
+          </a:p>
+          <a:p>
+            <a:r>
+              <a:rPr lang="en-US" dirty="0"/>
+              <a:t>    Synapse Pipelines and </a:t>
+            </a:r>
+            <a:r>
+              <a:rPr lang="en-US" dirty="0" err="1"/>
+              <a:t>AzCopy</a:t>
+            </a:r>
+            <a:r>
+              <a:rPr lang="en-US" dirty="0"/>
+              <a:t> for bulk or scheduled batch data loads.</a:t>
+            </a:r>
+          </a:p>
+          <a:p>
+            <a:endParaRPr lang="en-US" dirty="0"/>
+          </a:p>
+          <a:p>
+            <a:r>
+              <a:rPr lang="en-US" dirty="0"/>
+              <a:t>All data lands into a centralized Data Lake (ADLS Gen2), which serves as the raw data zone — enabling schema-on-read, separation of storage and compute, and data lifecycle control.”</a:t>
+            </a:r>
+          </a:p>
+          <a:p>
+            <a:endParaRPr lang="en-US" dirty="0"/>
+          </a:p>
+          <a:p>
+            <a:endParaRPr lang="en-US" dirty="0"/>
+          </a:p>
+          <a:p>
+            <a:endParaRPr lang="en-US" dirty="0"/>
+          </a:p>
+          <a:p>
+            <a:endParaRPr lang="en-US" dirty="0"/>
+          </a:p>
+          <a:p>
+            <a:r>
+              <a:rPr lang="en-US" dirty="0"/>
+              <a:t>let's have to take a look on processing layer 🔹 [3. Processing Layer]</a:t>
+            </a:r>
+          </a:p>
+          <a:p>
+            <a:endParaRPr lang="en-US" dirty="0"/>
+          </a:p>
+          <a:p>
+            <a:r>
+              <a:rPr lang="en-US" dirty="0"/>
+              <a:t>“In the processing layer, we use different compute engines based on the workload:</a:t>
+            </a:r>
+          </a:p>
+          <a:p>
+            <a:endParaRPr lang="en-US" dirty="0"/>
+          </a:p>
+          <a:p>
+            <a:r>
+              <a:rPr lang="en-US" dirty="0"/>
+              <a:t>    Azure Stream Analytics for near-real-time analytics.</a:t>
+            </a:r>
+          </a:p>
+          <a:p>
+            <a:endParaRPr lang="en-US" dirty="0"/>
+          </a:p>
+          <a:p>
+            <a:r>
+              <a:rPr lang="en-US" dirty="0"/>
+              <a:t>    SQL Serverless Pools and Apache Spark Pools in Synapse for ad-hoc querying and distributed transformations.</a:t>
+            </a:r>
+          </a:p>
+          <a:p>
+            <a:endParaRPr lang="en-US" dirty="0"/>
+          </a:p>
+          <a:p>
+            <a:r>
+              <a:rPr lang="en-US" dirty="0"/>
+              <a:t>    Synapse Dedicated SQL Pools for high-performance querying, particularly using </a:t>
+            </a:r>
+            <a:r>
+              <a:rPr lang="en-US" dirty="0" err="1"/>
+              <a:t>PolyBase</a:t>
+            </a:r>
+            <a:r>
+              <a:rPr lang="en-US" dirty="0"/>
+              <a:t> to virtualize external data.</a:t>
+            </a:r>
+          </a:p>
+          <a:p>
+            <a:endParaRPr lang="en-US" dirty="0"/>
+          </a:p>
+          <a:p>
+            <a:r>
+              <a:rPr lang="en-US" dirty="0"/>
+              <a:t>This architecture supports both ELT and real-time processing, enabling flexibility in data modeling and transformation pipelines.”</a:t>
+            </a:r>
+          </a:p>
+          <a:p>
+            <a:r>
+              <a:rPr lang="en-US" dirty="0"/>
+              <a:t>let's go now to check how AI is implemented 🔹 [4. AI &amp; Machine Learning]</a:t>
+            </a:r>
+          </a:p>
+          <a:p>
+            <a:endParaRPr lang="en-US" dirty="0"/>
+          </a:p>
+          <a:p>
+            <a:endParaRPr lang="en-US" dirty="0"/>
+          </a:p>
+          <a:p>
+            <a:endParaRPr lang="en-US" dirty="0"/>
+          </a:p>
+          <a:p>
+            <a:r>
+              <a:rPr lang="en-US" dirty="0"/>
+              <a:t>“Processed and enriched data is consumed by our AI/ML layer:</a:t>
+            </a:r>
+          </a:p>
+          <a:p>
+            <a:endParaRPr lang="en-US" dirty="0"/>
+          </a:p>
+          <a:p>
+            <a:r>
+              <a:rPr lang="en-US" dirty="0"/>
+              <a:t>    Azure Machine Learning for model training and deployment.</a:t>
+            </a:r>
+          </a:p>
+          <a:p>
+            <a:endParaRPr lang="en-US" dirty="0"/>
+          </a:p>
+          <a:p>
+            <a:r>
+              <a:rPr lang="en-US" dirty="0"/>
+              <a:t>    OpenAI integration for generative AI use cases.</a:t>
+            </a:r>
+          </a:p>
+          <a:p>
+            <a:endParaRPr lang="en-US" dirty="0"/>
+          </a:p>
+          <a:p>
+            <a:r>
+              <a:rPr lang="en-US" dirty="0"/>
+              <a:t>    Cognitive Services to plug in pre-built capabilities such as text analysis, computer vision, and language understanding.”</a:t>
+            </a:r>
+          </a:p>
+          <a:p>
+            <a:r>
+              <a:rPr lang="en-US" dirty="0"/>
+              <a:t>	</a:t>
+            </a:r>
+          </a:p>
+          <a:p>
+            <a:r>
+              <a:rPr lang="en-US" dirty="0"/>
+              <a:t>	</a:t>
+            </a:r>
+          </a:p>
+          <a:p>
+            <a:r>
+              <a:rPr lang="en-US" dirty="0"/>
+              <a:t>	</a:t>
+            </a:r>
+          </a:p>
+          <a:p>
+            <a:r>
+              <a:rPr lang="en-US" dirty="0"/>
+              <a:t>	</a:t>
+            </a:r>
+          </a:p>
+          <a:p>
+            <a:r>
+              <a:rPr lang="en-US" dirty="0"/>
+              <a:t>	how data is exposed 🔹 [5. Data Serving &amp; Application Layer]</a:t>
+            </a:r>
+          </a:p>
+          <a:p>
+            <a:endParaRPr lang="en-US" dirty="0"/>
+          </a:p>
+          <a:p>
+            <a:endParaRPr lang="en-US" dirty="0"/>
+          </a:p>
+          <a:p>
+            <a:endParaRPr lang="en-US" dirty="0"/>
+          </a:p>
+          <a:p>
+            <a:r>
+              <a:rPr lang="en-US" dirty="0"/>
+              <a:t>“Insights are then exposed through various serving layers:</a:t>
+            </a:r>
+          </a:p>
+          <a:p>
+            <a:endParaRPr lang="en-US" dirty="0"/>
+          </a:p>
+          <a:p>
+            <a:r>
+              <a:rPr lang="en-US" dirty="0"/>
+              <a:t>    Power BI Premium for enterprise-scale business intelligence and self-service analytics.</a:t>
+            </a:r>
+          </a:p>
+          <a:p>
+            <a:endParaRPr lang="en-US" dirty="0"/>
+          </a:p>
+          <a:p>
+            <a:r>
+              <a:rPr lang="en-US" dirty="0"/>
+              <a:t>    PowerApps, App Services, and the Synapse SQL API to build operational applications or expose APIs.</a:t>
+            </a:r>
+          </a:p>
+          <a:p>
+            <a:endParaRPr lang="en-US" dirty="0"/>
+          </a:p>
+          <a:p>
+            <a:r>
+              <a:rPr lang="en-US" dirty="0"/>
+              <a:t>    Azure Data Share allows secure external data distribution across domains or business units.”</a:t>
+            </a:r>
+          </a:p>
+          <a:p>
+            <a:endParaRPr lang="en-US" dirty="0"/>
+          </a:p>
+          <a:p>
+            <a:r>
+              <a:rPr lang="en-US" dirty="0"/>
+              <a:t>🔹  at last but no least  [6. Consumers]</a:t>
+            </a:r>
+          </a:p>
+          <a:p>
+            <a:endParaRPr lang="en-US" dirty="0"/>
+          </a:p>
+          <a:p>
+            <a:r>
+              <a:rPr lang="en-US" dirty="0"/>
+              <a:t>“Our end users include:</a:t>
+            </a:r>
+          </a:p>
+          <a:p>
+            <a:endParaRPr lang="en-US" dirty="0"/>
+          </a:p>
+          <a:p>
+            <a:r>
+              <a:rPr lang="en-US" dirty="0"/>
+              <a:t>    Data analysts and business users using Power BI </a:t>
+            </a:r>
+          </a:p>
+          <a:p>
+            <a:endParaRPr lang="en-US" dirty="0"/>
+          </a:p>
+          <a:p>
+            <a:r>
+              <a:rPr lang="en-US" dirty="0"/>
+              <a:t>    Business applications and microservices that consume processed data through APIs.</a:t>
+            </a:r>
+          </a:p>
+          <a:p>
+            <a:endParaRPr lang="en-US" dirty="0"/>
+          </a:p>
+          <a:p>
+            <a:r>
+              <a:rPr lang="en-US" dirty="0"/>
+              <a:t>    Automated systems and AI agents that consume insights directly.”</a:t>
+            </a:r>
+          </a:p>
+          <a:p>
+            <a:r>
+              <a:rPr lang="en-US" dirty="0"/>
+              <a:t>	</a:t>
+            </a:r>
+          </a:p>
+          <a:p>
+            <a:r>
+              <a:rPr lang="en-US" dirty="0"/>
+              <a:t>	</a:t>
+            </a:r>
+          </a:p>
+          <a:p>
+            <a:endParaRPr lang="en-US" dirty="0"/>
+          </a:p>
+          <a:p>
+            <a:r>
+              <a:rPr lang="en-US" dirty="0"/>
+              <a:t>🔹, [7. Underlying Platform Services]</a:t>
+            </a:r>
+          </a:p>
+          <a:p>
+            <a:endParaRPr lang="en-US" dirty="0"/>
+          </a:p>
+          <a:p>
+            <a:r>
+              <a:rPr lang="en-US" dirty="0"/>
+              <a:t>“ finally, Supporting all layers is the Azure platform foundation we can see</a:t>
+            </a:r>
+          </a:p>
+          <a:p>
+            <a:endParaRPr lang="en-US" dirty="0"/>
+          </a:p>
+          <a:p>
+            <a:r>
+              <a:rPr lang="en-US" dirty="0"/>
+              <a:t>    Security &amp; Identity with Azure Active Directory and RBAC.</a:t>
+            </a:r>
+          </a:p>
+          <a:p>
+            <a:endParaRPr lang="en-US" dirty="0"/>
+          </a:p>
+          <a:p>
+            <a:r>
+              <a:rPr lang="en-US" dirty="0"/>
+              <a:t>    DevOps &amp; Automation using GitHub Actions, CI/CD pipelines, and Infrastructure as Code.</a:t>
+            </a:r>
+          </a:p>
+          <a:p>
+            <a:endParaRPr lang="en-US" dirty="0"/>
+          </a:p>
+          <a:p>
+            <a:r>
+              <a:rPr lang="en-US" dirty="0"/>
+              <a:t>    Monitoring via Azure Monitor, Log Analytics, and Dynatrace for observability.</a:t>
+            </a:r>
+          </a:p>
+          <a:p>
+            <a:endParaRPr lang="en-US" dirty="0"/>
+          </a:p>
+          <a:p>
+            <a:r>
+              <a:rPr lang="en-US" dirty="0"/>
+              <a:t>    Governance &amp; Compliance with tools like Purview, tagging, data lineage, and access policies.</a:t>
+            </a:r>
+          </a:p>
+          <a:p>
+            <a:endParaRPr lang="en-US" dirty="0"/>
+          </a:p>
+          <a:p>
+            <a:r>
+              <a:rPr lang="en-US" dirty="0"/>
+              <a:t>This ensures the entire platform is secure, observable, and governed from end to end.”</a:t>
+            </a:r>
+          </a:p>
+          <a:p>
+            <a:endParaRPr lang="en-US" dirty="0"/>
+          </a:p>
+          <a:p>
+            <a:endParaRPr lang="en-US" dirty="0"/>
+          </a:p>
+          <a:p>
+            <a:r>
+              <a:rPr lang="en-US" dirty="0"/>
+              <a:t>“To sum up, this architecture provides a robust and scalable framework for enterprise data workloads — from ingestion to AI — </a:t>
+            </a:r>
+          </a:p>
+          <a:p>
+            <a:r>
+              <a:rPr lang="en-US" dirty="0"/>
+              <a:t>enabling data-driven decision-making, operational intelligence, and innovation through modern cloud-native components.”</a:t>
+            </a:r>
+          </a:p>
+          <a:p>
             <a:endParaRPr lang="es-ES" dirty="0"/>
           </a:p>
         </p:txBody>
@@ -671,7 +1608,7 @@
           <a:p>
             <a:fld id="{C24C5340-06D8-4A25-9EDA-B034A8F57382}" type="slidenum">
               <a:rPr lang="es-ES" smtClean="0"/>
-              <a:t>5</a:t>
+              <a:t>6</a:t>
             </a:fld>
             <a:endParaRPr lang="es-ES"/>
           </a:p>
@@ -752,6 +1689,273 @@
           <a:bodyPr/>
           <a:lstStyle/>
           <a:p>
+            <a:r>
+              <a:rPr lang="en-US" dirty="0"/>
+              <a:t>================</a:t>
+            </a:r>
+          </a:p>
+          <a:p>
+            <a:r>
+              <a:rPr lang="en-US" dirty="0"/>
+              <a:t>==slide 3==</a:t>
+            </a:r>
+          </a:p>
+          <a:p>
+            <a:r>
+              <a:rPr lang="en-US" dirty="0"/>
+              <a:t>================</a:t>
+            </a:r>
+          </a:p>
+          <a:p>
+            <a:endParaRPr lang="en-US" dirty="0"/>
+          </a:p>
+          <a:p>
+            <a:r>
+              <a:rPr lang="en-US" dirty="0"/>
+              <a:t>Sources Layer</a:t>
+            </a:r>
+          </a:p>
+          <a:p>
+            <a:endParaRPr lang="en-US" dirty="0"/>
+          </a:p>
+          <a:p>
+            <a:r>
+              <a:rPr lang="en-US" dirty="0"/>
+              <a:t>On the left, we start with the data sources.</a:t>
+            </a:r>
+          </a:p>
+          <a:p>
+            <a:r>
+              <a:rPr lang="en-US" dirty="0"/>
+              <a:t>We collect data from multiple origins, including:</a:t>
+            </a:r>
+          </a:p>
+          <a:p>
+            <a:endParaRPr lang="en-US" dirty="0"/>
+          </a:p>
+          <a:p>
+            <a:r>
+              <a:rPr lang="en-US" dirty="0"/>
+              <a:t>    Streaming data from big data sources</a:t>
+            </a:r>
+          </a:p>
+          <a:p>
+            <a:endParaRPr lang="en-US" dirty="0"/>
+          </a:p>
+          <a:p>
+            <a:r>
+              <a:rPr lang="en-US" dirty="0"/>
+              <a:t>    Semi-structured files such as CSV, logs, JSON, and XML</a:t>
+            </a:r>
+          </a:p>
+          <a:p>
+            <a:endParaRPr lang="en-US" dirty="0"/>
+          </a:p>
+          <a:p>
+            <a:r>
+              <a:rPr lang="en-US" dirty="0"/>
+              <a:t>    Relational databases, providing structured transactional data</a:t>
+            </a:r>
+          </a:p>
+          <a:p>
+            <a:endParaRPr lang="en-US" dirty="0"/>
+          </a:p>
+          <a:p>
+            <a:r>
+              <a:rPr lang="en-US" dirty="0"/>
+              <a:t>    And native Azure data services, like Azure Cosmos DB</a:t>
+            </a:r>
+          </a:p>
+          <a:p>
+            <a:endParaRPr lang="en-US" dirty="0"/>
+          </a:p>
+          <a:p>
+            <a:r>
+              <a:rPr lang="en-US" dirty="0"/>
+              <a:t>This allows us to support both batch and real-time ingestion scenarios.</a:t>
+            </a:r>
+          </a:p>
+          <a:p>
+            <a:r>
+              <a:rPr lang="en-US" dirty="0"/>
+              <a:t>🟫 Bronze Layer – Raw Data</a:t>
+            </a:r>
+          </a:p>
+          <a:p>
+            <a:endParaRPr lang="en-US" dirty="0"/>
+          </a:p>
+          <a:p>
+            <a:r>
+              <a:rPr lang="en-US" dirty="0"/>
+              <a:t>The first stop in our platform is the Bronze Layer, which resides in ADLS – Azure Data Lake Storage.</a:t>
+            </a:r>
+          </a:p>
+          <a:p>
+            <a:r>
+              <a:rPr lang="en-US" dirty="0"/>
+              <a:t>Here, we store the raw data exactly as received from the source systems, without transformation or filtering.</a:t>
+            </a:r>
+          </a:p>
+          <a:p>
+            <a:endParaRPr lang="en-US" dirty="0"/>
+          </a:p>
+          <a:p>
+            <a:r>
+              <a:rPr lang="en-US" dirty="0"/>
+              <a:t>This layer ensures we keep an immutable copy of the original data for auditability and future reprocessing.</a:t>
+            </a:r>
+          </a:p>
+          <a:p>
+            <a:r>
+              <a:rPr lang="en-US" dirty="0"/>
+              <a:t>🪙 Silver Layer – Data Vault in Delta Lake</a:t>
+            </a:r>
+          </a:p>
+          <a:p>
+            <a:endParaRPr lang="en-US" dirty="0"/>
+          </a:p>
+          <a:p>
+            <a:r>
+              <a:rPr lang="en-US" dirty="0"/>
+              <a:t>Next, we move to the Silver Layer, where the data is cleaned, integrated, and historized.</a:t>
+            </a:r>
+          </a:p>
+          <a:p>
+            <a:endParaRPr lang="en-US" dirty="0"/>
+          </a:p>
+          <a:p>
+            <a:r>
+              <a:rPr lang="en-US" dirty="0"/>
+              <a:t>This layer follows a Data Vault modeling approach, and it's mounted over Delta Lake, which brings ACID transactions, schema evolution, and time travel capabilities to our </a:t>
+            </a:r>
+            <a:r>
+              <a:rPr lang="en-US" dirty="0" err="1"/>
+              <a:t>lakehouse</a:t>
+            </a:r>
+            <a:r>
+              <a:rPr lang="en-US" dirty="0"/>
+              <a:t>.</a:t>
+            </a:r>
+          </a:p>
+          <a:p>
+            <a:endParaRPr lang="en-US" dirty="0"/>
+          </a:p>
+          <a:p>
+            <a:r>
+              <a:rPr lang="en-US" dirty="0"/>
+              <a:t>It acts as our trusted, governed layer where all business logic starts to take shape.</a:t>
+            </a:r>
+          </a:p>
+          <a:p>
+            <a:r>
+              <a:rPr lang="en-US" dirty="0"/>
+              <a:t>🟨 Gold Layer – Business Model</a:t>
+            </a:r>
+          </a:p>
+          <a:p>
+            <a:endParaRPr lang="en-US" dirty="0"/>
+          </a:p>
+          <a:p>
+            <a:r>
+              <a:rPr lang="en-US" dirty="0"/>
+              <a:t>From there, we populate the Gold Layer, which is hosted in Azure Synapse Dedicated SQL Pools.</a:t>
+            </a:r>
+          </a:p>
+          <a:p>
+            <a:endParaRPr lang="en-US" dirty="0"/>
+          </a:p>
+          <a:p>
+            <a:r>
+              <a:rPr lang="en-US" dirty="0"/>
+              <a:t>Here, we transform the Data Vault entities into Star Schemas, which are business-friendly, aggregated, and denormalized.</a:t>
+            </a:r>
+          </a:p>
+          <a:p>
+            <a:r>
+              <a:rPr lang="en-US" dirty="0"/>
+              <a:t>These are designed specifically for performance and analytics, and they power downstream reporting tools.</a:t>
+            </a:r>
+          </a:p>
+          <a:p>
+            <a:r>
+              <a:rPr lang="en-US" dirty="0"/>
+              <a:t>📊 Visualization &amp; Consumers</a:t>
+            </a:r>
+          </a:p>
+          <a:p>
+            <a:endParaRPr lang="en-US" dirty="0"/>
+          </a:p>
+          <a:p>
+            <a:r>
+              <a:rPr lang="en-US" dirty="0"/>
+              <a:t>Finally, we have the consumer layer.</a:t>
+            </a:r>
+          </a:p>
+          <a:p>
+            <a:r>
+              <a:rPr lang="en-US" dirty="0"/>
+              <a:t>This is where different tools and users access the data for:</a:t>
+            </a:r>
+          </a:p>
+          <a:p>
+            <a:endParaRPr lang="en-US" dirty="0"/>
+          </a:p>
+          <a:p>
+            <a:r>
+              <a:rPr lang="en-US" dirty="0"/>
+              <a:t>    Dashboards and reports (e.g., Power BI)</a:t>
+            </a:r>
+          </a:p>
+          <a:p>
+            <a:endParaRPr lang="en-US" dirty="0"/>
+          </a:p>
+          <a:p>
+            <a:r>
+              <a:rPr lang="en-US" dirty="0"/>
+              <a:t>    Mobile and web applications</a:t>
+            </a:r>
+          </a:p>
+          <a:p>
+            <a:endParaRPr lang="en-US" dirty="0"/>
+          </a:p>
+          <a:p>
+            <a:r>
+              <a:rPr lang="en-US" dirty="0"/>
+              <a:t>    Advanced analytics and AI models</a:t>
+            </a:r>
+          </a:p>
+          <a:p>
+            <a:endParaRPr lang="en-US" dirty="0"/>
+          </a:p>
+          <a:p>
+            <a:r>
+              <a:rPr lang="en-US" dirty="0"/>
+              <a:t>    And external exports or APIs</a:t>
+            </a:r>
+          </a:p>
+          <a:p>
+            <a:endParaRPr lang="en-US" dirty="0"/>
+          </a:p>
+          <a:p>
+            <a:r>
+              <a:rPr lang="en-US" dirty="0"/>
+              <a:t>This architecture allows multiple consumers to work on the same unified and trusted data platform.</a:t>
+            </a:r>
+          </a:p>
+          <a:p>
+            <a:r>
+              <a:rPr lang="en-US" dirty="0"/>
+              <a:t>✅ Summary</a:t>
+            </a:r>
+          </a:p>
+          <a:p>
+            <a:endParaRPr lang="en-US" dirty="0"/>
+          </a:p>
+          <a:p>
+            <a:r>
+              <a:rPr lang="en-US" dirty="0"/>
+              <a:t>    This layered approach ensures that we maintain data integrity, traceability, and scalability—from raw ingestion to business-ready insights.</a:t>
+            </a:r>
             <a:endParaRPr lang="es-ES" dirty="0"/>
           </a:p>
         </p:txBody>
@@ -779,7 +1983,7 @@
           <a:p>
             <a:fld id="{C24C5340-06D8-4A25-9EDA-B034A8F57382}" type="slidenum">
               <a:rPr lang="es-ES" smtClean="0"/>
-              <a:t>6</a:t>
+              <a:t>7</a:t>
             </a:fld>
             <a:endParaRPr lang="es-ES"/>
           </a:p>
@@ -860,6 +2064,263 @@
           <a:bodyPr/>
           <a:lstStyle/>
           <a:p>
+            <a:r>
+              <a:rPr lang="en-US" dirty="0"/>
+              <a:t>“This slide presents the operational and governance pillars that support our EDW architecture, enabling efficiency, control, and scalability across the data lifecycle. </a:t>
+            </a:r>
+          </a:p>
+          <a:p>
+            <a:r>
+              <a:rPr lang="en-US" dirty="0"/>
+              <a:t>These enablers are key for sustaining enterprise-grade </a:t>
+            </a:r>
+            <a:r>
+              <a:rPr lang="en-US" dirty="0" err="1"/>
+              <a:t>DataOps</a:t>
+            </a:r>
+            <a:r>
+              <a:rPr lang="en-US" dirty="0"/>
+              <a:t> practices.”</a:t>
+            </a:r>
+          </a:p>
+          <a:p>
+            <a:endParaRPr lang="en-US" dirty="0"/>
+          </a:p>
+          <a:p>
+            <a:r>
+              <a:rPr lang="en-US" dirty="0"/>
+              <a:t>🔹 [CI/CD – Automation &amp; DevOps]</a:t>
+            </a:r>
+          </a:p>
+          <a:p>
+            <a:endParaRPr lang="en-US" dirty="0"/>
+          </a:p>
+          <a:p>
+            <a:r>
+              <a:rPr lang="en-US" dirty="0"/>
+              <a:t>“We start with CI/CD practices to ensure repeatable and automated deployments:</a:t>
+            </a:r>
+          </a:p>
+          <a:p>
+            <a:endParaRPr lang="en-US" dirty="0"/>
+          </a:p>
+          <a:p>
+            <a:r>
+              <a:rPr lang="en-US" dirty="0"/>
+              <a:t>    We leverage GitHub Actions and GitHub Runners to orchestrate build and release pipelines.</a:t>
+            </a:r>
+          </a:p>
+          <a:p>
+            <a:endParaRPr lang="en-US" dirty="0"/>
+          </a:p>
+          <a:p>
+            <a:r>
+              <a:rPr lang="en-US" dirty="0"/>
+              <a:t>    Jira is used for backlog and sprint tracking, and Confluence supports project documentation and knowledge sharing.</a:t>
+            </a:r>
+          </a:p>
+          <a:p>
+            <a:endParaRPr lang="en-US" dirty="0"/>
+          </a:p>
+          <a:p>
+            <a:r>
+              <a:rPr lang="en-US" dirty="0"/>
+              <a:t>    CI/CD pipelines are responsible for deploying data pipelines, machine learning models, and Power BI content automatically, ensuring consistency across environments.”</a:t>
+            </a:r>
+          </a:p>
+          <a:p>
+            <a:endParaRPr lang="en-US" dirty="0"/>
+          </a:p>
+          <a:p>
+            <a:r>
+              <a:rPr lang="en-US" dirty="0"/>
+              <a:t>🔹 [Observability – Monitoring &amp; Telemetry]</a:t>
+            </a:r>
+          </a:p>
+          <a:p>
+            <a:endParaRPr lang="en-US" dirty="0"/>
+          </a:p>
+          <a:p>
+            <a:r>
+              <a:rPr lang="en-US" dirty="0"/>
+              <a:t>“On the observability front:</a:t>
+            </a:r>
+          </a:p>
+          <a:p>
+            <a:endParaRPr lang="en-US" dirty="0"/>
+          </a:p>
+          <a:p>
+            <a:r>
+              <a:rPr lang="en-US" dirty="0"/>
+              <a:t>    We use Azure Monitor, Dynatrace, and Log Analytics for centralized telemetry.</a:t>
+            </a:r>
+          </a:p>
+          <a:p>
+            <a:endParaRPr lang="en-US" dirty="0"/>
+          </a:p>
+          <a:p>
+            <a:r>
+              <a:rPr lang="en-US" dirty="0"/>
+              <a:t>    This setup enables unified logs, health metrics, and alerts across all data services — providing full transparency and proactive incident management.”</a:t>
+            </a:r>
+          </a:p>
+          <a:p>
+            <a:endParaRPr lang="en-US" dirty="0"/>
+          </a:p>
+          <a:p>
+            <a:r>
+              <a:rPr lang="en-US" dirty="0"/>
+              <a:t>🔹 [Governance &amp; Security – Control &amp; Compliance]</a:t>
+            </a:r>
+          </a:p>
+          <a:p>
+            <a:endParaRPr lang="en-US" dirty="0"/>
+          </a:p>
+          <a:p>
+            <a:r>
+              <a:rPr lang="en-US" dirty="0"/>
+              <a:t>“For data governance and security:</a:t>
+            </a:r>
+          </a:p>
+          <a:p>
+            <a:endParaRPr lang="en-US" dirty="0"/>
+          </a:p>
+          <a:p>
+            <a:r>
+              <a:rPr lang="en-US" dirty="0"/>
+              <a:t>    We integrate IDMC (Informatica) for enterprise data management.</a:t>
+            </a:r>
+          </a:p>
+          <a:p>
+            <a:endParaRPr lang="en-US" dirty="0"/>
+          </a:p>
+          <a:p>
+            <a:r>
+              <a:rPr lang="en-US" dirty="0"/>
+              <a:t>    Azure Purview ensures data cataloging and lineage tracking.</a:t>
+            </a:r>
+          </a:p>
+          <a:p>
+            <a:endParaRPr lang="en-US" dirty="0"/>
+          </a:p>
+          <a:p>
+            <a:r>
+              <a:rPr lang="en-US" dirty="0"/>
+              <a:t>    Azure Key Vault provides secure secrets and credentials management.</a:t>
+            </a:r>
+          </a:p>
+          <a:p>
+            <a:endParaRPr lang="en-US" dirty="0"/>
+          </a:p>
+          <a:p>
+            <a:r>
+              <a:rPr lang="en-US" dirty="0"/>
+              <a:t>    Together, these tools deliver robust access control, traceability, and compliance with data regulations.”</a:t>
+            </a:r>
+          </a:p>
+          <a:p>
+            <a:endParaRPr lang="en-US" dirty="0"/>
+          </a:p>
+          <a:p>
+            <a:r>
+              <a:rPr lang="en-US" dirty="0"/>
+              <a:t>🔹 [Reusable Artifacts – Accelerating Delivery]</a:t>
+            </a:r>
+          </a:p>
+          <a:p>
+            <a:endParaRPr lang="en-US" dirty="0"/>
+          </a:p>
+          <a:p>
+            <a:r>
+              <a:rPr lang="en-US" dirty="0"/>
+              <a:t>“To increase delivery speed and reduce maintenance:</a:t>
+            </a:r>
+          </a:p>
+          <a:p>
+            <a:endParaRPr lang="en-US" dirty="0"/>
+          </a:p>
+          <a:p>
+            <a:r>
+              <a:rPr lang="en-US" dirty="0"/>
+              <a:t>    We adopt a modular approach using reusable artifacts like pipelines, notebooks, datasets, ML models, SQL scripts, and linked services.</a:t>
+            </a:r>
+          </a:p>
+          <a:p>
+            <a:endParaRPr lang="en-US" dirty="0"/>
+          </a:p>
+          <a:p>
+            <a:r>
+              <a:rPr lang="en-US" dirty="0"/>
+              <a:t>    These are treated as composable building blocks, promoting standardization and reuse across teams.”</a:t>
+            </a:r>
+          </a:p>
+          <a:p>
+            <a:endParaRPr lang="en-US" dirty="0"/>
+          </a:p>
+          <a:p>
+            <a:r>
+              <a:rPr lang="en-US" dirty="0"/>
+              <a:t>🔹 [Cost Optimization – Elasticity &amp; Governance]</a:t>
+            </a:r>
+          </a:p>
+          <a:p>
+            <a:endParaRPr lang="en-US" dirty="0"/>
+          </a:p>
+          <a:p>
+            <a:r>
+              <a:rPr lang="en-US" dirty="0"/>
+              <a:t>“Finally, for cost efficiency:</a:t>
+            </a:r>
+          </a:p>
+          <a:p>
+            <a:endParaRPr lang="en-US" dirty="0"/>
+          </a:p>
+          <a:p>
+            <a:r>
+              <a:rPr lang="en-US" dirty="0"/>
+              <a:t>    We implement auto-pause SQL pools, ADLS tiering policies, and Power BI lightweight versions for self-service analytics.</a:t>
+            </a:r>
+          </a:p>
+          <a:p>
+            <a:endParaRPr lang="en-US" dirty="0"/>
+          </a:p>
+          <a:p>
+            <a:r>
+              <a:rPr lang="en-US" dirty="0"/>
+              <a:t>    These measures ensure optimal resource utilization, elasticity, and proactive cost control without compromising performance.”</a:t>
+            </a:r>
+          </a:p>
+          <a:p>
+            <a:endParaRPr lang="en-US" dirty="0"/>
+          </a:p>
+          <a:p>
+            <a:r>
+              <a:rPr lang="en-US" dirty="0"/>
+              <a:t>🔹 [Closing – Benefits]</a:t>
+            </a:r>
+          </a:p>
+          <a:p>
+            <a:endParaRPr lang="en-US" dirty="0"/>
+          </a:p>
+          <a:p>
+            <a:r>
+              <a:rPr lang="en-US" dirty="0"/>
+              <a:t>“Altogether, these six pillars of </a:t>
+            </a:r>
+            <a:r>
+              <a:rPr lang="en-US" dirty="0" err="1"/>
+              <a:t>DataOps</a:t>
+            </a:r>
+            <a:r>
+              <a:rPr lang="en-US" dirty="0"/>
+              <a:t>—automation, observability, governance, reuse, and cost control—enable us to scale our data platform reliably, securely,</a:t>
+            </a:r>
+          </a:p>
+          <a:p>
+            <a:r>
+              <a:rPr lang="en-US" dirty="0"/>
+              <a:t> and efficiently, while meeting the evolving needs of business and compliance.”</a:t>
+            </a:r>
             <a:endParaRPr lang="es-ES" dirty="0"/>
           </a:p>
         </p:txBody>
@@ -887,7 +2348,7 @@
           <a:p>
             <a:fld id="{C24C5340-06D8-4A25-9EDA-B034A8F57382}" type="slidenum">
               <a:rPr lang="es-ES" smtClean="0"/>
-              <a:t>7</a:t>
+              <a:t>8</a:t>
             </a:fld>
             <a:endParaRPr lang="es-ES"/>
           </a:p>
@@ -968,6 +2429,279 @@
           <a:bodyPr/>
           <a:lstStyle/>
           <a:p>
+            <a:r>
+              <a:rPr lang="en-US" dirty="0"/>
+              <a:t>================</a:t>
+            </a:r>
+          </a:p>
+          <a:p>
+            <a:r>
+              <a:rPr lang="en-US" dirty="0"/>
+              <a:t>==slide 5==</a:t>
+            </a:r>
+          </a:p>
+          <a:p>
+            <a:r>
+              <a:rPr lang="en-US" dirty="0"/>
+              <a:t>================</a:t>
+            </a:r>
+          </a:p>
+          <a:p>
+            <a:endParaRPr lang="en-US" dirty="0"/>
+          </a:p>
+          <a:p>
+            <a:r>
+              <a:rPr lang="en-US" dirty="0"/>
+              <a:t>Let me walk you through the end-to-end architecture we've implemented for our Sales Dashboard, covering everything from data collection to business insights.</a:t>
+            </a:r>
+          </a:p>
+          <a:p>
+            <a:r>
+              <a:rPr lang="en-US" dirty="0"/>
+              <a:t>🟦 1. Collection</a:t>
+            </a:r>
+          </a:p>
+          <a:p>
+            <a:endParaRPr lang="en-US" dirty="0"/>
+          </a:p>
+          <a:p>
+            <a:r>
+              <a:rPr lang="en-US" dirty="0"/>
+              <a:t>We begin with data collection from various touchpoints:</a:t>
+            </a:r>
+          </a:p>
+          <a:p>
+            <a:endParaRPr lang="en-US" dirty="0"/>
+          </a:p>
+          <a:p>
+            <a:r>
+              <a:rPr lang="en-US" dirty="0"/>
+              <a:t>    Web and mobile applications</a:t>
+            </a:r>
+          </a:p>
+          <a:p>
+            <a:endParaRPr lang="en-US" dirty="0"/>
+          </a:p>
+          <a:p>
+            <a:r>
+              <a:rPr lang="en-US" dirty="0"/>
+              <a:t>    APIs</a:t>
+            </a:r>
+          </a:p>
+          <a:p>
+            <a:endParaRPr lang="en-US" dirty="0"/>
+          </a:p>
+          <a:p>
+            <a:r>
+              <a:rPr lang="en-US" dirty="0"/>
+              <a:t>    CRM systems</a:t>
+            </a:r>
+          </a:p>
+          <a:p>
+            <a:endParaRPr lang="en-US" dirty="0"/>
+          </a:p>
+          <a:p>
+            <a:r>
+              <a:rPr lang="en-US" dirty="0"/>
+              <a:t>    Phone or agent-based channels</a:t>
+            </a:r>
+          </a:p>
+          <a:p>
+            <a:endParaRPr lang="en-US" dirty="0"/>
+          </a:p>
+          <a:p>
+            <a:r>
+              <a:rPr lang="en-US" dirty="0"/>
+              <a:t>Every day, any data created or updated the day before is extracted at midnight (00:00). This ensures we're always working with the most recent data snapshot.</a:t>
+            </a:r>
+          </a:p>
+          <a:p>
+            <a:r>
+              <a:rPr lang="en-US" dirty="0"/>
+              <a:t>🟦 2. Ingestion</a:t>
+            </a:r>
+          </a:p>
+          <a:p>
+            <a:endParaRPr lang="en-US" dirty="0"/>
+          </a:p>
+          <a:p>
+            <a:r>
+              <a:rPr lang="en-US" dirty="0"/>
+              <a:t>Next, the extracted data is ingested into Azure Data Lake Storage (ADLS).</a:t>
+            </a:r>
+          </a:p>
+          <a:p>
+            <a:r>
+              <a:rPr lang="en-US" dirty="0"/>
+              <a:t>This includes CSV files with relational structure.</a:t>
+            </a:r>
+          </a:p>
+          <a:p>
+            <a:r>
+              <a:rPr lang="en-US" dirty="0"/>
+              <a:t>We use </a:t>
+            </a:r>
+            <a:r>
+              <a:rPr lang="en-US" dirty="0" err="1"/>
+              <a:t>AzCopy</a:t>
+            </a:r>
+            <a:r>
+              <a:rPr lang="en-US" dirty="0"/>
+              <a:t> to detect new files and trigger ingestion automatically, keeping the pipeline event-driven and scalable.</a:t>
+            </a:r>
+          </a:p>
+          <a:p>
+            <a:r>
+              <a:rPr lang="en-US" dirty="0"/>
+              <a:t>🟦 3. Transformation</a:t>
+            </a:r>
+          </a:p>
+          <a:p>
+            <a:endParaRPr lang="en-US" dirty="0"/>
+          </a:p>
+          <a:p>
+            <a:r>
+              <a:rPr lang="en-US" dirty="0"/>
+              <a:t>Once in the data lake, we begin the transformation process:</a:t>
+            </a:r>
+          </a:p>
+          <a:p>
+            <a:endParaRPr lang="en-US" dirty="0"/>
+          </a:p>
+          <a:p>
+            <a:r>
+              <a:rPr lang="en-US" dirty="0"/>
+              <a:t>    Data is converted to Parquet format for efficient storage and query performance.</a:t>
+            </a:r>
+          </a:p>
+          <a:p>
+            <a:endParaRPr lang="en-US" dirty="0"/>
+          </a:p>
+          <a:p>
+            <a:r>
+              <a:rPr lang="en-US" dirty="0"/>
+              <a:t>    We use Spark Pools within Azure Synapse to process and transform the data in a distributed, scalable way.</a:t>
+            </a:r>
+          </a:p>
+          <a:p>
+            <a:endParaRPr lang="en-US" dirty="0"/>
+          </a:p>
+          <a:p>
+            <a:r>
+              <a:rPr lang="en-US" dirty="0"/>
+              <a:t>    This data can also be exposed as external tables via Synapse pipelines, creating a bridge between data lake and Synapse SQL.</a:t>
+            </a:r>
+          </a:p>
+          <a:p>
+            <a:endParaRPr lang="en-US" dirty="0"/>
+          </a:p>
+          <a:p>
+            <a:r>
+              <a:rPr lang="en-US" dirty="0"/>
+              <a:t>This stage ensures the data is cleaned, structured, and analytics-ready.</a:t>
+            </a:r>
+          </a:p>
+          <a:p>
+            <a:r>
+              <a:rPr lang="en-US" dirty="0"/>
+              <a:t>🟦 4. DW Storage (Data Warehouse)</a:t>
+            </a:r>
+          </a:p>
+          <a:p>
+            <a:endParaRPr lang="en-US" dirty="0"/>
+          </a:p>
+          <a:p>
+            <a:r>
+              <a:rPr lang="en-US" dirty="0"/>
+              <a:t>Transformed data is then loaded into Synapse Analytics (Dedicated SQL Pool).</a:t>
+            </a:r>
+          </a:p>
+          <a:p>
+            <a:r>
+              <a:rPr lang="en-US" dirty="0"/>
+              <a:t>Here, we:</a:t>
+            </a:r>
+          </a:p>
+          <a:p>
+            <a:endParaRPr lang="en-US" dirty="0"/>
+          </a:p>
+          <a:p>
+            <a:r>
+              <a:rPr lang="en-US" dirty="0"/>
+              <a:t>    Clean and historize the data</a:t>
+            </a:r>
+          </a:p>
+          <a:p>
+            <a:endParaRPr lang="en-US" dirty="0"/>
+          </a:p>
+          <a:p>
+            <a:r>
+              <a:rPr lang="en-US" dirty="0"/>
+              <a:t>    Model it into star schemas, which are ideal for analytical queries and BI consumption</a:t>
+            </a:r>
+          </a:p>
+          <a:p>
+            <a:endParaRPr lang="en-US" dirty="0"/>
+          </a:p>
+          <a:p>
+            <a:r>
+              <a:rPr lang="en-US" dirty="0"/>
+              <a:t>At this point, the data is fully business-ready.</a:t>
+            </a:r>
+          </a:p>
+          <a:p>
+            <a:r>
+              <a:rPr lang="en-US" dirty="0"/>
+              <a:t>🟦 5. Consumption</a:t>
+            </a:r>
+          </a:p>
+          <a:p>
+            <a:endParaRPr lang="en-US" dirty="0"/>
+          </a:p>
+          <a:p>
+            <a:r>
+              <a:rPr lang="en-US" dirty="0"/>
+              <a:t>Finally, the data is consumed via Power BI dashboards.</a:t>
+            </a:r>
+          </a:p>
+          <a:p>
+            <a:r>
+              <a:rPr lang="en-US" dirty="0"/>
+              <a:t>Thanks to the well-modeled star schema, business users can explore the data with high performance and clear dimensional understanding, enabling data-driven decision-making.</a:t>
+            </a:r>
+          </a:p>
+          <a:p>
+            <a:r>
+              <a:rPr lang="en-US" dirty="0"/>
+              <a:t>✅ Summary</a:t>
+            </a:r>
+          </a:p>
+          <a:p>
+            <a:endParaRPr lang="en-US" dirty="0"/>
+          </a:p>
+          <a:p>
+            <a:r>
+              <a:rPr lang="en-US" dirty="0"/>
+              <a:t>    This pipeline provides a robust, automated, and scalable architecture to transform raw CRM data into valuable sales insights, visualized in Power BI — with full traceability,</a:t>
+            </a:r>
+          </a:p>
+          <a:p>
+            <a:r>
+              <a:rPr lang="en-US" dirty="0"/>
+              <a:t>	governance, </a:t>
+            </a:r>
+          </a:p>
+          <a:p>
+            <a:r>
+              <a:rPr lang="en-US" dirty="0"/>
+              <a:t>	and performance at every step.</a:t>
+            </a:r>
+          </a:p>
+          <a:p>
+            <a:r>
+              <a:rPr lang="en-US" dirty="0"/>
+              <a:t>================</a:t>
+            </a:r>
             <a:endParaRPr lang="es-ES" dirty="0"/>
           </a:p>
         </p:txBody>
@@ -995,7 +2729,7 @@
           <a:p>
             <a:fld id="{C24C5340-06D8-4A25-9EDA-B034A8F57382}" type="slidenum">
               <a:rPr lang="es-ES" smtClean="0"/>
-              <a:t>9</a:t>
+              <a:t>10</a:t>
             </a:fld>
             <a:endParaRPr lang="es-ES"/>
           </a:p>
@@ -1076,6 +2810,423 @@
           <a:bodyPr/>
           <a:lstStyle/>
           <a:p>
+            <a:r>
+              <a:rPr lang="en-US" dirty="0"/>
+              <a:t>================</a:t>
+            </a:r>
+          </a:p>
+          <a:p>
+            <a:r>
+              <a:rPr lang="en-US" dirty="0"/>
+              <a:t>==slide 6==</a:t>
+            </a:r>
+          </a:p>
+          <a:p>
+            <a:r>
+              <a:rPr lang="en-US" dirty="0"/>
+              <a:t>================</a:t>
+            </a:r>
+          </a:p>
+          <a:p>
+            <a:endParaRPr lang="en-US" dirty="0"/>
+          </a:p>
+          <a:p>
+            <a:r>
+              <a:rPr lang="en-US" dirty="0"/>
+              <a:t>Let’s now take a look at the Sales Policy Data Model that supports our end-to-end dashboard.</a:t>
+            </a:r>
+          </a:p>
+          <a:p>
+            <a:r>
+              <a:rPr lang="en-US" dirty="0"/>
+              <a:t>This is a classic star schema designed to optimize performance and usability for reporting and analysis in Power BI.</a:t>
+            </a:r>
+          </a:p>
+          <a:p>
+            <a:r>
+              <a:rPr lang="en-US" dirty="0"/>
+              <a:t>🟦 1. Fact Table – </a:t>
+            </a:r>
+            <a:r>
+              <a:rPr lang="en-US" dirty="0" err="1"/>
+              <a:t>fct_policy</a:t>
+            </a:r>
+            <a:endParaRPr lang="en-US" dirty="0"/>
+          </a:p>
+          <a:p>
+            <a:endParaRPr lang="en-US" dirty="0"/>
+          </a:p>
+          <a:p>
+            <a:r>
+              <a:rPr lang="en-US" dirty="0"/>
+              <a:t>At the center of the model is our fact table: </a:t>
+            </a:r>
+            <a:r>
+              <a:rPr lang="en-US" dirty="0" err="1"/>
+              <a:t>fct_policy</a:t>
+            </a:r>
+            <a:r>
+              <a:rPr lang="en-US" dirty="0"/>
+              <a:t>.</a:t>
+            </a:r>
+          </a:p>
+          <a:p>
+            <a:r>
+              <a:rPr lang="en-US" dirty="0"/>
+              <a:t>Each row represents a sales policy, uniquely identified by </a:t>
+            </a:r>
+            <a:r>
+              <a:rPr lang="en-US" dirty="0" err="1"/>
+              <a:t>policy_id</a:t>
+            </a:r>
+            <a:r>
+              <a:rPr lang="en-US" dirty="0"/>
+              <a:t>.</a:t>
+            </a:r>
+          </a:p>
+          <a:p>
+            <a:r>
+              <a:rPr lang="en-US" dirty="0"/>
+              <a:t>It includes foreign keys to several dimensions, capturing:</a:t>
+            </a:r>
+          </a:p>
+          <a:p>
+            <a:endParaRPr lang="en-US" dirty="0"/>
+          </a:p>
+          <a:p>
+            <a:r>
+              <a:rPr lang="en-US" dirty="0"/>
+              <a:t>    The customer who owns the policy (</a:t>
+            </a:r>
+            <a:r>
+              <a:rPr lang="en-US" dirty="0" err="1"/>
+              <a:t>customer_id</a:t>
+            </a:r>
+            <a:r>
+              <a:rPr lang="en-US" dirty="0"/>
+              <a:t>)</a:t>
+            </a:r>
+          </a:p>
+          <a:p>
+            <a:endParaRPr lang="en-US" dirty="0"/>
+          </a:p>
+          <a:p>
+            <a:r>
+              <a:rPr lang="en-US" dirty="0"/>
+              <a:t>    The status of the policy (</a:t>
+            </a:r>
+            <a:r>
+              <a:rPr lang="en-US" dirty="0" err="1"/>
+              <a:t>status_id</a:t>
+            </a:r>
+            <a:r>
+              <a:rPr lang="en-US" dirty="0"/>
+              <a:t>)</a:t>
+            </a:r>
+          </a:p>
+          <a:p>
+            <a:endParaRPr lang="en-US" dirty="0"/>
+          </a:p>
+          <a:p>
+            <a:r>
+              <a:rPr lang="en-US" dirty="0"/>
+              <a:t>    The type of the policy (</a:t>
+            </a:r>
+            <a:r>
+              <a:rPr lang="en-US" dirty="0" err="1"/>
+              <a:t>type_id</a:t>
+            </a:r>
+            <a:r>
+              <a:rPr lang="en-US" dirty="0"/>
+              <a:t>)</a:t>
+            </a:r>
+          </a:p>
+          <a:p>
+            <a:endParaRPr lang="en-US" dirty="0"/>
+          </a:p>
+          <a:p>
+            <a:r>
+              <a:rPr lang="en-US" dirty="0"/>
+              <a:t>    The creation and expiration dates (</a:t>
+            </a:r>
+            <a:r>
+              <a:rPr lang="en-US" dirty="0" err="1"/>
+              <a:t>time_creation_id</a:t>
+            </a:r>
+            <a:r>
+              <a:rPr lang="en-US" dirty="0"/>
+              <a:t>, </a:t>
+            </a:r>
+            <a:r>
+              <a:rPr lang="en-US" dirty="0" err="1"/>
+              <a:t>time_valid_until</a:t>
+            </a:r>
+            <a:r>
+              <a:rPr lang="en-US" dirty="0"/>
+              <a:t>)</a:t>
+            </a:r>
+          </a:p>
+          <a:p>
+            <a:endParaRPr lang="en-US" dirty="0"/>
+          </a:p>
+          <a:p>
+            <a:r>
+              <a:rPr lang="en-US" dirty="0"/>
+              <a:t>    The channel through which the policy was sold (</a:t>
+            </a:r>
+            <a:r>
+              <a:rPr lang="en-US" dirty="0" err="1"/>
+              <a:t>channel_id</a:t>
+            </a:r>
+            <a:r>
+              <a:rPr lang="en-US" dirty="0"/>
+              <a:t>)</a:t>
+            </a:r>
+          </a:p>
+          <a:p>
+            <a:endParaRPr lang="en-US" dirty="0"/>
+          </a:p>
+          <a:p>
+            <a:r>
+              <a:rPr lang="en-US" dirty="0"/>
+              <a:t>    And the geographical location (</a:t>
+            </a:r>
+            <a:r>
+              <a:rPr lang="en-US" dirty="0" err="1"/>
+              <a:t>geography_id</a:t>
+            </a:r>
+            <a:r>
+              <a:rPr lang="en-US" dirty="0"/>
+              <a:t>)</a:t>
+            </a:r>
+          </a:p>
+          <a:p>
+            <a:endParaRPr lang="en-US" dirty="0"/>
+          </a:p>
+          <a:p>
+            <a:r>
+              <a:rPr lang="en-US" dirty="0"/>
+              <a:t>This table provides the quantitative and transactional core of our model.</a:t>
+            </a:r>
+          </a:p>
+          <a:p>
+            <a:r>
+              <a:rPr lang="en-US" dirty="0"/>
+              <a:t>🟩 2. Dimension – </a:t>
+            </a:r>
+            <a:r>
+              <a:rPr lang="en-US" dirty="0" err="1"/>
+              <a:t>dim_customer</a:t>
+            </a:r>
+            <a:endParaRPr lang="en-US" dirty="0"/>
+          </a:p>
+          <a:p>
+            <a:endParaRPr lang="en-US" dirty="0"/>
+          </a:p>
+          <a:p>
+            <a:r>
+              <a:rPr lang="en-US" dirty="0"/>
+              <a:t>This dimension describes each customer:</a:t>
+            </a:r>
+          </a:p>
+          <a:p>
+            <a:endParaRPr lang="en-US" dirty="0"/>
+          </a:p>
+          <a:p>
+            <a:r>
+              <a:rPr lang="en-US" dirty="0"/>
+              <a:t>    Name, address, type, date of birth, and contact details (phone, email)</a:t>
+            </a:r>
+          </a:p>
+          <a:p>
+            <a:endParaRPr lang="en-US" dirty="0"/>
+          </a:p>
+          <a:p>
+            <a:r>
+              <a:rPr lang="en-US" dirty="0"/>
+              <a:t>    As well as demographic or segmentation fields like profession and tax ID</a:t>
+            </a:r>
+          </a:p>
+          <a:p>
+            <a:endParaRPr lang="en-US" dirty="0"/>
+          </a:p>
+          <a:p>
+            <a:r>
+              <a:rPr lang="en-US" dirty="0"/>
+              <a:t>This enables slicing the data by customer profile.</a:t>
+            </a:r>
+          </a:p>
+          <a:p>
+            <a:r>
+              <a:rPr lang="en-US" dirty="0"/>
+              <a:t>🟪 3. Dimension – </a:t>
+            </a:r>
+            <a:r>
+              <a:rPr lang="en-US" dirty="0" err="1"/>
+              <a:t>dim_status</a:t>
+            </a:r>
+            <a:endParaRPr lang="en-US" dirty="0"/>
+          </a:p>
+          <a:p>
+            <a:endParaRPr lang="en-US" dirty="0"/>
+          </a:p>
+          <a:p>
+            <a:r>
+              <a:rPr lang="en-US" dirty="0"/>
+              <a:t>This small dimension classifies each policy by its current status – such as active, cancelled, or expired.</a:t>
+            </a:r>
+          </a:p>
+          <a:p>
+            <a:r>
+              <a:rPr lang="en-US" dirty="0"/>
+              <a:t>It includes a code and description for better filtering and aggregation.</a:t>
+            </a:r>
+          </a:p>
+          <a:p>
+            <a:r>
+              <a:rPr lang="en-US" dirty="0"/>
+              <a:t>🟩 4. Dimension – </a:t>
+            </a:r>
+            <a:r>
+              <a:rPr lang="en-US" dirty="0" err="1"/>
+              <a:t>dim_type</a:t>
+            </a:r>
+            <a:endParaRPr lang="en-US" dirty="0"/>
+          </a:p>
+          <a:p>
+            <a:endParaRPr lang="en-US" dirty="0"/>
+          </a:p>
+          <a:p>
+            <a:r>
+              <a:rPr lang="en-US" dirty="0"/>
+              <a:t>This describes the type of policy — for example: auto, home, or health insurance — again including a code and description.</a:t>
+            </a:r>
+          </a:p>
+          <a:p>
+            <a:r>
+              <a:rPr lang="en-US" dirty="0"/>
+              <a:t>🟦 5. Dimension – </a:t>
+            </a:r>
+            <a:r>
+              <a:rPr lang="en-US" dirty="0" err="1"/>
+              <a:t>dim_channel</a:t>
+            </a:r>
+            <a:endParaRPr lang="en-US" dirty="0"/>
+          </a:p>
+          <a:p>
+            <a:endParaRPr lang="en-US" dirty="0"/>
+          </a:p>
+          <a:p>
+            <a:r>
+              <a:rPr lang="en-US" dirty="0"/>
+              <a:t>The channel dimension indicates how the policy was acquired:</a:t>
+            </a:r>
+          </a:p>
+          <a:p>
+            <a:endParaRPr lang="en-US" dirty="0"/>
+          </a:p>
+          <a:p>
+            <a:r>
+              <a:rPr lang="en-US" dirty="0"/>
+              <a:t>    Web, phone, in-person agent, etc.</a:t>
+            </a:r>
+          </a:p>
+          <a:p>
+            <a:endParaRPr lang="en-US" dirty="0"/>
+          </a:p>
+          <a:p>
+            <a:r>
+              <a:rPr lang="en-US" dirty="0"/>
+              <a:t>    Each with a code and textual description.</a:t>
+            </a:r>
+          </a:p>
+          <a:p>
+            <a:endParaRPr lang="en-US" dirty="0"/>
+          </a:p>
+          <a:p>
+            <a:r>
+              <a:rPr lang="en-US" dirty="0"/>
+              <a:t>🟨 6. Dimension – </a:t>
+            </a:r>
+            <a:r>
+              <a:rPr lang="en-US" dirty="0" err="1"/>
+              <a:t>dim_time</a:t>
+            </a:r>
+            <a:endParaRPr lang="en-US" dirty="0"/>
+          </a:p>
+          <a:p>
+            <a:endParaRPr lang="en-US" dirty="0"/>
+          </a:p>
+          <a:p>
+            <a:r>
+              <a:rPr lang="en-US" dirty="0"/>
+              <a:t>This standard time dimension is used twice in the fact table — once for policy creation, and once for valid until.</a:t>
+            </a:r>
+          </a:p>
+          <a:p>
+            <a:r>
+              <a:rPr lang="en-US" dirty="0"/>
+              <a:t>It supports analysis by day, month, quarter, and year.</a:t>
+            </a:r>
+          </a:p>
+          <a:p>
+            <a:r>
+              <a:rPr lang="en-US" dirty="0"/>
+              <a:t>🟨 7. Dimension – </a:t>
+            </a:r>
+            <a:r>
+              <a:rPr lang="en-US" dirty="0" err="1"/>
+              <a:t>dim_geography</a:t>
+            </a:r>
+            <a:endParaRPr lang="en-US" dirty="0"/>
+          </a:p>
+          <a:p>
+            <a:endParaRPr lang="en-US" dirty="0"/>
+          </a:p>
+          <a:p>
+            <a:r>
+              <a:rPr lang="en-US" dirty="0"/>
+              <a:t>Finally, we have the geography dimension, which breaks down location into:</a:t>
+            </a:r>
+          </a:p>
+          <a:p>
+            <a:endParaRPr lang="en-US" dirty="0"/>
+          </a:p>
+          <a:p>
+            <a:r>
+              <a:rPr lang="en-US" dirty="0"/>
+              <a:t>    City, ZIP code, province, region, and country</a:t>
+            </a:r>
+          </a:p>
+          <a:p>
+            <a:endParaRPr lang="en-US" dirty="0"/>
+          </a:p>
+          <a:p>
+            <a:r>
+              <a:rPr lang="en-US" dirty="0"/>
+              <a:t>This supports geo-based segmentation and regional reporting.</a:t>
+            </a:r>
+          </a:p>
+          <a:p>
+            <a:r>
+              <a:rPr lang="en-US" dirty="0"/>
+              <a:t>✅ Summary</a:t>
+            </a:r>
+          </a:p>
+          <a:p>
+            <a:endParaRPr lang="en-US" dirty="0"/>
+          </a:p>
+          <a:p>
+            <a:r>
+              <a:rPr lang="en-US" dirty="0"/>
+              <a:t>    This star schema is optimized for business-friendly exploration, fast querying, and clear relationships between policies and their attributes.</a:t>
+            </a:r>
+          </a:p>
+          <a:p>
+            <a:r>
+              <a:rPr lang="en-US" dirty="0"/>
+              <a:t>    It’s the foundation of the Power BI sales dashboard, supporting insights like policy volume by customer type, sales trends over time, or revenue by geography and channel.</a:t>
+            </a:r>
             <a:endParaRPr lang="es-ES" dirty="0"/>
           </a:p>
         </p:txBody>
@@ -1103,7 +3254,7 @@
           <a:p>
             <a:fld id="{C24C5340-06D8-4A25-9EDA-B034A8F57382}" type="slidenum">
               <a:rPr lang="es-ES" smtClean="0"/>
-              <a:t>10</a:t>
+              <a:t>11</a:t>
             </a:fld>
             <a:endParaRPr lang="es-ES"/>
           </a:p>
@@ -1184,7 +3335,30 @@
           <a:bodyPr/>
           <a:lstStyle/>
           <a:p>
-            <a:endParaRPr lang="es-ES" dirty="0"/>
+            <a:r>
+              <a:rPr lang="es-ES" dirty="0"/>
+              <a:t>================</a:t>
+            </a:r>
+          </a:p>
+          <a:p>
+            <a:r>
+              <a:rPr lang="es-ES" dirty="0"/>
+              <a:t>==</a:t>
+            </a:r>
+            <a:r>
+              <a:rPr lang="es-ES" dirty="0" err="1"/>
+              <a:t>slide</a:t>
+            </a:r>
+            <a:r>
+              <a:rPr lang="es-ES" dirty="0"/>
+              <a:t> 7==</a:t>
+            </a:r>
+          </a:p>
+          <a:p>
+            <a:r>
+              <a:rPr lang="es-ES" dirty="0"/>
+              <a:t>================</a:t>
+            </a:r>
           </a:p>
         </p:txBody>
       </p:sp>
@@ -1211,7 +3385,7 @@
           <a:p>
             <a:fld id="{C24C5340-06D8-4A25-9EDA-B034A8F57382}" type="slidenum">
               <a:rPr lang="es-ES" smtClean="0"/>
-              <a:t>11</a:t>
+              <a:t>12</a:t>
             </a:fld>
             <a:endParaRPr lang="es-ES"/>
           </a:p>
@@ -1377,7 +3551,7 @@
           <a:p>
             <a:fld id="{7F7C870E-C982-4C2B-923F-19C955A8CC80}" type="datetimeFigureOut">
               <a:rPr lang="es-ES" smtClean="0"/>
-              <a:t>13/06/2025</a:t>
+              <a:t>16/06/2025</a:t>
             </a:fld>
             <a:endParaRPr lang="es-ES"/>
           </a:p>
@@ -1575,7 +3749,7 @@
           <a:p>
             <a:fld id="{7F7C870E-C982-4C2B-923F-19C955A8CC80}" type="datetimeFigureOut">
               <a:rPr lang="es-ES" smtClean="0"/>
-              <a:t>13/06/2025</a:t>
+              <a:t>16/06/2025</a:t>
             </a:fld>
             <a:endParaRPr lang="es-ES"/>
           </a:p>
@@ -1783,7 +3957,7 @@
           <a:p>
             <a:fld id="{7F7C870E-C982-4C2B-923F-19C955A8CC80}" type="datetimeFigureOut">
               <a:rPr lang="es-ES" smtClean="0"/>
-              <a:t>13/06/2025</a:t>
+              <a:t>16/06/2025</a:t>
             </a:fld>
             <a:endParaRPr lang="es-ES"/>
           </a:p>
@@ -1981,7 +4155,7 @@
           <a:p>
             <a:fld id="{7F7C870E-C982-4C2B-923F-19C955A8CC80}" type="datetimeFigureOut">
               <a:rPr lang="es-ES" smtClean="0"/>
-              <a:t>13/06/2025</a:t>
+              <a:t>16/06/2025</a:t>
             </a:fld>
             <a:endParaRPr lang="es-ES"/>
           </a:p>
@@ -2256,7 +4430,7 @@
           <a:p>
             <a:fld id="{7F7C870E-C982-4C2B-923F-19C955A8CC80}" type="datetimeFigureOut">
               <a:rPr lang="es-ES" smtClean="0"/>
-              <a:t>13/06/2025</a:t>
+              <a:t>16/06/2025</a:t>
             </a:fld>
             <a:endParaRPr lang="es-ES"/>
           </a:p>
@@ -2521,7 +4695,7 @@
           <a:p>
             <a:fld id="{7F7C870E-C982-4C2B-923F-19C955A8CC80}" type="datetimeFigureOut">
               <a:rPr lang="es-ES" smtClean="0"/>
-              <a:t>13/06/2025</a:t>
+              <a:t>16/06/2025</a:t>
             </a:fld>
             <a:endParaRPr lang="es-ES"/>
           </a:p>
@@ -2933,7 +5107,7 @@
           <a:p>
             <a:fld id="{7F7C870E-C982-4C2B-923F-19C955A8CC80}" type="datetimeFigureOut">
               <a:rPr lang="es-ES" smtClean="0"/>
-              <a:t>13/06/2025</a:t>
+              <a:t>16/06/2025</a:t>
             </a:fld>
             <a:endParaRPr lang="es-ES"/>
           </a:p>
@@ -3074,7 +5248,7 @@
           <a:p>
             <a:fld id="{7F7C870E-C982-4C2B-923F-19C955A8CC80}" type="datetimeFigureOut">
               <a:rPr lang="es-ES" smtClean="0"/>
-              <a:t>13/06/2025</a:t>
+              <a:t>16/06/2025</a:t>
             </a:fld>
             <a:endParaRPr lang="es-ES"/>
           </a:p>
@@ -3187,7 +5361,7 @@
           <a:p>
             <a:fld id="{7F7C870E-C982-4C2B-923F-19C955A8CC80}" type="datetimeFigureOut">
               <a:rPr lang="es-ES" smtClean="0"/>
-              <a:t>13/06/2025</a:t>
+              <a:t>16/06/2025</a:t>
             </a:fld>
             <a:endParaRPr lang="es-ES"/>
           </a:p>
@@ -3498,7 +5672,7 @@
           <a:p>
             <a:fld id="{7F7C870E-C982-4C2B-923F-19C955A8CC80}" type="datetimeFigureOut">
               <a:rPr lang="es-ES" smtClean="0"/>
-              <a:t>13/06/2025</a:t>
+              <a:t>16/06/2025</a:t>
             </a:fld>
             <a:endParaRPr lang="es-ES"/>
           </a:p>
@@ -3786,7 +5960,7 @@
           <a:p>
             <a:fld id="{7F7C870E-C982-4C2B-923F-19C955A8CC80}" type="datetimeFigureOut">
               <a:rPr lang="es-ES" smtClean="0"/>
-              <a:t>13/06/2025</a:t>
+              <a:t>16/06/2025</a:t>
             </a:fld>
             <a:endParaRPr lang="es-ES"/>
           </a:p>
@@ -4027,7 +6201,7 @@
           <a:p>
             <a:fld id="{7F7C870E-C982-4C2B-923F-19C955A8CC80}" type="datetimeFigureOut">
               <a:rPr lang="es-ES" smtClean="0"/>
-              <a:t>13/06/2025</a:t>
+              <a:t>16/06/2025</a:t>
             </a:fld>
             <a:endParaRPr lang="es-ES"/>
           </a:p>
@@ -5318,7 +7492,7 @@
         <p:cNvPr id="1" name="">
           <a:extLst>
             <a:ext uri="{FF2B5EF4-FFF2-40B4-BE49-F238E27FC236}">
-              <a16:creationId xmlns:a16="http://schemas.microsoft.com/office/drawing/2014/main" id="{F8E153D2-FFDA-494A-1A41-15E42690C724}"/>
+              <a16:creationId xmlns:a16="http://schemas.microsoft.com/office/drawing/2014/main" id="{CC275E7B-D182-3062-A34D-777169D53F68}"/>
             </a:ext>
           </a:extLst>
         </p:cNvPr>
@@ -5338,7 +7512,7 @@
           <p:cNvPr id="7" name="Título 6">
             <a:extLst>
               <a:ext uri="{FF2B5EF4-FFF2-40B4-BE49-F238E27FC236}">
-                <a16:creationId xmlns:a16="http://schemas.microsoft.com/office/drawing/2014/main" id="{8181B772-55E5-54EC-D562-CD013BE69B59}"/>
+                <a16:creationId xmlns:a16="http://schemas.microsoft.com/office/drawing/2014/main" id="{9ED2CF62-C27A-9A3D-AA5F-F5D5C50EDFA1}"/>
               </a:ext>
             </a:extLst>
           </p:cNvPr>
@@ -5376,7 +7550,7 @@
           <p:cNvPr id="63" name="CuadroTexto 62">
             <a:extLst>
               <a:ext uri="{FF2B5EF4-FFF2-40B4-BE49-F238E27FC236}">
-                <a16:creationId xmlns:a16="http://schemas.microsoft.com/office/drawing/2014/main" id="{48D46F92-55D9-1739-A191-0E0B743613F1}"/>
+                <a16:creationId xmlns:a16="http://schemas.microsoft.com/office/drawing/2014/main" id="{EA63C2DE-51FB-59BB-19B6-50545C1F585B}"/>
               </a:ext>
             </a:extLst>
           </p:cNvPr>
@@ -5415,7 +7589,7 @@
           <p:cNvPr id="105" name="Conector recto 104">
             <a:extLst>
               <a:ext uri="{FF2B5EF4-FFF2-40B4-BE49-F238E27FC236}">
-                <a16:creationId xmlns:a16="http://schemas.microsoft.com/office/drawing/2014/main" id="{1D3A9979-3FED-5BEB-BD19-0E01EC12F993}"/>
+                <a16:creationId xmlns:a16="http://schemas.microsoft.com/office/drawing/2014/main" id="{0C958031-24E1-D415-2B99-A354CA7C19C6}"/>
               </a:ext>
             </a:extLst>
           </p:cNvPr>
@@ -5453,7 +7627,7 @@
           <p:cNvPr id="4" name="Título 6">
             <a:extLst>
               <a:ext uri="{FF2B5EF4-FFF2-40B4-BE49-F238E27FC236}">
-                <a16:creationId xmlns:a16="http://schemas.microsoft.com/office/drawing/2014/main" id="{579016BB-10C7-CCB6-03E6-F233D52E9A2C}"/>
+                <a16:creationId xmlns:a16="http://schemas.microsoft.com/office/drawing/2014/main" id="{53F08B1D-1BD6-AFCC-9113-350F10C2D182}"/>
               </a:ext>
             </a:extLst>
           </p:cNvPr>
@@ -5513,7 +7687,7 @@
                   </a:schemeClr>
                 </a:solidFill>
               </a:rPr>
-              <a:t>Sales Policy Data Model</a:t>
+              <a:t>Technical Pipeline Architecture</a:t>
             </a:r>
             <a:endParaRPr lang="es-ES" sz="4200" dirty="0">
               <a:solidFill>
@@ -5525,12 +7699,429 @@
           </a:p>
         </p:txBody>
       </p:sp>
+      <p:sp>
+        <p:nvSpPr>
+          <p:cNvPr id="10" name="Rectángulo 9">
+            <a:extLst>
+              <a:ext uri="{FF2B5EF4-FFF2-40B4-BE49-F238E27FC236}">
+                <a16:creationId xmlns:a16="http://schemas.microsoft.com/office/drawing/2014/main" id="{8A4E06EC-BA65-A8F7-482C-3717F287C1FE}"/>
+              </a:ext>
+            </a:extLst>
+          </p:cNvPr>
+          <p:cNvSpPr/>
+          <p:nvPr/>
+        </p:nvSpPr>
+        <p:spPr>
+          <a:xfrm>
+            <a:off x="469101" y="5105711"/>
+            <a:ext cx="1981197" cy="1246524"/>
+          </a:xfrm>
+          <a:prstGeom prst="rect">
+            <a:avLst/>
+          </a:prstGeom>
+        </p:spPr>
+        <p:style>
+          <a:lnRef idx="2">
+            <a:schemeClr val="accent1">
+              <a:shade val="15000"/>
+            </a:schemeClr>
+          </a:lnRef>
+          <a:fillRef idx="1">
+            <a:schemeClr val="accent1"/>
+          </a:fillRef>
+          <a:effectRef idx="0">
+            <a:schemeClr val="accent1"/>
+          </a:effectRef>
+          <a:fontRef idx="minor">
+            <a:schemeClr val="lt1"/>
+          </a:fontRef>
+        </p:style>
+        <p:txBody>
+          <a:bodyPr rtlCol="0" anchor="ctr"/>
+          <a:lstStyle/>
+          <a:p>
+            <a:pPr algn="ctr"/>
+            <a:r>
+              <a:rPr lang="es-ES" sz="1400" dirty="0" err="1"/>
+              <a:t>Created</a:t>
+            </a:r>
+            <a:r>
+              <a:rPr lang="es-ES" sz="1400" dirty="0"/>
+              <a:t> </a:t>
+            </a:r>
+            <a:r>
+              <a:rPr lang="es-ES" sz="1400" dirty="0" err="1"/>
+              <a:t>or</a:t>
+            </a:r>
+            <a:r>
+              <a:rPr lang="es-ES" sz="1400" dirty="0"/>
+              <a:t> </a:t>
+            </a:r>
+            <a:r>
+              <a:rPr lang="es-ES" sz="1400" dirty="0" err="1"/>
+              <a:t>updated</a:t>
+            </a:r>
+            <a:r>
+              <a:rPr lang="es-ES" sz="1400" dirty="0"/>
+              <a:t> </a:t>
+            </a:r>
+            <a:r>
+              <a:rPr lang="es-ES" sz="1400" dirty="0" err="1"/>
+              <a:t>day</a:t>
+            </a:r>
+            <a:r>
+              <a:rPr lang="es-ES" sz="1400" dirty="0"/>
+              <a:t> </a:t>
+            </a:r>
+            <a:r>
+              <a:rPr lang="es-ES" sz="1400" dirty="0" err="1"/>
+              <a:t>berfore</a:t>
+            </a:r>
+            <a:r>
+              <a:rPr lang="es-ES" sz="1400" dirty="0"/>
+              <a:t>, </a:t>
+            </a:r>
+            <a:r>
+              <a:rPr lang="es-ES" sz="1400" dirty="0" err="1"/>
+              <a:t>extract</a:t>
+            </a:r>
+            <a:r>
+              <a:rPr lang="es-ES" sz="1400" dirty="0"/>
+              <a:t> </a:t>
+            </a:r>
+            <a:r>
+              <a:rPr lang="es-ES" sz="1400" dirty="0" err="1"/>
+              <a:t>executed</a:t>
+            </a:r>
+            <a:r>
+              <a:rPr lang="es-ES" sz="1400" dirty="0"/>
+              <a:t> at 00.00am</a:t>
+            </a:r>
+          </a:p>
+        </p:txBody>
+      </p:sp>
+      <p:sp>
+        <p:nvSpPr>
+          <p:cNvPr id="11" name="Rectángulo 10">
+            <a:extLst>
+              <a:ext uri="{FF2B5EF4-FFF2-40B4-BE49-F238E27FC236}">
+                <a16:creationId xmlns:a16="http://schemas.microsoft.com/office/drawing/2014/main" id="{6AD89A1D-113A-9B11-CECC-4D048CAE56D3}"/>
+              </a:ext>
+            </a:extLst>
+          </p:cNvPr>
+          <p:cNvSpPr/>
+          <p:nvPr/>
+        </p:nvSpPr>
+        <p:spPr>
+          <a:xfrm>
+            <a:off x="3476625" y="5100015"/>
+            <a:ext cx="1981196" cy="1246524"/>
+          </a:xfrm>
+          <a:prstGeom prst="rect">
+            <a:avLst/>
+          </a:prstGeom>
+        </p:spPr>
+        <p:style>
+          <a:lnRef idx="2">
+            <a:schemeClr val="accent1">
+              <a:shade val="15000"/>
+            </a:schemeClr>
+          </a:lnRef>
+          <a:fillRef idx="1">
+            <a:schemeClr val="accent1"/>
+          </a:fillRef>
+          <a:effectRef idx="0">
+            <a:schemeClr val="accent1"/>
+          </a:effectRef>
+          <a:fontRef idx="minor">
+            <a:schemeClr val="lt1"/>
+          </a:fontRef>
+        </p:style>
+        <p:txBody>
+          <a:bodyPr rtlCol="0" anchor="ctr"/>
+          <a:lstStyle/>
+          <a:p>
+            <a:pPr algn="ctr"/>
+            <a:r>
+              <a:rPr lang="es-ES" sz="1400" dirty="0" err="1"/>
+              <a:t>Detection</a:t>
+            </a:r>
+            <a:r>
+              <a:rPr lang="es-ES" sz="1400" dirty="0"/>
+              <a:t> </a:t>
+            </a:r>
+            <a:r>
+              <a:rPr lang="es-ES" sz="1400" dirty="0" err="1"/>
+              <a:t>of</a:t>
+            </a:r>
+            <a:r>
+              <a:rPr lang="es-ES" sz="1400" dirty="0"/>
+              <a:t> new files and </a:t>
+            </a:r>
+            <a:r>
+              <a:rPr lang="es-ES" sz="1400" dirty="0" err="1"/>
+              <a:t>trigger</a:t>
+            </a:r>
+            <a:r>
+              <a:rPr lang="es-ES" sz="1400" dirty="0"/>
+              <a:t> </a:t>
+            </a:r>
+            <a:r>
+              <a:rPr lang="es-ES" sz="1400" dirty="0" err="1"/>
+              <a:t>ingestion</a:t>
+            </a:r>
+            <a:r>
+              <a:rPr lang="es-ES" sz="1400" dirty="0"/>
+              <a:t> in ADLS </a:t>
+            </a:r>
+            <a:r>
+              <a:rPr lang="es-ES" sz="1400" dirty="0" err="1"/>
+              <a:t>using</a:t>
+            </a:r>
+            <a:r>
+              <a:rPr lang="es-ES" sz="1400" dirty="0"/>
+              <a:t> </a:t>
+            </a:r>
+            <a:r>
+              <a:rPr lang="es-ES" sz="1400" dirty="0" err="1"/>
+              <a:t>AzCopy</a:t>
+            </a:r>
+            <a:endParaRPr lang="es-ES" sz="1400" dirty="0"/>
+          </a:p>
+        </p:txBody>
+      </p:sp>
+      <p:sp>
+        <p:nvSpPr>
+          <p:cNvPr id="12" name="Rectángulo 11">
+            <a:extLst>
+              <a:ext uri="{FF2B5EF4-FFF2-40B4-BE49-F238E27FC236}">
+                <a16:creationId xmlns:a16="http://schemas.microsoft.com/office/drawing/2014/main" id="{A6186AB3-A7A1-8687-5113-8BF279B1C694}"/>
+              </a:ext>
+            </a:extLst>
+          </p:cNvPr>
+          <p:cNvSpPr/>
+          <p:nvPr/>
+        </p:nvSpPr>
+        <p:spPr>
+          <a:xfrm>
+            <a:off x="6484148" y="5284507"/>
+            <a:ext cx="1945478" cy="1062032"/>
+          </a:xfrm>
+          <a:prstGeom prst="rect">
+            <a:avLst/>
+          </a:prstGeom>
+        </p:spPr>
+        <p:style>
+          <a:lnRef idx="2">
+            <a:schemeClr val="accent1">
+              <a:shade val="15000"/>
+            </a:schemeClr>
+          </a:lnRef>
+          <a:fillRef idx="1">
+            <a:schemeClr val="accent1"/>
+          </a:fillRef>
+          <a:effectRef idx="0">
+            <a:schemeClr val="accent1"/>
+          </a:effectRef>
+          <a:fontRef idx="minor">
+            <a:schemeClr val="lt1"/>
+          </a:fontRef>
+        </p:style>
+        <p:txBody>
+          <a:bodyPr rtlCol="0" anchor="ctr"/>
+          <a:lstStyle/>
+          <a:p>
+            <a:pPr algn="ctr"/>
+            <a:r>
+              <a:rPr lang="es-ES" sz="1400" dirty="0"/>
+              <a:t>Data </a:t>
+            </a:r>
+            <a:r>
+              <a:rPr lang="es-ES" sz="1400" dirty="0" err="1"/>
+              <a:t>is</a:t>
+            </a:r>
+            <a:r>
+              <a:rPr lang="es-ES" sz="1400" dirty="0"/>
+              <a:t> </a:t>
+            </a:r>
+            <a:r>
+              <a:rPr lang="es-ES" sz="1400" dirty="0" err="1"/>
+              <a:t>transformed</a:t>
+            </a:r>
+            <a:r>
+              <a:rPr lang="es-ES" sz="1400" dirty="0"/>
+              <a:t> in </a:t>
+            </a:r>
+            <a:r>
+              <a:rPr lang="es-ES" sz="1400" dirty="0" err="1"/>
+              <a:t>parquet</a:t>
+            </a:r>
+            <a:r>
+              <a:rPr lang="es-ES" sz="1400" dirty="0"/>
+              <a:t> and </a:t>
+            </a:r>
+            <a:r>
+              <a:rPr lang="es-ES" sz="1400" dirty="0" err="1"/>
+              <a:t>processed</a:t>
+            </a:r>
+            <a:r>
+              <a:rPr lang="es-ES" sz="1400" dirty="0"/>
+              <a:t> in </a:t>
+            </a:r>
+            <a:r>
+              <a:rPr lang="es-ES" sz="1400" dirty="0" err="1"/>
+              <a:t>spark</a:t>
+            </a:r>
+            <a:r>
+              <a:rPr lang="es-ES" sz="1400" dirty="0"/>
+              <a:t> pool</a:t>
+            </a:r>
+          </a:p>
+        </p:txBody>
+      </p:sp>
+      <p:sp>
+        <p:nvSpPr>
+          <p:cNvPr id="13" name="Rectángulo 12">
+            <a:extLst>
+              <a:ext uri="{FF2B5EF4-FFF2-40B4-BE49-F238E27FC236}">
+                <a16:creationId xmlns:a16="http://schemas.microsoft.com/office/drawing/2014/main" id="{148B47E3-EA2D-7615-C123-307808B18593}"/>
+              </a:ext>
+            </a:extLst>
+          </p:cNvPr>
+          <p:cNvSpPr/>
+          <p:nvPr/>
+        </p:nvSpPr>
+        <p:spPr>
+          <a:xfrm>
+            <a:off x="8977321" y="5252415"/>
+            <a:ext cx="2421722" cy="1099820"/>
+          </a:xfrm>
+          <a:prstGeom prst="rect">
+            <a:avLst/>
+          </a:prstGeom>
+        </p:spPr>
+        <p:style>
+          <a:lnRef idx="2">
+            <a:schemeClr val="accent1">
+              <a:shade val="15000"/>
+            </a:schemeClr>
+          </a:lnRef>
+          <a:fillRef idx="1">
+            <a:schemeClr val="accent1"/>
+          </a:fillRef>
+          <a:effectRef idx="0">
+            <a:schemeClr val="accent1"/>
+          </a:effectRef>
+          <a:fontRef idx="minor">
+            <a:schemeClr val="lt1"/>
+          </a:fontRef>
+        </p:style>
+        <p:txBody>
+          <a:bodyPr rtlCol="0" anchor="ctr"/>
+          <a:lstStyle/>
+          <a:p>
+            <a:pPr algn="ctr"/>
+            <a:r>
+              <a:rPr lang="es-ES" sz="1400" dirty="0"/>
+              <a:t>Data </a:t>
+            </a:r>
+            <a:r>
+              <a:rPr lang="es-ES" sz="1400" dirty="0" err="1"/>
+              <a:t>is</a:t>
+            </a:r>
+            <a:r>
+              <a:rPr lang="es-ES" sz="1400" dirty="0"/>
+              <a:t> </a:t>
+            </a:r>
+            <a:r>
+              <a:rPr lang="es-ES" sz="1400" dirty="0" err="1"/>
+              <a:t>cleaned</a:t>
+            </a:r>
+            <a:r>
+              <a:rPr lang="es-ES" sz="1400" dirty="0"/>
+              <a:t> ,</a:t>
+            </a:r>
+            <a:r>
+              <a:rPr lang="es-ES" sz="1400" dirty="0" err="1"/>
+              <a:t>historized</a:t>
+            </a:r>
+            <a:r>
+              <a:rPr lang="es-ES" sz="1400" dirty="0"/>
+              <a:t> and </a:t>
+            </a:r>
+            <a:r>
+              <a:rPr lang="es-ES" sz="1400" dirty="0" err="1"/>
+              <a:t>ingested</a:t>
+            </a:r>
+            <a:r>
+              <a:rPr lang="es-ES" sz="1400" dirty="0"/>
+              <a:t> in </a:t>
+            </a:r>
+            <a:r>
+              <a:rPr lang="es-ES" sz="1400" dirty="0" err="1"/>
+              <a:t>Synapse</a:t>
+            </a:r>
+            <a:r>
+              <a:rPr lang="es-ES" sz="1400" dirty="0"/>
+              <a:t> </a:t>
+            </a:r>
+            <a:r>
+              <a:rPr lang="es-ES" sz="1400" dirty="0" err="1"/>
+              <a:t>Analytics</a:t>
+            </a:r>
+            <a:r>
+              <a:rPr lang="es-ES" sz="1400" dirty="0"/>
+              <a:t> and after </a:t>
+            </a:r>
+            <a:r>
+              <a:rPr lang="es-ES" sz="1400" dirty="0" err="1"/>
+              <a:t>modelled</a:t>
+            </a:r>
+            <a:r>
+              <a:rPr lang="es-ES" sz="1400" dirty="0"/>
+              <a:t> in </a:t>
+            </a:r>
+            <a:r>
+              <a:rPr lang="es-ES" sz="1400" dirty="0" err="1"/>
+              <a:t>star</a:t>
+            </a:r>
+            <a:r>
+              <a:rPr lang="es-ES" sz="1400" dirty="0"/>
+              <a:t> </a:t>
+            </a:r>
+            <a:r>
+              <a:rPr lang="es-ES" sz="1400" dirty="0" err="1"/>
+              <a:t>schema</a:t>
+            </a:r>
+            <a:r>
+              <a:rPr lang="es-ES" sz="1400" dirty="0"/>
+              <a:t>. Data </a:t>
+            </a:r>
+            <a:r>
+              <a:rPr lang="es-ES" sz="1400" dirty="0" err="1"/>
+              <a:t>is</a:t>
+            </a:r>
+            <a:r>
+              <a:rPr lang="es-ES" sz="1400" dirty="0"/>
+              <a:t> </a:t>
+            </a:r>
+            <a:r>
+              <a:rPr lang="es-ES" sz="1400" dirty="0" err="1"/>
+              <a:t>ready</a:t>
+            </a:r>
+            <a:r>
+              <a:rPr lang="es-ES" sz="1400" dirty="0"/>
+              <a:t> </a:t>
+            </a:r>
+          </a:p>
+        </p:txBody>
+      </p:sp>
       <p:pic>
         <p:nvPicPr>
-          <p:cNvPr id="3" name="Imagen 2">
-            <a:extLst>
-              <a:ext uri="{FF2B5EF4-FFF2-40B4-BE49-F238E27FC236}">
-                <a16:creationId xmlns:a16="http://schemas.microsoft.com/office/drawing/2014/main" id="{14D88842-2FBA-DF73-E9FD-7B914A253F06}"/>
+          <p:cNvPr id="17" name="Imagen 16">
+            <a:extLst>
+              <a:ext uri="{FF2B5EF4-FFF2-40B4-BE49-F238E27FC236}">
+                <a16:creationId xmlns:a16="http://schemas.microsoft.com/office/drawing/2014/main" id="{362A8326-131C-8791-3819-128DE3884F3B}"/>
               </a:ext>
             </a:extLst>
           </p:cNvPr>
@@ -5547,8 +8138,266 @@
         </p:blipFill>
         <p:spPr>
           <a:xfrm>
-            <a:off x="1747231" y="1627828"/>
-            <a:ext cx="7140738" cy="4606675"/>
+            <a:off x="219074" y="1707297"/>
+            <a:ext cx="11972925" cy="3507586"/>
+          </a:xfrm>
+          <a:prstGeom prst="rect">
+            <a:avLst/>
+          </a:prstGeom>
+        </p:spPr>
+      </p:pic>
+    </p:spTree>
+    <p:extLst>
+      <p:ext uri="{BB962C8B-B14F-4D97-AF65-F5344CB8AC3E}">
+        <p14:creationId xmlns:p14="http://schemas.microsoft.com/office/powerpoint/2010/main" val="3448496138"/>
+      </p:ext>
+    </p:extLst>
+  </p:cSld>
+  <p:clrMapOvr>
+    <a:masterClrMapping/>
+  </p:clrMapOvr>
+</p:sld>
+</file>
+
+<file path=ppt/slides/slide11.xml><?xml version="1.0" encoding="utf-8"?>
+<p:sld xmlns:a="http://schemas.openxmlformats.org/drawingml/2006/main" xmlns:r="http://schemas.openxmlformats.org/officeDocument/2006/relationships" xmlns:p="http://schemas.openxmlformats.org/presentationml/2006/main">
+  <p:cSld>
+    <p:spTree>
+      <p:nvGrpSpPr>
+        <p:cNvPr id="1" name="">
+          <a:extLst>
+            <a:ext uri="{FF2B5EF4-FFF2-40B4-BE49-F238E27FC236}">
+              <a16:creationId xmlns:a16="http://schemas.microsoft.com/office/drawing/2014/main" id="{F8E153D2-FFDA-494A-1A41-15E42690C724}"/>
+            </a:ext>
+          </a:extLst>
+        </p:cNvPr>
+        <p:cNvGrpSpPr/>
+        <p:nvPr/>
+      </p:nvGrpSpPr>
+      <p:grpSpPr>
+        <a:xfrm>
+          <a:off x="0" y="0"/>
+          <a:ext cx="0" cy="0"/>
+          <a:chOff x="0" y="0"/>
+          <a:chExt cx="0" cy="0"/>
+        </a:xfrm>
+      </p:grpSpPr>
+      <p:sp>
+        <p:nvSpPr>
+          <p:cNvPr id="7" name="Título 6">
+            <a:extLst>
+              <a:ext uri="{FF2B5EF4-FFF2-40B4-BE49-F238E27FC236}">
+                <a16:creationId xmlns:a16="http://schemas.microsoft.com/office/drawing/2014/main" id="{8181B772-55E5-54EC-D562-CD013BE69B59}"/>
+              </a:ext>
+            </a:extLst>
+          </p:cNvPr>
+          <p:cNvSpPr>
+            <a:spLocks noGrp="1"/>
+          </p:cNvSpPr>
+          <p:nvPr>
+            <p:ph type="title"/>
+          </p:nvPr>
+        </p:nvSpPr>
+        <p:spPr>
+          <a:xfrm>
+            <a:off x="388149" y="321272"/>
+            <a:ext cx="11407302" cy="1171473"/>
+          </a:xfrm>
+        </p:spPr>
+        <p:txBody>
+          <a:bodyPr>
+            <a:normAutofit fontScale="90000"/>
+          </a:bodyPr>
+          <a:lstStyle/>
+          <a:p>
+            <a:br>
+              <a:rPr lang="es-ES" dirty="0"/>
+            </a:br>
+            <a:br>
+              <a:rPr lang="es-ES" dirty="0"/>
+            </a:br>
+            <a:endParaRPr lang="es-ES" dirty="0"/>
+          </a:p>
+        </p:txBody>
+      </p:sp>
+      <p:sp>
+        <p:nvSpPr>
+          <p:cNvPr id="63" name="CuadroTexto 62">
+            <a:extLst>
+              <a:ext uri="{FF2B5EF4-FFF2-40B4-BE49-F238E27FC236}">
+                <a16:creationId xmlns:a16="http://schemas.microsoft.com/office/drawing/2014/main" id="{48D46F92-55D9-1739-A191-0E0B743613F1}"/>
+              </a:ext>
+            </a:extLst>
+          </p:cNvPr>
+          <p:cNvSpPr txBox="1"/>
+          <p:nvPr/>
+        </p:nvSpPr>
+        <p:spPr>
+          <a:xfrm>
+            <a:off x="9381745" y="6611779"/>
+            <a:ext cx="3054096" cy="246221"/>
+          </a:xfrm>
+          <a:prstGeom prst="rect">
+            <a:avLst/>
+          </a:prstGeom>
+          <a:noFill/>
+        </p:spPr>
+        <p:txBody>
+          <a:bodyPr wrap="square" rtlCol="0">
+            <a:spAutoFit/>
+          </a:bodyPr>
+          <a:lstStyle/>
+          <a:p>
+            <a:r>
+              <a:rPr lang="es-ES" sz="1000" dirty="0"/>
+              <a:t>Data Architect Assesment - </a:t>
+            </a:r>
+            <a:r>
+              <a:rPr lang="es-ES" sz="800" dirty="0"/>
+              <a:t>Rosa Mestres | June 2025</a:t>
+            </a:r>
+          </a:p>
+        </p:txBody>
+      </p:sp>
+      <p:cxnSp>
+        <p:nvCxnSpPr>
+          <p:cNvPr id="105" name="Conector recto 104">
+            <a:extLst>
+              <a:ext uri="{FF2B5EF4-FFF2-40B4-BE49-F238E27FC236}">
+                <a16:creationId xmlns:a16="http://schemas.microsoft.com/office/drawing/2014/main" id="{1D3A9979-3FED-5BEB-BD19-0E01EC12F993}"/>
+              </a:ext>
+            </a:extLst>
+          </p:cNvPr>
+          <p:cNvCxnSpPr>
+            <a:cxnSpLocks/>
+          </p:cNvCxnSpPr>
+          <p:nvPr/>
+        </p:nvCxnSpPr>
+        <p:spPr>
+          <a:xfrm>
+            <a:off x="388149" y="447963"/>
+            <a:ext cx="0" cy="891310"/>
+          </a:xfrm>
+          <a:prstGeom prst="line">
+            <a:avLst/>
+          </a:prstGeom>
+        </p:spPr>
+        <p:style>
+          <a:lnRef idx="2">
+            <a:schemeClr val="accent1"/>
+          </a:lnRef>
+          <a:fillRef idx="0">
+            <a:schemeClr val="accent1"/>
+          </a:fillRef>
+          <a:effectRef idx="1">
+            <a:schemeClr val="accent1"/>
+          </a:effectRef>
+          <a:fontRef idx="minor">
+            <a:schemeClr val="tx1"/>
+          </a:fontRef>
+        </p:style>
+      </p:cxnSp>
+      <p:sp>
+        <p:nvSpPr>
+          <p:cNvPr id="4" name="Título 6">
+            <a:extLst>
+              <a:ext uri="{FF2B5EF4-FFF2-40B4-BE49-F238E27FC236}">
+                <a16:creationId xmlns:a16="http://schemas.microsoft.com/office/drawing/2014/main" id="{579016BB-10C7-CCB6-03E6-F233D52E9A2C}"/>
+              </a:ext>
+            </a:extLst>
+          </p:cNvPr>
+          <p:cNvSpPr txBox="1">
+            <a:spLocks/>
+          </p:cNvSpPr>
+          <p:nvPr/>
+        </p:nvSpPr>
+        <p:spPr>
+          <a:xfrm>
+            <a:off x="455337" y="304455"/>
+            <a:ext cx="11407302" cy="1171473"/>
+          </a:xfrm>
+          <a:prstGeom prst="rect">
+            <a:avLst/>
+          </a:prstGeom>
+        </p:spPr>
+        <p:txBody>
+          <a:bodyPr vert="horz" lIns="91440" tIns="45720" rIns="91440" bIns="45720" rtlCol="0" anchor="ctr">
+            <a:normAutofit fontScale="60000" lnSpcReduction="20000"/>
+          </a:bodyPr>
+          <a:lstStyle>
+            <a:lvl1pPr algn="l" defTabSz="914400" rtl="0" eaLnBrk="1" latinLnBrk="0" hangingPunct="1">
+              <a:lnSpc>
+                <a:spcPct val="90000"/>
+              </a:lnSpc>
+              <a:spcBef>
+                <a:spcPct val="0"/>
+              </a:spcBef>
+              <a:buNone/>
+              <a:defRPr sz="4400" kern="1200">
+                <a:solidFill>
+                  <a:schemeClr val="tx1"/>
+                </a:solidFill>
+                <a:latin typeface="+mj-lt"/>
+                <a:ea typeface="+mj-ea"/>
+                <a:cs typeface="+mj-cs"/>
+              </a:defRPr>
+            </a:lvl1pPr>
+          </a:lstStyle>
+          <a:p>
+            <a:br>
+              <a:rPr lang="es-ES" dirty="0"/>
+            </a:br>
+            <a:r>
+              <a:rPr lang="es-ES" sz="7200" dirty="0"/>
+              <a:t>E2E Sales Dashboard Design</a:t>
+            </a:r>
+            <a:br>
+              <a:rPr lang="es-ES" dirty="0"/>
+            </a:br>
+            <a:r>
+              <a:rPr lang="es-ES" sz="4000" dirty="0">
+                <a:solidFill>
+                  <a:schemeClr val="bg1">
+                    <a:lumMod val="50000"/>
+                  </a:schemeClr>
+                </a:solidFill>
+              </a:rPr>
+              <a:t>Sales Policy Data Model</a:t>
+            </a:r>
+            <a:endParaRPr lang="es-ES" sz="4200" dirty="0">
+              <a:solidFill>
+                <a:schemeClr val="bg1">
+                  <a:lumMod val="50000"/>
+                </a:schemeClr>
+              </a:solidFill>
+            </a:endParaRPr>
+          </a:p>
+        </p:txBody>
+      </p:sp>
+      <p:pic>
+        <p:nvPicPr>
+          <p:cNvPr id="3" name="Imagen 2">
+            <a:extLst>
+              <a:ext uri="{FF2B5EF4-FFF2-40B4-BE49-F238E27FC236}">
+                <a16:creationId xmlns:a16="http://schemas.microsoft.com/office/drawing/2014/main" id="{0DA17982-866E-D80D-DD2F-A8AE58645582}"/>
+              </a:ext>
+            </a:extLst>
+          </p:cNvPr>
+          <p:cNvPicPr>
+            <a:picLocks noChangeAspect="1"/>
+          </p:cNvPicPr>
+          <p:nvPr/>
+        </p:nvPicPr>
+        <p:blipFill>
+          <a:blip r:embed="rId3"/>
+          <a:stretch>
+            <a:fillRect/>
+          </a:stretch>
+        </p:blipFill>
+        <p:spPr>
+          <a:xfrm>
+            <a:off x="3037876" y="1339273"/>
+            <a:ext cx="6744300" cy="5323661"/>
           </a:xfrm>
           <a:prstGeom prst="rect">
             <a:avLst/>
@@ -5568,7 +8417,7 @@
 </p:sld>
 </file>
 
-<file path=ppt/slides/slide11.xml><?xml version="1.0" encoding="utf-8"?>
+<file path=ppt/slides/slide12.xml><?xml version="1.0" encoding="utf-8"?>
 <p:sld xmlns:a="http://schemas.openxmlformats.org/drawingml/2006/main" xmlns:r="http://schemas.openxmlformats.org/officeDocument/2006/relationships" xmlns:p="http://schemas.openxmlformats.org/presentationml/2006/main">
   <p:cSld>
     <p:spTree>
@@ -7042,7 +9891,13 @@
   <p:cSld>
     <p:spTree>
       <p:nvGrpSpPr>
-        <p:cNvPr id="1" name=""/>
+        <p:cNvPr id="1" name="">
+          <a:extLst>
+            <a:ext uri="{FF2B5EF4-FFF2-40B4-BE49-F238E27FC236}">
+              <a16:creationId xmlns:a16="http://schemas.microsoft.com/office/drawing/2014/main" id="{CC8D1B54-FC8A-2258-E5A0-D9B5EA06AA19}"/>
+            </a:ext>
+          </a:extLst>
+        </p:cNvPr>
         <p:cNvGrpSpPr/>
         <p:nvPr/>
       </p:nvGrpSpPr>
@@ -7059,7 +9914,7 @@
           <p:cNvPr id="2" name="Título 1">
             <a:extLst>
               <a:ext uri="{FF2B5EF4-FFF2-40B4-BE49-F238E27FC236}">
-                <a16:creationId xmlns:a16="http://schemas.microsoft.com/office/drawing/2014/main" id="{DF4A8CC4-EBFE-A9F4-C52C-4F5B44FC0CDF}"/>
+                <a16:creationId xmlns:a16="http://schemas.microsoft.com/office/drawing/2014/main" id="{24797280-50A1-821E-FD59-F30D602516EF}"/>
               </a:ext>
             </a:extLst>
           </p:cNvPr>
@@ -7087,7 +9942,7 @@
           <p:cNvPr id="3" name="Marcador de contenido 2">
             <a:extLst>
               <a:ext uri="{FF2B5EF4-FFF2-40B4-BE49-F238E27FC236}">
-                <a16:creationId xmlns:a16="http://schemas.microsoft.com/office/drawing/2014/main" id="{950106B3-7EBF-AD10-ADD0-7CE5EBF9637A}"/>
+                <a16:creationId xmlns:a16="http://schemas.microsoft.com/office/drawing/2014/main" id="{55F7B4EE-3C88-E9F5-67A2-AADF954335EF}"/>
               </a:ext>
             </a:extLst>
           </p:cNvPr>
@@ -7098,7 +9953,12 @@
             <p:ph idx="1"/>
           </p:nvPr>
         </p:nvSpPr>
-        <p:spPr/>
+        <p:spPr>
+          <a:xfrm>
+            <a:off x="921554" y="1870075"/>
+            <a:ext cx="10515600" cy="4351338"/>
+          </a:xfrm>
+        </p:spPr>
         <p:txBody>
           <a:bodyPr>
             <a:normAutofit/>
@@ -7108,9 +9968,60 @@
             <a:pPr marL="0" indent="0">
               <a:buNone/>
             </a:pPr>
+            <a:endParaRPr lang="es-ES" sz="2400" dirty="0"/>
+          </a:p>
+          <a:p>
+            <a:pPr marL="0" indent="0">
+              <a:buNone/>
+            </a:pPr>
+            <a:r>
+              <a:rPr lang="en-US" sz="2400" dirty="0"/>
+              <a:t>Introduction to Data-Driven Company</a:t>
+            </a:r>
+          </a:p>
+          <a:p>
+            <a:pPr marL="0" indent="0">
+              <a:buNone/>
+            </a:pPr>
+            <a:endParaRPr lang="en-US" sz="2400" dirty="0"/>
+          </a:p>
+          <a:p>
+            <a:pPr marL="0" indent="0">
+              <a:buNone/>
+            </a:pPr>
             <a:r>
               <a:rPr lang="en-US" sz="2400" dirty="0"/>
               <a:t>Data-Driven Platform to Accelerate AI-Powered Sales Intelligence</a:t>
+            </a:r>
+          </a:p>
+          <a:p>
+            <a:pPr marL="0" indent="0">
+              <a:buNone/>
+            </a:pPr>
+            <a:endParaRPr lang="en-US" sz="2400" dirty="0"/>
+          </a:p>
+          <a:p>
+            <a:pPr marL="0" indent="0">
+              <a:buNone/>
+            </a:pPr>
+            <a:r>
+              <a:rPr lang="es-ES" sz="2400" dirty="0"/>
+              <a:t>EDW Architecture</a:t>
+            </a:r>
+          </a:p>
+          <a:p>
+            <a:pPr marL="0" indent="0">
+              <a:buNone/>
+            </a:pPr>
+            <a:endParaRPr lang="es-ES" sz="2000" dirty="0"/>
+          </a:p>
+          <a:p>
+            <a:pPr marL="0" indent="0">
+              <a:buNone/>
+            </a:pPr>
+            <a:r>
+              <a:rPr lang="es-ES" sz="2400" dirty="0"/>
+              <a:t>E2E Sales Dashboard Design</a:t>
             </a:r>
           </a:p>
           <a:p>
@@ -7119,30 +10030,6 @@
             </a:pPr>
             <a:endParaRPr lang="es-ES" sz="2400" dirty="0"/>
           </a:p>
-          <a:p>
-            <a:pPr marL="0" indent="0">
-              <a:buNone/>
-            </a:pPr>
-            <a:r>
-              <a:rPr lang="es-ES" sz="2400" dirty="0"/>
-              <a:t>EDW Architecture</a:t>
-            </a:r>
-          </a:p>
-          <a:p>
-            <a:pPr marL="0" indent="0">
-              <a:buNone/>
-            </a:pPr>
-            <a:endParaRPr lang="es-ES" sz="2000" dirty="0"/>
-          </a:p>
-          <a:p>
-            <a:pPr marL="0" indent="0">
-              <a:buNone/>
-            </a:pPr>
-            <a:r>
-              <a:rPr lang="es-ES" sz="2400" dirty="0"/>
-              <a:t>E2E Sales Dashboard Design</a:t>
-            </a:r>
-          </a:p>
         </p:txBody>
       </p:sp>
       <p:cxnSp>
@@ -7150,7 +10037,7 @@
           <p:cNvPr id="5" name="Connettore 1 5">
             <a:extLst>
               <a:ext uri="{FF2B5EF4-FFF2-40B4-BE49-F238E27FC236}">
-                <a16:creationId xmlns:a16="http://schemas.microsoft.com/office/drawing/2014/main" id="{3BD6E44D-EA23-D0F9-F4CD-39FF8A4295F4}"/>
+                <a16:creationId xmlns:a16="http://schemas.microsoft.com/office/drawing/2014/main" id="{29D5F5CE-D346-7D19-16B3-8F0DD75592E0}"/>
               </a:ext>
             </a:extLst>
           </p:cNvPr>
@@ -7189,10 +10076,10 @@
       </p:cxnSp>
       <p:sp>
         <p:nvSpPr>
-          <p:cNvPr id="6" name="Ovale 10">
-            <a:extLst>
-              <a:ext uri="{FF2B5EF4-FFF2-40B4-BE49-F238E27FC236}">
-                <a16:creationId xmlns:a16="http://schemas.microsoft.com/office/drawing/2014/main" id="{7EADE0E2-D698-1D9D-83B0-C71E210BC0FB}"/>
+          <p:cNvPr id="11" name="Ovale 11">
+            <a:extLst>
+              <a:ext uri="{FF2B5EF4-FFF2-40B4-BE49-F238E27FC236}">
+                <a16:creationId xmlns:a16="http://schemas.microsoft.com/office/drawing/2014/main" id="{89752C23-95AF-F26D-AA11-1294C97F2419}"/>
               </a:ext>
             </a:extLst>
           </p:cNvPr>
@@ -7201,7 +10088,7 @@
         </p:nvSpPr>
         <p:spPr>
           <a:xfrm>
-            <a:off x="644140" y="1929058"/>
+            <a:off x="644140" y="5032375"/>
             <a:ext cx="211924" cy="211924"/>
           </a:xfrm>
           <a:prstGeom prst="ellipse">
@@ -7245,10 +10132,117 @@
       </p:sp>
       <p:sp>
         <p:nvSpPr>
-          <p:cNvPr id="7" name="Ovale 11">
-            <a:extLst>
-              <a:ext uri="{FF2B5EF4-FFF2-40B4-BE49-F238E27FC236}">
-                <a16:creationId xmlns:a16="http://schemas.microsoft.com/office/drawing/2014/main" id="{E7234355-46B8-8FFB-D8CE-68CA2F98A884}"/>
+          <p:cNvPr id="4" name="CuadroTexto 3">
+            <a:extLst>
+              <a:ext uri="{FF2B5EF4-FFF2-40B4-BE49-F238E27FC236}">
+                <a16:creationId xmlns:a16="http://schemas.microsoft.com/office/drawing/2014/main" id="{16E451EF-26BD-E985-3A68-CB9B0310F4BC}"/>
+              </a:ext>
+            </a:extLst>
+          </p:cNvPr>
+          <p:cNvSpPr txBox="1"/>
+          <p:nvPr/>
+        </p:nvSpPr>
+        <p:spPr>
+          <a:xfrm>
+            <a:off x="9667495" y="6642556"/>
+            <a:ext cx="2610230" cy="215444"/>
+          </a:xfrm>
+          <a:prstGeom prst="rect">
+            <a:avLst/>
+          </a:prstGeom>
+          <a:noFill/>
+        </p:spPr>
+        <p:txBody>
+          <a:bodyPr wrap="square" rtlCol="0">
+            <a:spAutoFit/>
+          </a:bodyPr>
+          <a:lstStyle/>
+          <a:p>
+            <a:r>
+              <a:rPr lang="es-ES" sz="800" dirty="0"/>
+              <a:t>Data Architect Assesment - Rosa Mestres | June 2025</a:t>
+            </a:r>
+          </a:p>
+        </p:txBody>
+      </p:sp>
+      <p:cxnSp>
+        <p:nvCxnSpPr>
+          <p:cNvPr id="10" name="Conector recto 9">
+            <a:extLst>
+              <a:ext uri="{FF2B5EF4-FFF2-40B4-BE49-F238E27FC236}">
+                <a16:creationId xmlns:a16="http://schemas.microsoft.com/office/drawing/2014/main" id="{F485C613-65A4-6EBD-63BA-82AE41515445}"/>
+              </a:ext>
+            </a:extLst>
+          </p:cNvPr>
+          <p:cNvCxnSpPr/>
+          <p:nvPr/>
+        </p:nvCxnSpPr>
+        <p:spPr>
+          <a:xfrm>
+            <a:off x="970364" y="2252345"/>
+            <a:ext cx="8543968" cy="0"/>
+          </a:xfrm>
+          <a:prstGeom prst="line">
+            <a:avLst/>
+          </a:prstGeom>
+        </p:spPr>
+        <p:style>
+          <a:lnRef idx="2">
+            <a:schemeClr val="accent1"/>
+          </a:lnRef>
+          <a:fillRef idx="0">
+            <a:schemeClr val="accent1"/>
+          </a:fillRef>
+          <a:effectRef idx="1">
+            <a:schemeClr val="accent1"/>
+          </a:effectRef>
+          <a:fontRef idx="minor">
+            <a:schemeClr val="tx1"/>
+          </a:fontRef>
+        </p:style>
+      </p:cxnSp>
+      <p:cxnSp>
+        <p:nvCxnSpPr>
+          <p:cNvPr id="8" name="Conector recto 7">
+            <a:extLst>
+              <a:ext uri="{FF2B5EF4-FFF2-40B4-BE49-F238E27FC236}">
+                <a16:creationId xmlns:a16="http://schemas.microsoft.com/office/drawing/2014/main" id="{058E8861-DEDC-3809-0D6E-8BA33C544824}"/>
+              </a:ext>
+            </a:extLst>
+          </p:cNvPr>
+          <p:cNvCxnSpPr/>
+          <p:nvPr/>
+        </p:nvCxnSpPr>
+        <p:spPr>
+          <a:xfrm>
+            <a:off x="970364" y="2700020"/>
+            <a:ext cx="8543968" cy="0"/>
+          </a:xfrm>
+          <a:prstGeom prst="line">
+            <a:avLst/>
+          </a:prstGeom>
+        </p:spPr>
+        <p:style>
+          <a:lnRef idx="2">
+            <a:schemeClr val="accent1"/>
+          </a:lnRef>
+          <a:fillRef idx="0">
+            <a:schemeClr val="accent1"/>
+          </a:fillRef>
+          <a:effectRef idx="1">
+            <a:schemeClr val="accent1"/>
+          </a:effectRef>
+          <a:fontRef idx="minor">
+            <a:schemeClr val="tx1"/>
+          </a:fontRef>
+        </p:style>
+      </p:cxnSp>
+      <p:sp>
+        <p:nvSpPr>
+          <p:cNvPr id="14" name="Ovale 10">
+            <a:extLst>
+              <a:ext uri="{FF2B5EF4-FFF2-40B4-BE49-F238E27FC236}">
+                <a16:creationId xmlns:a16="http://schemas.microsoft.com/office/drawing/2014/main" id="{55191322-B385-5E60-795E-69988E5F19F9}"/>
               </a:ext>
             </a:extLst>
           </p:cNvPr>
@@ -7257,7 +10251,7 @@
         </p:nvSpPr>
         <p:spPr>
           <a:xfrm>
-            <a:off x="626276" y="2826597"/>
+            <a:off x="631056" y="2452951"/>
             <a:ext cx="211924" cy="211924"/>
           </a:xfrm>
           <a:prstGeom prst="ellipse">
@@ -7301,10 +10295,10 @@
       </p:sp>
       <p:sp>
         <p:nvSpPr>
-          <p:cNvPr id="11" name="Ovale 11">
-            <a:extLst>
-              <a:ext uri="{FF2B5EF4-FFF2-40B4-BE49-F238E27FC236}">
-                <a16:creationId xmlns:a16="http://schemas.microsoft.com/office/drawing/2014/main" id="{3204F108-20A1-0F3A-CA38-683B2E4C6E3C}"/>
+          <p:cNvPr id="15" name="Ovale 10">
+            <a:extLst>
+              <a:ext uri="{FF2B5EF4-FFF2-40B4-BE49-F238E27FC236}">
+                <a16:creationId xmlns:a16="http://schemas.microsoft.com/office/drawing/2014/main" id="{5DCB7916-52B6-F699-5A86-1C2BE9C38DD5}"/>
               </a:ext>
             </a:extLst>
           </p:cNvPr>
@@ -7313,7 +10307,7 @@
         </p:nvSpPr>
         <p:spPr>
           <a:xfrm>
-            <a:off x="633429" y="3724136"/>
+            <a:off x="638208" y="3321176"/>
             <a:ext cx="211924" cy="211924"/>
           </a:xfrm>
           <a:prstGeom prst="ellipse">
@@ -7357,10 +10351,323 @@
       </p:sp>
       <p:sp>
         <p:nvSpPr>
+          <p:cNvPr id="16" name="Ovale 10">
+            <a:extLst>
+              <a:ext uri="{FF2B5EF4-FFF2-40B4-BE49-F238E27FC236}">
+                <a16:creationId xmlns:a16="http://schemas.microsoft.com/office/drawing/2014/main" id="{5C30D6F3-FAB5-07F3-25A6-501BB8652A34}"/>
+              </a:ext>
+            </a:extLst>
+          </p:cNvPr>
+          <p:cNvSpPr/>
+          <p:nvPr/>
+        </p:nvSpPr>
+        <p:spPr>
+          <a:xfrm>
+            <a:off x="638208" y="4258793"/>
+            <a:ext cx="211924" cy="211924"/>
+          </a:xfrm>
+          <a:prstGeom prst="ellipse">
+            <a:avLst/>
+          </a:prstGeom>
+          <a:solidFill>
+            <a:srgbClr val="0071AA"/>
+          </a:solidFill>
+          <a:ln>
+            <a:noFill/>
+          </a:ln>
+        </p:spPr>
+        <p:style>
+          <a:lnRef idx="2">
+            <a:schemeClr val="accent1">
+              <a:shade val="50000"/>
+            </a:schemeClr>
+          </a:lnRef>
+          <a:fillRef idx="1">
+            <a:schemeClr val="accent1"/>
+          </a:fillRef>
+          <a:effectRef idx="0">
+            <a:schemeClr val="accent1"/>
+          </a:effectRef>
+          <a:fontRef idx="minor">
+            <a:schemeClr val="lt1"/>
+          </a:fontRef>
+        </p:style>
+        <p:txBody>
+          <a:bodyPr rtlCol="0" anchor="ctr"/>
+          <a:lstStyle/>
+          <a:p>
+            <a:pPr algn="ctr"/>
+            <a:endParaRPr lang="en-GB" dirty="0">
+              <a:latin typeface="Verdana" panose="020B0604030504040204" pitchFamily="34" charset="0"/>
+              <a:ea typeface="Verdana" panose="020B0604030504040204" pitchFamily="34" charset="0"/>
+              <a:cs typeface="Verdana" panose="020B0604030504040204" pitchFamily="34" charset="0"/>
+            </a:endParaRPr>
+          </a:p>
+        </p:txBody>
+      </p:sp>
+    </p:spTree>
+    <p:extLst>
+      <p:ext uri="{BB962C8B-B14F-4D97-AF65-F5344CB8AC3E}">
+        <p14:creationId xmlns:p14="http://schemas.microsoft.com/office/powerpoint/2010/main" val="7275662"/>
+      </p:ext>
+    </p:extLst>
+  </p:cSld>
+  <p:clrMapOvr>
+    <a:masterClrMapping/>
+  </p:clrMapOvr>
+</p:sld>
+</file>
+
+<file path=ppt/slides/slide3.xml><?xml version="1.0" encoding="utf-8"?>
+<p:sld xmlns:a="http://schemas.openxmlformats.org/drawingml/2006/main" xmlns:r="http://schemas.openxmlformats.org/officeDocument/2006/relationships" xmlns:p="http://schemas.openxmlformats.org/presentationml/2006/main">
+  <p:cSld>
+    <p:spTree>
+      <p:nvGrpSpPr>
+        <p:cNvPr id="1" name="">
+          <a:extLst>
+            <a:ext uri="{FF2B5EF4-FFF2-40B4-BE49-F238E27FC236}">
+              <a16:creationId xmlns:a16="http://schemas.microsoft.com/office/drawing/2014/main" id="{32E60676-D7E8-B9B4-6170-2700C865CDF8}"/>
+            </a:ext>
+          </a:extLst>
+        </p:cNvPr>
+        <p:cNvGrpSpPr/>
+        <p:nvPr/>
+      </p:nvGrpSpPr>
+      <p:grpSpPr>
+        <a:xfrm>
+          <a:off x="0" y="0"/>
+          <a:ext cx="0" cy="0"/>
+          <a:chOff x="0" y="0"/>
+          <a:chExt cx="0" cy="0"/>
+        </a:xfrm>
+      </p:grpSpPr>
+      <p:sp>
+        <p:nvSpPr>
+          <p:cNvPr id="2" name="Título 1">
+            <a:extLst>
+              <a:ext uri="{FF2B5EF4-FFF2-40B4-BE49-F238E27FC236}">
+                <a16:creationId xmlns:a16="http://schemas.microsoft.com/office/drawing/2014/main" id="{2FE83D82-EEE9-7C89-11FE-264117F9B2A9}"/>
+              </a:ext>
+            </a:extLst>
+          </p:cNvPr>
+          <p:cNvSpPr>
+            <a:spLocks noGrp="1"/>
+          </p:cNvSpPr>
+          <p:nvPr>
+            <p:ph type="title"/>
+          </p:nvPr>
+        </p:nvSpPr>
+        <p:spPr/>
+        <p:txBody>
+          <a:bodyPr/>
+          <a:lstStyle/>
+          <a:p>
+            <a:r>
+              <a:rPr lang="es-ES" dirty="0"/>
+              <a:t>Content</a:t>
+            </a:r>
+          </a:p>
+        </p:txBody>
+      </p:sp>
+      <p:sp>
+        <p:nvSpPr>
+          <p:cNvPr id="3" name="Marcador de contenido 2">
+            <a:extLst>
+              <a:ext uri="{FF2B5EF4-FFF2-40B4-BE49-F238E27FC236}">
+                <a16:creationId xmlns:a16="http://schemas.microsoft.com/office/drawing/2014/main" id="{BDDE2485-58D9-16EB-D9DD-A3F91E7E7721}"/>
+              </a:ext>
+            </a:extLst>
+          </p:cNvPr>
+          <p:cNvSpPr>
+            <a:spLocks noGrp="1"/>
+          </p:cNvSpPr>
+          <p:nvPr>
+            <p:ph idx="1"/>
+          </p:nvPr>
+        </p:nvSpPr>
+        <p:spPr>
+          <a:xfrm>
+            <a:off x="921554" y="1870075"/>
+            <a:ext cx="10515600" cy="4351338"/>
+          </a:xfrm>
+        </p:spPr>
+        <p:txBody>
+          <a:bodyPr>
+            <a:normAutofit/>
+          </a:bodyPr>
+          <a:lstStyle/>
+          <a:p>
+            <a:pPr marL="0" indent="0">
+              <a:buNone/>
+            </a:pPr>
+            <a:endParaRPr lang="es-ES" sz="2400" dirty="0"/>
+          </a:p>
+          <a:p>
+            <a:pPr marL="0" indent="0">
+              <a:buNone/>
+            </a:pPr>
+            <a:r>
+              <a:rPr lang="en-US" sz="2400" dirty="0"/>
+              <a:t>Introduction to Data-Driven Platform Company</a:t>
+            </a:r>
+          </a:p>
+          <a:p>
+            <a:pPr marL="0" indent="0">
+              <a:buNone/>
+            </a:pPr>
+            <a:endParaRPr lang="en-US" sz="2400" dirty="0"/>
+          </a:p>
+          <a:p>
+            <a:pPr marL="0" indent="0">
+              <a:buNone/>
+            </a:pPr>
+            <a:r>
+              <a:rPr lang="en-US" sz="2400" dirty="0"/>
+              <a:t>Data-Driven Platform to Accelerate AI-Powered Sales Intelligence</a:t>
+            </a:r>
+          </a:p>
+          <a:p>
+            <a:pPr marL="0" indent="0">
+              <a:buNone/>
+            </a:pPr>
+            <a:endParaRPr lang="en-US" sz="2400" dirty="0"/>
+          </a:p>
+          <a:p>
+            <a:pPr marL="0" indent="0">
+              <a:buNone/>
+            </a:pPr>
+            <a:r>
+              <a:rPr lang="es-ES" sz="2400" dirty="0"/>
+              <a:t>EDW Architecture</a:t>
+            </a:r>
+          </a:p>
+          <a:p>
+            <a:pPr marL="0" indent="0">
+              <a:buNone/>
+            </a:pPr>
+            <a:endParaRPr lang="es-ES" sz="2000" dirty="0"/>
+          </a:p>
+          <a:p>
+            <a:pPr marL="0" indent="0">
+              <a:buNone/>
+            </a:pPr>
+            <a:r>
+              <a:rPr lang="es-ES" sz="2400" dirty="0"/>
+              <a:t>E2E Sales Dashboard Design</a:t>
+            </a:r>
+          </a:p>
+          <a:p>
+            <a:pPr marL="0" indent="0">
+              <a:buNone/>
+            </a:pPr>
+            <a:endParaRPr lang="es-ES" sz="2400" dirty="0"/>
+          </a:p>
+        </p:txBody>
+      </p:sp>
+      <p:cxnSp>
+        <p:nvCxnSpPr>
+          <p:cNvPr id="5" name="Connettore 1 5">
+            <a:extLst>
+              <a:ext uri="{FF2B5EF4-FFF2-40B4-BE49-F238E27FC236}">
+                <a16:creationId xmlns:a16="http://schemas.microsoft.com/office/drawing/2014/main" id="{71C1CCAA-F355-E82A-4A52-2C23B9FDE1B5}"/>
+              </a:ext>
+            </a:extLst>
+          </p:cNvPr>
+          <p:cNvCxnSpPr/>
+          <p:nvPr/>
+        </p:nvCxnSpPr>
+        <p:spPr>
+          <a:xfrm>
+            <a:off x="732239" y="1571947"/>
+            <a:ext cx="1" cy="4649466"/>
+          </a:xfrm>
+          <a:prstGeom prst="line">
+            <a:avLst/>
+          </a:prstGeom>
+          <a:ln w="12700">
+            <a:solidFill>
+              <a:srgbClr val="0071AA"/>
+            </a:solidFill>
+            <a:prstDash val="sysDot"/>
+          </a:ln>
+        </p:spPr>
+        <p:style>
+          <a:lnRef idx="1">
+            <a:schemeClr val="accent1"/>
+          </a:lnRef>
+          <a:fillRef idx="0">
+            <a:schemeClr val="accent1"/>
+          </a:fillRef>
+          <a:effectRef idx="0">
+            <a:schemeClr val="accent1"/>
+          </a:effectRef>
+          <a:fontRef idx="minor">
+            <a:schemeClr val="tx1"/>
+          </a:fontRef>
+        </p:style>
+      </p:cxnSp>
+      <p:sp>
+        <p:nvSpPr>
+          <p:cNvPr id="11" name="Ovale 11">
+            <a:extLst>
+              <a:ext uri="{FF2B5EF4-FFF2-40B4-BE49-F238E27FC236}">
+                <a16:creationId xmlns:a16="http://schemas.microsoft.com/office/drawing/2014/main" id="{8D74D039-145D-D46F-B45E-E6FDA229B617}"/>
+              </a:ext>
+            </a:extLst>
+          </p:cNvPr>
+          <p:cNvSpPr/>
+          <p:nvPr/>
+        </p:nvSpPr>
+        <p:spPr>
+          <a:xfrm>
+            <a:off x="644140" y="5032375"/>
+            <a:ext cx="211924" cy="211924"/>
+          </a:xfrm>
+          <a:prstGeom prst="ellipse">
+            <a:avLst/>
+          </a:prstGeom>
+          <a:solidFill>
+            <a:srgbClr val="0071AA"/>
+          </a:solidFill>
+          <a:ln>
+            <a:noFill/>
+          </a:ln>
+        </p:spPr>
+        <p:style>
+          <a:lnRef idx="2">
+            <a:schemeClr val="accent1">
+              <a:shade val="50000"/>
+            </a:schemeClr>
+          </a:lnRef>
+          <a:fillRef idx="1">
+            <a:schemeClr val="accent1"/>
+          </a:fillRef>
+          <a:effectRef idx="0">
+            <a:schemeClr val="accent1"/>
+          </a:effectRef>
+          <a:fontRef idx="minor">
+            <a:schemeClr val="lt1"/>
+          </a:fontRef>
+        </p:style>
+        <p:txBody>
+          <a:bodyPr rtlCol="0" anchor="ctr"/>
+          <a:lstStyle/>
+          <a:p>
+            <a:pPr algn="ctr"/>
+            <a:endParaRPr lang="en-GB" dirty="0">
+              <a:latin typeface="Verdana" panose="020B0604030504040204" pitchFamily="34" charset="0"/>
+              <a:ea typeface="Verdana" panose="020B0604030504040204" pitchFamily="34" charset="0"/>
+              <a:cs typeface="Verdana" panose="020B0604030504040204" pitchFamily="34" charset="0"/>
+            </a:endParaRPr>
+          </a:p>
+        </p:txBody>
+      </p:sp>
+      <p:sp>
+        <p:nvSpPr>
           <p:cNvPr id="4" name="CuadroTexto 3">
             <a:extLst>
               <a:ext uri="{FF2B5EF4-FFF2-40B4-BE49-F238E27FC236}">
-                <a16:creationId xmlns:a16="http://schemas.microsoft.com/office/drawing/2014/main" id="{40FE8E2B-D623-5AFE-9F49-A573653F9B2A}"/>
+                <a16:creationId xmlns:a16="http://schemas.microsoft.com/office/drawing/2014/main" id="{F87A3064-9FF2-728D-F9BF-45C8897C8A1A}"/>
               </a:ext>
             </a:extLst>
           </p:cNvPr>
@@ -7392,10 +10699,10 @@
       </p:sp>
       <p:cxnSp>
         <p:nvCxnSpPr>
-          <p:cNvPr id="9" name="Conector recto 8">
-            <a:extLst>
-              <a:ext uri="{FF2B5EF4-FFF2-40B4-BE49-F238E27FC236}">
-                <a16:creationId xmlns:a16="http://schemas.microsoft.com/office/drawing/2014/main" id="{6B3031F6-26EE-F2C3-1EF2-C5BB43A0A5C8}"/>
+          <p:cNvPr id="10" name="Conector recto 9">
+            <a:extLst>
+              <a:ext uri="{FF2B5EF4-FFF2-40B4-BE49-F238E27FC236}">
+                <a16:creationId xmlns:a16="http://schemas.microsoft.com/office/drawing/2014/main" id="{B8F68340-3264-70BF-DC5E-88A5BC7A09A2}"/>
               </a:ext>
             </a:extLst>
           </p:cNvPr>
@@ -7404,7 +10711,7 @@
         </p:nvCxnSpPr>
         <p:spPr>
           <a:xfrm>
-            <a:off x="856064" y="1825625"/>
+            <a:off x="1037039" y="3233420"/>
             <a:ext cx="8543968" cy="0"/>
           </a:xfrm>
           <a:prstGeom prst="line">
@@ -7428,10 +10735,10 @@
       </p:cxnSp>
       <p:cxnSp>
         <p:nvCxnSpPr>
-          <p:cNvPr id="10" name="Conector recto 9">
-            <a:extLst>
-              <a:ext uri="{FF2B5EF4-FFF2-40B4-BE49-F238E27FC236}">
-                <a16:creationId xmlns:a16="http://schemas.microsoft.com/office/drawing/2014/main" id="{262EDF68-A04F-ADB1-AEE8-9EC390485D5D}"/>
+          <p:cNvPr id="8" name="Conector recto 7">
+            <a:extLst>
+              <a:ext uri="{FF2B5EF4-FFF2-40B4-BE49-F238E27FC236}">
+                <a16:creationId xmlns:a16="http://schemas.microsoft.com/office/drawing/2014/main" id="{E689B088-6FBC-D03B-F09D-F0FC4736C390}"/>
               </a:ext>
             </a:extLst>
           </p:cNvPr>
@@ -7440,7 +10747,7 @@
         </p:nvCxnSpPr>
         <p:spPr>
           <a:xfrm>
-            <a:off x="856064" y="2252345"/>
+            <a:off x="1037039" y="3652520"/>
             <a:ext cx="8543968" cy="0"/>
           </a:xfrm>
           <a:prstGeom prst="line">
@@ -7462,10 +10769,178 @@
           </a:fontRef>
         </p:style>
       </p:cxnSp>
+      <p:sp>
+        <p:nvSpPr>
+          <p:cNvPr id="14" name="Ovale 10">
+            <a:extLst>
+              <a:ext uri="{FF2B5EF4-FFF2-40B4-BE49-F238E27FC236}">
+                <a16:creationId xmlns:a16="http://schemas.microsoft.com/office/drawing/2014/main" id="{AD750130-ED04-2AFC-E532-6CACF67E55EC}"/>
+              </a:ext>
+            </a:extLst>
+          </p:cNvPr>
+          <p:cNvSpPr/>
+          <p:nvPr/>
+        </p:nvSpPr>
+        <p:spPr>
+          <a:xfrm>
+            <a:off x="631056" y="2452951"/>
+            <a:ext cx="211924" cy="211924"/>
+          </a:xfrm>
+          <a:prstGeom prst="ellipse">
+            <a:avLst/>
+          </a:prstGeom>
+          <a:solidFill>
+            <a:srgbClr val="0071AA"/>
+          </a:solidFill>
+          <a:ln>
+            <a:noFill/>
+          </a:ln>
+        </p:spPr>
+        <p:style>
+          <a:lnRef idx="2">
+            <a:schemeClr val="accent1">
+              <a:shade val="50000"/>
+            </a:schemeClr>
+          </a:lnRef>
+          <a:fillRef idx="1">
+            <a:schemeClr val="accent1"/>
+          </a:fillRef>
+          <a:effectRef idx="0">
+            <a:schemeClr val="accent1"/>
+          </a:effectRef>
+          <a:fontRef idx="minor">
+            <a:schemeClr val="lt1"/>
+          </a:fontRef>
+        </p:style>
+        <p:txBody>
+          <a:bodyPr rtlCol="0" anchor="ctr"/>
+          <a:lstStyle/>
+          <a:p>
+            <a:pPr algn="ctr"/>
+            <a:endParaRPr lang="en-GB" dirty="0">
+              <a:latin typeface="Verdana" panose="020B0604030504040204" pitchFamily="34" charset="0"/>
+              <a:ea typeface="Verdana" panose="020B0604030504040204" pitchFamily="34" charset="0"/>
+              <a:cs typeface="Verdana" panose="020B0604030504040204" pitchFamily="34" charset="0"/>
+            </a:endParaRPr>
+          </a:p>
+        </p:txBody>
+      </p:sp>
+      <p:sp>
+        <p:nvSpPr>
+          <p:cNvPr id="15" name="Ovale 10">
+            <a:extLst>
+              <a:ext uri="{FF2B5EF4-FFF2-40B4-BE49-F238E27FC236}">
+                <a16:creationId xmlns:a16="http://schemas.microsoft.com/office/drawing/2014/main" id="{CF2BD71F-E9FE-50BA-DC2F-309DA0FABE3E}"/>
+              </a:ext>
+            </a:extLst>
+          </p:cNvPr>
+          <p:cNvSpPr/>
+          <p:nvPr/>
+        </p:nvSpPr>
+        <p:spPr>
+          <a:xfrm>
+            <a:off x="638208" y="3321176"/>
+            <a:ext cx="211924" cy="211924"/>
+          </a:xfrm>
+          <a:prstGeom prst="ellipse">
+            <a:avLst/>
+          </a:prstGeom>
+          <a:solidFill>
+            <a:srgbClr val="0071AA"/>
+          </a:solidFill>
+          <a:ln>
+            <a:noFill/>
+          </a:ln>
+        </p:spPr>
+        <p:style>
+          <a:lnRef idx="2">
+            <a:schemeClr val="accent1">
+              <a:shade val="50000"/>
+            </a:schemeClr>
+          </a:lnRef>
+          <a:fillRef idx="1">
+            <a:schemeClr val="accent1"/>
+          </a:fillRef>
+          <a:effectRef idx="0">
+            <a:schemeClr val="accent1"/>
+          </a:effectRef>
+          <a:fontRef idx="minor">
+            <a:schemeClr val="lt1"/>
+          </a:fontRef>
+        </p:style>
+        <p:txBody>
+          <a:bodyPr rtlCol="0" anchor="ctr"/>
+          <a:lstStyle/>
+          <a:p>
+            <a:pPr algn="ctr"/>
+            <a:endParaRPr lang="en-GB" dirty="0">
+              <a:latin typeface="Verdana" panose="020B0604030504040204" pitchFamily="34" charset="0"/>
+              <a:ea typeface="Verdana" panose="020B0604030504040204" pitchFamily="34" charset="0"/>
+              <a:cs typeface="Verdana" panose="020B0604030504040204" pitchFamily="34" charset="0"/>
+            </a:endParaRPr>
+          </a:p>
+        </p:txBody>
+      </p:sp>
+      <p:sp>
+        <p:nvSpPr>
+          <p:cNvPr id="16" name="Ovale 10">
+            <a:extLst>
+              <a:ext uri="{FF2B5EF4-FFF2-40B4-BE49-F238E27FC236}">
+                <a16:creationId xmlns:a16="http://schemas.microsoft.com/office/drawing/2014/main" id="{6D553608-A697-EFBA-A30F-24DDCAEEEAFD}"/>
+              </a:ext>
+            </a:extLst>
+          </p:cNvPr>
+          <p:cNvSpPr/>
+          <p:nvPr/>
+        </p:nvSpPr>
+        <p:spPr>
+          <a:xfrm>
+            <a:off x="638208" y="4258793"/>
+            <a:ext cx="211924" cy="211924"/>
+          </a:xfrm>
+          <a:prstGeom prst="ellipse">
+            <a:avLst/>
+          </a:prstGeom>
+          <a:solidFill>
+            <a:srgbClr val="0071AA"/>
+          </a:solidFill>
+          <a:ln>
+            <a:noFill/>
+          </a:ln>
+        </p:spPr>
+        <p:style>
+          <a:lnRef idx="2">
+            <a:schemeClr val="accent1">
+              <a:shade val="50000"/>
+            </a:schemeClr>
+          </a:lnRef>
+          <a:fillRef idx="1">
+            <a:schemeClr val="accent1"/>
+          </a:fillRef>
+          <a:effectRef idx="0">
+            <a:schemeClr val="accent1"/>
+          </a:effectRef>
+          <a:fontRef idx="minor">
+            <a:schemeClr val="lt1"/>
+          </a:fontRef>
+        </p:style>
+        <p:txBody>
+          <a:bodyPr rtlCol="0" anchor="ctr"/>
+          <a:lstStyle/>
+          <a:p>
+            <a:pPr algn="ctr"/>
+            <a:endParaRPr lang="en-GB" dirty="0">
+              <a:latin typeface="Verdana" panose="020B0604030504040204" pitchFamily="34" charset="0"/>
+              <a:ea typeface="Verdana" panose="020B0604030504040204" pitchFamily="34" charset="0"/>
+              <a:cs typeface="Verdana" panose="020B0604030504040204" pitchFamily="34" charset="0"/>
+            </a:endParaRPr>
+          </a:p>
+        </p:txBody>
+      </p:sp>
     </p:spTree>
     <p:extLst>
       <p:ext uri="{BB962C8B-B14F-4D97-AF65-F5344CB8AC3E}">
-        <p14:creationId xmlns:p14="http://schemas.microsoft.com/office/powerpoint/2010/main" val="2682286796"/>
+        <p14:creationId xmlns:p14="http://schemas.microsoft.com/office/powerpoint/2010/main" val="1656107090"/>
       </p:ext>
     </p:extLst>
   </p:cSld>
@@ -7475,7 +10950,7 @@
 </p:sld>
 </file>
 
-<file path=ppt/slides/slide3.xml><?xml version="1.0" encoding="utf-8"?>
+<file path=ppt/slides/slide4.xml><?xml version="1.0" encoding="utf-8"?>
 <p:sld xmlns:a="http://schemas.openxmlformats.org/drawingml/2006/main" xmlns:r="http://schemas.openxmlformats.org/officeDocument/2006/relationships" xmlns:p="http://schemas.openxmlformats.org/presentationml/2006/main">
   <p:cSld>
     <p:spTree>
@@ -7835,7 +11310,7 @@
                 <a:ea typeface="Proxima Nova Semibold" charset="0"/>
                 <a:cs typeface="Proxima Nova Semibold" charset="0"/>
               </a:rPr>
-              <a:t>03 Estimated investiment</a:t>
+              <a:t>03 Estimated investiment and time</a:t>
             </a:r>
           </a:p>
         </p:txBody>
@@ -8242,9 +11717,13 @@
             </a:r>
           </a:p>
           <a:p>
+            <a:pPr marL="285750" indent="-285750">
+              <a:buFont typeface="Wingdings" panose="05000000000000000000" pitchFamily="2" charset="2"/>
+              <a:buChar char="§"/>
+            </a:pPr>
             <a:r>
               <a:rPr lang="en-US" sz="1200" dirty="0"/>
-              <a:t> </a:t>
+              <a:t>Three-year execution period." </a:t>
             </a:r>
           </a:p>
           <a:p>
@@ -9829,18 +13308,12 @@
 </p:sld>
 </file>
 
-<file path=ppt/slides/slide4.xml><?xml version="1.0" encoding="utf-8"?>
+<file path=ppt/slides/slide5.xml><?xml version="1.0" encoding="utf-8"?>
 <p:sld xmlns:a="http://schemas.openxmlformats.org/drawingml/2006/main" xmlns:r="http://schemas.openxmlformats.org/officeDocument/2006/relationships" xmlns:p="http://schemas.openxmlformats.org/presentationml/2006/main">
   <p:cSld>
     <p:spTree>
       <p:nvGrpSpPr>
-        <p:cNvPr id="1" name="">
-          <a:extLst>
-            <a:ext uri="{FF2B5EF4-FFF2-40B4-BE49-F238E27FC236}">
-              <a16:creationId xmlns:a16="http://schemas.microsoft.com/office/drawing/2014/main" id="{E18CFD74-BE70-770E-7192-996ABF2C0AA6}"/>
-            </a:ext>
-          </a:extLst>
-        </p:cNvPr>
+        <p:cNvPr id="1" name=""/>
         <p:cNvGrpSpPr/>
         <p:nvPr/>
       </p:nvGrpSpPr>
@@ -9857,7 +13330,7 @@
           <p:cNvPr id="2" name="Título 1">
             <a:extLst>
               <a:ext uri="{FF2B5EF4-FFF2-40B4-BE49-F238E27FC236}">
-                <a16:creationId xmlns:a16="http://schemas.microsoft.com/office/drawing/2014/main" id="{3E672F24-57DD-3827-89EA-4F4EE19332DD}"/>
+                <a16:creationId xmlns:a16="http://schemas.microsoft.com/office/drawing/2014/main" id="{DF4A8CC4-EBFE-A9F4-C52C-4F5B44FC0CDF}"/>
               </a:ext>
             </a:extLst>
           </p:cNvPr>
@@ -9885,7 +13358,7 @@
           <p:cNvPr id="3" name="Marcador de contenido 2">
             <a:extLst>
               <a:ext uri="{FF2B5EF4-FFF2-40B4-BE49-F238E27FC236}">
-                <a16:creationId xmlns:a16="http://schemas.microsoft.com/office/drawing/2014/main" id="{3A675FDB-010C-A9D4-48B6-F9C58FE68E8B}"/>
+                <a16:creationId xmlns:a16="http://schemas.microsoft.com/office/drawing/2014/main" id="{950106B3-7EBF-AD10-ADD0-7CE5EBF9637A}"/>
               </a:ext>
             </a:extLst>
           </p:cNvPr>
@@ -9896,7 +13369,12 @@
             <p:ph idx="1"/>
           </p:nvPr>
         </p:nvSpPr>
-        <p:spPr/>
+        <p:spPr>
+          <a:xfrm>
+            <a:off x="921554" y="1870075"/>
+            <a:ext cx="10515600" cy="4351338"/>
+          </a:xfrm>
+        </p:spPr>
         <p:txBody>
           <a:bodyPr>
             <a:normAutofit/>
@@ -9906,9 +13384,60 @@
             <a:pPr marL="0" indent="0">
               <a:buNone/>
             </a:pPr>
+            <a:endParaRPr lang="es-ES" sz="2400" dirty="0"/>
+          </a:p>
+          <a:p>
+            <a:pPr marL="0" indent="0">
+              <a:buNone/>
+            </a:pPr>
+            <a:r>
+              <a:rPr lang="en-US" sz="2400" dirty="0"/>
+              <a:t>Introduction to Data-Driven Company</a:t>
+            </a:r>
+          </a:p>
+          <a:p>
+            <a:pPr marL="0" indent="0">
+              <a:buNone/>
+            </a:pPr>
+            <a:endParaRPr lang="en-US" sz="2400" dirty="0"/>
+          </a:p>
+          <a:p>
+            <a:pPr marL="0" indent="0">
+              <a:buNone/>
+            </a:pPr>
             <a:r>
               <a:rPr lang="en-US" sz="2400" dirty="0"/>
               <a:t>Data-Driven Platform to Accelerate AI-Powered Sales Intelligence</a:t>
+            </a:r>
+          </a:p>
+          <a:p>
+            <a:pPr marL="0" indent="0">
+              <a:buNone/>
+            </a:pPr>
+            <a:endParaRPr lang="en-US" sz="2400" dirty="0"/>
+          </a:p>
+          <a:p>
+            <a:pPr marL="0" indent="0">
+              <a:buNone/>
+            </a:pPr>
+            <a:r>
+              <a:rPr lang="es-ES" sz="2400" dirty="0"/>
+              <a:t>EDW Architecture</a:t>
+            </a:r>
+          </a:p>
+          <a:p>
+            <a:pPr marL="0" indent="0">
+              <a:buNone/>
+            </a:pPr>
+            <a:endParaRPr lang="es-ES" sz="2000" dirty="0"/>
+          </a:p>
+          <a:p>
+            <a:pPr marL="0" indent="0">
+              <a:buNone/>
+            </a:pPr>
+            <a:r>
+              <a:rPr lang="es-ES" sz="2400" dirty="0"/>
+              <a:t>E2E Sales Dashboard Design</a:t>
             </a:r>
           </a:p>
           <a:p>
@@ -9917,30 +13446,6 @@
             </a:pPr>
             <a:endParaRPr lang="es-ES" sz="2400" dirty="0"/>
           </a:p>
-          <a:p>
-            <a:pPr marL="0" indent="0">
-              <a:buNone/>
-            </a:pPr>
-            <a:r>
-              <a:rPr lang="es-ES" sz="2400" dirty="0"/>
-              <a:t>EDW Architecture</a:t>
-            </a:r>
-          </a:p>
-          <a:p>
-            <a:pPr marL="0" indent="0">
-              <a:buNone/>
-            </a:pPr>
-            <a:endParaRPr lang="es-ES" sz="2000" dirty="0"/>
-          </a:p>
-          <a:p>
-            <a:pPr marL="0" indent="0">
-              <a:buNone/>
-            </a:pPr>
-            <a:r>
-              <a:rPr lang="es-ES" sz="2400" dirty="0"/>
-              <a:t>E2E Sales Dashboard Design</a:t>
-            </a:r>
-          </a:p>
         </p:txBody>
       </p:sp>
       <p:cxnSp>
@@ -9948,7 +13453,7 @@
           <p:cNvPr id="5" name="Connettore 1 5">
             <a:extLst>
               <a:ext uri="{FF2B5EF4-FFF2-40B4-BE49-F238E27FC236}">
-                <a16:creationId xmlns:a16="http://schemas.microsoft.com/office/drawing/2014/main" id="{C6F9E801-9385-6014-D809-E380952131D6}"/>
+                <a16:creationId xmlns:a16="http://schemas.microsoft.com/office/drawing/2014/main" id="{3BD6E44D-EA23-D0F9-F4CD-39FF8A4295F4}"/>
               </a:ext>
             </a:extLst>
           </p:cNvPr>
@@ -9987,10 +13492,10 @@
       </p:cxnSp>
       <p:sp>
         <p:nvSpPr>
-          <p:cNvPr id="6" name="Ovale 10">
-            <a:extLst>
-              <a:ext uri="{FF2B5EF4-FFF2-40B4-BE49-F238E27FC236}">
-                <a16:creationId xmlns:a16="http://schemas.microsoft.com/office/drawing/2014/main" id="{20B657A4-C16B-C521-7CC6-AA40E708E9CF}"/>
+          <p:cNvPr id="11" name="Ovale 11">
+            <a:extLst>
+              <a:ext uri="{FF2B5EF4-FFF2-40B4-BE49-F238E27FC236}">
+                <a16:creationId xmlns:a16="http://schemas.microsoft.com/office/drawing/2014/main" id="{3204F108-20A1-0F3A-CA38-683B2E4C6E3C}"/>
               </a:ext>
             </a:extLst>
           </p:cNvPr>
@@ -9999,7 +13504,7 @@
         </p:nvSpPr>
         <p:spPr>
           <a:xfrm>
-            <a:off x="644140" y="1929058"/>
+            <a:off x="644140" y="5032375"/>
             <a:ext cx="211924" cy="211924"/>
           </a:xfrm>
           <a:prstGeom prst="ellipse">
@@ -10043,10 +13548,117 @@
       </p:sp>
       <p:sp>
         <p:nvSpPr>
-          <p:cNvPr id="7" name="Ovale 11">
-            <a:extLst>
-              <a:ext uri="{FF2B5EF4-FFF2-40B4-BE49-F238E27FC236}">
-                <a16:creationId xmlns:a16="http://schemas.microsoft.com/office/drawing/2014/main" id="{F2EFC55D-D415-DB65-B844-173EC999FF63}"/>
+          <p:cNvPr id="4" name="CuadroTexto 3">
+            <a:extLst>
+              <a:ext uri="{FF2B5EF4-FFF2-40B4-BE49-F238E27FC236}">
+                <a16:creationId xmlns:a16="http://schemas.microsoft.com/office/drawing/2014/main" id="{40FE8E2B-D623-5AFE-9F49-A573653F9B2A}"/>
+              </a:ext>
+            </a:extLst>
+          </p:cNvPr>
+          <p:cNvSpPr txBox="1"/>
+          <p:nvPr/>
+        </p:nvSpPr>
+        <p:spPr>
+          <a:xfrm>
+            <a:off x="9667495" y="6642556"/>
+            <a:ext cx="2610230" cy="215444"/>
+          </a:xfrm>
+          <a:prstGeom prst="rect">
+            <a:avLst/>
+          </a:prstGeom>
+          <a:noFill/>
+        </p:spPr>
+        <p:txBody>
+          <a:bodyPr wrap="square" rtlCol="0">
+            <a:spAutoFit/>
+          </a:bodyPr>
+          <a:lstStyle/>
+          <a:p>
+            <a:r>
+              <a:rPr lang="es-ES" sz="800" dirty="0"/>
+              <a:t>Data Architect Assesment - Rosa Mestres | June 2025</a:t>
+            </a:r>
+          </a:p>
+        </p:txBody>
+      </p:sp>
+      <p:cxnSp>
+        <p:nvCxnSpPr>
+          <p:cNvPr id="10" name="Conector recto 9">
+            <a:extLst>
+              <a:ext uri="{FF2B5EF4-FFF2-40B4-BE49-F238E27FC236}">
+                <a16:creationId xmlns:a16="http://schemas.microsoft.com/office/drawing/2014/main" id="{262EDF68-A04F-ADB1-AEE8-9EC390485D5D}"/>
+              </a:ext>
+            </a:extLst>
+          </p:cNvPr>
+          <p:cNvCxnSpPr/>
+          <p:nvPr/>
+        </p:nvCxnSpPr>
+        <p:spPr>
+          <a:xfrm>
+            <a:off x="1037039" y="4138295"/>
+            <a:ext cx="8543968" cy="0"/>
+          </a:xfrm>
+          <a:prstGeom prst="line">
+            <a:avLst/>
+          </a:prstGeom>
+        </p:spPr>
+        <p:style>
+          <a:lnRef idx="2">
+            <a:schemeClr val="accent1"/>
+          </a:lnRef>
+          <a:fillRef idx="0">
+            <a:schemeClr val="accent1"/>
+          </a:fillRef>
+          <a:effectRef idx="1">
+            <a:schemeClr val="accent1"/>
+          </a:effectRef>
+          <a:fontRef idx="minor">
+            <a:schemeClr val="tx1"/>
+          </a:fontRef>
+        </p:style>
+      </p:cxnSp>
+      <p:cxnSp>
+        <p:nvCxnSpPr>
+          <p:cNvPr id="8" name="Conector recto 7">
+            <a:extLst>
+              <a:ext uri="{FF2B5EF4-FFF2-40B4-BE49-F238E27FC236}">
+                <a16:creationId xmlns:a16="http://schemas.microsoft.com/office/drawing/2014/main" id="{E857D150-A935-A34D-A6A3-FA069D0F3D4D}"/>
+              </a:ext>
+            </a:extLst>
+          </p:cNvPr>
+          <p:cNvCxnSpPr/>
+          <p:nvPr/>
+        </p:nvCxnSpPr>
+        <p:spPr>
+          <a:xfrm>
+            <a:off x="1037039" y="4528820"/>
+            <a:ext cx="8543968" cy="0"/>
+          </a:xfrm>
+          <a:prstGeom prst="line">
+            <a:avLst/>
+          </a:prstGeom>
+        </p:spPr>
+        <p:style>
+          <a:lnRef idx="2">
+            <a:schemeClr val="accent1"/>
+          </a:lnRef>
+          <a:fillRef idx="0">
+            <a:schemeClr val="accent1"/>
+          </a:fillRef>
+          <a:effectRef idx="1">
+            <a:schemeClr val="accent1"/>
+          </a:effectRef>
+          <a:fontRef idx="minor">
+            <a:schemeClr val="tx1"/>
+          </a:fontRef>
+        </p:style>
+      </p:cxnSp>
+      <p:sp>
+        <p:nvSpPr>
+          <p:cNvPr id="14" name="Ovale 10">
+            <a:extLst>
+              <a:ext uri="{FF2B5EF4-FFF2-40B4-BE49-F238E27FC236}">
+                <a16:creationId xmlns:a16="http://schemas.microsoft.com/office/drawing/2014/main" id="{FF52144E-6990-065F-9704-E1685D5416B1}"/>
               </a:ext>
             </a:extLst>
           </p:cNvPr>
@@ -10055,7 +13667,7 @@
         </p:nvSpPr>
         <p:spPr>
           <a:xfrm>
-            <a:off x="626276" y="2826597"/>
+            <a:off x="631056" y="2452951"/>
             <a:ext cx="211924" cy="211924"/>
           </a:xfrm>
           <a:prstGeom prst="ellipse">
@@ -10099,10 +13711,10 @@
       </p:sp>
       <p:sp>
         <p:nvSpPr>
-          <p:cNvPr id="11" name="Ovale 11">
-            <a:extLst>
-              <a:ext uri="{FF2B5EF4-FFF2-40B4-BE49-F238E27FC236}">
-                <a16:creationId xmlns:a16="http://schemas.microsoft.com/office/drawing/2014/main" id="{63CB521E-F57C-3A53-D291-BF70BC3BAF51}"/>
+          <p:cNvPr id="15" name="Ovale 10">
+            <a:extLst>
+              <a:ext uri="{FF2B5EF4-FFF2-40B4-BE49-F238E27FC236}">
+                <a16:creationId xmlns:a16="http://schemas.microsoft.com/office/drawing/2014/main" id="{31E393A1-5816-84E3-4B09-2E9B9A84989F}"/>
               </a:ext>
             </a:extLst>
           </p:cNvPr>
@@ -10111,7 +13723,7 @@
         </p:nvSpPr>
         <p:spPr>
           <a:xfrm>
-            <a:off x="633429" y="3724136"/>
+            <a:off x="638208" y="3321176"/>
             <a:ext cx="211924" cy="211924"/>
           </a:xfrm>
           <a:prstGeom prst="ellipse">
@@ -10155,115 +13767,64 @@
       </p:sp>
       <p:sp>
         <p:nvSpPr>
-          <p:cNvPr id="4" name="CuadroTexto 3">
-            <a:extLst>
-              <a:ext uri="{FF2B5EF4-FFF2-40B4-BE49-F238E27FC236}">
-                <a16:creationId xmlns:a16="http://schemas.microsoft.com/office/drawing/2014/main" id="{90471DDB-A1F3-2BBF-F49F-E75A79DA1667}"/>
-              </a:ext>
-            </a:extLst>
-          </p:cNvPr>
-          <p:cNvSpPr txBox="1"/>
+          <p:cNvPr id="16" name="Ovale 10">
+            <a:extLst>
+              <a:ext uri="{FF2B5EF4-FFF2-40B4-BE49-F238E27FC236}">
+                <a16:creationId xmlns:a16="http://schemas.microsoft.com/office/drawing/2014/main" id="{93545343-A24C-74FF-1A3A-17677F2882FE}"/>
+              </a:ext>
+            </a:extLst>
+          </p:cNvPr>
+          <p:cNvSpPr/>
           <p:nvPr/>
         </p:nvSpPr>
         <p:spPr>
           <a:xfrm>
-            <a:off x="9667495" y="6642556"/>
-            <a:ext cx="2610230" cy="215444"/>
-          </a:xfrm>
-          <a:prstGeom prst="rect">
+            <a:off x="638208" y="4258793"/>
+            <a:ext cx="211924" cy="211924"/>
+          </a:xfrm>
+          <a:prstGeom prst="ellipse">
             <a:avLst/>
           </a:prstGeom>
-          <a:noFill/>
-        </p:spPr>
-        <p:txBody>
-          <a:bodyPr wrap="square" rtlCol="0">
-            <a:spAutoFit/>
-          </a:bodyPr>
-          <a:lstStyle/>
-          <a:p>
-            <a:r>
-              <a:rPr lang="es-ES" sz="800" dirty="0"/>
-              <a:t>Data Architect Assesment - Rosa Mestres | June 2025</a:t>
-            </a:r>
-          </a:p>
-        </p:txBody>
-      </p:sp>
-      <p:cxnSp>
-        <p:nvCxnSpPr>
-          <p:cNvPr id="9" name="Conector recto 8">
-            <a:extLst>
-              <a:ext uri="{FF2B5EF4-FFF2-40B4-BE49-F238E27FC236}">
-                <a16:creationId xmlns:a16="http://schemas.microsoft.com/office/drawing/2014/main" id="{A4A1C669-2055-46B4-C64C-7590008859EC}"/>
-              </a:ext>
-            </a:extLst>
-          </p:cNvPr>
-          <p:cNvCxnSpPr/>
-          <p:nvPr/>
-        </p:nvCxnSpPr>
-        <p:spPr>
-          <a:xfrm>
-            <a:off x="856064" y="3160649"/>
-            <a:ext cx="8543968" cy="0"/>
-          </a:xfrm>
-          <a:prstGeom prst="line">
-            <a:avLst/>
-          </a:prstGeom>
+          <a:solidFill>
+            <a:srgbClr val="0071AA"/>
+          </a:solidFill>
+          <a:ln>
+            <a:noFill/>
+          </a:ln>
         </p:spPr>
         <p:style>
           <a:lnRef idx="2">
-            <a:schemeClr val="accent1"/>
+            <a:schemeClr val="accent1">
+              <a:shade val="50000"/>
+            </a:schemeClr>
           </a:lnRef>
-          <a:fillRef idx="0">
+          <a:fillRef idx="1">
             <a:schemeClr val="accent1"/>
           </a:fillRef>
-          <a:effectRef idx="1">
+          <a:effectRef idx="0">
             <a:schemeClr val="accent1"/>
           </a:effectRef>
           <a:fontRef idx="minor">
-            <a:schemeClr val="tx1"/>
+            <a:schemeClr val="lt1"/>
           </a:fontRef>
         </p:style>
-      </p:cxnSp>
-      <p:cxnSp>
-        <p:nvCxnSpPr>
-          <p:cNvPr id="8" name="Conector recto 7">
-            <a:extLst>
-              <a:ext uri="{FF2B5EF4-FFF2-40B4-BE49-F238E27FC236}">
-                <a16:creationId xmlns:a16="http://schemas.microsoft.com/office/drawing/2014/main" id="{5C512524-5BBE-916B-3295-B8C672A09A84}"/>
-              </a:ext>
-            </a:extLst>
-          </p:cNvPr>
-          <p:cNvCxnSpPr/>
-          <p:nvPr/>
-        </p:nvCxnSpPr>
-        <p:spPr>
-          <a:xfrm>
-            <a:off x="856064" y="2746121"/>
-            <a:ext cx="8543968" cy="0"/>
-          </a:xfrm>
-          <a:prstGeom prst="line">
-            <a:avLst/>
-          </a:prstGeom>
-        </p:spPr>
-        <p:style>
-          <a:lnRef idx="2">
-            <a:schemeClr val="accent1"/>
-          </a:lnRef>
-          <a:fillRef idx="0">
-            <a:schemeClr val="accent1"/>
-          </a:fillRef>
-          <a:effectRef idx="1">
-            <a:schemeClr val="accent1"/>
-          </a:effectRef>
-          <a:fontRef idx="minor">
-            <a:schemeClr val="tx1"/>
-          </a:fontRef>
-        </p:style>
-      </p:cxnSp>
+        <p:txBody>
+          <a:bodyPr rtlCol="0" anchor="ctr"/>
+          <a:lstStyle/>
+          <a:p>
+            <a:pPr algn="ctr"/>
+            <a:endParaRPr lang="en-GB" dirty="0">
+              <a:latin typeface="Verdana" panose="020B0604030504040204" pitchFamily="34" charset="0"/>
+              <a:ea typeface="Verdana" panose="020B0604030504040204" pitchFamily="34" charset="0"/>
+              <a:cs typeface="Verdana" panose="020B0604030504040204" pitchFamily="34" charset="0"/>
+            </a:endParaRPr>
+          </a:p>
+        </p:txBody>
+      </p:sp>
     </p:spTree>
     <p:extLst>
       <p:ext uri="{BB962C8B-B14F-4D97-AF65-F5344CB8AC3E}">
-        <p14:creationId xmlns:p14="http://schemas.microsoft.com/office/powerpoint/2010/main" val="2120861030"/>
+        <p14:creationId xmlns:p14="http://schemas.microsoft.com/office/powerpoint/2010/main" val="2682286796"/>
       </p:ext>
     </p:extLst>
   </p:cSld>
@@ -10273,7 +13834,7 @@
 </p:sld>
 </file>
 
-<file path=ppt/slides/slide5.xml><?xml version="1.0" encoding="utf-8"?>
+<file path=ppt/slides/slide6.xml><?xml version="1.0" encoding="utf-8"?>
 <p:sld xmlns:a="http://schemas.openxmlformats.org/drawingml/2006/main" xmlns:r="http://schemas.openxmlformats.org/officeDocument/2006/relationships" xmlns:p="http://schemas.openxmlformats.org/presentationml/2006/main">
   <p:cSld>
     <p:spTree>
@@ -10600,10 +14161,10 @@
       </p:sp>
       <p:pic>
         <p:nvPicPr>
-          <p:cNvPr id="11" name="Imagen 10">
-            <a:extLst>
-              <a:ext uri="{FF2B5EF4-FFF2-40B4-BE49-F238E27FC236}">
-                <a16:creationId xmlns:a16="http://schemas.microsoft.com/office/drawing/2014/main" id="{B8A0E221-7C7E-FABC-06B4-8A2090E47D07}"/>
+          <p:cNvPr id="3" name="Imagen 2">
+            <a:extLst>
+              <a:ext uri="{FF2B5EF4-FFF2-40B4-BE49-F238E27FC236}">
+                <a16:creationId xmlns:a16="http://schemas.microsoft.com/office/drawing/2014/main" id="{C83E2F4E-9913-7C77-117B-FF992BFFA22E}"/>
               </a:ext>
             </a:extLst>
           </p:cNvPr>
@@ -10620,8 +14181,8 @@
         </p:blipFill>
         <p:spPr>
           <a:xfrm>
-            <a:off x="1824453" y="1480400"/>
-            <a:ext cx="7502201" cy="5177575"/>
+            <a:off x="1841268" y="1356539"/>
+            <a:ext cx="8501063" cy="5440680"/>
           </a:xfrm>
           <a:prstGeom prst="rect">
             <a:avLst/>
@@ -10641,7 +14202,7 @@
 </p:sld>
 </file>
 
-<file path=ppt/slides/slide6.xml><?xml version="1.0" encoding="utf-8"?>
+<file path=ppt/slides/slide7.xml><?xml version="1.0" encoding="utf-8"?>
 <p:sld xmlns:a="http://schemas.openxmlformats.org/drawingml/2006/main" xmlns:r="http://schemas.openxmlformats.org/officeDocument/2006/relationships" xmlns:p="http://schemas.openxmlformats.org/presentationml/2006/main">
   <p:cSld>
     <p:spTree>
@@ -10968,10 +14529,10 @@
       </p:sp>
       <p:pic>
         <p:nvPicPr>
-          <p:cNvPr id="8" name="Imagen 7">
-            <a:extLst>
-              <a:ext uri="{FF2B5EF4-FFF2-40B4-BE49-F238E27FC236}">
-                <a16:creationId xmlns:a16="http://schemas.microsoft.com/office/drawing/2014/main" id="{201C268F-807D-F3B2-7ABF-69BFDC1A710D}"/>
+          <p:cNvPr id="3" name="Imagen 2">
+            <a:extLst>
+              <a:ext uri="{FF2B5EF4-FFF2-40B4-BE49-F238E27FC236}">
+                <a16:creationId xmlns:a16="http://schemas.microsoft.com/office/drawing/2014/main" id="{9E898721-B4E1-CCA9-EC11-ED425C1B922F}"/>
               </a:ext>
             </a:extLst>
           </p:cNvPr>
@@ -10988,8 +14549,8 @@
         </p:blipFill>
         <p:spPr>
           <a:xfrm>
-            <a:off x="1769246" y="1400117"/>
-            <a:ext cx="8097130" cy="5153428"/>
+            <a:off x="2304366" y="1453513"/>
+            <a:ext cx="8182279" cy="5197498"/>
           </a:xfrm>
           <a:prstGeom prst="rect">
             <a:avLst/>
@@ -11009,7 +14570,7 @@
 </p:sld>
 </file>
 
-<file path=ppt/slides/slide7.xml><?xml version="1.0" encoding="utf-8"?>
+<file path=ppt/slides/slide8.xml><?xml version="1.0" encoding="utf-8"?>
 <p:sld xmlns:a="http://schemas.openxmlformats.org/drawingml/2006/main" xmlns:r="http://schemas.openxmlformats.org/officeDocument/2006/relationships" xmlns:p="http://schemas.openxmlformats.org/presentationml/2006/main">
   <p:cSld>
     <p:spTree>
@@ -11219,10 +14780,10 @@
       </p:sp>
       <p:sp>
         <p:nvSpPr>
-          <p:cNvPr id="3" name="CuadroTexto 2">
-            <a:extLst>
-              <a:ext uri="{FF2B5EF4-FFF2-40B4-BE49-F238E27FC236}">
-                <a16:creationId xmlns:a16="http://schemas.microsoft.com/office/drawing/2014/main" id="{5145953C-6D31-3FDC-23D6-280F454EDFFE}"/>
+          <p:cNvPr id="11" name="TextBox 38">
+            <a:extLst>
+              <a:ext uri="{FF2B5EF4-FFF2-40B4-BE49-F238E27FC236}">
+                <a16:creationId xmlns:a16="http://schemas.microsoft.com/office/drawing/2014/main" id="{D22269D1-591F-F31E-8E2C-3ADDEB2A1BA4}"/>
               </a:ext>
             </a:extLst>
           </p:cNvPr>
@@ -11231,42 +14792,7 @@
         </p:nvSpPr>
         <p:spPr>
           <a:xfrm>
-            <a:off x="4607161" y="3452662"/>
-            <a:ext cx="3200401" cy="369332"/>
-          </a:xfrm>
-          <a:prstGeom prst="rect">
-            <a:avLst/>
-          </a:prstGeom>
-          <a:noFill/>
-        </p:spPr>
-        <p:txBody>
-          <a:bodyPr wrap="square" rtlCol="0">
-            <a:spAutoFit/>
-          </a:bodyPr>
-          <a:lstStyle/>
-          <a:p>
-            <a:r>
-              <a:rPr lang="es-ES" dirty="0"/>
-              <a:t>DataOps Efficiency &amp; Control</a:t>
-            </a:r>
-          </a:p>
-        </p:txBody>
-      </p:sp>
-      <p:sp>
-        <p:nvSpPr>
-          <p:cNvPr id="11" name="TextBox 38">
-            <a:extLst>
-              <a:ext uri="{FF2B5EF4-FFF2-40B4-BE49-F238E27FC236}">
-                <a16:creationId xmlns:a16="http://schemas.microsoft.com/office/drawing/2014/main" id="{D22269D1-591F-F31E-8E2C-3ADDEB2A1BA4}"/>
-              </a:ext>
-            </a:extLst>
-          </p:cNvPr>
-          <p:cNvSpPr txBox="1"/>
-          <p:nvPr/>
-        </p:nvSpPr>
-        <p:spPr>
-          <a:xfrm>
-            <a:off x="8259750" y="4564274"/>
+            <a:off x="6513291" y="3964644"/>
             <a:ext cx="3680328" cy="461665"/>
           </a:xfrm>
           <a:prstGeom prst="rect">
@@ -11308,7 +14834,7 @@
         </p:nvSpPr>
         <p:spPr>
           <a:xfrm>
-            <a:off x="448758" y="4564274"/>
+            <a:off x="1920942" y="3964644"/>
             <a:ext cx="3680328" cy="461665"/>
           </a:xfrm>
           <a:prstGeom prst="rect">
@@ -11353,7 +14879,7 @@
         </p:nvSpPr>
         <p:spPr>
           <a:xfrm>
-            <a:off x="8221030" y="1501227"/>
+            <a:off x="8100896" y="1484337"/>
             <a:ext cx="3680328" cy="461665"/>
           </a:xfrm>
           <a:prstGeom prst="rect">
@@ -11398,7 +14924,7 @@
         </p:nvSpPr>
         <p:spPr>
           <a:xfrm>
-            <a:off x="510671" y="1576349"/>
+            <a:off x="526197" y="1495821"/>
             <a:ext cx="3680328" cy="461665"/>
           </a:xfrm>
           <a:prstGeom prst="rect">
@@ -11443,7 +14969,7 @@
         </p:nvSpPr>
         <p:spPr>
           <a:xfrm>
-            <a:off x="8259750" y="1962892"/>
+            <a:off x="8178335" y="1937593"/>
             <a:ext cx="3602889" cy="1384995"/>
           </a:xfrm>
           <a:prstGeom prst="rect">
@@ -11541,7 +15067,7 @@
         </p:nvCxnSpPr>
         <p:spPr>
           <a:xfrm>
-            <a:off x="8259750" y="2655390"/>
+            <a:off x="8178335" y="2630091"/>
             <a:ext cx="3602889" cy="0"/>
           </a:xfrm>
           <a:prstGeom prst="line">
@@ -11585,7 +15111,7 @@
         </p:nvSpPr>
         <p:spPr>
           <a:xfrm>
-            <a:off x="8221030" y="5025939"/>
+            <a:off x="6474571" y="4426309"/>
             <a:ext cx="3602889" cy="1200329"/>
           </a:xfrm>
           <a:prstGeom prst="rect">
@@ -11680,7 +15206,7 @@
         </p:nvCxnSpPr>
         <p:spPr>
           <a:xfrm>
-            <a:off x="8221030" y="5706826"/>
+            <a:off x="6474571" y="5107196"/>
             <a:ext cx="3602889" cy="0"/>
           </a:xfrm>
           <a:prstGeom prst="line">
@@ -11721,7 +15247,7 @@
         </p:nvSpPr>
         <p:spPr>
           <a:xfrm>
-            <a:off x="568750" y="2055224"/>
+            <a:off x="526197" y="2038050"/>
             <a:ext cx="3602889" cy="1569660"/>
           </a:xfrm>
           <a:prstGeom prst="rect">
@@ -11829,7 +15355,7 @@
         </p:nvCxnSpPr>
         <p:spPr>
           <a:xfrm>
-            <a:off x="526197" y="2934701"/>
+            <a:off x="564916" y="2917527"/>
             <a:ext cx="3602889" cy="0"/>
           </a:xfrm>
           <a:prstGeom prst="line">
@@ -11873,7 +15399,7 @@
         </p:nvSpPr>
         <p:spPr>
           <a:xfrm>
-            <a:off x="526197" y="5003450"/>
+            <a:off x="1998381" y="4403820"/>
             <a:ext cx="3602889" cy="1384995"/>
           </a:xfrm>
           <a:prstGeom prst="rect">
@@ -11971,7 +15497,7 @@
         </p:nvCxnSpPr>
         <p:spPr>
           <a:xfrm>
-            <a:off x="526197" y="5695948"/>
+            <a:off x="1998381" y="5096318"/>
             <a:ext cx="3602889" cy="0"/>
           </a:xfrm>
           <a:prstGeom prst="line">
@@ -12015,7 +15541,7 @@
         </p:nvSpPr>
         <p:spPr>
           <a:xfrm>
-            <a:off x="4649116" y="4541785"/>
+            <a:off x="4427147" y="1467637"/>
             <a:ext cx="2885366" cy="461665"/>
           </a:xfrm>
           <a:prstGeom prst="rect">
@@ -12062,7 +15588,7 @@
         </p:nvSpPr>
         <p:spPr>
           <a:xfrm>
-            <a:off x="4460027" y="5003450"/>
+            <a:off x="4238058" y="1929302"/>
             <a:ext cx="3602889" cy="1384995"/>
           </a:xfrm>
           <a:prstGeom prst="rect">
@@ -12098,15 +15624,7 @@
             </a:pPr>
             <a:r>
               <a:rPr lang="en-US" sz="1200" dirty="0"/>
-              <a:t>Pipelines, notebooks, models &amp; datasets as modular building blocks , linked services, </a:t>
-            </a:r>
-            <a:r>
-              <a:rPr lang="en-US" sz="1200" dirty="0" err="1"/>
-              <a:t>db</a:t>
-            </a:r>
-            <a:r>
-              <a:rPr lang="en-US" sz="1200" dirty="0"/>
-              <a:t> objects, scripts SQL if required, ML models</a:t>
+              <a:t>Pipelines, notebooks, models &amp; datasets as modular building blocks , linked services, db objects, scripts SQL if required, ML models</a:t>
             </a:r>
           </a:p>
           <a:p>
@@ -12151,7 +15669,7 @@
         </p:nvCxnSpPr>
         <p:spPr>
           <a:xfrm>
-            <a:off x="4607161" y="5697298"/>
+            <a:off x="4385192" y="2623150"/>
             <a:ext cx="3455755" cy="9528"/>
           </a:xfrm>
           <a:prstGeom prst="line">
@@ -12176,7 +15694,7 @@
     </p:spTree>
     <p:extLst>
       <p:ext uri="{BB962C8B-B14F-4D97-AF65-F5344CB8AC3E}">
-        <p14:creationId xmlns:p14="http://schemas.microsoft.com/office/powerpoint/2010/main" val="1180550671"/>
+        <p14:creationId xmlns:p14="http://schemas.microsoft.com/office/powerpoint/2010/main" val="3511005881"/>
       </p:ext>
     </p:extLst>
   </p:cSld>
@@ -12186,7 +15704,7 @@
 </p:sld>
 </file>
 
-<file path=ppt/slides/slide8.xml><?xml version="1.0" encoding="utf-8"?>
+<file path=ppt/slides/slide9.xml><?xml version="1.0" encoding="utf-8"?>
 <p:sld xmlns:a="http://schemas.openxmlformats.org/drawingml/2006/main" xmlns:r="http://schemas.openxmlformats.org/officeDocument/2006/relationships" xmlns:p="http://schemas.openxmlformats.org/presentationml/2006/main">
   <p:cSld>
     <p:spTree>
@@ -12194,7 +15712,7 @@
         <p:cNvPr id="1" name="">
           <a:extLst>
             <a:ext uri="{FF2B5EF4-FFF2-40B4-BE49-F238E27FC236}">
-              <a16:creationId xmlns:a16="http://schemas.microsoft.com/office/drawing/2014/main" id="{7F126013-61C7-45DC-163F-D199A9F35C20}"/>
+              <a16:creationId xmlns:a16="http://schemas.microsoft.com/office/drawing/2014/main" id="{E2A0976D-C800-9ED0-B406-437462535BA6}"/>
             </a:ext>
           </a:extLst>
         </p:cNvPr>
@@ -12214,7 +15732,7 @@
           <p:cNvPr id="2" name="Título 1">
             <a:extLst>
               <a:ext uri="{FF2B5EF4-FFF2-40B4-BE49-F238E27FC236}">
-                <a16:creationId xmlns:a16="http://schemas.microsoft.com/office/drawing/2014/main" id="{623A5083-BD95-FEB8-FD24-83CB73C14CB7}"/>
+                <a16:creationId xmlns:a16="http://schemas.microsoft.com/office/drawing/2014/main" id="{8861A5AC-9D29-D213-2080-596781421F28}"/>
               </a:ext>
             </a:extLst>
           </p:cNvPr>
@@ -12242,7 +15760,7 @@
           <p:cNvPr id="3" name="Marcador de contenido 2">
             <a:extLst>
               <a:ext uri="{FF2B5EF4-FFF2-40B4-BE49-F238E27FC236}">
-                <a16:creationId xmlns:a16="http://schemas.microsoft.com/office/drawing/2014/main" id="{60F668D3-2EED-4933-0DD6-F4A74497405B}"/>
+                <a16:creationId xmlns:a16="http://schemas.microsoft.com/office/drawing/2014/main" id="{D97B308E-9AAA-0566-E90E-3BC907BCF05F}"/>
               </a:ext>
             </a:extLst>
           </p:cNvPr>
@@ -12253,7 +15771,12 @@
             <p:ph idx="1"/>
           </p:nvPr>
         </p:nvSpPr>
-        <p:spPr/>
+        <p:spPr>
+          <a:xfrm>
+            <a:off x="921554" y="1870075"/>
+            <a:ext cx="10515600" cy="4351338"/>
+          </a:xfrm>
+        </p:spPr>
         <p:txBody>
           <a:bodyPr>
             <a:normAutofit/>
@@ -12263,9 +15786,60 @@
             <a:pPr marL="0" indent="0">
               <a:buNone/>
             </a:pPr>
+            <a:endParaRPr lang="es-ES" sz="2400" dirty="0"/>
+          </a:p>
+          <a:p>
+            <a:pPr marL="0" indent="0">
+              <a:buNone/>
+            </a:pPr>
+            <a:r>
+              <a:rPr lang="en-US" sz="2400" dirty="0"/>
+              <a:t>Introduction to Data-Driven Company</a:t>
+            </a:r>
+          </a:p>
+          <a:p>
+            <a:pPr marL="0" indent="0">
+              <a:buNone/>
+            </a:pPr>
+            <a:endParaRPr lang="en-US" sz="2400" dirty="0"/>
+          </a:p>
+          <a:p>
+            <a:pPr marL="0" indent="0">
+              <a:buNone/>
+            </a:pPr>
             <a:r>
               <a:rPr lang="en-US" sz="2400" dirty="0"/>
               <a:t>Data-Driven Platform to Accelerate AI-Powered Sales Intelligence</a:t>
+            </a:r>
+          </a:p>
+          <a:p>
+            <a:pPr marL="0" indent="0">
+              <a:buNone/>
+            </a:pPr>
+            <a:endParaRPr lang="en-US" sz="2400" dirty="0"/>
+          </a:p>
+          <a:p>
+            <a:pPr marL="0" indent="0">
+              <a:buNone/>
+            </a:pPr>
+            <a:r>
+              <a:rPr lang="es-ES" sz="2400" dirty="0"/>
+              <a:t>EDW Architecture</a:t>
+            </a:r>
+          </a:p>
+          <a:p>
+            <a:pPr marL="0" indent="0">
+              <a:buNone/>
+            </a:pPr>
+            <a:endParaRPr lang="es-ES" sz="2000" dirty="0"/>
+          </a:p>
+          <a:p>
+            <a:pPr marL="0" indent="0">
+              <a:buNone/>
+            </a:pPr>
+            <a:r>
+              <a:rPr lang="es-ES" sz="2400" dirty="0"/>
+              <a:t>E2E Sales Dashboard Design</a:t>
             </a:r>
           </a:p>
           <a:p>
@@ -12274,30 +15848,6 @@
             </a:pPr>
             <a:endParaRPr lang="es-ES" sz="2400" dirty="0"/>
           </a:p>
-          <a:p>
-            <a:pPr marL="0" indent="0">
-              <a:buNone/>
-            </a:pPr>
-            <a:r>
-              <a:rPr lang="es-ES" sz="2400" dirty="0"/>
-              <a:t>EDW Architecture</a:t>
-            </a:r>
-          </a:p>
-          <a:p>
-            <a:pPr marL="0" indent="0">
-              <a:buNone/>
-            </a:pPr>
-            <a:endParaRPr lang="es-ES" sz="2000" dirty="0"/>
-          </a:p>
-          <a:p>
-            <a:pPr marL="0" indent="0">
-              <a:buNone/>
-            </a:pPr>
-            <a:r>
-              <a:rPr lang="es-ES" sz="2400" dirty="0"/>
-              <a:t>E2E Sales Dashboard Design</a:t>
-            </a:r>
-          </a:p>
         </p:txBody>
       </p:sp>
       <p:cxnSp>
@@ -12305,7 +15855,7 @@
           <p:cNvPr id="5" name="Connettore 1 5">
             <a:extLst>
               <a:ext uri="{FF2B5EF4-FFF2-40B4-BE49-F238E27FC236}">
-                <a16:creationId xmlns:a16="http://schemas.microsoft.com/office/drawing/2014/main" id="{DFB65652-1168-1BD8-29FF-B295B48DDF5D}"/>
+                <a16:creationId xmlns:a16="http://schemas.microsoft.com/office/drawing/2014/main" id="{0E4408D2-9F8F-2975-90ED-C0774E8D8D43}"/>
               </a:ext>
             </a:extLst>
           </p:cNvPr>
@@ -12344,10 +15894,10 @@
       </p:cxnSp>
       <p:sp>
         <p:nvSpPr>
-          <p:cNvPr id="6" name="Ovale 10">
-            <a:extLst>
-              <a:ext uri="{FF2B5EF4-FFF2-40B4-BE49-F238E27FC236}">
-                <a16:creationId xmlns:a16="http://schemas.microsoft.com/office/drawing/2014/main" id="{1BB44837-D3D7-C1B3-B135-3A0921AD7869}"/>
+          <p:cNvPr id="11" name="Ovale 11">
+            <a:extLst>
+              <a:ext uri="{FF2B5EF4-FFF2-40B4-BE49-F238E27FC236}">
+                <a16:creationId xmlns:a16="http://schemas.microsoft.com/office/drawing/2014/main" id="{A773CB07-1458-6A4A-BA57-D2E8F8B23C98}"/>
               </a:ext>
             </a:extLst>
           </p:cNvPr>
@@ -12356,7 +15906,7 @@
         </p:nvSpPr>
         <p:spPr>
           <a:xfrm>
-            <a:off x="644140" y="1929058"/>
+            <a:off x="644140" y="5032375"/>
             <a:ext cx="211924" cy="211924"/>
           </a:xfrm>
           <a:prstGeom prst="ellipse">
@@ -12400,10 +15950,117 @@
       </p:sp>
       <p:sp>
         <p:nvSpPr>
-          <p:cNvPr id="7" name="Ovale 11">
-            <a:extLst>
-              <a:ext uri="{FF2B5EF4-FFF2-40B4-BE49-F238E27FC236}">
-                <a16:creationId xmlns:a16="http://schemas.microsoft.com/office/drawing/2014/main" id="{4E46172E-65D0-16B6-E266-5AB9DA70523A}"/>
+          <p:cNvPr id="4" name="CuadroTexto 3">
+            <a:extLst>
+              <a:ext uri="{FF2B5EF4-FFF2-40B4-BE49-F238E27FC236}">
+                <a16:creationId xmlns:a16="http://schemas.microsoft.com/office/drawing/2014/main" id="{094C0917-7954-DB11-46EA-F4FC94277315}"/>
+              </a:ext>
+            </a:extLst>
+          </p:cNvPr>
+          <p:cNvSpPr txBox="1"/>
+          <p:nvPr/>
+        </p:nvSpPr>
+        <p:spPr>
+          <a:xfrm>
+            <a:off x="9667495" y="6642556"/>
+            <a:ext cx="2610230" cy="215444"/>
+          </a:xfrm>
+          <a:prstGeom prst="rect">
+            <a:avLst/>
+          </a:prstGeom>
+          <a:noFill/>
+        </p:spPr>
+        <p:txBody>
+          <a:bodyPr wrap="square" rtlCol="0">
+            <a:spAutoFit/>
+          </a:bodyPr>
+          <a:lstStyle/>
+          <a:p>
+            <a:r>
+              <a:rPr lang="es-ES" sz="800" dirty="0"/>
+              <a:t>Data Architect Assesment - Rosa Mestres | June 2025</a:t>
+            </a:r>
+          </a:p>
+        </p:txBody>
+      </p:sp>
+      <p:cxnSp>
+        <p:nvCxnSpPr>
+          <p:cNvPr id="10" name="Conector recto 9">
+            <a:extLst>
+              <a:ext uri="{FF2B5EF4-FFF2-40B4-BE49-F238E27FC236}">
+                <a16:creationId xmlns:a16="http://schemas.microsoft.com/office/drawing/2014/main" id="{29F2D217-30D5-87FA-98F1-6644406C692E}"/>
+              </a:ext>
+            </a:extLst>
+          </p:cNvPr>
+          <p:cNvCxnSpPr/>
+          <p:nvPr/>
+        </p:nvCxnSpPr>
+        <p:spPr>
+          <a:xfrm>
+            <a:off x="1037039" y="4986020"/>
+            <a:ext cx="8543968" cy="0"/>
+          </a:xfrm>
+          <a:prstGeom prst="line">
+            <a:avLst/>
+          </a:prstGeom>
+        </p:spPr>
+        <p:style>
+          <a:lnRef idx="2">
+            <a:schemeClr val="accent1"/>
+          </a:lnRef>
+          <a:fillRef idx="0">
+            <a:schemeClr val="accent1"/>
+          </a:fillRef>
+          <a:effectRef idx="1">
+            <a:schemeClr val="accent1"/>
+          </a:effectRef>
+          <a:fontRef idx="minor">
+            <a:schemeClr val="tx1"/>
+          </a:fontRef>
+        </p:style>
+      </p:cxnSp>
+      <p:cxnSp>
+        <p:nvCxnSpPr>
+          <p:cNvPr id="8" name="Conector recto 7">
+            <a:extLst>
+              <a:ext uri="{FF2B5EF4-FFF2-40B4-BE49-F238E27FC236}">
+                <a16:creationId xmlns:a16="http://schemas.microsoft.com/office/drawing/2014/main" id="{DA03C24C-83D0-46EB-4210-BAAC3E736848}"/>
+              </a:ext>
+            </a:extLst>
+          </p:cNvPr>
+          <p:cNvCxnSpPr/>
+          <p:nvPr/>
+        </p:nvCxnSpPr>
+        <p:spPr>
+          <a:xfrm>
+            <a:off x="1017989" y="5414645"/>
+            <a:ext cx="8543968" cy="0"/>
+          </a:xfrm>
+          <a:prstGeom prst="line">
+            <a:avLst/>
+          </a:prstGeom>
+        </p:spPr>
+        <p:style>
+          <a:lnRef idx="2">
+            <a:schemeClr val="accent1"/>
+          </a:lnRef>
+          <a:fillRef idx="0">
+            <a:schemeClr val="accent1"/>
+          </a:fillRef>
+          <a:effectRef idx="1">
+            <a:schemeClr val="accent1"/>
+          </a:effectRef>
+          <a:fontRef idx="minor">
+            <a:schemeClr val="tx1"/>
+          </a:fontRef>
+        </p:style>
+      </p:cxnSp>
+      <p:sp>
+        <p:nvSpPr>
+          <p:cNvPr id="14" name="Ovale 10">
+            <a:extLst>
+              <a:ext uri="{FF2B5EF4-FFF2-40B4-BE49-F238E27FC236}">
+                <a16:creationId xmlns:a16="http://schemas.microsoft.com/office/drawing/2014/main" id="{EE5C4045-BBE2-A1D3-3D8C-ACE69B44DCB3}"/>
               </a:ext>
             </a:extLst>
           </p:cNvPr>
@@ -12412,7 +16069,7 @@
         </p:nvSpPr>
         <p:spPr>
           <a:xfrm>
-            <a:off x="626276" y="2826597"/>
+            <a:off x="631056" y="2452951"/>
             <a:ext cx="211924" cy="211924"/>
           </a:xfrm>
           <a:prstGeom prst="ellipse">
@@ -12456,10 +16113,10 @@
       </p:sp>
       <p:sp>
         <p:nvSpPr>
-          <p:cNvPr id="11" name="Ovale 11">
-            <a:extLst>
-              <a:ext uri="{FF2B5EF4-FFF2-40B4-BE49-F238E27FC236}">
-                <a16:creationId xmlns:a16="http://schemas.microsoft.com/office/drawing/2014/main" id="{3CB2DF14-B093-2D6A-9B1E-4D9E5B0C1D67}"/>
+          <p:cNvPr id="15" name="Ovale 10">
+            <a:extLst>
+              <a:ext uri="{FF2B5EF4-FFF2-40B4-BE49-F238E27FC236}">
+                <a16:creationId xmlns:a16="http://schemas.microsoft.com/office/drawing/2014/main" id="{24662234-A4E6-55AE-A63A-4CC3F07F1689}"/>
               </a:ext>
             </a:extLst>
           </p:cNvPr>
@@ -12468,7 +16125,7 @@
         </p:nvSpPr>
         <p:spPr>
           <a:xfrm>
-            <a:off x="633429" y="3724136"/>
+            <a:off x="638208" y="3321176"/>
             <a:ext cx="211924" cy="211924"/>
           </a:xfrm>
           <a:prstGeom prst="ellipse">
@@ -12512,373 +16169,64 @@
       </p:sp>
       <p:sp>
         <p:nvSpPr>
-          <p:cNvPr id="4" name="CuadroTexto 3">
-            <a:extLst>
-              <a:ext uri="{FF2B5EF4-FFF2-40B4-BE49-F238E27FC236}">
-                <a16:creationId xmlns:a16="http://schemas.microsoft.com/office/drawing/2014/main" id="{6CB9A615-1500-AC0D-73A7-36A963C768A1}"/>
-              </a:ext>
-            </a:extLst>
-          </p:cNvPr>
-          <p:cNvSpPr txBox="1"/>
+          <p:cNvPr id="16" name="Ovale 10">
+            <a:extLst>
+              <a:ext uri="{FF2B5EF4-FFF2-40B4-BE49-F238E27FC236}">
+                <a16:creationId xmlns:a16="http://schemas.microsoft.com/office/drawing/2014/main" id="{D41DAFDF-E53E-B156-B79C-AA896D2E8D2C}"/>
+              </a:ext>
+            </a:extLst>
+          </p:cNvPr>
+          <p:cNvSpPr/>
           <p:nvPr/>
         </p:nvSpPr>
         <p:spPr>
           <a:xfrm>
-            <a:off x="9667495" y="6642556"/>
-            <a:ext cx="2610230" cy="215444"/>
-          </a:xfrm>
-          <a:prstGeom prst="rect">
+            <a:off x="638208" y="4258793"/>
+            <a:ext cx="211924" cy="211924"/>
+          </a:xfrm>
+          <a:prstGeom prst="ellipse">
             <a:avLst/>
           </a:prstGeom>
-          <a:noFill/>
-        </p:spPr>
-        <p:txBody>
-          <a:bodyPr wrap="square" rtlCol="0">
-            <a:spAutoFit/>
-          </a:bodyPr>
-          <a:lstStyle/>
-          <a:p>
-            <a:r>
-              <a:rPr lang="es-ES" sz="800" dirty="0"/>
-              <a:t>Data Architect Assesment - Rosa Mestres | June 2025</a:t>
-            </a:r>
-          </a:p>
-        </p:txBody>
-      </p:sp>
-      <p:cxnSp>
-        <p:nvCxnSpPr>
-          <p:cNvPr id="9" name="Conector recto 8">
-            <a:extLst>
-              <a:ext uri="{FF2B5EF4-FFF2-40B4-BE49-F238E27FC236}">
-                <a16:creationId xmlns:a16="http://schemas.microsoft.com/office/drawing/2014/main" id="{D4685B6A-3C07-F732-D826-1DD5E9B28EC9}"/>
-              </a:ext>
-            </a:extLst>
-          </p:cNvPr>
-          <p:cNvCxnSpPr/>
-          <p:nvPr/>
-        </p:nvCxnSpPr>
-        <p:spPr>
-          <a:xfrm>
-            <a:off x="872785" y="4047617"/>
-            <a:ext cx="8543968" cy="0"/>
-          </a:xfrm>
-          <a:prstGeom prst="line">
-            <a:avLst/>
-          </a:prstGeom>
+          <a:solidFill>
+            <a:srgbClr val="0071AA"/>
+          </a:solidFill>
+          <a:ln>
+            <a:noFill/>
+          </a:ln>
         </p:spPr>
         <p:style>
           <a:lnRef idx="2">
-            <a:schemeClr val="accent1"/>
+            <a:schemeClr val="accent1">
+              <a:shade val="50000"/>
+            </a:schemeClr>
           </a:lnRef>
-          <a:fillRef idx="0">
+          <a:fillRef idx="1">
             <a:schemeClr val="accent1"/>
           </a:fillRef>
-          <a:effectRef idx="1">
+          <a:effectRef idx="0">
             <a:schemeClr val="accent1"/>
           </a:effectRef>
           <a:fontRef idx="minor">
-            <a:schemeClr val="tx1"/>
+            <a:schemeClr val="lt1"/>
           </a:fontRef>
         </p:style>
-      </p:cxnSp>
-      <p:cxnSp>
-        <p:nvCxnSpPr>
-          <p:cNvPr id="8" name="Conector recto 7">
-            <a:extLst>
-              <a:ext uri="{FF2B5EF4-FFF2-40B4-BE49-F238E27FC236}">
-                <a16:creationId xmlns:a16="http://schemas.microsoft.com/office/drawing/2014/main" id="{AD11835F-EFF0-D9E9-135B-B80A9F862DAA}"/>
-              </a:ext>
-            </a:extLst>
-          </p:cNvPr>
-          <p:cNvCxnSpPr/>
-          <p:nvPr/>
-        </p:nvCxnSpPr>
-        <p:spPr>
-          <a:xfrm>
-            <a:off x="856064" y="3578225"/>
-            <a:ext cx="8543968" cy="0"/>
-          </a:xfrm>
-          <a:prstGeom prst="line">
-            <a:avLst/>
-          </a:prstGeom>
-        </p:spPr>
-        <p:style>
-          <a:lnRef idx="2">
-            <a:schemeClr val="accent1"/>
-          </a:lnRef>
-          <a:fillRef idx="0">
-            <a:schemeClr val="accent1"/>
-          </a:fillRef>
-          <a:effectRef idx="1">
-            <a:schemeClr val="accent1"/>
-          </a:effectRef>
-          <a:fontRef idx="minor">
-            <a:schemeClr val="tx1"/>
-          </a:fontRef>
-        </p:style>
-      </p:cxnSp>
+        <p:txBody>
+          <a:bodyPr rtlCol="0" anchor="ctr"/>
+          <a:lstStyle/>
+          <a:p>
+            <a:pPr algn="ctr"/>
+            <a:endParaRPr lang="en-GB" dirty="0">
+              <a:latin typeface="Verdana" panose="020B0604030504040204" pitchFamily="34" charset="0"/>
+              <a:ea typeface="Verdana" panose="020B0604030504040204" pitchFamily="34" charset="0"/>
+              <a:cs typeface="Verdana" panose="020B0604030504040204" pitchFamily="34" charset="0"/>
+            </a:endParaRPr>
+          </a:p>
+        </p:txBody>
+      </p:sp>
     </p:spTree>
     <p:extLst>
       <p:ext uri="{BB962C8B-B14F-4D97-AF65-F5344CB8AC3E}">
-        <p14:creationId xmlns:p14="http://schemas.microsoft.com/office/powerpoint/2010/main" val="56542962"/>
-      </p:ext>
-    </p:extLst>
-  </p:cSld>
-  <p:clrMapOvr>
-    <a:masterClrMapping/>
-  </p:clrMapOvr>
-</p:sld>
-</file>
-
-<file path=ppt/slides/slide9.xml><?xml version="1.0" encoding="utf-8"?>
-<p:sld xmlns:a="http://schemas.openxmlformats.org/drawingml/2006/main" xmlns:r="http://schemas.openxmlformats.org/officeDocument/2006/relationships" xmlns:p="http://schemas.openxmlformats.org/presentationml/2006/main">
-  <p:cSld>
-    <p:spTree>
-      <p:nvGrpSpPr>
-        <p:cNvPr id="1" name="">
-          <a:extLst>
-            <a:ext uri="{FF2B5EF4-FFF2-40B4-BE49-F238E27FC236}">
-              <a16:creationId xmlns:a16="http://schemas.microsoft.com/office/drawing/2014/main" id="{CC275E7B-D182-3062-A34D-777169D53F68}"/>
-            </a:ext>
-          </a:extLst>
-        </p:cNvPr>
-        <p:cNvGrpSpPr/>
-        <p:nvPr/>
-      </p:nvGrpSpPr>
-      <p:grpSpPr>
-        <a:xfrm>
-          <a:off x="0" y="0"/>
-          <a:ext cx="0" cy="0"/>
-          <a:chOff x="0" y="0"/>
-          <a:chExt cx="0" cy="0"/>
-        </a:xfrm>
-      </p:grpSpPr>
-      <p:sp>
-        <p:nvSpPr>
-          <p:cNvPr id="7" name="Título 6">
-            <a:extLst>
-              <a:ext uri="{FF2B5EF4-FFF2-40B4-BE49-F238E27FC236}">
-                <a16:creationId xmlns:a16="http://schemas.microsoft.com/office/drawing/2014/main" id="{9ED2CF62-C27A-9A3D-AA5F-F5D5C50EDFA1}"/>
-              </a:ext>
-            </a:extLst>
-          </p:cNvPr>
-          <p:cNvSpPr>
-            <a:spLocks noGrp="1"/>
-          </p:cNvSpPr>
-          <p:nvPr>
-            <p:ph type="title"/>
-          </p:nvPr>
-        </p:nvSpPr>
-        <p:spPr>
-          <a:xfrm>
-            <a:off x="388149" y="321272"/>
-            <a:ext cx="11407302" cy="1171473"/>
-          </a:xfrm>
-        </p:spPr>
-        <p:txBody>
-          <a:bodyPr>
-            <a:normAutofit fontScale="90000"/>
-          </a:bodyPr>
-          <a:lstStyle/>
-          <a:p>
-            <a:br>
-              <a:rPr lang="es-ES" dirty="0"/>
-            </a:br>
-            <a:br>
-              <a:rPr lang="es-ES" dirty="0"/>
-            </a:br>
-            <a:endParaRPr lang="es-ES" dirty="0"/>
-          </a:p>
-        </p:txBody>
-      </p:sp>
-      <p:sp>
-        <p:nvSpPr>
-          <p:cNvPr id="63" name="CuadroTexto 62">
-            <a:extLst>
-              <a:ext uri="{FF2B5EF4-FFF2-40B4-BE49-F238E27FC236}">
-                <a16:creationId xmlns:a16="http://schemas.microsoft.com/office/drawing/2014/main" id="{EA63C2DE-51FB-59BB-19B6-50545C1F585B}"/>
-              </a:ext>
-            </a:extLst>
-          </p:cNvPr>
-          <p:cNvSpPr txBox="1"/>
-          <p:nvPr/>
-        </p:nvSpPr>
-        <p:spPr>
-          <a:xfrm>
-            <a:off x="9381745" y="6611779"/>
-            <a:ext cx="3054096" cy="246221"/>
-          </a:xfrm>
-          <a:prstGeom prst="rect">
-            <a:avLst/>
-          </a:prstGeom>
-          <a:noFill/>
-        </p:spPr>
-        <p:txBody>
-          <a:bodyPr wrap="square" rtlCol="0">
-            <a:spAutoFit/>
-          </a:bodyPr>
-          <a:lstStyle/>
-          <a:p>
-            <a:r>
-              <a:rPr lang="es-ES" sz="1000" dirty="0"/>
-              <a:t>Data Architect Assesment - </a:t>
-            </a:r>
-            <a:r>
-              <a:rPr lang="es-ES" sz="800" dirty="0"/>
-              <a:t>Rosa Mestres | June 2025</a:t>
-            </a:r>
-          </a:p>
-        </p:txBody>
-      </p:sp>
-      <p:cxnSp>
-        <p:nvCxnSpPr>
-          <p:cNvPr id="105" name="Conector recto 104">
-            <a:extLst>
-              <a:ext uri="{FF2B5EF4-FFF2-40B4-BE49-F238E27FC236}">
-                <a16:creationId xmlns:a16="http://schemas.microsoft.com/office/drawing/2014/main" id="{0C958031-24E1-D415-2B99-A354CA7C19C6}"/>
-              </a:ext>
-            </a:extLst>
-          </p:cNvPr>
-          <p:cNvCxnSpPr>
-            <a:cxnSpLocks/>
-          </p:cNvCxnSpPr>
-          <p:nvPr/>
-        </p:nvCxnSpPr>
-        <p:spPr>
-          <a:xfrm>
-            <a:off x="388149" y="447963"/>
-            <a:ext cx="0" cy="891310"/>
-          </a:xfrm>
-          <a:prstGeom prst="line">
-            <a:avLst/>
-          </a:prstGeom>
-        </p:spPr>
-        <p:style>
-          <a:lnRef idx="2">
-            <a:schemeClr val="accent1"/>
-          </a:lnRef>
-          <a:fillRef idx="0">
-            <a:schemeClr val="accent1"/>
-          </a:fillRef>
-          <a:effectRef idx="1">
-            <a:schemeClr val="accent1"/>
-          </a:effectRef>
-          <a:fontRef idx="minor">
-            <a:schemeClr val="tx1"/>
-          </a:fontRef>
-        </p:style>
-      </p:cxnSp>
-      <p:sp>
-        <p:nvSpPr>
-          <p:cNvPr id="4" name="Título 6">
-            <a:extLst>
-              <a:ext uri="{FF2B5EF4-FFF2-40B4-BE49-F238E27FC236}">
-                <a16:creationId xmlns:a16="http://schemas.microsoft.com/office/drawing/2014/main" id="{53F08B1D-1BD6-AFCC-9113-350F10C2D182}"/>
-              </a:ext>
-            </a:extLst>
-          </p:cNvPr>
-          <p:cNvSpPr txBox="1">
-            <a:spLocks/>
-          </p:cNvSpPr>
-          <p:nvPr/>
-        </p:nvSpPr>
-        <p:spPr>
-          <a:xfrm>
-            <a:off x="455337" y="304455"/>
-            <a:ext cx="11407302" cy="1171473"/>
-          </a:xfrm>
-          <a:prstGeom prst="rect">
-            <a:avLst/>
-          </a:prstGeom>
-        </p:spPr>
-        <p:txBody>
-          <a:bodyPr vert="horz" lIns="91440" tIns="45720" rIns="91440" bIns="45720" rtlCol="0" anchor="ctr">
-            <a:normAutofit fontScale="60000" lnSpcReduction="20000"/>
-          </a:bodyPr>
-          <a:lstStyle>
-            <a:lvl1pPr algn="l" defTabSz="914400" rtl="0" eaLnBrk="1" latinLnBrk="0" hangingPunct="1">
-              <a:lnSpc>
-                <a:spcPct val="90000"/>
-              </a:lnSpc>
-              <a:spcBef>
-                <a:spcPct val="0"/>
-              </a:spcBef>
-              <a:buNone/>
-              <a:defRPr sz="4400" kern="1200">
-                <a:solidFill>
-                  <a:schemeClr val="tx1"/>
-                </a:solidFill>
-                <a:latin typeface="+mj-lt"/>
-                <a:ea typeface="+mj-ea"/>
-                <a:cs typeface="+mj-cs"/>
-              </a:defRPr>
-            </a:lvl1pPr>
-          </a:lstStyle>
-          <a:p>
-            <a:br>
-              <a:rPr lang="es-ES" dirty="0"/>
-            </a:br>
-            <a:r>
-              <a:rPr lang="es-ES" sz="7200" dirty="0"/>
-              <a:t>E2E Sales Dashboard Design</a:t>
-            </a:r>
-            <a:br>
-              <a:rPr lang="es-ES" dirty="0"/>
-            </a:br>
-            <a:r>
-              <a:rPr lang="es-ES" sz="4000" dirty="0">
-                <a:solidFill>
-                  <a:schemeClr val="bg1">
-                    <a:lumMod val="50000"/>
-                  </a:schemeClr>
-                </a:solidFill>
-              </a:rPr>
-              <a:t>Technical Pipeline Architecture</a:t>
-            </a:r>
-            <a:endParaRPr lang="es-ES" sz="4200" dirty="0">
-              <a:solidFill>
-                <a:schemeClr val="bg1">
-                  <a:lumMod val="50000"/>
-                </a:schemeClr>
-              </a:solidFill>
-            </a:endParaRPr>
-          </a:p>
-        </p:txBody>
-      </p:sp>
-      <p:pic>
-        <p:nvPicPr>
-          <p:cNvPr id="8" name="Imagen 7">
-            <a:extLst>
-              <a:ext uri="{FF2B5EF4-FFF2-40B4-BE49-F238E27FC236}">
-                <a16:creationId xmlns:a16="http://schemas.microsoft.com/office/drawing/2014/main" id="{60DB2EDB-91EA-2760-D283-542435EB8A4F}"/>
-              </a:ext>
-            </a:extLst>
-          </p:cNvPr>
-          <p:cNvPicPr>
-            <a:picLocks noChangeAspect="1"/>
-          </p:cNvPicPr>
-          <p:nvPr/>
-        </p:nvPicPr>
-        <p:blipFill>
-          <a:blip r:embed="rId3"/>
-          <a:stretch>
-            <a:fillRect/>
-          </a:stretch>
-        </p:blipFill>
-        <p:spPr>
-          <a:xfrm>
-            <a:off x="430140" y="1821660"/>
-            <a:ext cx="11323320" cy="3679864"/>
-          </a:xfrm>
-          <a:prstGeom prst="rect">
-            <a:avLst/>
-          </a:prstGeom>
-        </p:spPr>
-      </p:pic>
-    </p:spTree>
-    <p:extLst>
-      <p:ext uri="{BB962C8B-B14F-4D97-AF65-F5344CB8AC3E}">
-        <p14:creationId xmlns:p14="http://schemas.microsoft.com/office/powerpoint/2010/main" val="3448496138"/>
+        <p14:creationId xmlns:p14="http://schemas.microsoft.com/office/powerpoint/2010/main" val="1823616199"/>
       </p:ext>
     </p:extLst>
   </p:cSld>
